--- a/Kent Beck Style TDD - Seven Years After.pptx
+++ b/Kent Beck Style TDD - Seven Years After.pptx
@@ -4298,44 +4298,13 @@
         </p:nvSpPr>
         <p:spPr/>
         <p:txBody>
-          <a:bodyPr>
-            <a:normAutofit/>
-          </a:bodyPr>
+          <a:bodyPr/>
           <a:lstStyle/>
           <a:p>
             <a:r>
               <a:rPr lang="en-US" dirty="0"/>
-              <a:t>Write a test: We work Test First. Always.</a:t>
-            </a:r>
-          </a:p>
-          <a:p>
-            <a:r>
-              <a:rPr lang="en-US" dirty="0"/>
-              <a:t>Make it Compile: Get the test to the</a:t>
-            </a:r>
-            <a:r>
-              <a:rPr lang="en-US" baseline="0" dirty="0"/>
-              <a:t> point of compilation, with stubbed implementations on the SUT</a:t>
-            </a:r>
-          </a:p>
-          <a:p>
-            <a:r>
-              <a:rPr lang="en-US" baseline="0" dirty="0"/>
-              <a:t>Run to see that it fails: The only control for a test is a failing test. Remove false positives.</a:t>
-            </a:r>
-          </a:p>
-          <a:p>
-            <a:r>
-              <a:rPr lang="en-US" baseline="0" dirty="0"/>
-              <a:t>Make it run: Do the simplest thing you can to implement. Don’t strive for clean code here.</a:t>
-            </a:r>
-          </a:p>
-          <a:p>
-            <a:r>
-              <a:rPr lang="en-US" baseline="0" dirty="0"/>
-              <a:t>Remove duplication: Now refactor to clean code.</a:t>
-            </a:r>
-            <a:endParaRPr lang="en-GB" dirty="0"/>
+              <a:t>Test Pyramid</a:t>
+            </a:r>
           </a:p>
         </p:txBody>
       </p:sp>
@@ -4346,7 +4315,7 @@
             <a:spLocks noGrp="1"/>
           </p:cNvSpPr>
           <p:nvPr>
-            <p:ph type="sldNum" sz="quarter" idx="10"/>
+            <p:ph type="sldNum" sz="quarter" idx="5"/>
           </p:nvPr>
         </p:nvSpPr>
         <p:spPr/>
@@ -4354,19 +4323,18 @@
           <a:bodyPr/>
           <a:lstStyle/>
           <a:p>
-            <a:fld id="{F66C4C5A-655F-4C9D-B92A-07E1070CBF6B}" type="slidenum">
-              <a:rPr lang="en-GB" smtClean="0"/>
-              <a:pPr/>
-              <a:t>49</a:t>
+            <a:fld id="{8D454BB1-5AB5-DF45-A819-95464E74CBE3}" type="slidenum">
+              <a:rPr lang="en-US" smtClean="0"/>
+              <a:t>45</a:t>
             </a:fld>
-            <a:endParaRPr lang="en-GB"/>
+            <a:endParaRPr lang="en-US"/>
           </a:p>
         </p:txBody>
       </p:sp>
     </p:spTree>
     <p:extLst>
       <p:ext uri="{BB962C8B-B14F-4D97-AF65-F5344CB8AC3E}">
-        <p14:creationId xmlns:p14="http://schemas.microsoft.com/office/powerpoint/2010/main" val="4212591972"/>
+        <p14:creationId xmlns:p14="http://schemas.microsoft.com/office/powerpoint/2010/main" val="17377811"/>
       </p:ext>
     </p:extLst>
   </p:cSld>
@@ -4514,66 +4482,42 @@
         <p:spPr/>
         <p:txBody>
           <a:bodyPr>
-            <a:normAutofit fontScale="92500" lnSpcReduction="20000"/>
+            <a:normAutofit/>
           </a:bodyPr>
           <a:lstStyle/>
           <a:p>
             <a:r>
-              <a:rPr lang="en-GB" dirty="0"/>
-              <a:t>Make it run. Quickly getting that bar to go to green dominates everything else. If a clean, simple solution is obvious, then type it in. If the clean, simple solution is obvious but it will take you a minute, then make a note of it and get back to the main problem, which is getting the bar green in seconds. </a:t>
-            </a:r>
-          </a:p>
-          <a:p>
-            <a:endParaRPr lang="en-GB" dirty="0"/>
-          </a:p>
-          <a:p>
-            <a:r>
-              <a:rPr lang="en-GB" dirty="0"/>
-              <a:t>This shift in aesthetics is hard for some experienced software engineers. They only know how to follow the rules of good engineering. Quick green excuses all sins. But only for a moment.</a:t>
-            </a:r>
-          </a:p>
-          <a:p>
-            <a:endParaRPr lang="en-GB" dirty="0"/>
-          </a:p>
-          <a:p>
-            <a:r>
-              <a:rPr lang="en-GB" dirty="0"/>
-              <a:t>The goal is clean code that works (thanks to Ron Jeffries for this pithy summary). Clean code that</a:t>
-            </a:r>
-            <a:r>
-              <a:rPr lang="en-GB" baseline="0" dirty="0"/>
-              <a:t> </a:t>
-            </a:r>
-            <a:r>
-              <a:rPr lang="en-GB" dirty="0"/>
-              <a:t>works is out of the reach of even the best programmers some of the time, and out of the reach of most programmers (like me) most of the time. Divide and conquer, baby. First we'll solve the “that works” part of the problem. Then we'll solve the “clean code” part. This is the opposite of architecture-driven development, where you solve “clean code” first, then scramble around trying to integrate into the design the things you learn as you solve the “that works” problem.</a:t>
-            </a:r>
-          </a:p>
-          <a:p>
-            <a:endParaRPr lang="en-GB" dirty="0"/>
-          </a:p>
-          <a:p>
-            <a:r>
-              <a:rPr lang="en-GB" dirty="0"/>
-              <a:t>--------</a:t>
-            </a:r>
-          </a:p>
-          <a:p>
-            <a:r>
-              <a:rPr lang="en-GB" dirty="0"/>
-              <a:t>The different phases have different purposes. They call for different styles of solution, different aesthetic viewpoints. The first three phases need to go by quickly, so we get to a known state with the new functionality. We can commit any number of sins to get there, because speed trumps design, just for that brief moment.</a:t>
-            </a:r>
-          </a:p>
-          <a:p>
-            <a:endParaRPr lang="en-GB" dirty="0"/>
-          </a:p>
-          <a:p>
-            <a:r>
-              <a:rPr lang="en-GB" dirty="0"/>
-              <a:t>Now I'm worried. I've given you a license to abandon all the principles of good design. Off you go to your teams—“Kent says all that design stuff doesn't matter.” Halt. The cycle is not complete. A four-legged Aeron chair falls over. The first four steps of the cycle won't work without the fifth. Good design at good times. Make it run, make it right.</a:t>
-            </a:r>
-          </a:p>
-          <a:p>
+              <a:rPr lang="en-US" dirty="0"/>
+              <a:t>Write a test: We work Test First. Always.</a:t>
+            </a:r>
+          </a:p>
+          <a:p>
+            <a:r>
+              <a:rPr lang="en-US" dirty="0"/>
+              <a:t>Make it Compile: Get the test to the</a:t>
+            </a:r>
+            <a:r>
+              <a:rPr lang="en-US" baseline="0" dirty="0"/>
+              <a:t> point of compilation, with stubbed implementations on the SUT</a:t>
+            </a:r>
+          </a:p>
+          <a:p>
+            <a:r>
+              <a:rPr lang="en-US" baseline="0" dirty="0"/>
+              <a:t>Run to see that it fails: The only control for a test is a failing test. Remove false positives.</a:t>
+            </a:r>
+          </a:p>
+          <a:p>
+            <a:r>
+              <a:rPr lang="en-US" baseline="0" dirty="0"/>
+              <a:t>Make it run: Do the simplest thing you can to implement. Don’t strive for clean code here.</a:t>
+            </a:r>
+          </a:p>
+          <a:p>
+            <a:r>
+              <a:rPr lang="en-US" baseline="0" dirty="0"/>
+              <a:t>Remove duplication: Now refactor to clean code.</a:t>
+            </a:r>
             <a:endParaRPr lang="en-GB" dirty="0"/>
           </a:p>
         </p:txBody>
@@ -4596,7 +4540,7 @@
             <a:fld id="{F66C4C5A-655F-4C9D-B92A-07E1070CBF6B}" type="slidenum">
               <a:rPr lang="en-GB" smtClean="0"/>
               <a:pPr/>
-              <a:t>51</a:t>
+              <a:t>49</a:t>
             </a:fld>
             <a:endParaRPr lang="en-GB"/>
           </a:p>
@@ -4605,7 +4549,7 @@
     </p:spTree>
     <p:extLst>
       <p:ext uri="{BB962C8B-B14F-4D97-AF65-F5344CB8AC3E}">
-        <p14:creationId xmlns:p14="http://schemas.microsoft.com/office/powerpoint/2010/main" val="4135945141"/>
+        <p14:creationId xmlns:p14="http://schemas.microsoft.com/office/powerpoint/2010/main" val="4212591972"/>
       </p:ext>
     </p:extLst>
   </p:cSld>
@@ -4656,10 +4600,68 @@
         </p:nvSpPr>
         <p:spPr/>
         <p:txBody>
-          <a:bodyPr/>
-          <a:lstStyle/>
-          <a:p>
-            <a:endParaRPr lang="en-US" dirty="0"/>
+          <a:bodyPr>
+            <a:normAutofit fontScale="92500" lnSpcReduction="20000"/>
+          </a:bodyPr>
+          <a:lstStyle/>
+          <a:p>
+            <a:r>
+              <a:rPr lang="en-GB" dirty="0"/>
+              <a:t>Make it run. Quickly getting that bar to go to green dominates everything else. If a clean, simple solution is obvious, then type it in. If the clean, simple solution is obvious but it will take you a minute, then make a note of it and get back to the main problem, which is getting the bar green in seconds. </a:t>
+            </a:r>
+          </a:p>
+          <a:p>
+            <a:endParaRPr lang="en-GB" dirty="0"/>
+          </a:p>
+          <a:p>
+            <a:r>
+              <a:rPr lang="en-GB" dirty="0"/>
+              <a:t>This shift in aesthetics is hard for some experienced software engineers. They only know how to follow the rules of good engineering. Quick green excuses all sins. But only for a moment.</a:t>
+            </a:r>
+          </a:p>
+          <a:p>
+            <a:endParaRPr lang="en-GB" dirty="0"/>
+          </a:p>
+          <a:p>
+            <a:r>
+              <a:rPr lang="en-GB" dirty="0"/>
+              <a:t>The goal is clean code that works (thanks to Ron Jeffries for this pithy summary). Clean code that</a:t>
+            </a:r>
+            <a:r>
+              <a:rPr lang="en-GB" baseline="0" dirty="0"/>
+              <a:t> </a:t>
+            </a:r>
+            <a:r>
+              <a:rPr lang="en-GB" dirty="0"/>
+              <a:t>works is out of the reach of even the best programmers some of the time, and out of the reach of most programmers (like me) most of the time. Divide and conquer, baby. First we'll solve the “that works” part of the problem. Then we'll solve the “clean code” part. This is the opposite of architecture-driven development, where you solve “clean code” first, then scramble around trying to integrate into the design the things you learn as you solve the “that works” problem.</a:t>
+            </a:r>
+          </a:p>
+          <a:p>
+            <a:endParaRPr lang="en-GB" dirty="0"/>
+          </a:p>
+          <a:p>
+            <a:r>
+              <a:rPr lang="en-GB" dirty="0"/>
+              <a:t>--------</a:t>
+            </a:r>
+          </a:p>
+          <a:p>
+            <a:r>
+              <a:rPr lang="en-GB" dirty="0"/>
+              <a:t>The different phases have different purposes. They call for different styles of solution, different aesthetic viewpoints. The first three phases need to go by quickly, so we get to a known state with the new functionality. We can commit any number of sins to get there, because speed trumps design, just for that brief moment.</a:t>
+            </a:r>
+          </a:p>
+          <a:p>
+            <a:endParaRPr lang="en-GB" dirty="0"/>
+          </a:p>
+          <a:p>
+            <a:r>
+              <a:rPr lang="en-GB" dirty="0"/>
+              <a:t>Now I'm worried. I've given you a license to abandon all the principles of good design. Off you go to your teams—“Kent says all that design stuff doesn't matter.” Halt. The cycle is not complete. A four-legged Aeron chair falls over. The first four steps of the cycle won't work without the fifth. Good design at good times. Make it run, make it right.</a:t>
+            </a:r>
+          </a:p>
+          <a:p>
+            <a:endParaRPr lang="en-GB" dirty="0"/>
           </a:p>
         </p:txBody>
       </p:sp>
@@ -4670,7 +4672,7 @@
             <a:spLocks noGrp="1"/>
           </p:cNvSpPr>
           <p:nvPr>
-            <p:ph type="sldNum" sz="quarter" idx="5"/>
+            <p:ph type="sldNum" sz="quarter" idx="10"/>
           </p:nvPr>
         </p:nvSpPr>
         <p:spPr/>
@@ -4678,18 +4680,19 @@
           <a:bodyPr/>
           <a:lstStyle/>
           <a:p>
-            <a:fld id="{8D454BB1-5AB5-DF45-A819-95464E74CBE3}" type="slidenum">
-              <a:rPr lang="en-US" smtClean="0"/>
-              <a:t>53</a:t>
+            <a:fld id="{F66C4C5A-655F-4C9D-B92A-07E1070CBF6B}" type="slidenum">
+              <a:rPr lang="en-GB" smtClean="0"/>
+              <a:pPr/>
+              <a:t>51</a:t>
             </a:fld>
-            <a:endParaRPr lang="en-US"/>
+            <a:endParaRPr lang="en-GB"/>
           </a:p>
         </p:txBody>
       </p:sp>
     </p:spTree>
     <p:extLst>
       <p:ext uri="{BB962C8B-B14F-4D97-AF65-F5344CB8AC3E}">
-        <p14:creationId xmlns:p14="http://schemas.microsoft.com/office/powerpoint/2010/main" val="583900857"/>
+        <p14:creationId xmlns:p14="http://schemas.microsoft.com/office/powerpoint/2010/main" val="4135945141"/>
       </p:ext>
     </p:extLst>
   </p:cSld>
@@ -4740,476 +4743,10 @@
         </p:nvSpPr>
         <p:spPr/>
         <p:txBody>
-          <a:bodyPr>
-            <a:normAutofit fontScale="77500" lnSpcReduction="20000"/>
-          </a:bodyPr>
-          <a:lstStyle/>
-          <a:p>
-            <a:pPr marL="0" marR="0" indent="0" algn="l" defTabSz="914400" rtl="0" eaLnBrk="1" fontAlgn="auto" latinLnBrk="0" hangingPunct="1">
-              <a:lnSpc>
-                <a:spcPct val="100000"/>
-              </a:lnSpc>
-              <a:spcBef>
-                <a:spcPts val="0"/>
-              </a:spcBef>
-              <a:spcAft>
-                <a:spcPts val="0"/>
-              </a:spcAft>
-              <a:buClrTx/>
-              <a:buSzTx/>
-              <a:buFontTx/>
-              <a:buNone/>
-              <a:tabLst/>
-              <a:defRPr/>
-            </a:pPr>
-            <a:r>
-              <a:rPr lang="en-GB" sz="1200" b="0" i="0" kern="1200" dirty="0">
-                <a:solidFill>
-                  <a:schemeClr val="tx1"/>
-                </a:solidFill>
-                <a:latin typeface="+mn-lt"/>
-                <a:ea typeface="+mn-ea"/>
-                <a:cs typeface="+mn-cs"/>
-              </a:rPr>
-              <a:t>Now there is an important implication here that is often overlooked. We don’t have to write tests for the classes that we refactor out through that last step. They will be internal to our implementation, and are already covered by the first test. We do not need to add new tests for the next level – unless we feel we do not know how to navigate to the next step.</a:t>
-            </a:r>
-          </a:p>
-          <a:p>
-            <a:pPr marL="0" marR="0" indent="0" algn="l" defTabSz="914400" rtl="0" eaLnBrk="1" fontAlgn="auto" latinLnBrk="0" hangingPunct="1">
-              <a:lnSpc>
-                <a:spcPct val="100000"/>
-              </a:lnSpc>
-              <a:spcBef>
-                <a:spcPts val="0"/>
-              </a:spcBef>
-              <a:spcAft>
-                <a:spcPts val="0"/>
-              </a:spcAft>
-              <a:buClrTx/>
-              <a:buSzTx/>
-              <a:buFontTx/>
-              <a:buNone/>
-              <a:tabLst/>
-              <a:defRPr/>
-            </a:pPr>
-            <a:endParaRPr lang="en-US" sz="1200" b="0" i="0" kern="1200" dirty="0">
-              <a:solidFill>
-                <a:schemeClr val="tx1"/>
-              </a:solidFill>
-              <a:latin typeface="+mn-lt"/>
-              <a:ea typeface="+mn-ea"/>
-              <a:cs typeface="+mn-cs"/>
-            </a:endParaRPr>
-          </a:p>
-          <a:p>
-            <a:pPr marL="0" marR="0" indent="0" algn="l" defTabSz="914400" rtl="0" eaLnBrk="1" fontAlgn="auto" latinLnBrk="0" hangingPunct="1">
-              <a:lnSpc>
-                <a:spcPct val="100000"/>
-              </a:lnSpc>
-              <a:spcBef>
-                <a:spcPts val="0"/>
-              </a:spcBef>
-              <a:spcAft>
-                <a:spcPts val="0"/>
-              </a:spcAft>
-              <a:buClrTx/>
-              <a:buSzTx/>
-              <a:buFontTx/>
-              <a:buNone/>
-              <a:tabLst/>
-              <a:defRPr/>
-            </a:pPr>
-            <a:r>
-              <a:rPr lang="en-US" sz="1200" b="0" i="0" kern="1200" dirty="0">
-                <a:solidFill>
-                  <a:schemeClr val="tx1"/>
-                </a:solidFill>
-                <a:latin typeface="+mn-lt"/>
-                <a:ea typeface="+mn-ea"/>
-                <a:cs typeface="+mn-cs"/>
-              </a:rPr>
-              <a:t>One issue here is the difference between </a:t>
-            </a:r>
-            <a:r>
-              <a:rPr lang="en-US" sz="1200" b="0" i="0" kern="1200" baseline="0" dirty="0">
-                <a:solidFill>
-                  <a:schemeClr val="tx1"/>
-                </a:solidFill>
-                <a:latin typeface="+mn-lt"/>
-                <a:ea typeface="+mn-ea"/>
-                <a:cs typeface="+mn-cs"/>
-              </a:rPr>
-              <a:t>refactoring into objects and introducing collaborators, that we potentially should be replacing with a test double (see later) for the test. If we introduce another public class it is probably a collaborator which we ought to consider might need to be replaced with a test double. We don’t want to write new tests to implement it at this stage. Instead we just want to check the outputs to that class.</a:t>
-            </a:r>
-          </a:p>
-          <a:p>
-            <a:pPr marL="0" marR="0" indent="0" algn="l" defTabSz="914400" rtl="0" eaLnBrk="1" fontAlgn="auto" latinLnBrk="0" hangingPunct="1">
-              <a:lnSpc>
-                <a:spcPct val="100000"/>
-              </a:lnSpc>
-              <a:spcBef>
-                <a:spcPts val="0"/>
-              </a:spcBef>
-              <a:spcAft>
-                <a:spcPts val="0"/>
-              </a:spcAft>
-              <a:buClrTx/>
-              <a:buSzTx/>
-              <a:buFontTx/>
-              <a:buNone/>
-              <a:tabLst/>
-              <a:defRPr/>
-            </a:pPr>
-            <a:endParaRPr lang="en-US" sz="1200" b="0" i="0" kern="1200" baseline="0" dirty="0">
-              <a:solidFill>
-                <a:schemeClr val="tx1"/>
-              </a:solidFill>
-              <a:latin typeface="+mn-lt"/>
-              <a:ea typeface="+mn-ea"/>
-              <a:cs typeface="+mn-cs"/>
-            </a:endParaRPr>
-          </a:p>
-          <a:p>
-            <a:pPr marL="0" marR="0" indent="0" algn="l" defTabSz="914400" rtl="0" eaLnBrk="1" fontAlgn="auto" latinLnBrk="0" hangingPunct="1">
-              <a:lnSpc>
-                <a:spcPct val="100000"/>
-              </a:lnSpc>
-              <a:spcBef>
-                <a:spcPts val="0"/>
-              </a:spcBef>
-              <a:spcAft>
-                <a:spcPts val="0"/>
-              </a:spcAft>
-              <a:buClrTx/>
-              <a:buSzTx/>
-              <a:buFontTx/>
-              <a:buNone/>
-              <a:tabLst/>
-              <a:defRPr/>
-            </a:pPr>
-            <a:r>
-              <a:rPr lang="en-US" sz="1200" b="0" i="0" kern="1200" baseline="0" dirty="0">
-                <a:solidFill>
-                  <a:schemeClr val="tx1"/>
-                </a:solidFill>
-                <a:latin typeface="+mn-lt"/>
-                <a:ea typeface="+mn-ea"/>
-                <a:cs typeface="+mn-cs"/>
-              </a:rPr>
-              <a:t>Note that the easy way to test this assertion is that when we refactor we only change implementation details not public contracts. If we introduce a new public contract we may want to replace it with a test.</a:t>
-            </a:r>
-          </a:p>
-          <a:p>
-            <a:pPr marL="0" marR="0" indent="0" algn="l" defTabSz="914400" rtl="0" eaLnBrk="1" fontAlgn="auto" latinLnBrk="0" hangingPunct="1">
-              <a:lnSpc>
-                <a:spcPct val="100000"/>
-              </a:lnSpc>
-              <a:spcBef>
-                <a:spcPts val="0"/>
-              </a:spcBef>
-              <a:spcAft>
-                <a:spcPts val="0"/>
-              </a:spcAft>
-              <a:buClrTx/>
-              <a:buSzTx/>
-              <a:buFontTx/>
-              <a:buNone/>
-              <a:tabLst/>
-              <a:defRPr/>
-            </a:pPr>
-            <a:endParaRPr lang="en-US" sz="1200" b="0" i="0" kern="1200" baseline="0" dirty="0">
-              <a:solidFill>
-                <a:schemeClr val="tx1"/>
-              </a:solidFill>
-              <a:latin typeface="+mn-lt"/>
-              <a:ea typeface="+mn-ea"/>
-              <a:cs typeface="+mn-cs"/>
-            </a:endParaRPr>
-          </a:p>
-          <a:p>
-            <a:pPr marL="0" marR="0" indent="0" algn="l" defTabSz="914400" rtl="0" eaLnBrk="1" fontAlgn="auto" latinLnBrk="0" hangingPunct="1">
-              <a:lnSpc>
-                <a:spcPct val="100000"/>
-              </a:lnSpc>
-              <a:spcBef>
-                <a:spcPts val="0"/>
-              </a:spcBef>
-              <a:spcAft>
-                <a:spcPts val="0"/>
-              </a:spcAft>
-              <a:buClrTx/>
-              <a:buSzTx/>
-              <a:buFontTx/>
-              <a:buNone/>
-              <a:tabLst/>
-              <a:defRPr/>
-            </a:pPr>
-            <a:r>
-              <a:rPr lang="en-US" sz="1200" b="0" i="0" kern="1200" baseline="0" dirty="0">
-                <a:solidFill>
-                  <a:schemeClr val="tx1"/>
-                </a:solidFill>
-                <a:latin typeface="+mn-lt"/>
-                <a:ea typeface="+mn-ea"/>
-                <a:cs typeface="+mn-cs"/>
-              </a:rPr>
-              <a:t>Another corollary is that what we have our test green we should not need alter our test for changes to the implementation. If we suddenly need to introduce new public objects, it implies that our test is wrong and we have missed a collaborator.</a:t>
-            </a:r>
-          </a:p>
-          <a:p>
-            <a:pPr marL="0" marR="0" indent="0" algn="l" defTabSz="914400" rtl="0" eaLnBrk="1" fontAlgn="auto" latinLnBrk="0" hangingPunct="1">
-              <a:lnSpc>
-                <a:spcPct val="100000"/>
-              </a:lnSpc>
-              <a:spcBef>
-                <a:spcPts val="0"/>
-              </a:spcBef>
-              <a:spcAft>
-                <a:spcPts val="0"/>
-              </a:spcAft>
-              <a:buClrTx/>
-              <a:buSzTx/>
-              <a:buFontTx/>
-              <a:buNone/>
-              <a:tabLst/>
-              <a:defRPr/>
-            </a:pPr>
-            <a:endParaRPr lang="en-US" sz="1200" b="0" i="0" kern="1200" baseline="0" dirty="0">
-              <a:solidFill>
-                <a:schemeClr val="tx1"/>
-              </a:solidFill>
-              <a:latin typeface="+mn-lt"/>
-              <a:ea typeface="+mn-ea"/>
-              <a:cs typeface="+mn-cs"/>
-            </a:endParaRPr>
-          </a:p>
-          <a:p>
-            <a:pPr marL="0" marR="0" indent="0" algn="l" defTabSz="914400" rtl="0" eaLnBrk="1" fontAlgn="auto" latinLnBrk="0" hangingPunct="1">
-              <a:lnSpc>
-                <a:spcPct val="100000"/>
-              </a:lnSpc>
-              <a:spcBef>
-                <a:spcPts val="0"/>
-              </a:spcBef>
-              <a:spcAft>
-                <a:spcPts val="0"/>
-              </a:spcAft>
-              <a:buClrTx/>
-              <a:buSzTx/>
-              <a:buFontTx/>
-              <a:buNone/>
-              <a:tabLst/>
-              <a:defRPr/>
-            </a:pPr>
-            <a:r>
-              <a:rPr lang="en-US" sz="1200" b="0" i="0" kern="1200" baseline="0" dirty="0">
-                <a:solidFill>
-                  <a:schemeClr val="tx1"/>
-                </a:solidFill>
-                <a:latin typeface="+mn-lt"/>
-                <a:ea typeface="+mn-ea"/>
-                <a:cs typeface="+mn-cs"/>
-              </a:rPr>
-              <a:t>Be careful with this, you need to consider what is public. Really only our adapters need to be public, but we often make top level domain objects public too for reasons of packaging, such as aggregates. Don’t bother to mock the public domain object if the only caller is the adapter. You are probably mocking everything else in the adapter anyway, and the adapter is simply providing a way for your port – tests in this instance – but framework code in the production system to access your code. In addition, in a domain model, instead of directly calling another aggregate we often prefer to raise an event, because we exit a consistency boundary, and also need to load new state from the Db. In this  case you are not checking that you call another role, but that you raise a message correctly. However, it is likely you will mock this event being raised.</a:t>
-            </a:r>
-          </a:p>
-          <a:p>
-            <a:pPr marL="0" marR="0" indent="0" algn="l" defTabSz="914400" rtl="0" eaLnBrk="1" fontAlgn="auto" latinLnBrk="0" hangingPunct="1">
-              <a:lnSpc>
-                <a:spcPct val="100000"/>
-              </a:lnSpc>
-              <a:spcBef>
-                <a:spcPts val="0"/>
-              </a:spcBef>
-              <a:spcAft>
-                <a:spcPts val="0"/>
-              </a:spcAft>
-              <a:buClrTx/>
-              <a:buSzTx/>
-              <a:buFontTx/>
-              <a:buNone/>
-              <a:tabLst/>
-              <a:defRPr/>
-            </a:pPr>
-            <a:endParaRPr lang="en-US" sz="1200" b="0" i="0" kern="1200" baseline="0" dirty="0">
-              <a:solidFill>
-                <a:schemeClr val="tx1"/>
-              </a:solidFill>
-              <a:latin typeface="+mn-lt"/>
-              <a:ea typeface="+mn-ea"/>
-              <a:cs typeface="+mn-cs"/>
-            </a:endParaRPr>
-          </a:p>
-          <a:p>
-            <a:pPr marL="0" marR="0" indent="0" algn="l" defTabSz="914400" rtl="0" eaLnBrk="1" fontAlgn="auto" latinLnBrk="0" hangingPunct="1">
-              <a:lnSpc>
-                <a:spcPct val="100000"/>
-              </a:lnSpc>
-              <a:spcBef>
-                <a:spcPts val="0"/>
-              </a:spcBef>
-              <a:spcAft>
-                <a:spcPts val="0"/>
-              </a:spcAft>
-              <a:buClrTx/>
-              <a:buSzTx/>
-              <a:buFontTx/>
-              <a:buNone/>
-              <a:tabLst/>
-              <a:defRPr/>
-            </a:pPr>
-            <a:r>
-              <a:rPr lang="en-US" sz="1200" b="0" i="0" kern="1200" baseline="0" dirty="0">
-                <a:solidFill>
-                  <a:schemeClr val="tx1"/>
-                </a:solidFill>
-                <a:latin typeface="+mn-lt"/>
-                <a:ea typeface="+mn-ea"/>
-                <a:cs typeface="+mn-cs"/>
-              </a:rPr>
-              <a:t>Be wary of making things public. Again this is a dependency issue. Anything that is public has dependencies. Dependencies resist change and anything that makes it harder to change our software makes it brittle and can lead to Banyan Tree or Big Ball of Mud anti-patterns</a:t>
-            </a:r>
-          </a:p>
-          <a:p>
-            <a:pPr marL="0" marR="0" indent="0" algn="l" defTabSz="914400" rtl="0" eaLnBrk="1" fontAlgn="auto" latinLnBrk="0" hangingPunct="1">
-              <a:lnSpc>
-                <a:spcPct val="100000"/>
-              </a:lnSpc>
-              <a:spcBef>
-                <a:spcPts val="0"/>
-              </a:spcBef>
-              <a:spcAft>
-                <a:spcPts val="0"/>
-              </a:spcAft>
-              <a:buClrTx/>
-              <a:buSzTx/>
-              <a:buFontTx/>
-              <a:buNone/>
-              <a:tabLst/>
-              <a:defRPr/>
-            </a:pPr>
-            <a:endParaRPr lang="en-US" sz="1200" b="0" i="0" kern="1200" baseline="0" dirty="0">
-              <a:solidFill>
-                <a:schemeClr val="tx1"/>
-              </a:solidFill>
-              <a:latin typeface="+mn-lt"/>
-              <a:ea typeface="+mn-ea"/>
-              <a:cs typeface="+mn-cs"/>
-            </a:endParaRPr>
-          </a:p>
-          <a:p>
-            <a:pPr marL="0" marR="0" indent="0" algn="l" defTabSz="914400" rtl="0" eaLnBrk="1" fontAlgn="auto" latinLnBrk="0" hangingPunct="1">
-              <a:lnSpc>
-                <a:spcPct val="100000"/>
-              </a:lnSpc>
-              <a:spcBef>
-                <a:spcPts val="0"/>
-              </a:spcBef>
-              <a:spcAft>
-                <a:spcPts val="0"/>
-              </a:spcAft>
-              <a:buClrTx/>
-              <a:buSzTx/>
-              <a:buFontTx/>
-              <a:buNone/>
-              <a:tabLst/>
-              <a:defRPr/>
-            </a:pPr>
-            <a:r>
-              <a:rPr lang="en-US" sz="1200" b="0" i="0" kern="1200" baseline="0" dirty="0">
-                <a:solidFill>
-                  <a:schemeClr val="tx1"/>
-                </a:solidFill>
-                <a:latin typeface="+mn-lt"/>
-                <a:ea typeface="+mn-ea"/>
-                <a:cs typeface="+mn-cs"/>
-              </a:rPr>
-              <a:t>Refactor to patterns, keep implementations private, test the public contract only.</a:t>
-            </a:r>
-          </a:p>
-          <a:p>
-            <a:pPr marL="0" marR="0" indent="0" algn="l" defTabSz="914400" rtl="0" eaLnBrk="1" fontAlgn="auto" latinLnBrk="0" hangingPunct="1">
-              <a:lnSpc>
-                <a:spcPct val="100000"/>
-              </a:lnSpc>
-              <a:spcBef>
-                <a:spcPts val="0"/>
-              </a:spcBef>
-              <a:spcAft>
-                <a:spcPts val="0"/>
-              </a:spcAft>
-              <a:buClrTx/>
-              <a:buSzTx/>
-              <a:buFontTx/>
-              <a:buNone/>
-              <a:tabLst/>
-              <a:defRPr/>
-            </a:pPr>
-            <a:endParaRPr lang="en-US" sz="1200" b="0" i="0" kern="1200" baseline="0" dirty="0">
-              <a:solidFill>
-                <a:schemeClr val="tx1"/>
-              </a:solidFill>
-              <a:latin typeface="+mn-lt"/>
-              <a:ea typeface="+mn-ea"/>
-              <a:cs typeface="+mn-cs"/>
-            </a:endParaRPr>
-          </a:p>
-          <a:p>
-            <a:pPr marL="0" marR="0" indent="0" algn="l" defTabSz="914400" rtl="0" eaLnBrk="1" fontAlgn="auto" latinLnBrk="0" hangingPunct="1">
-              <a:lnSpc>
-                <a:spcPct val="100000"/>
-              </a:lnSpc>
-              <a:spcBef>
-                <a:spcPts val="0"/>
-              </a:spcBef>
-              <a:spcAft>
-                <a:spcPts val="0"/>
-              </a:spcAft>
-              <a:buClrTx/>
-              <a:buSzTx/>
-              <a:buFontTx/>
-              <a:buNone/>
-              <a:tabLst/>
-              <a:defRPr/>
-            </a:pPr>
-            <a:endParaRPr lang="en-US" sz="1200" b="0" i="0" kern="1200" baseline="0" dirty="0">
-              <a:solidFill>
-                <a:schemeClr val="tx1"/>
-              </a:solidFill>
-              <a:latin typeface="+mn-lt"/>
-              <a:ea typeface="+mn-ea"/>
-              <a:cs typeface="+mn-cs"/>
-            </a:endParaRPr>
-          </a:p>
-          <a:p>
-            <a:pPr marL="0" marR="0" indent="0" algn="l" defTabSz="914400" rtl="0" eaLnBrk="1" fontAlgn="auto" latinLnBrk="0" hangingPunct="1">
-              <a:lnSpc>
-                <a:spcPct val="100000"/>
-              </a:lnSpc>
-              <a:spcBef>
-                <a:spcPts val="0"/>
-              </a:spcBef>
-              <a:spcAft>
-                <a:spcPts val="0"/>
-              </a:spcAft>
-              <a:buClrTx/>
-              <a:buSzTx/>
-              <a:buFontTx/>
-              <a:buNone/>
-              <a:tabLst/>
-              <a:defRPr/>
-            </a:pPr>
-            <a:endParaRPr lang="en-GB" sz="1200" b="0" i="0" kern="1200" dirty="0">
-              <a:solidFill>
-                <a:schemeClr val="tx1"/>
-              </a:solidFill>
-              <a:latin typeface="+mn-lt"/>
-              <a:ea typeface="+mn-ea"/>
-              <a:cs typeface="+mn-cs"/>
-            </a:endParaRPr>
-          </a:p>
-          <a:p>
-            <a:endParaRPr lang="en-GB" dirty="0"/>
+          <a:bodyPr/>
+          <a:lstStyle/>
+          <a:p>
+            <a:endParaRPr lang="en-US" dirty="0"/>
           </a:p>
         </p:txBody>
       </p:sp>
@@ -5220,7 +4757,7 @@
             <a:spLocks noGrp="1"/>
           </p:cNvSpPr>
           <p:nvPr>
-            <p:ph type="sldNum" sz="quarter" idx="10"/>
+            <p:ph type="sldNum" sz="quarter" idx="5"/>
           </p:nvPr>
         </p:nvSpPr>
         <p:spPr/>
@@ -5228,19 +4765,18 @@
           <a:bodyPr/>
           <a:lstStyle/>
           <a:p>
-            <a:fld id="{F66C4C5A-655F-4C9D-B92A-07E1070CBF6B}" type="slidenum">
-              <a:rPr lang="en-GB" smtClean="0"/>
-              <a:pPr/>
-              <a:t>54</a:t>
+            <a:fld id="{8D454BB1-5AB5-DF45-A819-95464E74CBE3}" type="slidenum">
+              <a:rPr lang="en-US" smtClean="0"/>
+              <a:t>53</a:t>
             </a:fld>
-            <a:endParaRPr lang="en-GB"/>
+            <a:endParaRPr lang="en-US"/>
           </a:p>
         </p:txBody>
       </p:sp>
     </p:spTree>
     <p:extLst>
       <p:ext uri="{BB962C8B-B14F-4D97-AF65-F5344CB8AC3E}">
-        <p14:creationId xmlns:p14="http://schemas.microsoft.com/office/powerpoint/2010/main" val="3976576647"/>
+        <p14:creationId xmlns:p14="http://schemas.microsoft.com/office/powerpoint/2010/main" val="583900857"/>
       </p:ext>
     </p:extLst>
   </p:cSld>
@@ -5292,26 +4828,472 @@
         <p:spPr/>
         <p:txBody>
           <a:bodyPr>
-            <a:normAutofit/>
+            <a:normAutofit fontScale="77500" lnSpcReduction="20000"/>
           </a:bodyPr>
           <a:lstStyle/>
           <a:p>
-            <a:r>
-              <a:rPr lang="en-US" dirty="0"/>
-              <a:t>Kent Beck’s Table from</a:t>
-            </a:r>
-            <a:r>
-              <a:rPr lang="en-US" baseline="0" dirty="0"/>
-              <a:t> Test Driven Development</a:t>
-            </a:r>
-            <a:r>
-              <a:rPr lang="en-US" dirty="0"/>
-              <a:t> showing that patterns are targets</a:t>
-            </a:r>
-            <a:r>
-              <a:rPr lang="en-US" baseline="0" dirty="0"/>
-              <a:t> of the refactoring step</a:t>
-            </a:r>
+            <a:pPr marL="0" marR="0" indent="0" algn="l" defTabSz="914400" rtl="0" eaLnBrk="1" fontAlgn="auto" latinLnBrk="0" hangingPunct="1">
+              <a:lnSpc>
+                <a:spcPct val="100000"/>
+              </a:lnSpc>
+              <a:spcBef>
+                <a:spcPts val="0"/>
+              </a:spcBef>
+              <a:spcAft>
+                <a:spcPts val="0"/>
+              </a:spcAft>
+              <a:buClrTx/>
+              <a:buSzTx/>
+              <a:buFontTx/>
+              <a:buNone/>
+              <a:tabLst/>
+              <a:defRPr/>
+            </a:pPr>
+            <a:r>
+              <a:rPr lang="en-GB" sz="1200" b="0" i="0" kern="1200" dirty="0">
+                <a:solidFill>
+                  <a:schemeClr val="tx1"/>
+                </a:solidFill>
+                <a:latin typeface="+mn-lt"/>
+                <a:ea typeface="+mn-ea"/>
+                <a:cs typeface="+mn-cs"/>
+              </a:rPr>
+              <a:t>Now there is an important implication here that is often overlooked. We don’t have to write tests for the classes that we refactor out through that last step. They will be internal to our implementation, and are already covered by the first test. We do not need to add new tests for the next level – unless we feel we do not know how to navigate to the next step.</a:t>
+            </a:r>
+          </a:p>
+          <a:p>
+            <a:pPr marL="0" marR="0" indent="0" algn="l" defTabSz="914400" rtl="0" eaLnBrk="1" fontAlgn="auto" latinLnBrk="0" hangingPunct="1">
+              <a:lnSpc>
+                <a:spcPct val="100000"/>
+              </a:lnSpc>
+              <a:spcBef>
+                <a:spcPts val="0"/>
+              </a:spcBef>
+              <a:spcAft>
+                <a:spcPts val="0"/>
+              </a:spcAft>
+              <a:buClrTx/>
+              <a:buSzTx/>
+              <a:buFontTx/>
+              <a:buNone/>
+              <a:tabLst/>
+              <a:defRPr/>
+            </a:pPr>
+            <a:endParaRPr lang="en-US" sz="1200" b="0" i="0" kern="1200" dirty="0">
+              <a:solidFill>
+                <a:schemeClr val="tx1"/>
+              </a:solidFill>
+              <a:latin typeface="+mn-lt"/>
+              <a:ea typeface="+mn-ea"/>
+              <a:cs typeface="+mn-cs"/>
+            </a:endParaRPr>
+          </a:p>
+          <a:p>
+            <a:pPr marL="0" marR="0" indent="0" algn="l" defTabSz="914400" rtl="0" eaLnBrk="1" fontAlgn="auto" latinLnBrk="0" hangingPunct="1">
+              <a:lnSpc>
+                <a:spcPct val="100000"/>
+              </a:lnSpc>
+              <a:spcBef>
+                <a:spcPts val="0"/>
+              </a:spcBef>
+              <a:spcAft>
+                <a:spcPts val="0"/>
+              </a:spcAft>
+              <a:buClrTx/>
+              <a:buSzTx/>
+              <a:buFontTx/>
+              <a:buNone/>
+              <a:tabLst/>
+              <a:defRPr/>
+            </a:pPr>
+            <a:r>
+              <a:rPr lang="en-US" sz="1200" b="0" i="0" kern="1200" dirty="0">
+                <a:solidFill>
+                  <a:schemeClr val="tx1"/>
+                </a:solidFill>
+                <a:latin typeface="+mn-lt"/>
+                <a:ea typeface="+mn-ea"/>
+                <a:cs typeface="+mn-cs"/>
+              </a:rPr>
+              <a:t>One issue here is the difference between </a:t>
+            </a:r>
+            <a:r>
+              <a:rPr lang="en-US" sz="1200" b="0" i="0" kern="1200" baseline="0" dirty="0">
+                <a:solidFill>
+                  <a:schemeClr val="tx1"/>
+                </a:solidFill>
+                <a:latin typeface="+mn-lt"/>
+                <a:ea typeface="+mn-ea"/>
+                <a:cs typeface="+mn-cs"/>
+              </a:rPr>
+              <a:t>refactoring into objects and introducing collaborators, that we potentially should be replacing with a test double (see later) for the test. If we introduce another public class it is probably a collaborator which we ought to consider might need to be replaced with a test double. We don’t want to write new tests to implement it at this stage. Instead we just want to check the outputs to that class.</a:t>
+            </a:r>
+          </a:p>
+          <a:p>
+            <a:pPr marL="0" marR="0" indent="0" algn="l" defTabSz="914400" rtl="0" eaLnBrk="1" fontAlgn="auto" latinLnBrk="0" hangingPunct="1">
+              <a:lnSpc>
+                <a:spcPct val="100000"/>
+              </a:lnSpc>
+              <a:spcBef>
+                <a:spcPts val="0"/>
+              </a:spcBef>
+              <a:spcAft>
+                <a:spcPts val="0"/>
+              </a:spcAft>
+              <a:buClrTx/>
+              <a:buSzTx/>
+              <a:buFontTx/>
+              <a:buNone/>
+              <a:tabLst/>
+              <a:defRPr/>
+            </a:pPr>
+            <a:endParaRPr lang="en-US" sz="1200" b="0" i="0" kern="1200" baseline="0" dirty="0">
+              <a:solidFill>
+                <a:schemeClr val="tx1"/>
+              </a:solidFill>
+              <a:latin typeface="+mn-lt"/>
+              <a:ea typeface="+mn-ea"/>
+              <a:cs typeface="+mn-cs"/>
+            </a:endParaRPr>
+          </a:p>
+          <a:p>
+            <a:pPr marL="0" marR="0" indent="0" algn="l" defTabSz="914400" rtl="0" eaLnBrk="1" fontAlgn="auto" latinLnBrk="0" hangingPunct="1">
+              <a:lnSpc>
+                <a:spcPct val="100000"/>
+              </a:lnSpc>
+              <a:spcBef>
+                <a:spcPts val="0"/>
+              </a:spcBef>
+              <a:spcAft>
+                <a:spcPts val="0"/>
+              </a:spcAft>
+              <a:buClrTx/>
+              <a:buSzTx/>
+              <a:buFontTx/>
+              <a:buNone/>
+              <a:tabLst/>
+              <a:defRPr/>
+            </a:pPr>
+            <a:r>
+              <a:rPr lang="en-US" sz="1200" b="0" i="0" kern="1200" baseline="0" dirty="0">
+                <a:solidFill>
+                  <a:schemeClr val="tx1"/>
+                </a:solidFill>
+                <a:latin typeface="+mn-lt"/>
+                <a:ea typeface="+mn-ea"/>
+                <a:cs typeface="+mn-cs"/>
+              </a:rPr>
+              <a:t>Note that the easy way to test this assertion is that when we refactor we only change implementation details not public contracts. If we introduce a new public contract we may want to replace it with a test.</a:t>
+            </a:r>
+          </a:p>
+          <a:p>
+            <a:pPr marL="0" marR="0" indent="0" algn="l" defTabSz="914400" rtl="0" eaLnBrk="1" fontAlgn="auto" latinLnBrk="0" hangingPunct="1">
+              <a:lnSpc>
+                <a:spcPct val="100000"/>
+              </a:lnSpc>
+              <a:spcBef>
+                <a:spcPts val="0"/>
+              </a:spcBef>
+              <a:spcAft>
+                <a:spcPts val="0"/>
+              </a:spcAft>
+              <a:buClrTx/>
+              <a:buSzTx/>
+              <a:buFontTx/>
+              <a:buNone/>
+              <a:tabLst/>
+              <a:defRPr/>
+            </a:pPr>
+            <a:endParaRPr lang="en-US" sz="1200" b="0" i="0" kern="1200" baseline="0" dirty="0">
+              <a:solidFill>
+                <a:schemeClr val="tx1"/>
+              </a:solidFill>
+              <a:latin typeface="+mn-lt"/>
+              <a:ea typeface="+mn-ea"/>
+              <a:cs typeface="+mn-cs"/>
+            </a:endParaRPr>
+          </a:p>
+          <a:p>
+            <a:pPr marL="0" marR="0" indent="0" algn="l" defTabSz="914400" rtl="0" eaLnBrk="1" fontAlgn="auto" latinLnBrk="0" hangingPunct="1">
+              <a:lnSpc>
+                <a:spcPct val="100000"/>
+              </a:lnSpc>
+              <a:spcBef>
+                <a:spcPts val="0"/>
+              </a:spcBef>
+              <a:spcAft>
+                <a:spcPts val="0"/>
+              </a:spcAft>
+              <a:buClrTx/>
+              <a:buSzTx/>
+              <a:buFontTx/>
+              <a:buNone/>
+              <a:tabLst/>
+              <a:defRPr/>
+            </a:pPr>
+            <a:r>
+              <a:rPr lang="en-US" sz="1200" b="0" i="0" kern="1200" baseline="0" dirty="0">
+                <a:solidFill>
+                  <a:schemeClr val="tx1"/>
+                </a:solidFill>
+                <a:latin typeface="+mn-lt"/>
+                <a:ea typeface="+mn-ea"/>
+                <a:cs typeface="+mn-cs"/>
+              </a:rPr>
+              <a:t>Another corollary is that what we have our test green we should not need alter our test for changes to the implementation. If we suddenly need to introduce new public objects, it implies that our test is wrong and we have missed a collaborator.</a:t>
+            </a:r>
+          </a:p>
+          <a:p>
+            <a:pPr marL="0" marR="0" indent="0" algn="l" defTabSz="914400" rtl="0" eaLnBrk="1" fontAlgn="auto" latinLnBrk="0" hangingPunct="1">
+              <a:lnSpc>
+                <a:spcPct val="100000"/>
+              </a:lnSpc>
+              <a:spcBef>
+                <a:spcPts val="0"/>
+              </a:spcBef>
+              <a:spcAft>
+                <a:spcPts val="0"/>
+              </a:spcAft>
+              <a:buClrTx/>
+              <a:buSzTx/>
+              <a:buFontTx/>
+              <a:buNone/>
+              <a:tabLst/>
+              <a:defRPr/>
+            </a:pPr>
+            <a:endParaRPr lang="en-US" sz="1200" b="0" i="0" kern="1200" baseline="0" dirty="0">
+              <a:solidFill>
+                <a:schemeClr val="tx1"/>
+              </a:solidFill>
+              <a:latin typeface="+mn-lt"/>
+              <a:ea typeface="+mn-ea"/>
+              <a:cs typeface="+mn-cs"/>
+            </a:endParaRPr>
+          </a:p>
+          <a:p>
+            <a:pPr marL="0" marR="0" indent="0" algn="l" defTabSz="914400" rtl="0" eaLnBrk="1" fontAlgn="auto" latinLnBrk="0" hangingPunct="1">
+              <a:lnSpc>
+                <a:spcPct val="100000"/>
+              </a:lnSpc>
+              <a:spcBef>
+                <a:spcPts val="0"/>
+              </a:spcBef>
+              <a:spcAft>
+                <a:spcPts val="0"/>
+              </a:spcAft>
+              <a:buClrTx/>
+              <a:buSzTx/>
+              <a:buFontTx/>
+              <a:buNone/>
+              <a:tabLst/>
+              <a:defRPr/>
+            </a:pPr>
+            <a:r>
+              <a:rPr lang="en-US" sz="1200" b="0" i="0" kern="1200" baseline="0" dirty="0">
+                <a:solidFill>
+                  <a:schemeClr val="tx1"/>
+                </a:solidFill>
+                <a:latin typeface="+mn-lt"/>
+                <a:ea typeface="+mn-ea"/>
+                <a:cs typeface="+mn-cs"/>
+              </a:rPr>
+              <a:t>Be careful with this, you need to consider what is public. Really only our adapters need to be public, but we often make top level domain objects public too for reasons of packaging, such as aggregates. Don’t bother to mock the public domain object if the only caller is the adapter. You are probably mocking everything else in the adapter anyway, and the adapter is simply providing a way for your port – tests in this instance – but framework code in the production system to access your code. In addition, in a domain model, instead of directly calling another aggregate we often prefer to raise an event, because we exit a consistency boundary, and also need to load new state from the Db. In this  case you are not checking that you call another role, but that you raise a message correctly. However, it is likely you will mock this event being raised.</a:t>
+            </a:r>
+          </a:p>
+          <a:p>
+            <a:pPr marL="0" marR="0" indent="0" algn="l" defTabSz="914400" rtl="0" eaLnBrk="1" fontAlgn="auto" latinLnBrk="0" hangingPunct="1">
+              <a:lnSpc>
+                <a:spcPct val="100000"/>
+              </a:lnSpc>
+              <a:spcBef>
+                <a:spcPts val="0"/>
+              </a:spcBef>
+              <a:spcAft>
+                <a:spcPts val="0"/>
+              </a:spcAft>
+              <a:buClrTx/>
+              <a:buSzTx/>
+              <a:buFontTx/>
+              <a:buNone/>
+              <a:tabLst/>
+              <a:defRPr/>
+            </a:pPr>
+            <a:endParaRPr lang="en-US" sz="1200" b="0" i="0" kern="1200" baseline="0" dirty="0">
+              <a:solidFill>
+                <a:schemeClr val="tx1"/>
+              </a:solidFill>
+              <a:latin typeface="+mn-lt"/>
+              <a:ea typeface="+mn-ea"/>
+              <a:cs typeface="+mn-cs"/>
+            </a:endParaRPr>
+          </a:p>
+          <a:p>
+            <a:pPr marL="0" marR="0" indent="0" algn="l" defTabSz="914400" rtl="0" eaLnBrk="1" fontAlgn="auto" latinLnBrk="0" hangingPunct="1">
+              <a:lnSpc>
+                <a:spcPct val="100000"/>
+              </a:lnSpc>
+              <a:spcBef>
+                <a:spcPts val="0"/>
+              </a:spcBef>
+              <a:spcAft>
+                <a:spcPts val="0"/>
+              </a:spcAft>
+              <a:buClrTx/>
+              <a:buSzTx/>
+              <a:buFontTx/>
+              <a:buNone/>
+              <a:tabLst/>
+              <a:defRPr/>
+            </a:pPr>
+            <a:r>
+              <a:rPr lang="en-US" sz="1200" b="0" i="0" kern="1200" baseline="0" dirty="0">
+                <a:solidFill>
+                  <a:schemeClr val="tx1"/>
+                </a:solidFill>
+                <a:latin typeface="+mn-lt"/>
+                <a:ea typeface="+mn-ea"/>
+                <a:cs typeface="+mn-cs"/>
+              </a:rPr>
+              <a:t>Be wary of making things public. Again this is a dependency issue. Anything that is public has dependencies. Dependencies resist change and anything that makes it harder to change our software makes it brittle and can lead to Banyan Tree or Big Ball of Mud anti-patterns</a:t>
+            </a:r>
+          </a:p>
+          <a:p>
+            <a:pPr marL="0" marR="0" indent="0" algn="l" defTabSz="914400" rtl="0" eaLnBrk="1" fontAlgn="auto" latinLnBrk="0" hangingPunct="1">
+              <a:lnSpc>
+                <a:spcPct val="100000"/>
+              </a:lnSpc>
+              <a:spcBef>
+                <a:spcPts val="0"/>
+              </a:spcBef>
+              <a:spcAft>
+                <a:spcPts val="0"/>
+              </a:spcAft>
+              <a:buClrTx/>
+              <a:buSzTx/>
+              <a:buFontTx/>
+              <a:buNone/>
+              <a:tabLst/>
+              <a:defRPr/>
+            </a:pPr>
+            <a:endParaRPr lang="en-US" sz="1200" b="0" i="0" kern="1200" baseline="0" dirty="0">
+              <a:solidFill>
+                <a:schemeClr val="tx1"/>
+              </a:solidFill>
+              <a:latin typeface="+mn-lt"/>
+              <a:ea typeface="+mn-ea"/>
+              <a:cs typeface="+mn-cs"/>
+            </a:endParaRPr>
+          </a:p>
+          <a:p>
+            <a:pPr marL="0" marR="0" indent="0" algn="l" defTabSz="914400" rtl="0" eaLnBrk="1" fontAlgn="auto" latinLnBrk="0" hangingPunct="1">
+              <a:lnSpc>
+                <a:spcPct val="100000"/>
+              </a:lnSpc>
+              <a:spcBef>
+                <a:spcPts val="0"/>
+              </a:spcBef>
+              <a:spcAft>
+                <a:spcPts val="0"/>
+              </a:spcAft>
+              <a:buClrTx/>
+              <a:buSzTx/>
+              <a:buFontTx/>
+              <a:buNone/>
+              <a:tabLst/>
+              <a:defRPr/>
+            </a:pPr>
+            <a:r>
+              <a:rPr lang="en-US" sz="1200" b="0" i="0" kern="1200" baseline="0" dirty="0">
+                <a:solidFill>
+                  <a:schemeClr val="tx1"/>
+                </a:solidFill>
+                <a:latin typeface="+mn-lt"/>
+                <a:ea typeface="+mn-ea"/>
+                <a:cs typeface="+mn-cs"/>
+              </a:rPr>
+              <a:t>Refactor to patterns, keep implementations private, test the public contract only.</a:t>
+            </a:r>
+          </a:p>
+          <a:p>
+            <a:pPr marL="0" marR="0" indent="0" algn="l" defTabSz="914400" rtl="0" eaLnBrk="1" fontAlgn="auto" latinLnBrk="0" hangingPunct="1">
+              <a:lnSpc>
+                <a:spcPct val="100000"/>
+              </a:lnSpc>
+              <a:spcBef>
+                <a:spcPts val="0"/>
+              </a:spcBef>
+              <a:spcAft>
+                <a:spcPts val="0"/>
+              </a:spcAft>
+              <a:buClrTx/>
+              <a:buSzTx/>
+              <a:buFontTx/>
+              <a:buNone/>
+              <a:tabLst/>
+              <a:defRPr/>
+            </a:pPr>
+            <a:endParaRPr lang="en-US" sz="1200" b="0" i="0" kern="1200" baseline="0" dirty="0">
+              <a:solidFill>
+                <a:schemeClr val="tx1"/>
+              </a:solidFill>
+              <a:latin typeface="+mn-lt"/>
+              <a:ea typeface="+mn-ea"/>
+              <a:cs typeface="+mn-cs"/>
+            </a:endParaRPr>
+          </a:p>
+          <a:p>
+            <a:pPr marL="0" marR="0" indent="0" algn="l" defTabSz="914400" rtl="0" eaLnBrk="1" fontAlgn="auto" latinLnBrk="0" hangingPunct="1">
+              <a:lnSpc>
+                <a:spcPct val="100000"/>
+              </a:lnSpc>
+              <a:spcBef>
+                <a:spcPts val="0"/>
+              </a:spcBef>
+              <a:spcAft>
+                <a:spcPts val="0"/>
+              </a:spcAft>
+              <a:buClrTx/>
+              <a:buSzTx/>
+              <a:buFontTx/>
+              <a:buNone/>
+              <a:tabLst/>
+              <a:defRPr/>
+            </a:pPr>
+            <a:endParaRPr lang="en-US" sz="1200" b="0" i="0" kern="1200" baseline="0" dirty="0">
+              <a:solidFill>
+                <a:schemeClr val="tx1"/>
+              </a:solidFill>
+              <a:latin typeface="+mn-lt"/>
+              <a:ea typeface="+mn-ea"/>
+              <a:cs typeface="+mn-cs"/>
+            </a:endParaRPr>
+          </a:p>
+          <a:p>
+            <a:pPr marL="0" marR="0" indent="0" algn="l" defTabSz="914400" rtl="0" eaLnBrk="1" fontAlgn="auto" latinLnBrk="0" hangingPunct="1">
+              <a:lnSpc>
+                <a:spcPct val="100000"/>
+              </a:lnSpc>
+              <a:spcBef>
+                <a:spcPts val="0"/>
+              </a:spcBef>
+              <a:spcAft>
+                <a:spcPts val="0"/>
+              </a:spcAft>
+              <a:buClrTx/>
+              <a:buSzTx/>
+              <a:buFontTx/>
+              <a:buNone/>
+              <a:tabLst/>
+              <a:defRPr/>
+            </a:pPr>
+            <a:endParaRPr lang="en-GB" sz="1200" b="0" i="0" kern="1200" dirty="0">
+              <a:solidFill>
+                <a:schemeClr val="tx1"/>
+              </a:solidFill>
+              <a:latin typeface="+mn-lt"/>
+              <a:ea typeface="+mn-ea"/>
+              <a:cs typeface="+mn-cs"/>
+            </a:endParaRPr>
           </a:p>
           <a:p>
             <a:endParaRPr lang="en-GB" dirty="0"/>
@@ -5336,7 +5318,7 @@
             <a:fld id="{F66C4C5A-655F-4C9D-B92A-07E1070CBF6B}" type="slidenum">
               <a:rPr lang="en-GB" smtClean="0"/>
               <a:pPr/>
-              <a:t>55</a:t>
+              <a:t>54</a:t>
             </a:fld>
             <a:endParaRPr lang="en-GB"/>
           </a:p>
@@ -5345,7 +5327,7 @@
     </p:spTree>
     <p:extLst>
       <p:ext uri="{BB962C8B-B14F-4D97-AF65-F5344CB8AC3E}">
-        <p14:creationId xmlns:p14="http://schemas.microsoft.com/office/powerpoint/2010/main" val="253896295"/>
+        <p14:creationId xmlns:p14="http://schemas.microsoft.com/office/powerpoint/2010/main" val="3976576647"/>
       </p:ext>
     </p:extLst>
   </p:cSld>
@@ -5396,47 +5378,30 @@
         </p:nvSpPr>
         <p:spPr/>
         <p:txBody>
-          <a:bodyPr/>
+          <a:bodyPr>
+            <a:normAutofit/>
+          </a:bodyPr>
           <a:lstStyle/>
           <a:p>
             <a:r>
               <a:rPr lang="en-US" dirty="0"/>
-              <a:t>The</a:t>
+              <a:t>Kent Beck’s Table from</a:t>
             </a:r>
             <a:r>
               <a:rPr lang="en-US" baseline="0" dirty="0"/>
-              <a:t> Request Model is a pure data structure, it has no behavior. It comes through the boundary and it reaches the Interactor, that is named not Interactor, but for the use case. The Interactor goes and finds the Entities, calls the appropriate methods, and then gathers the Response Model from the data.</a:t>
-            </a:r>
-          </a:p>
-          <a:p>
-            <a:endParaRPr lang="en-US" baseline="0" dirty="0"/>
-          </a:p>
-          <a:p>
+              <a:t> Test Driven Development</a:t>
+            </a:r>
+            <a:r>
+              <a:rPr lang="en-US" dirty="0"/>
+              <a:t> showing that patterns are targets</a:t>
+            </a:r>
             <a:r>
               <a:rPr lang="en-US" baseline="0" dirty="0"/>
-              <a:t>It sounds like HTTP Request-Response, but there is no HTTP.</a:t>
-            </a:r>
-          </a:p>
-          <a:p>
-            <a:endParaRPr lang="en-US" baseline="0" dirty="0"/>
-          </a:p>
-          <a:p>
-            <a:r>
-              <a:rPr lang="en-US" baseline="0" dirty="0"/>
-              <a:t>To Test: Create the Interactor, Create The Request Model, Run the Interactor and check the Response Model.</a:t>
-            </a:r>
-          </a:p>
-          <a:p>
-            <a:endParaRPr lang="en-US" baseline="0" dirty="0"/>
-          </a:p>
-          <a:p>
-            <a:r>
-              <a:rPr lang="en-US" baseline="0" dirty="0"/>
-              <a:t>You have no dependency on the delivery mechanism. In fact the delivery mechanism depends on you, the application controller, which is your plugin into the framework and implements an interface</a:t>
-            </a:r>
-          </a:p>
-          <a:p>
-            <a:endParaRPr lang="en-US" dirty="0"/>
+              <a:t> of the refactoring step</a:t>
+            </a:r>
+          </a:p>
+          <a:p>
+            <a:endParaRPr lang="en-GB" dirty="0"/>
           </a:p>
         </p:txBody>
       </p:sp>
@@ -5455,18 +5420,19 @@
           <a:bodyPr/>
           <a:lstStyle/>
           <a:p>
-            <a:fld id="{FEF15FA6-EB56-764B-9424-765F853645DC}" type="slidenum">
-              <a:rPr lang="en-US" smtClean="0"/>
-              <a:t>59</a:t>
+            <a:fld id="{F66C4C5A-655F-4C9D-B92A-07E1070CBF6B}" type="slidenum">
+              <a:rPr lang="en-GB" smtClean="0"/>
+              <a:pPr/>
+              <a:t>55</a:t>
             </a:fld>
-            <a:endParaRPr lang="en-US"/>
+            <a:endParaRPr lang="en-GB"/>
           </a:p>
         </p:txBody>
       </p:sp>
     </p:spTree>
     <p:extLst>
       <p:ext uri="{BB962C8B-B14F-4D97-AF65-F5344CB8AC3E}">
-        <p14:creationId xmlns:p14="http://schemas.microsoft.com/office/powerpoint/2010/main" val="2212035123"/>
+        <p14:creationId xmlns:p14="http://schemas.microsoft.com/office/powerpoint/2010/main" val="253896295"/>
       </p:ext>
     </p:extLst>
   </p:cSld>
@@ -5522,8 +5488,42 @@
           <a:p>
             <a:r>
               <a:rPr lang="en-US" dirty="0"/>
-              <a:t>This is the use case it is where we drive code</a:t>
-            </a:r>
+              <a:t>The</a:t>
+            </a:r>
+            <a:r>
+              <a:rPr lang="en-US" baseline="0" dirty="0"/>
+              <a:t> Request Model is a pure data structure, it has no behavior. It comes through the boundary and it reaches the Interactor, that is named not Interactor, but for the use case. The Interactor goes and finds the Entities, calls the appropriate methods, and then gathers the Response Model from the data.</a:t>
+            </a:r>
+          </a:p>
+          <a:p>
+            <a:endParaRPr lang="en-US" baseline="0" dirty="0"/>
+          </a:p>
+          <a:p>
+            <a:r>
+              <a:rPr lang="en-US" baseline="0" dirty="0"/>
+              <a:t>It sounds like HTTP Request-Response, but there is no HTTP.</a:t>
+            </a:r>
+          </a:p>
+          <a:p>
+            <a:endParaRPr lang="en-US" baseline="0" dirty="0"/>
+          </a:p>
+          <a:p>
+            <a:r>
+              <a:rPr lang="en-US" baseline="0" dirty="0"/>
+              <a:t>To Test: Create the Interactor, Create The Request Model, Run the Interactor and check the Response Model.</a:t>
+            </a:r>
+          </a:p>
+          <a:p>
+            <a:endParaRPr lang="en-US" baseline="0" dirty="0"/>
+          </a:p>
+          <a:p>
+            <a:r>
+              <a:rPr lang="en-US" baseline="0" dirty="0"/>
+              <a:t>You have no dependency on the delivery mechanism. In fact the delivery mechanism depends on you, the application controller, which is your plugin into the framework and implements an interface</a:t>
+            </a:r>
+          </a:p>
+          <a:p>
+            <a:endParaRPr lang="en-US" dirty="0"/>
           </a:p>
         </p:txBody>
       </p:sp>
@@ -5534,7 +5534,7 @@
             <a:spLocks noGrp="1"/>
           </p:cNvSpPr>
           <p:nvPr>
-            <p:ph type="sldNum" sz="quarter" idx="5"/>
+            <p:ph type="sldNum" sz="quarter" idx="10"/>
           </p:nvPr>
         </p:nvSpPr>
         <p:spPr/>
@@ -5542,9 +5542,9 @@
           <a:bodyPr/>
           <a:lstStyle/>
           <a:p>
-            <a:fld id="{8D454BB1-5AB5-DF45-A819-95464E74CBE3}" type="slidenum">
+            <a:fld id="{FEF15FA6-EB56-764B-9424-765F853645DC}" type="slidenum">
               <a:rPr lang="en-US" smtClean="0"/>
-              <a:t>60</a:t>
+              <a:t>59</a:t>
             </a:fld>
             <a:endParaRPr lang="en-US"/>
           </a:p>
@@ -5553,7 +5553,7 @@
     </p:spTree>
     <p:extLst>
       <p:ext uri="{BB962C8B-B14F-4D97-AF65-F5344CB8AC3E}">
-        <p14:creationId xmlns:p14="http://schemas.microsoft.com/office/powerpoint/2010/main" val="31513050"/>
+        <p14:creationId xmlns:p14="http://schemas.microsoft.com/office/powerpoint/2010/main" val="2212035123"/>
       </p:ext>
     </p:extLst>
   </p:cSld>
@@ -5609,15 +5609,8 @@
           <a:p>
             <a:r>
               <a:rPr lang="en-US" dirty="0"/>
-              <a:t>How do we talk to the Db. We implement the interface with a concrete</a:t>
-            </a:r>
-            <a:r>
-              <a:rPr lang="en-US" baseline="0" dirty="0"/>
-              <a:t> boundary component that talks to the DB</a:t>
-            </a:r>
-          </a:p>
-          <a:p>
-            <a:endParaRPr lang="en-US" dirty="0"/>
+              <a:t>This is the use case it is where we drive code</a:t>
+            </a:r>
           </a:p>
         </p:txBody>
       </p:sp>
@@ -5628,7 +5621,7 @@
             <a:spLocks noGrp="1"/>
           </p:cNvSpPr>
           <p:nvPr>
-            <p:ph type="sldNum" sz="quarter" idx="10"/>
+            <p:ph type="sldNum" sz="quarter" idx="5"/>
           </p:nvPr>
         </p:nvSpPr>
         <p:spPr/>
@@ -5636,9 +5629,9 @@
           <a:bodyPr/>
           <a:lstStyle/>
           <a:p>
-            <a:fld id="{FEF15FA6-EB56-764B-9424-765F853645DC}" type="slidenum">
+            <a:fld id="{8D454BB1-5AB5-DF45-A819-95464E74CBE3}" type="slidenum">
               <a:rPr lang="en-US" smtClean="0"/>
-              <a:t>61</a:t>
+              <a:t>60</a:t>
             </a:fld>
             <a:endParaRPr lang="en-US"/>
           </a:p>
@@ -5647,7 +5640,7 @@
     </p:spTree>
     <p:extLst>
       <p:ext uri="{BB962C8B-B14F-4D97-AF65-F5344CB8AC3E}">
-        <p14:creationId xmlns:p14="http://schemas.microsoft.com/office/powerpoint/2010/main" val="3049009636"/>
+        <p14:creationId xmlns:p14="http://schemas.microsoft.com/office/powerpoint/2010/main" val="31513050"/>
       </p:ext>
     </p:extLst>
   </p:cSld>
@@ -5732,7 +5725,7 @@
           <a:p>
             <a:fld id="{FEF15FA6-EB56-764B-9424-765F853645DC}" type="slidenum">
               <a:rPr lang="en-US" smtClean="0"/>
-              <a:t>62</a:t>
+              <a:t>61</a:t>
             </a:fld>
             <a:endParaRPr lang="en-US"/>
           </a:p>
@@ -5741,7 +5734,7 @@
     </p:spTree>
     <p:extLst>
       <p:ext uri="{BB962C8B-B14F-4D97-AF65-F5344CB8AC3E}">
-        <p14:creationId xmlns:p14="http://schemas.microsoft.com/office/powerpoint/2010/main" val="3596322317"/>
+        <p14:creationId xmlns:p14="http://schemas.microsoft.com/office/powerpoint/2010/main" val="3049009636"/>
       </p:ext>
     </p:extLst>
   </p:cSld>
@@ -5797,16 +5790,15 @@
           <a:p>
             <a:r>
               <a:rPr lang="en-US" dirty="0"/>
-              <a:t>Adapter can change; we are not driving </a:t>
-            </a:r>
-            <a:r>
-              <a:rPr lang="en-US" dirty="0" err="1"/>
-              <a:t>behaviour</a:t>
-            </a:r>
-            <a:r>
-              <a:rPr lang="en-US" dirty="0"/>
-              <a:t> here, just hooking up</a:t>
-            </a:r>
+              <a:t>How do we talk to the Db. We implement the interface with a concrete</a:t>
+            </a:r>
+            <a:r>
+              <a:rPr lang="en-US" baseline="0" dirty="0"/>
+              <a:t> boundary component that talks to the DB</a:t>
+            </a:r>
+          </a:p>
+          <a:p>
+            <a:endParaRPr lang="en-US" dirty="0"/>
           </a:p>
         </p:txBody>
       </p:sp>
@@ -5817,7 +5809,7 @@
             <a:spLocks noGrp="1"/>
           </p:cNvSpPr>
           <p:nvPr>
-            <p:ph type="sldNum" sz="quarter" idx="5"/>
+            <p:ph type="sldNum" sz="quarter" idx="10"/>
           </p:nvPr>
         </p:nvSpPr>
         <p:spPr/>
@@ -5825,9 +5817,9 @@
           <a:bodyPr/>
           <a:lstStyle/>
           <a:p>
-            <a:fld id="{8D454BB1-5AB5-DF45-A819-95464E74CBE3}" type="slidenum">
+            <a:fld id="{FEF15FA6-EB56-764B-9424-765F853645DC}" type="slidenum">
               <a:rPr lang="en-US" smtClean="0"/>
-              <a:t>63</a:t>
+              <a:t>62</a:t>
             </a:fld>
             <a:endParaRPr lang="en-US"/>
           </a:p>
@@ -5836,7 +5828,7 @@
     </p:spTree>
     <p:extLst>
       <p:ext uri="{BB962C8B-B14F-4D97-AF65-F5344CB8AC3E}">
-        <p14:creationId xmlns:p14="http://schemas.microsoft.com/office/powerpoint/2010/main" val="3810022750"/>
+        <p14:creationId xmlns:p14="http://schemas.microsoft.com/office/powerpoint/2010/main" val="3596322317"/>
       </p:ext>
     </p:extLst>
   </p:cSld>
@@ -5890,7 +5882,18 @@
           <a:bodyPr/>
           <a:lstStyle/>
           <a:p>
-            <a:endParaRPr lang="en-US" dirty="0"/>
+            <a:r>
+              <a:rPr lang="en-US" dirty="0"/>
+              <a:t>Adapter can change; we are not driving </a:t>
+            </a:r>
+            <a:r>
+              <a:rPr lang="en-US" dirty="0" err="1"/>
+              <a:t>behaviour</a:t>
+            </a:r>
+            <a:r>
+              <a:rPr lang="en-US" dirty="0"/>
+              <a:t> here, just hooking up</a:t>
+            </a:r>
           </a:p>
         </p:txBody>
       </p:sp>
@@ -5911,7 +5914,7 @@
           <a:p>
             <a:fld id="{8D454BB1-5AB5-DF45-A819-95464E74CBE3}" type="slidenum">
               <a:rPr lang="en-US" smtClean="0"/>
-              <a:t>66</a:t>
+              <a:t>63</a:t>
             </a:fld>
             <a:endParaRPr lang="en-US"/>
           </a:p>
@@ -5920,7 +5923,7 @@
     </p:spTree>
     <p:extLst>
       <p:ext uri="{BB962C8B-B14F-4D97-AF65-F5344CB8AC3E}">
-        <p14:creationId xmlns:p14="http://schemas.microsoft.com/office/powerpoint/2010/main" val="2982569269"/>
+        <p14:creationId xmlns:p14="http://schemas.microsoft.com/office/powerpoint/2010/main" val="3810022750"/>
       </p:ext>
     </p:extLst>
   </p:cSld>
@@ -6023,6 +6026,90 @@
     <p:extLst>
       <p:ext uri="{BB962C8B-B14F-4D97-AF65-F5344CB8AC3E}">
         <p14:creationId xmlns:p14="http://schemas.microsoft.com/office/powerpoint/2010/main" val="277820001"/>
+      </p:ext>
+    </p:extLst>
+  </p:cSld>
+  <p:clrMapOvr>
+    <a:masterClrMapping/>
+  </p:clrMapOvr>
+</p:notes>
+</file>
+
+<file path=ppt/notesSlides/notesSlide50.xml><?xml version="1.0" encoding="utf-8"?>
+<p:notes xmlns:a="http://schemas.openxmlformats.org/drawingml/2006/main" xmlns:r="http://schemas.openxmlformats.org/officeDocument/2006/relationships" xmlns:p="http://schemas.openxmlformats.org/presentationml/2006/main">
+  <p:cSld>
+    <p:spTree>
+      <p:nvGrpSpPr>
+        <p:cNvPr id="1" name=""/>
+        <p:cNvGrpSpPr/>
+        <p:nvPr/>
+      </p:nvGrpSpPr>
+      <p:grpSpPr>
+        <a:xfrm>
+          <a:off x="0" y="0"/>
+          <a:ext cx="0" cy="0"/>
+          <a:chOff x="0" y="0"/>
+          <a:chExt cx="0" cy="0"/>
+        </a:xfrm>
+      </p:grpSpPr>
+      <p:sp>
+        <p:nvSpPr>
+          <p:cNvPr id="2" name="Slide Image Placeholder 1"/>
+          <p:cNvSpPr>
+            <a:spLocks noGrp="1" noRot="1" noChangeAspect="1"/>
+          </p:cNvSpPr>
+          <p:nvPr>
+            <p:ph type="sldImg"/>
+          </p:nvPr>
+        </p:nvSpPr>
+        <p:spPr/>
+      </p:sp>
+      <p:sp>
+        <p:nvSpPr>
+          <p:cNvPr id="3" name="Notes Placeholder 2"/>
+          <p:cNvSpPr>
+            <a:spLocks noGrp="1"/>
+          </p:cNvSpPr>
+          <p:nvPr>
+            <p:ph type="body" idx="1"/>
+          </p:nvPr>
+        </p:nvSpPr>
+        <p:spPr/>
+        <p:txBody>
+          <a:bodyPr/>
+          <a:lstStyle/>
+          <a:p>
+            <a:endParaRPr lang="en-US" dirty="0"/>
+          </a:p>
+        </p:txBody>
+      </p:sp>
+      <p:sp>
+        <p:nvSpPr>
+          <p:cNvPr id="4" name="Slide Number Placeholder 3"/>
+          <p:cNvSpPr>
+            <a:spLocks noGrp="1"/>
+          </p:cNvSpPr>
+          <p:nvPr>
+            <p:ph type="sldNum" sz="quarter" idx="5"/>
+          </p:nvPr>
+        </p:nvSpPr>
+        <p:spPr/>
+        <p:txBody>
+          <a:bodyPr/>
+          <a:lstStyle/>
+          <a:p>
+            <a:fld id="{8D454BB1-5AB5-DF45-A819-95464E74CBE3}" type="slidenum">
+              <a:rPr lang="en-US" smtClean="0"/>
+              <a:t>66</a:t>
+            </a:fld>
+            <a:endParaRPr lang="en-US"/>
+          </a:p>
+        </p:txBody>
+      </p:sp>
+    </p:spTree>
+    <p:extLst>
+      <p:ext uri="{BB962C8B-B14F-4D97-AF65-F5344CB8AC3E}">
+        <p14:creationId xmlns:p14="http://schemas.microsoft.com/office/powerpoint/2010/main" val="2982569269"/>
       </p:ext>
     </p:extLst>
   </p:cSld>
@@ -15140,8 +15227,8 @@
         </p:nvSpPr>
         <p:spPr>
           <a:xfrm>
-            <a:off x="4640580" y="2788920"/>
-            <a:ext cx="3332002" cy="646331"/>
+            <a:off x="3560562" y="3167390"/>
+            <a:ext cx="5070875" cy="523220"/>
           </a:xfrm>
           <a:prstGeom prst="rect">
             <a:avLst/>
@@ -15155,13 +15242,7 @@
           <a:lstStyle/>
           <a:p>
             <a:r>
-              <a:rPr lang="en-US" dirty="0"/>
-              <a:t>Need to do design</a:t>
-            </a:r>
-          </a:p>
-          <a:p>
-            <a:r>
-              <a:rPr lang="en-US" dirty="0"/>
+              <a:rPr lang="en-US" sz="2800" dirty="0"/>
               <a:t>Need to do other forms of testing</a:t>
             </a:r>
           </a:p>
@@ -16766,7 +16847,7 @@
         </p:nvSpPr>
         <p:spPr>
           <a:xfrm>
-            <a:off x="2135560" y="1700808"/>
+            <a:off x="2120570" y="1251103"/>
             <a:ext cx="8229600" cy="2304256"/>
           </a:xfrm>
         </p:spPr>
@@ -16816,7 +16897,7 @@
         </p:nvSpPr>
         <p:spPr>
           <a:xfrm>
-            <a:off x="2148144" y="4288234"/>
+            <a:off x="2133154" y="3838529"/>
             <a:ext cx="7859216" cy="1815882"/>
           </a:xfrm>
           <a:prstGeom prst="rect">
@@ -17104,7 +17185,7 @@
         </p:nvSpPr>
         <p:spPr>
           <a:xfrm>
-            <a:off x="2135560" y="1587645"/>
+            <a:off x="2094328" y="1759033"/>
             <a:ext cx="8229600" cy="652635"/>
           </a:xfrm>
         </p:spPr>
@@ -18153,7 +18234,7 @@
         </p:nvSpPr>
         <p:spPr>
           <a:xfrm>
-            <a:off x="3503712" y="2978657"/>
+            <a:off x="3503712" y="3250138"/>
             <a:ext cx="5814392" cy="954107"/>
           </a:xfrm>
           <a:prstGeom prst="rect">
@@ -18186,8 +18267,8 @@
         </p:nvSpPr>
         <p:spPr>
           <a:xfrm>
-            <a:off x="3503712" y="4365105"/>
-            <a:ext cx="5958408" cy="1384995"/>
+            <a:off x="1479144" y="4455046"/>
+            <a:ext cx="9863528" cy="954107"/>
           </a:xfrm>
           <a:prstGeom prst="rect">
             <a:avLst/>
@@ -20809,16 +20890,54 @@
       </p:cxnSp>
       <p:cxnSp>
         <p:nvCxnSpPr>
-          <p:cNvPr id="35" name="Straight Arrow Connector 34"/>
+          <p:cNvPr id="37" name="Straight Arrow Connector 36"/>
           <p:cNvCxnSpPr>
-            <a:endCxn id="4" idx="1"/>
+            <a:cxnSpLocks/>
+            <a:endCxn id="14" idx="0"/>
           </p:cNvCxnSpPr>
           <p:nvPr/>
         </p:nvCxnSpPr>
         <p:spPr>
-          <a:xfrm flipV="1">
-            <a:off x="1293017" y="1816892"/>
-            <a:ext cx="2859882" cy="1135856"/>
+          <a:xfrm flipH="1">
+            <a:off x="3524246" y="2174078"/>
+            <a:ext cx="1433515" cy="778670"/>
+          </a:xfrm>
+          <a:prstGeom prst="straightConnector1">
+            <a:avLst/>
+          </a:prstGeom>
+          <a:ln>
+            <a:headEnd type="triangle"/>
+            <a:tailEnd type="none"/>
+          </a:ln>
+        </p:spPr>
+        <p:style>
+          <a:lnRef idx="1">
+            <a:schemeClr val="accent1"/>
+          </a:lnRef>
+          <a:fillRef idx="0">
+            <a:schemeClr val="accent1"/>
+          </a:fillRef>
+          <a:effectRef idx="0">
+            <a:schemeClr val="accent1"/>
+          </a:effectRef>
+          <a:fontRef idx="minor">
+            <a:schemeClr val="tx1"/>
+          </a:fontRef>
+        </p:style>
+      </p:cxnSp>
+      <p:cxnSp>
+        <p:nvCxnSpPr>
+          <p:cNvPr id="39" name="Straight Arrow Connector 38"/>
+          <p:cNvCxnSpPr>
+            <a:cxnSpLocks/>
+            <a:stCxn id="4" idx="2"/>
+          </p:cNvCxnSpPr>
+          <p:nvPr/>
+        </p:nvCxnSpPr>
+        <p:spPr>
+          <a:xfrm>
+            <a:off x="4960143" y="2181223"/>
+            <a:ext cx="785811" cy="661988"/>
           </a:xfrm>
           <a:prstGeom prst="straightConnector1">
             <a:avLst/>
@@ -20844,16 +20963,17 @@
       </p:cxnSp>
       <p:cxnSp>
         <p:nvCxnSpPr>
-          <p:cNvPr id="37" name="Straight Arrow Connector 36"/>
+          <p:cNvPr id="40" name="Straight Arrow Connector 39"/>
           <p:cNvCxnSpPr>
-            <a:endCxn id="14" idx="0"/>
+            <a:cxnSpLocks/>
+            <a:endCxn id="5" idx="0"/>
           </p:cNvCxnSpPr>
           <p:nvPr/>
         </p:nvCxnSpPr>
         <p:spPr>
           <a:xfrm flipH="1">
-            <a:off x="3524246" y="2174078"/>
-            <a:ext cx="1433515" cy="778670"/>
+            <a:off x="4960143" y="3376612"/>
+            <a:ext cx="773909" cy="966788"/>
           </a:xfrm>
           <a:prstGeom prst="straightConnector1">
             <a:avLst/>
@@ -20879,14 +20999,1081 @@
       </p:cxnSp>
       <p:cxnSp>
         <p:nvCxnSpPr>
-          <p:cNvPr id="39" name="Straight Arrow Connector 38"/>
-          <p:cNvCxnSpPr/>
+          <p:cNvPr id="43" name="Straight Arrow Connector 42"/>
+          <p:cNvCxnSpPr>
+            <a:cxnSpLocks/>
+            <a:stCxn id="5" idx="0"/>
+            <a:endCxn id="14" idx="2"/>
+          </p:cNvCxnSpPr>
+          <p:nvPr/>
+        </p:nvCxnSpPr>
+        <p:spPr>
+          <a:xfrm flipH="1" flipV="1">
+            <a:off x="3524246" y="3681411"/>
+            <a:ext cx="1435897" cy="661989"/>
+          </a:xfrm>
+          <a:prstGeom prst="straightConnector1">
+            <a:avLst/>
+          </a:prstGeom>
+          <a:ln>
+            <a:tailEnd type="triangle"/>
+          </a:ln>
+        </p:spPr>
+        <p:style>
+          <a:lnRef idx="1">
+            <a:schemeClr val="accent1"/>
+          </a:lnRef>
+          <a:fillRef idx="0">
+            <a:schemeClr val="accent1"/>
+          </a:fillRef>
+          <a:effectRef idx="0">
+            <a:schemeClr val="accent1"/>
+          </a:effectRef>
+          <a:fontRef idx="minor">
+            <a:schemeClr val="tx1"/>
+          </a:fontRef>
+        </p:style>
+      </p:cxnSp>
+      <p:cxnSp>
+        <p:nvCxnSpPr>
+          <p:cNvPr id="46" name="Straight Arrow Connector 45"/>
+          <p:cNvCxnSpPr>
+            <a:stCxn id="3" idx="3"/>
+            <a:endCxn id="14" idx="1"/>
+          </p:cNvCxnSpPr>
+          <p:nvPr/>
+        </p:nvCxnSpPr>
+        <p:spPr>
+          <a:xfrm>
+            <a:off x="2141935" y="3317080"/>
+            <a:ext cx="575067" cy="0"/>
+          </a:xfrm>
+          <a:prstGeom prst="straightConnector1">
+            <a:avLst/>
+          </a:prstGeom>
+          <a:ln>
+            <a:tailEnd type="triangle"/>
+          </a:ln>
+        </p:spPr>
+        <p:style>
+          <a:lnRef idx="1">
+            <a:schemeClr val="accent1"/>
+          </a:lnRef>
+          <a:fillRef idx="0">
+            <a:schemeClr val="accent1"/>
+          </a:fillRef>
+          <a:effectRef idx="0">
+            <a:schemeClr val="accent1"/>
+          </a:effectRef>
+          <a:fontRef idx="minor">
+            <a:schemeClr val="tx1"/>
+          </a:fontRef>
+        </p:style>
+      </p:cxnSp>
+      <p:cxnSp>
+        <p:nvCxnSpPr>
+          <p:cNvPr id="50" name="Straight Arrow Connector 49"/>
+          <p:cNvCxnSpPr>
+            <a:cxnSpLocks/>
+            <a:stCxn id="27" idx="1"/>
+            <a:endCxn id="51" idx="1"/>
+          </p:cNvCxnSpPr>
+          <p:nvPr/>
+        </p:nvCxnSpPr>
+        <p:spPr>
+          <a:xfrm flipH="1">
+            <a:off x="7469984" y="5941815"/>
+            <a:ext cx="1435889" cy="41078"/>
+          </a:xfrm>
+          <a:prstGeom prst="straightConnector1">
+            <a:avLst/>
+          </a:prstGeom>
+          <a:ln>
+            <a:tailEnd type="triangle"/>
+          </a:ln>
+        </p:spPr>
+        <p:style>
+          <a:lnRef idx="1">
+            <a:schemeClr val="accent1"/>
+          </a:lnRef>
+          <a:fillRef idx="0">
+            <a:schemeClr val="accent1"/>
+          </a:fillRef>
+          <a:effectRef idx="0">
+            <a:schemeClr val="accent1"/>
+          </a:effectRef>
+          <a:fontRef idx="minor">
+            <a:schemeClr val="tx1"/>
+          </a:fontRef>
+        </p:style>
+      </p:cxnSp>
+      <p:sp>
+        <p:nvSpPr>
+          <p:cNvPr id="51" name="Can 50"/>
+          <p:cNvSpPr/>
+          <p:nvPr/>
+        </p:nvSpPr>
+        <p:spPr>
+          <a:xfrm>
+            <a:off x="6767517" y="5982893"/>
+            <a:ext cx="1404933" cy="646507"/>
+          </a:xfrm>
+          <a:prstGeom prst="can">
+            <a:avLst/>
+          </a:prstGeom>
+        </p:spPr>
+        <p:style>
+          <a:lnRef idx="2">
+            <a:schemeClr val="accent1">
+              <a:shade val="50000"/>
+            </a:schemeClr>
+          </a:lnRef>
+          <a:fillRef idx="1">
+            <a:schemeClr val="accent1"/>
+          </a:fillRef>
+          <a:effectRef idx="0">
+            <a:schemeClr val="accent1"/>
+          </a:effectRef>
+          <a:fontRef idx="minor">
+            <a:schemeClr val="lt1"/>
+          </a:fontRef>
+        </p:style>
+        <p:txBody>
+          <a:bodyPr rtlCol="0" anchor="ctr"/>
+          <a:lstStyle/>
+          <a:p>
+            <a:pPr algn="ctr"/>
+            <a:r>
+              <a:rPr lang="en-US" dirty="0"/>
+              <a:t>In-Memory</a:t>
+            </a:r>
+          </a:p>
+          <a:p>
+            <a:pPr algn="ctr"/>
+            <a:r>
+              <a:rPr lang="en-US" dirty="0"/>
+              <a:t>DB</a:t>
+            </a:r>
+          </a:p>
+        </p:txBody>
+      </p:sp>
+      <p:sp>
+        <p:nvSpPr>
+          <p:cNvPr id="27" name="Rectangle 26"/>
+          <p:cNvSpPr/>
+          <p:nvPr/>
+        </p:nvSpPr>
+        <p:spPr>
+          <a:xfrm>
+            <a:off x="8905873" y="5577483"/>
+            <a:ext cx="1614488" cy="728663"/>
+          </a:xfrm>
+          <a:prstGeom prst="rect">
+            <a:avLst/>
+          </a:prstGeom>
+          <a:solidFill>
+            <a:schemeClr val="accent1">
+              <a:lumMod val="40000"/>
+              <a:lumOff val="60000"/>
+            </a:schemeClr>
+          </a:solidFill>
+        </p:spPr>
+        <p:style>
+          <a:lnRef idx="2">
+            <a:schemeClr val="accent1">
+              <a:shade val="50000"/>
+            </a:schemeClr>
+          </a:lnRef>
+          <a:fillRef idx="1">
+            <a:schemeClr val="accent1"/>
+          </a:fillRef>
+          <a:effectRef idx="0">
+            <a:schemeClr val="accent1"/>
+          </a:effectRef>
+          <a:fontRef idx="minor">
+            <a:schemeClr val="lt1"/>
+          </a:fontRef>
+        </p:style>
+        <p:txBody>
+          <a:bodyPr rtlCol="0" anchor="ctr"/>
+          <a:lstStyle/>
+          <a:p>
+            <a:pPr algn="ctr"/>
+            <a:r>
+              <a:rPr lang="en-US" dirty="0"/>
+              <a:t>Delivery Mechanism</a:t>
+            </a:r>
+          </a:p>
+        </p:txBody>
+      </p:sp>
+      <p:cxnSp>
+        <p:nvCxnSpPr>
+          <p:cNvPr id="30" name="Straight Arrow Connector 29"/>
+          <p:cNvCxnSpPr>
+            <a:endCxn id="17" idx="3"/>
+          </p:cNvCxnSpPr>
+          <p:nvPr/>
+        </p:nvCxnSpPr>
+        <p:spPr>
+          <a:xfrm flipH="1" flipV="1">
+            <a:off x="8753473" y="4889897"/>
+            <a:ext cx="845344" cy="624483"/>
+          </a:xfrm>
+          <a:prstGeom prst="straightConnector1">
+            <a:avLst/>
+          </a:prstGeom>
+          <a:ln>
+            <a:tailEnd type="triangle" w="lg" len="lg"/>
+          </a:ln>
+        </p:spPr>
+        <p:style>
+          <a:lnRef idx="1">
+            <a:schemeClr val="accent1"/>
+          </a:lnRef>
+          <a:fillRef idx="0">
+            <a:schemeClr val="accent1"/>
+          </a:fillRef>
+          <a:effectRef idx="0">
+            <a:schemeClr val="accent1"/>
+          </a:effectRef>
+          <a:fontRef idx="minor">
+            <a:schemeClr val="tx1"/>
+          </a:fontRef>
+        </p:style>
+      </p:cxnSp>
+      <p:sp>
+        <p:nvSpPr>
+          <p:cNvPr id="2" name="Slide Number Placeholder 1"/>
+          <p:cNvSpPr>
+            <a:spLocks noGrp="1"/>
+          </p:cNvSpPr>
+          <p:nvPr>
+            <p:ph type="sldNum" sz="quarter" idx="12"/>
+          </p:nvPr>
+        </p:nvSpPr>
+        <p:spPr/>
+        <p:txBody>
+          <a:bodyPr/>
+          <a:lstStyle/>
+          <a:p>
+            <a:fld id="{AA792DF1-A555-43FA-AD2F-E7EC51E120F1}" type="slidenum">
+              <a:rPr lang="en-GB" smtClean="0"/>
+              <a:t>61</a:t>
+            </a:fld>
+            <a:endParaRPr lang="en-GB"/>
+          </a:p>
+        </p:txBody>
+      </p:sp>
+    </p:spTree>
+    <p:extLst>
+      <p:ext uri="{BB962C8B-B14F-4D97-AF65-F5344CB8AC3E}">
+        <p14:creationId xmlns:p14="http://schemas.microsoft.com/office/powerpoint/2010/main" val="1789289967"/>
+      </p:ext>
+    </p:extLst>
+  </p:cSld>
+  <p:clrMapOvr>
+    <a:masterClrMapping/>
+  </p:clrMapOvr>
+</p:sld>
+</file>
+
+<file path=ppt/slides/slide62.xml><?xml version="1.0" encoding="utf-8"?>
+<p:sld xmlns:a="http://schemas.openxmlformats.org/drawingml/2006/main" xmlns:r="http://schemas.openxmlformats.org/officeDocument/2006/relationships" xmlns:p="http://schemas.openxmlformats.org/presentationml/2006/main">
+  <p:cSld>
+    <p:spTree>
+      <p:nvGrpSpPr>
+        <p:cNvPr id="1" name=""/>
+        <p:cNvGrpSpPr/>
+        <p:nvPr/>
+      </p:nvGrpSpPr>
+      <p:grpSpPr>
+        <a:xfrm>
+          <a:off x="0" y="0"/>
+          <a:ext cx="0" cy="0"/>
+          <a:chOff x="0" y="0"/>
+          <a:chExt cx="0" cy="0"/>
+        </a:xfrm>
+      </p:grpSpPr>
+      <p:sp>
+        <p:nvSpPr>
+          <p:cNvPr id="3" name="Rectangle 2"/>
+          <p:cNvSpPr/>
+          <p:nvPr/>
+        </p:nvSpPr>
+        <p:spPr>
+          <a:xfrm>
+            <a:off x="527447" y="2952748"/>
+            <a:ext cx="1614488" cy="728663"/>
+          </a:xfrm>
+          <a:prstGeom prst="rect">
+            <a:avLst/>
+          </a:prstGeom>
+          <a:solidFill>
+            <a:schemeClr val="accent1">
+              <a:lumMod val="40000"/>
+              <a:lumOff val="60000"/>
+            </a:schemeClr>
+          </a:solidFill>
+        </p:spPr>
+        <p:style>
+          <a:lnRef idx="2">
+            <a:schemeClr val="accent1">
+              <a:shade val="50000"/>
+            </a:schemeClr>
+          </a:lnRef>
+          <a:fillRef idx="1">
+            <a:schemeClr val="accent1"/>
+          </a:fillRef>
+          <a:effectRef idx="0">
+            <a:schemeClr val="accent1"/>
+          </a:effectRef>
+          <a:fontRef idx="minor">
+            <a:schemeClr val="lt1"/>
+          </a:fontRef>
+        </p:style>
+        <p:txBody>
+          <a:bodyPr rtlCol="0" anchor="ctr"/>
+          <a:lstStyle/>
+          <a:p>
+            <a:pPr algn="ctr"/>
+            <a:r>
+              <a:rPr lang="en-US" dirty="0" err="1"/>
+              <a:t>XUnit</a:t>
+            </a:r>
+            <a:endParaRPr lang="en-US" dirty="0"/>
+          </a:p>
+          <a:p>
+            <a:pPr algn="ctr"/>
+            <a:r>
+              <a:rPr lang="en-US" dirty="0"/>
+              <a:t>Framework</a:t>
+            </a:r>
+          </a:p>
+        </p:txBody>
+      </p:sp>
+      <p:sp>
+        <p:nvSpPr>
+          <p:cNvPr id="4" name="Rectangle 3"/>
+          <p:cNvSpPr/>
+          <p:nvPr/>
+        </p:nvSpPr>
+        <p:spPr>
+          <a:xfrm>
+            <a:off x="4152899" y="1452560"/>
+            <a:ext cx="1614488" cy="728663"/>
+          </a:xfrm>
+          <a:prstGeom prst="rect">
+            <a:avLst/>
+          </a:prstGeom>
+          <a:solidFill>
+            <a:schemeClr val="bg1">
+              <a:lumMod val="85000"/>
+            </a:schemeClr>
+          </a:solidFill>
+        </p:spPr>
+        <p:style>
+          <a:lnRef idx="2">
+            <a:schemeClr val="accent1">
+              <a:shade val="50000"/>
+            </a:schemeClr>
+          </a:lnRef>
+          <a:fillRef idx="1">
+            <a:schemeClr val="accent1"/>
+          </a:fillRef>
+          <a:effectRef idx="0">
+            <a:schemeClr val="accent1"/>
+          </a:effectRef>
+          <a:fontRef idx="minor">
+            <a:schemeClr val="lt1"/>
+          </a:fontRef>
+        </p:style>
+        <p:txBody>
+          <a:bodyPr rtlCol="0" anchor="ctr"/>
+          <a:lstStyle/>
+          <a:p>
+            <a:pPr algn="ctr"/>
+            <a:r>
+              <a:rPr lang="en-US" dirty="0"/>
+              <a:t>Request Model</a:t>
+            </a:r>
+          </a:p>
+        </p:txBody>
+      </p:sp>
+      <p:sp>
+        <p:nvSpPr>
+          <p:cNvPr id="5" name="Rectangle 4"/>
+          <p:cNvSpPr/>
+          <p:nvPr/>
+        </p:nvSpPr>
+        <p:spPr>
+          <a:xfrm>
+            <a:off x="4152899" y="4343400"/>
+            <a:ext cx="1614488" cy="728663"/>
+          </a:xfrm>
+          <a:prstGeom prst="rect">
+            <a:avLst/>
+          </a:prstGeom>
+          <a:solidFill>
+            <a:schemeClr val="bg2">
+              <a:lumMod val="90000"/>
+            </a:schemeClr>
+          </a:solidFill>
+        </p:spPr>
+        <p:style>
+          <a:lnRef idx="2">
+            <a:schemeClr val="accent1">
+              <a:shade val="50000"/>
+            </a:schemeClr>
+          </a:lnRef>
+          <a:fillRef idx="1">
+            <a:schemeClr val="accent1"/>
+          </a:fillRef>
+          <a:effectRef idx="0">
+            <a:schemeClr val="accent1"/>
+          </a:effectRef>
+          <a:fontRef idx="minor">
+            <a:schemeClr val="lt1"/>
+          </a:fontRef>
+        </p:style>
+        <p:txBody>
+          <a:bodyPr rtlCol="0" anchor="ctr"/>
+          <a:lstStyle/>
+          <a:p>
+            <a:pPr algn="ctr"/>
+            <a:r>
+              <a:rPr lang="en-US" dirty="0"/>
+              <a:t>Response Model</a:t>
+            </a:r>
+          </a:p>
+        </p:txBody>
+      </p:sp>
+      <p:sp>
+        <p:nvSpPr>
+          <p:cNvPr id="6" name="Rectangle 5"/>
+          <p:cNvSpPr/>
+          <p:nvPr/>
+        </p:nvSpPr>
+        <p:spPr>
+          <a:xfrm>
+            <a:off x="5767387" y="2800349"/>
+            <a:ext cx="1791653" cy="728663"/>
+          </a:xfrm>
+          <a:prstGeom prst="rect">
+            <a:avLst/>
+          </a:prstGeom>
+          <a:solidFill>
+            <a:schemeClr val="accent2">
+              <a:lumMod val="40000"/>
+              <a:lumOff val="60000"/>
+            </a:schemeClr>
+          </a:solidFill>
+        </p:spPr>
+        <p:style>
+          <a:lnRef idx="2">
+            <a:schemeClr val="accent1">
+              <a:shade val="50000"/>
+            </a:schemeClr>
+          </a:lnRef>
+          <a:fillRef idx="1">
+            <a:schemeClr val="accent1"/>
+          </a:fillRef>
+          <a:effectRef idx="0">
+            <a:schemeClr val="accent1"/>
+          </a:effectRef>
+          <a:fontRef idx="minor">
+            <a:schemeClr val="lt1"/>
+          </a:fontRef>
+        </p:style>
+        <p:txBody>
+          <a:bodyPr rtlCol="0" anchor="ctr"/>
+          <a:lstStyle/>
+          <a:p>
+            <a:pPr algn="ctr"/>
+            <a:r>
+              <a:rPr lang="en-US" dirty="0" err="1"/>
+              <a:t>IHandleRequests</a:t>
+            </a:r>
+            <a:endParaRPr lang="en-US" dirty="0"/>
+          </a:p>
+          <a:p>
+            <a:pPr algn="ctr"/>
+            <a:r>
+              <a:rPr lang="en-US" dirty="0"/>
+              <a:t>&lt;&lt;interface&gt;&gt;</a:t>
+            </a:r>
+          </a:p>
+        </p:txBody>
+      </p:sp>
+      <p:sp>
+        <p:nvSpPr>
+          <p:cNvPr id="7" name="Rectangle 6"/>
+          <p:cNvSpPr/>
+          <p:nvPr/>
+        </p:nvSpPr>
+        <p:spPr>
+          <a:xfrm>
+            <a:off x="8753473" y="2495549"/>
+            <a:ext cx="1614488" cy="728663"/>
+          </a:xfrm>
+          <a:prstGeom prst="rect">
+            <a:avLst/>
+          </a:prstGeom>
+          <a:solidFill>
+            <a:schemeClr val="accent4">
+              <a:lumMod val="20000"/>
+              <a:lumOff val="80000"/>
+            </a:schemeClr>
+          </a:solidFill>
+        </p:spPr>
+        <p:style>
+          <a:lnRef idx="2">
+            <a:schemeClr val="accent1">
+              <a:shade val="50000"/>
+            </a:schemeClr>
+          </a:lnRef>
+          <a:fillRef idx="1">
+            <a:schemeClr val="accent1"/>
+          </a:fillRef>
+          <a:effectRef idx="0">
+            <a:schemeClr val="accent1"/>
+          </a:effectRef>
+          <a:fontRef idx="minor">
+            <a:schemeClr val="lt1"/>
+          </a:fontRef>
+        </p:style>
+        <p:txBody>
+          <a:bodyPr rtlCol="0" anchor="ctr"/>
+          <a:lstStyle/>
+          <a:p>
+            <a:pPr algn="ctr"/>
+            <a:r>
+              <a:rPr lang="en-US" dirty="0"/>
+              <a:t>Entity</a:t>
+            </a:r>
+          </a:p>
+        </p:txBody>
+      </p:sp>
+      <p:sp>
+        <p:nvSpPr>
+          <p:cNvPr id="9" name="Rectangle 8"/>
+          <p:cNvSpPr/>
+          <p:nvPr/>
+        </p:nvSpPr>
+        <p:spPr>
+          <a:xfrm>
+            <a:off x="8905873" y="2647949"/>
+            <a:ext cx="1614488" cy="728663"/>
+          </a:xfrm>
+          <a:prstGeom prst="rect">
+            <a:avLst/>
+          </a:prstGeom>
+          <a:solidFill>
+            <a:schemeClr val="accent4">
+              <a:lumMod val="20000"/>
+              <a:lumOff val="80000"/>
+            </a:schemeClr>
+          </a:solidFill>
+        </p:spPr>
+        <p:style>
+          <a:lnRef idx="2">
+            <a:schemeClr val="accent1">
+              <a:shade val="50000"/>
+            </a:schemeClr>
+          </a:lnRef>
+          <a:fillRef idx="1">
+            <a:schemeClr val="accent1"/>
+          </a:fillRef>
+          <a:effectRef idx="0">
+            <a:schemeClr val="accent1"/>
+          </a:effectRef>
+          <a:fontRef idx="minor">
+            <a:schemeClr val="lt1"/>
+          </a:fontRef>
+        </p:style>
+        <p:txBody>
+          <a:bodyPr rtlCol="0" anchor="ctr"/>
+          <a:lstStyle/>
+          <a:p>
+            <a:pPr algn="ctr"/>
+            <a:r>
+              <a:rPr lang="en-US" dirty="0"/>
+              <a:t>Entity</a:t>
+            </a:r>
+          </a:p>
+        </p:txBody>
+      </p:sp>
+      <p:sp>
+        <p:nvSpPr>
+          <p:cNvPr id="10" name="Rectangle 9"/>
+          <p:cNvSpPr/>
+          <p:nvPr/>
+        </p:nvSpPr>
+        <p:spPr>
+          <a:xfrm>
+            <a:off x="9058273" y="2800349"/>
+            <a:ext cx="1614488" cy="728663"/>
+          </a:xfrm>
+          <a:prstGeom prst="rect">
+            <a:avLst/>
+          </a:prstGeom>
+          <a:solidFill>
+            <a:schemeClr val="accent4">
+              <a:lumMod val="20000"/>
+              <a:lumOff val="80000"/>
+            </a:schemeClr>
+          </a:solidFill>
+        </p:spPr>
+        <p:style>
+          <a:lnRef idx="2">
+            <a:schemeClr val="accent1">
+              <a:shade val="50000"/>
+            </a:schemeClr>
+          </a:lnRef>
+          <a:fillRef idx="1">
+            <a:schemeClr val="accent1"/>
+          </a:fillRef>
+          <a:effectRef idx="0">
+            <a:schemeClr val="accent1"/>
+          </a:effectRef>
+          <a:fontRef idx="minor">
+            <a:schemeClr val="lt1"/>
+          </a:fontRef>
+        </p:style>
+        <p:txBody>
+          <a:bodyPr rtlCol="0" anchor="ctr"/>
+          <a:lstStyle/>
+          <a:p>
+            <a:pPr algn="ctr"/>
+            <a:r>
+              <a:rPr lang="en-US" dirty="0"/>
+              <a:t>Entity</a:t>
+            </a:r>
+          </a:p>
+        </p:txBody>
+      </p:sp>
+      <p:sp>
+        <p:nvSpPr>
+          <p:cNvPr id="11" name="Rectangle 10"/>
+          <p:cNvSpPr/>
+          <p:nvPr/>
+        </p:nvSpPr>
+        <p:spPr>
+          <a:xfrm>
+            <a:off x="9210673" y="2952749"/>
+            <a:ext cx="1614488" cy="728663"/>
+          </a:xfrm>
+          <a:prstGeom prst="rect">
+            <a:avLst/>
+          </a:prstGeom>
+          <a:solidFill>
+            <a:schemeClr val="accent4">
+              <a:lumMod val="20000"/>
+              <a:lumOff val="80000"/>
+            </a:schemeClr>
+          </a:solidFill>
+        </p:spPr>
+        <p:style>
+          <a:lnRef idx="2">
+            <a:schemeClr val="accent1">
+              <a:shade val="50000"/>
+            </a:schemeClr>
+          </a:lnRef>
+          <a:fillRef idx="1">
+            <a:schemeClr val="accent1"/>
+          </a:fillRef>
+          <a:effectRef idx="0">
+            <a:schemeClr val="accent1"/>
+          </a:effectRef>
+          <a:fontRef idx="minor">
+            <a:schemeClr val="lt1"/>
+          </a:fontRef>
+        </p:style>
+        <p:txBody>
+          <a:bodyPr rtlCol="0" anchor="ctr"/>
+          <a:lstStyle/>
+          <a:p>
+            <a:pPr algn="ctr"/>
+            <a:r>
+              <a:rPr lang="en-US" dirty="0">
+                <a:solidFill>
+                  <a:schemeClr val="tx1"/>
+                </a:solidFill>
+              </a:rPr>
+              <a:t>Entity</a:t>
+            </a:r>
+          </a:p>
+        </p:txBody>
+      </p:sp>
+      <p:sp>
+        <p:nvSpPr>
+          <p:cNvPr id="12" name="Rectangle 11"/>
+          <p:cNvSpPr/>
+          <p:nvPr/>
+        </p:nvSpPr>
+        <p:spPr>
+          <a:xfrm>
+            <a:off x="261937" y="4707731"/>
+            <a:ext cx="1362076" cy="364332"/>
+          </a:xfrm>
+          <a:prstGeom prst="rect">
+            <a:avLst/>
+          </a:prstGeom>
+          <a:solidFill>
+            <a:schemeClr val="bg2">
+              <a:lumMod val="90000"/>
+            </a:schemeClr>
+          </a:solidFill>
+        </p:spPr>
+        <p:style>
+          <a:lnRef idx="2">
+            <a:schemeClr val="accent1">
+              <a:shade val="50000"/>
+            </a:schemeClr>
+          </a:lnRef>
+          <a:fillRef idx="1">
+            <a:schemeClr val="accent1"/>
+          </a:fillRef>
+          <a:effectRef idx="0">
+            <a:schemeClr val="accent1"/>
+          </a:effectRef>
+          <a:fontRef idx="minor">
+            <a:schemeClr val="lt1"/>
+          </a:fontRef>
+        </p:style>
+        <p:txBody>
+          <a:bodyPr rtlCol="0" anchor="ctr"/>
+          <a:lstStyle/>
+          <a:p>
+            <a:pPr algn="ctr"/>
+            <a:r>
+              <a:rPr lang="en-US" sz="1200" dirty="0">
+                <a:solidFill>
+                  <a:schemeClr val="tx1"/>
+                </a:solidFill>
+              </a:rPr>
+              <a:t>Data Structure</a:t>
+            </a:r>
+          </a:p>
+        </p:txBody>
+      </p:sp>
+      <p:sp>
+        <p:nvSpPr>
+          <p:cNvPr id="13" name="Rectangle 12"/>
+          <p:cNvSpPr/>
+          <p:nvPr/>
+        </p:nvSpPr>
+        <p:spPr>
+          <a:xfrm>
+            <a:off x="261937" y="5295900"/>
+            <a:ext cx="1362076" cy="347664"/>
+          </a:xfrm>
+          <a:prstGeom prst="rect">
+            <a:avLst/>
+          </a:prstGeom>
+          <a:solidFill>
+            <a:schemeClr val="accent1">
+              <a:lumMod val="40000"/>
+              <a:lumOff val="60000"/>
+            </a:schemeClr>
+          </a:solidFill>
+        </p:spPr>
+        <p:style>
+          <a:lnRef idx="2">
+            <a:schemeClr val="accent1">
+              <a:shade val="50000"/>
+            </a:schemeClr>
+          </a:lnRef>
+          <a:fillRef idx="1">
+            <a:schemeClr val="accent1"/>
+          </a:fillRef>
+          <a:effectRef idx="0">
+            <a:schemeClr val="accent1"/>
+          </a:effectRef>
+          <a:fontRef idx="minor">
+            <a:schemeClr val="lt1"/>
+          </a:fontRef>
+        </p:style>
+        <p:txBody>
+          <a:bodyPr rtlCol="0" anchor="ctr"/>
+          <a:lstStyle/>
+          <a:p>
+            <a:pPr algn="ctr"/>
+            <a:r>
+              <a:rPr lang="en-US" sz="1200" dirty="0">
+                <a:solidFill>
+                  <a:schemeClr val="tx1"/>
+                </a:solidFill>
+              </a:rPr>
+              <a:t>Frameworks &amp; Drivers</a:t>
+            </a:r>
+          </a:p>
+        </p:txBody>
+      </p:sp>
+      <p:sp>
+        <p:nvSpPr>
+          <p:cNvPr id="14" name="Rectangle 13"/>
+          <p:cNvSpPr/>
+          <p:nvPr/>
+        </p:nvSpPr>
+        <p:spPr>
+          <a:xfrm>
+            <a:off x="2717002" y="2952748"/>
+            <a:ext cx="1614488" cy="728663"/>
+          </a:xfrm>
+          <a:prstGeom prst="rect">
+            <a:avLst/>
+          </a:prstGeom>
+          <a:solidFill>
+            <a:schemeClr val="accent6">
+              <a:lumMod val="40000"/>
+              <a:lumOff val="60000"/>
+            </a:schemeClr>
+          </a:solidFill>
+        </p:spPr>
+        <p:style>
+          <a:lnRef idx="2">
+            <a:schemeClr val="accent1">
+              <a:shade val="50000"/>
+            </a:schemeClr>
+          </a:lnRef>
+          <a:fillRef idx="1">
+            <a:schemeClr val="accent1"/>
+          </a:fillRef>
+          <a:effectRef idx="0">
+            <a:schemeClr val="accent1"/>
+          </a:effectRef>
+          <a:fontRef idx="minor">
+            <a:schemeClr val="lt1"/>
+          </a:fontRef>
+        </p:style>
+        <p:txBody>
+          <a:bodyPr rtlCol="0" anchor="ctr"/>
+          <a:lstStyle/>
+          <a:p>
+            <a:pPr algn="ctr"/>
+            <a:r>
+              <a:rPr lang="en-US" dirty="0"/>
+              <a:t>Test</a:t>
+            </a:r>
+          </a:p>
+        </p:txBody>
+      </p:sp>
+      <p:sp>
+        <p:nvSpPr>
+          <p:cNvPr id="15" name="Rectangle 14"/>
+          <p:cNvSpPr/>
+          <p:nvPr/>
+        </p:nvSpPr>
+        <p:spPr>
+          <a:xfrm>
+            <a:off x="261937" y="5867402"/>
+            <a:ext cx="1362076" cy="230982"/>
+          </a:xfrm>
+          <a:prstGeom prst="rect">
+            <a:avLst/>
+          </a:prstGeom>
+          <a:solidFill>
+            <a:schemeClr val="accent6">
+              <a:lumMod val="40000"/>
+              <a:lumOff val="60000"/>
+            </a:schemeClr>
+          </a:solidFill>
+        </p:spPr>
+        <p:style>
+          <a:lnRef idx="2">
+            <a:schemeClr val="accent1">
+              <a:shade val="50000"/>
+            </a:schemeClr>
+          </a:lnRef>
+          <a:fillRef idx="1">
+            <a:schemeClr val="accent1"/>
+          </a:fillRef>
+          <a:effectRef idx="0">
+            <a:schemeClr val="accent1"/>
+          </a:effectRef>
+          <a:fontRef idx="minor">
+            <a:schemeClr val="lt1"/>
+          </a:fontRef>
+        </p:style>
+        <p:txBody>
+          <a:bodyPr rtlCol="0" anchor="ctr"/>
+          <a:lstStyle/>
+          <a:p>
+            <a:pPr algn="ctr"/>
+            <a:r>
+              <a:rPr lang="en-US" sz="1200">
+                <a:solidFill>
+                  <a:schemeClr val="tx1"/>
+                </a:solidFill>
+              </a:rPr>
+              <a:t>Interface Adapters</a:t>
+            </a:r>
+            <a:endParaRPr lang="en-US" sz="1200" dirty="0">
+              <a:solidFill>
+                <a:schemeClr val="tx1"/>
+              </a:solidFill>
+            </a:endParaRPr>
+          </a:p>
+        </p:txBody>
+      </p:sp>
+      <p:sp>
+        <p:nvSpPr>
+          <p:cNvPr id="16" name="Rectangle 15"/>
+          <p:cNvSpPr/>
+          <p:nvPr/>
+        </p:nvSpPr>
+        <p:spPr>
+          <a:xfrm>
+            <a:off x="261937" y="4174327"/>
+            <a:ext cx="1362076" cy="280990"/>
+          </a:xfrm>
+          <a:prstGeom prst="rect">
+            <a:avLst/>
+          </a:prstGeom>
+          <a:solidFill>
+            <a:schemeClr val="accent2">
+              <a:lumMod val="40000"/>
+              <a:lumOff val="60000"/>
+            </a:schemeClr>
+          </a:solidFill>
+        </p:spPr>
+        <p:style>
+          <a:lnRef idx="2">
+            <a:schemeClr val="accent1">
+              <a:shade val="50000"/>
+            </a:schemeClr>
+          </a:lnRef>
+          <a:fillRef idx="1">
+            <a:schemeClr val="accent1"/>
+          </a:fillRef>
+          <a:effectRef idx="0">
+            <a:schemeClr val="accent1"/>
+          </a:effectRef>
+          <a:fontRef idx="minor">
+            <a:schemeClr val="lt1"/>
+          </a:fontRef>
+        </p:style>
+        <p:txBody>
+          <a:bodyPr rtlCol="0" anchor="ctr"/>
+          <a:lstStyle/>
+          <a:p>
+            <a:pPr algn="ctr"/>
+            <a:r>
+              <a:rPr lang="en-US" sz="1200" dirty="0">
+                <a:solidFill>
+                  <a:schemeClr val="tx1"/>
+                </a:solidFill>
+              </a:rPr>
+              <a:t>Use Cases</a:t>
+            </a:r>
+          </a:p>
+        </p:txBody>
+      </p:sp>
+      <p:sp>
+        <p:nvSpPr>
+          <p:cNvPr id="17" name="Rectangle 16"/>
+          <p:cNvSpPr/>
+          <p:nvPr/>
+        </p:nvSpPr>
+        <p:spPr>
+          <a:xfrm>
+            <a:off x="7138985" y="4525565"/>
+            <a:ext cx="1614488" cy="728663"/>
+          </a:xfrm>
+          <a:prstGeom prst="rect">
+            <a:avLst/>
+          </a:prstGeom>
+          <a:solidFill>
+            <a:schemeClr val="accent6">
+              <a:lumMod val="40000"/>
+              <a:lumOff val="60000"/>
+            </a:schemeClr>
+          </a:solidFill>
+        </p:spPr>
+        <p:style>
+          <a:lnRef idx="2">
+            <a:schemeClr val="accent1">
+              <a:shade val="50000"/>
+            </a:schemeClr>
+          </a:lnRef>
+          <a:fillRef idx="1">
+            <a:schemeClr val="accent1"/>
+          </a:fillRef>
+          <a:effectRef idx="0">
+            <a:schemeClr val="accent1"/>
+          </a:effectRef>
+          <a:fontRef idx="minor">
+            <a:schemeClr val="lt1"/>
+          </a:fontRef>
+        </p:style>
+        <p:txBody>
+          <a:bodyPr rtlCol="0" anchor="ctr"/>
+          <a:lstStyle/>
+          <a:p>
+            <a:pPr algn="ctr"/>
+            <a:r>
+              <a:rPr lang="en-US" dirty="0"/>
+              <a:t>Entity Gateway</a:t>
+            </a:r>
+          </a:p>
+          <a:p>
+            <a:pPr algn="ctr"/>
+            <a:r>
+              <a:rPr lang="en-US" dirty="0"/>
+              <a:t>&lt;&lt;interface&gt;&gt;</a:t>
+            </a:r>
+          </a:p>
+        </p:txBody>
+      </p:sp>
+      <p:cxnSp>
+        <p:nvCxnSpPr>
+          <p:cNvPr id="29" name="Straight Arrow Connector 28"/>
+          <p:cNvCxnSpPr>
+            <a:cxnSpLocks/>
+            <a:stCxn id="6" idx="3"/>
+            <a:endCxn id="7" idx="1"/>
+          </p:cNvCxnSpPr>
           <p:nvPr/>
         </p:nvCxnSpPr>
         <p:spPr>
           <a:xfrm flipV="1">
-            <a:off x="4321969" y="2843211"/>
-            <a:ext cx="1423985" cy="304800"/>
+            <a:off x="7559040" y="2859881"/>
+            <a:ext cx="1194433" cy="304800"/>
+          </a:xfrm>
+          <a:prstGeom prst="straightConnector1">
+            <a:avLst/>
+          </a:prstGeom>
+          <a:ln>
+            <a:tailEnd type="triangle"/>
+          </a:ln>
+        </p:spPr>
+        <p:style>
+          <a:lnRef idx="1">
+            <a:schemeClr val="accent1"/>
+          </a:lnRef>
+          <a:fillRef idx="0">
+            <a:schemeClr val="accent1"/>
+          </a:fillRef>
+          <a:effectRef idx="0">
+            <a:schemeClr val="accent1"/>
+          </a:effectRef>
+          <a:fontRef idx="minor">
+            <a:schemeClr val="tx1"/>
+          </a:fontRef>
+        </p:style>
+      </p:cxnSp>
+      <p:cxnSp>
+        <p:nvCxnSpPr>
+          <p:cNvPr id="33" name="Straight Arrow Connector 32"/>
+          <p:cNvCxnSpPr>
+            <a:endCxn id="17" idx="0"/>
+          </p:cNvCxnSpPr>
+          <p:nvPr/>
+        </p:nvCxnSpPr>
+        <p:spPr>
+          <a:xfrm>
+            <a:off x="6541295" y="3529012"/>
+            <a:ext cx="1404934" cy="996553"/>
           </a:xfrm>
           <a:prstGeom prst="straightConnector1">
             <a:avLst/>
@@ -21205,1243 +22392,6 @@
           <a:p>
             <a:fld id="{AA792DF1-A555-43FA-AD2F-E7EC51E120F1}" type="slidenum">
               <a:rPr lang="en-GB" smtClean="0"/>
-              <a:t>61</a:t>
-            </a:fld>
-            <a:endParaRPr lang="en-GB"/>
-          </a:p>
-        </p:txBody>
-      </p:sp>
-    </p:spTree>
-    <p:extLst>
-      <p:ext uri="{BB962C8B-B14F-4D97-AF65-F5344CB8AC3E}">
-        <p14:creationId xmlns:p14="http://schemas.microsoft.com/office/powerpoint/2010/main" val="1789289967"/>
-      </p:ext>
-    </p:extLst>
-  </p:cSld>
-  <p:clrMapOvr>
-    <a:masterClrMapping/>
-  </p:clrMapOvr>
-</p:sld>
-</file>
-
-<file path=ppt/slides/slide62.xml><?xml version="1.0" encoding="utf-8"?>
-<p:sld xmlns:a="http://schemas.openxmlformats.org/drawingml/2006/main" xmlns:r="http://schemas.openxmlformats.org/officeDocument/2006/relationships" xmlns:p="http://schemas.openxmlformats.org/presentationml/2006/main">
-  <p:cSld>
-    <p:spTree>
-      <p:nvGrpSpPr>
-        <p:cNvPr id="1" name=""/>
-        <p:cNvGrpSpPr/>
-        <p:nvPr/>
-      </p:nvGrpSpPr>
-      <p:grpSpPr>
-        <a:xfrm>
-          <a:off x="0" y="0"/>
-          <a:ext cx="0" cy="0"/>
-          <a:chOff x="0" y="0"/>
-          <a:chExt cx="0" cy="0"/>
-        </a:xfrm>
-      </p:grpSpPr>
-      <p:sp>
-        <p:nvSpPr>
-          <p:cNvPr id="3" name="Rectangle 2"/>
-          <p:cNvSpPr/>
-          <p:nvPr/>
-        </p:nvSpPr>
-        <p:spPr>
-          <a:xfrm>
-            <a:off x="527447" y="2952748"/>
-            <a:ext cx="1614488" cy="728663"/>
-          </a:xfrm>
-          <a:prstGeom prst="rect">
-            <a:avLst/>
-          </a:prstGeom>
-          <a:solidFill>
-            <a:schemeClr val="accent1">
-              <a:lumMod val="40000"/>
-              <a:lumOff val="60000"/>
-            </a:schemeClr>
-          </a:solidFill>
-        </p:spPr>
-        <p:style>
-          <a:lnRef idx="2">
-            <a:schemeClr val="accent1">
-              <a:shade val="50000"/>
-            </a:schemeClr>
-          </a:lnRef>
-          <a:fillRef idx="1">
-            <a:schemeClr val="accent1"/>
-          </a:fillRef>
-          <a:effectRef idx="0">
-            <a:schemeClr val="accent1"/>
-          </a:effectRef>
-          <a:fontRef idx="minor">
-            <a:schemeClr val="lt1"/>
-          </a:fontRef>
-        </p:style>
-        <p:txBody>
-          <a:bodyPr rtlCol="0" anchor="ctr"/>
-          <a:lstStyle/>
-          <a:p>
-            <a:pPr algn="ctr"/>
-            <a:r>
-              <a:rPr lang="en-US" dirty="0" err="1"/>
-              <a:t>XUnit</a:t>
-            </a:r>
-            <a:endParaRPr lang="en-US" dirty="0"/>
-          </a:p>
-          <a:p>
-            <a:pPr algn="ctr"/>
-            <a:r>
-              <a:rPr lang="en-US" dirty="0"/>
-              <a:t>Framework</a:t>
-            </a:r>
-          </a:p>
-        </p:txBody>
-      </p:sp>
-      <p:sp>
-        <p:nvSpPr>
-          <p:cNvPr id="4" name="Rectangle 3"/>
-          <p:cNvSpPr/>
-          <p:nvPr/>
-        </p:nvSpPr>
-        <p:spPr>
-          <a:xfrm>
-            <a:off x="4152899" y="1452560"/>
-            <a:ext cx="1614488" cy="728663"/>
-          </a:xfrm>
-          <a:prstGeom prst="rect">
-            <a:avLst/>
-          </a:prstGeom>
-          <a:solidFill>
-            <a:schemeClr val="bg1">
-              <a:lumMod val="85000"/>
-            </a:schemeClr>
-          </a:solidFill>
-        </p:spPr>
-        <p:style>
-          <a:lnRef idx="2">
-            <a:schemeClr val="accent1">
-              <a:shade val="50000"/>
-            </a:schemeClr>
-          </a:lnRef>
-          <a:fillRef idx="1">
-            <a:schemeClr val="accent1"/>
-          </a:fillRef>
-          <a:effectRef idx="0">
-            <a:schemeClr val="accent1"/>
-          </a:effectRef>
-          <a:fontRef idx="minor">
-            <a:schemeClr val="lt1"/>
-          </a:fontRef>
-        </p:style>
-        <p:txBody>
-          <a:bodyPr rtlCol="0" anchor="ctr"/>
-          <a:lstStyle/>
-          <a:p>
-            <a:pPr algn="ctr"/>
-            <a:r>
-              <a:rPr lang="en-US" dirty="0"/>
-              <a:t>Request Model</a:t>
-            </a:r>
-          </a:p>
-        </p:txBody>
-      </p:sp>
-      <p:sp>
-        <p:nvSpPr>
-          <p:cNvPr id="5" name="Rectangle 4"/>
-          <p:cNvSpPr/>
-          <p:nvPr/>
-        </p:nvSpPr>
-        <p:spPr>
-          <a:xfrm>
-            <a:off x="4152899" y="4343400"/>
-            <a:ext cx="1614488" cy="728663"/>
-          </a:xfrm>
-          <a:prstGeom prst="rect">
-            <a:avLst/>
-          </a:prstGeom>
-          <a:solidFill>
-            <a:schemeClr val="bg2">
-              <a:lumMod val="90000"/>
-            </a:schemeClr>
-          </a:solidFill>
-        </p:spPr>
-        <p:style>
-          <a:lnRef idx="2">
-            <a:schemeClr val="accent1">
-              <a:shade val="50000"/>
-            </a:schemeClr>
-          </a:lnRef>
-          <a:fillRef idx="1">
-            <a:schemeClr val="accent1"/>
-          </a:fillRef>
-          <a:effectRef idx="0">
-            <a:schemeClr val="accent1"/>
-          </a:effectRef>
-          <a:fontRef idx="minor">
-            <a:schemeClr val="lt1"/>
-          </a:fontRef>
-        </p:style>
-        <p:txBody>
-          <a:bodyPr rtlCol="0" anchor="ctr"/>
-          <a:lstStyle/>
-          <a:p>
-            <a:pPr algn="ctr"/>
-            <a:r>
-              <a:rPr lang="en-US" dirty="0"/>
-              <a:t>Response Model</a:t>
-            </a:r>
-          </a:p>
-        </p:txBody>
-      </p:sp>
-      <p:sp>
-        <p:nvSpPr>
-          <p:cNvPr id="6" name="Rectangle 5"/>
-          <p:cNvSpPr/>
-          <p:nvPr/>
-        </p:nvSpPr>
-        <p:spPr>
-          <a:xfrm>
-            <a:off x="5767387" y="2800349"/>
-            <a:ext cx="1791653" cy="728663"/>
-          </a:xfrm>
-          <a:prstGeom prst="rect">
-            <a:avLst/>
-          </a:prstGeom>
-          <a:solidFill>
-            <a:schemeClr val="accent2">
-              <a:lumMod val="40000"/>
-              <a:lumOff val="60000"/>
-            </a:schemeClr>
-          </a:solidFill>
-        </p:spPr>
-        <p:style>
-          <a:lnRef idx="2">
-            <a:schemeClr val="accent1">
-              <a:shade val="50000"/>
-            </a:schemeClr>
-          </a:lnRef>
-          <a:fillRef idx="1">
-            <a:schemeClr val="accent1"/>
-          </a:fillRef>
-          <a:effectRef idx="0">
-            <a:schemeClr val="accent1"/>
-          </a:effectRef>
-          <a:fontRef idx="minor">
-            <a:schemeClr val="lt1"/>
-          </a:fontRef>
-        </p:style>
-        <p:txBody>
-          <a:bodyPr rtlCol="0" anchor="ctr"/>
-          <a:lstStyle/>
-          <a:p>
-            <a:pPr algn="ctr"/>
-            <a:r>
-              <a:rPr lang="en-US" dirty="0" err="1"/>
-              <a:t>IHandleRequests</a:t>
-            </a:r>
-            <a:endParaRPr lang="en-US" dirty="0"/>
-          </a:p>
-          <a:p>
-            <a:pPr algn="ctr"/>
-            <a:r>
-              <a:rPr lang="en-US" dirty="0"/>
-              <a:t>&lt;&lt;interface&gt;&gt;</a:t>
-            </a:r>
-          </a:p>
-        </p:txBody>
-      </p:sp>
-      <p:sp>
-        <p:nvSpPr>
-          <p:cNvPr id="7" name="Rectangle 6"/>
-          <p:cNvSpPr/>
-          <p:nvPr/>
-        </p:nvSpPr>
-        <p:spPr>
-          <a:xfrm>
-            <a:off x="8753473" y="2495549"/>
-            <a:ext cx="1614488" cy="728663"/>
-          </a:xfrm>
-          <a:prstGeom prst="rect">
-            <a:avLst/>
-          </a:prstGeom>
-          <a:solidFill>
-            <a:schemeClr val="accent4">
-              <a:lumMod val="20000"/>
-              <a:lumOff val="80000"/>
-            </a:schemeClr>
-          </a:solidFill>
-        </p:spPr>
-        <p:style>
-          <a:lnRef idx="2">
-            <a:schemeClr val="accent1">
-              <a:shade val="50000"/>
-            </a:schemeClr>
-          </a:lnRef>
-          <a:fillRef idx="1">
-            <a:schemeClr val="accent1"/>
-          </a:fillRef>
-          <a:effectRef idx="0">
-            <a:schemeClr val="accent1"/>
-          </a:effectRef>
-          <a:fontRef idx="minor">
-            <a:schemeClr val="lt1"/>
-          </a:fontRef>
-        </p:style>
-        <p:txBody>
-          <a:bodyPr rtlCol="0" anchor="ctr"/>
-          <a:lstStyle/>
-          <a:p>
-            <a:pPr algn="ctr"/>
-            <a:r>
-              <a:rPr lang="en-US" dirty="0"/>
-              <a:t>Entity</a:t>
-            </a:r>
-          </a:p>
-        </p:txBody>
-      </p:sp>
-      <p:sp>
-        <p:nvSpPr>
-          <p:cNvPr id="9" name="Rectangle 8"/>
-          <p:cNvSpPr/>
-          <p:nvPr/>
-        </p:nvSpPr>
-        <p:spPr>
-          <a:xfrm>
-            <a:off x="8905873" y="2647949"/>
-            <a:ext cx="1614488" cy="728663"/>
-          </a:xfrm>
-          <a:prstGeom prst="rect">
-            <a:avLst/>
-          </a:prstGeom>
-          <a:solidFill>
-            <a:schemeClr val="accent4">
-              <a:lumMod val="20000"/>
-              <a:lumOff val="80000"/>
-            </a:schemeClr>
-          </a:solidFill>
-        </p:spPr>
-        <p:style>
-          <a:lnRef idx="2">
-            <a:schemeClr val="accent1">
-              <a:shade val="50000"/>
-            </a:schemeClr>
-          </a:lnRef>
-          <a:fillRef idx="1">
-            <a:schemeClr val="accent1"/>
-          </a:fillRef>
-          <a:effectRef idx="0">
-            <a:schemeClr val="accent1"/>
-          </a:effectRef>
-          <a:fontRef idx="minor">
-            <a:schemeClr val="lt1"/>
-          </a:fontRef>
-        </p:style>
-        <p:txBody>
-          <a:bodyPr rtlCol="0" anchor="ctr"/>
-          <a:lstStyle/>
-          <a:p>
-            <a:pPr algn="ctr"/>
-            <a:r>
-              <a:rPr lang="en-US" dirty="0"/>
-              <a:t>Entity</a:t>
-            </a:r>
-          </a:p>
-        </p:txBody>
-      </p:sp>
-      <p:sp>
-        <p:nvSpPr>
-          <p:cNvPr id="10" name="Rectangle 9"/>
-          <p:cNvSpPr/>
-          <p:nvPr/>
-        </p:nvSpPr>
-        <p:spPr>
-          <a:xfrm>
-            <a:off x="9058273" y="2800349"/>
-            <a:ext cx="1614488" cy="728663"/>
-          </a:xfrm>
-          <a:prstGeom prst="rect">
-            <a:avLst/>
-          </a:prstGeom>
-          <a:solidFill>
-            <a:schemeClr val="accent4">
-              <a:lumMod val="20000"/>
-              <a:lumOff val="80000"/>
-            </a:schemeClr>
-          </a:solidFill>
-        </p:spPr>
-        <p:style>
-          <a:lnRef idx="2">
-            <a:schemeClr val="accent1">
-              <a:shade val="50000"/>
-            </a:schemeClr>
-          </a:lnRef>
-          <a:fillRef idx="1">
-            <a:schemeClr val="accent1"/>
-          </a:fillRef>
-          <a:effectRef idx="0">
-            <a:schemeClr val="accent1"/>
-          </a:effectRef>
-          <a:fontRef idx="minor">
-            <a:schemeClr val="lt1"/>
-          </a:fontRef>
-        </p:style>
-        <p:txBody>
-          <a:bodyPr rtlCol="0" anchor="ctr"/>
-          <a:lstStyle/>
-          <a:p>
-            <a:pPr algn="ctr"/>
-            <a:r>
-              <a:rPr lang="en-US" dirty="0"/>
-              <a:t>Entity</a:t>
-            </a:r>
-          </a:p>
-        </p:txBody>
-      </p:sp>
-      <p:sp>
-        <p:nvSpPr>
-          <p:cNvPr id="11" name="Rectangle 10"/>
-          <p:cNvSpPr/>
-          <p:nvPr/>
-        </p:nvSpPr>
-        <p:spPr>
-          <a:xfrm>
-            <a:off x="9210673" y="2952749"/>
-            <a:ext cx="1614488" cy="728663"/>
-          </a:xfrm>
-          <a:prstGeom prst="rect">
-            <a:avLst/>
-          </a:prstGeom>
-          <a:solidFill>
-            <a:schemeClr val="accent4">
-              <a:lumMod val="20000"/>
-              <a:lumOff val="80000"/>
-            </a:schemeClr>
-          </a:solidFill>
-        </p:spPr>
-        <p:style>
-          <a:lnRef idx="2">
-            <a:schemeClr val="accent1">
-              <a:shade val="50000"/>
-            </a:schemeClr>
-          </a:lnRef>
-          <a:fillRef idx="1">
-            <a:schemeClr val="accent1"/>
-          </a:fillRef>
-          <a:effectRef idx="0">
-            <a:schemeClr val="accent1"/>
-          </a:effectRef>
-          <a:fontRef idx="minor">
-            <a:schemeClr val="lt1"/>
-          </a:fontRef>
-        </p:style>
-        <p:txBody>
-          <a:bodyPr rtlCol="0" anchor="ctr"/>
-          <a:lstStyle/>
-          <a:p>
-            <a:pPr algn="ctr"/>
-            <a:r>
-              <a:rPr lang="en-US" dirty="0">
-                <a:solidFill>
-                  <a:schemeClr val="tx1"/>
-                </a:solidFill>
-              </a:rPr>
-              <a:t>Entity</a:t>
-            </a:r>
-          </a:p>
-        </p:txBody>
-      </p:sp>
-      <p:sp>
-        <p:nvSpPr>
-          <p:cNvPr id="12" name="Rectangle 11"/>
-          <p:cNvSpPr/>
-          <p:nvPr/>
-        </p:nvSpPr>
-        <p:spPr>
-          <a:xfrm>
-            <a:off x="261937" y="4707731"/>
-            <a:ext cx="1362076" cy="364332"/>
-          </a:xfrm>
-          <a:prstGeom prst="rect">
-            <a:avLst/>
-          </a:prstGeom>
-          <a:solidFill>
-            <a:schemeClr val="bg2">
-              <a:lumMod val="90000"/>
-            </a:schemeClr>
-          </a:solidFill>
-        </p:spPr>
-        <p:style>
-          <a:lnRef idx="2">
-            <a:schemeClr val="accent1">
-              <a:shade val="50000"/>
-            </a:schemeClr>
-          </a:lnRef>
-          <a:fillRef idx="1">
-            <a:schemeClr val="accent1"/>
-          </a:fillRef>
-          <a:effectRef idx="0">
-            <a:schemeClr val="accent1"/>
-          </a:effectRef>
-          <a:fontRef idx="minor">
-            <a:schemeClr val="lt1"/>
-          </a:fontRef>
-        </p:style>
-        <p:txBody>
-          <a:bodyPr rtlCol="0" anchor="ctr"/>
-          <a:lstStyle/>
-          <a:p>
-            <a:pPr algn="ctr"/>
-            <a:r>
-              <a:rPr lang="en-US" sz="1200" dirty="0">
-                <a:solidFill>
-                  <a:schemeClr val="tx1"/>
-                </a:solidFill>
-              </a:rPr>
-              <a:t>Data Structure</a:t>
-            </a:r>
-          </a:p>
-        </p:txBody>
-      </p:sp>
-      <p:sp>
-        <p:nvSpPr>
-          <p:cNvPr id="13" name="Rectangle 12"/>
-          <p:cNvSpPr/>
-          <p:nvPr/>
-        </p:nvSpPr>
-        <p:spPr>
-          <a:xfrm>
-            <a:off x="261937" y="5295900"/>
-            <a:ext cx="1362076" cy="347664"/>
-          </a:xfrm>
-          <a:prstGeom prst="rect">
-            <a:avLst/>
-          </a:prstGeom>
-          <a:solidFill>
-            <a:schemeClr val="accent1">
-              <a:lumMod val="40000"/>
-              <a:lumOff val="60000"/>
-            </a:schemeClr>
-          </a:solidFill>
-        </p:spPr>
-        <p:style>
-          <a:lnRef idx="2">
-            <a:schemeClr val="accent1">
-              <a:shade val="50000"/>
-            </a:schemeClr>
-          </a:lnRef>
-          <a:fillRef idx="1">
-            <a:schemeClr val="accent1"/>
-          </a:fillRef>
-          <a:effectRef idx="0">
-            <a:schemeClr val="accent1"/>
-          </a:effectRef>
-          <a:fontRef idx="minor">
-            <a:schemeClr val="lt1"/>
-          </a:fontRef>
-        </p:style>
-        <p:txBody>
-          <a:bodyPr rtlCol="0" anchor="ctr"/>
-          <a:lstStyle/>
-          <a:p>
-            <a:pPr algn="ctr"/>
-            <a:r>
-              <a:rPr lang="en-US" sz="1200" dirty="0">
-                <a:solidFill>
-                  <a:schemeClr val="tx1"/>
-                </a:solidFill>
-              </a:rPr>
-              <a:t>Frameworks &amp; Drivers</a:t>
-            </a:r>
-          </a:p>
-        </p:txBody>
-      </p:sp>
-      <p:sp>
-        <p:nvSpPr>
-          <p:cNvPr id="14" name="Rectangle 13"/>
-          <p:cNvSpPr/>
-          <p:nvPr/>
-        </p:nvSpPr>
-        <p:spPr>
-          <a:xfrm>
-            <a:off x="2717002" y="2952748"/>
-            <a:ext cx="1614488" cy="728663"/>
-          </a:xfrm>
-          <a:prstGeom prst="rect">
-            <a:avLst/>
-          </a:prstGeom>
-          <a:solidFill>
-            <a:schemeClr val="accent6">
-              <a:lumMod val="40000"/>
-              <a:lumOff val="60000"/>
-            </a:schemeClr>
-          </a:solidFill>
-        </p:spPr>
-        <p:style>
-          <a:lnRef idx="2">
-            <a:schemeClr val="accent1">
-              <a:shade val="50000"/>
-            </a:schemeClr>
-          </a:lnRef>
-          <a:fillRef idx="1">
-            <a:schemeClr val="accent1"/>
-          </a:fillRef>
-          <a:effectRef idx="0">
-            <a:schemeClr val="accent1"/>
-          </a:effectRef>
-          <a:fontRef idx="minor">
-            <a:schemeClr val="lt1"/>
-          </a:fontRef>
-        </p:style>
-        <p:txBody>
-          <a:bodyPr rtlCol="0" anchor="ctr"/>
-          <a:lstStyle/>
-          <a:p>
-            <a:pPr algn="ctr"/>
-            <a:r>
-              <a:rPr lang="en-US" dirty="0"/>
-              <a:t>Test</a:t>
-            </a:r>
-          </a:p>
-        </p:txBody>
-      </p:sp>
-      <p:sp>
-        <p:nvSpPr>
-          <p:cNvPr id="15" name="Rectangle 14"/>
-          <p:cNvSpPr/>
-          <p:nvPr/>
-        </p:nvSpPr>
-        <p:spPr>
-          <a:xfrm>
-            <a:off x="261937" y="5867402"/>
-            <a:ext cx="1362076" cy="230982"/>
-          </a:xfrm>
-          <a:prstGeom prst="rect">
-            <a:avLst/>
-          </a:prstGeom>
-          <a:solidFill>
-            <a:schemeClr val="accent6">
-              <a:lumMod val="40000"/>
-              <a:lumOff val="60000"/>
-            </a:schemeClr>
-          </a:solidFill>
-        </p:spPr>
-        <p:style>
-          <a:lnRef idx="2">
-            <a:schemeClr val="accent1">
-              <a:shade val="50000"/>
-            </a:schemeClr>
-          </a:lnRef>
-          <a:fillRef idx="1">
-            <a:schemeClr val="accent1"/>
-          </a:fillRef>
-          <a:effectRef idx="0">
-            <a:schemeClr val="accent1"/>
-          </a:effectRef>
-          <a:fontRef idx="minor">
-            <a:schemeClr val="lt1"/>
-          </a:fontRef>
-        </p:style>
-        <p:txBody>
-          <a:bodyPr rtlCol="0" anchor="ctr"/>
-          <a:lstStyle/>
-          <a:p>
-            <a:pPr algn="ctr"/>
-            <a:r>
-              <a:rPr lang="en-US" sz="1200">
-                <a:solidFill>
-                  <a:schemeClr val="tx1"/>
-                </a:solidFill>
-              </a:rPr>
-              <a:t>Interface Adapters</a:t>
-            </a:r>
-            <a:endParaRPr lang="en-US" sz="1200" dirty="0">
-              <a:solidFill>
-                <a:schemeClr val="tx1"/>
-              </a:solidFill>
-            </a:endParaRPr>
-          </a:p>
-        </p:txBody>
-      </p:sp>
-      <p:sp>
-        <p:nvSpPr>
-          <p:cNvPr id="16" name="Rectangle 15"/>
-          <p:cNvSpPr/>
-          <p:nvPr/>
-        </p:nvSpPr>
-        <p:spPr>
-          <a:xfrm>
-            <a:off x="261937" y="4174327"/>
-            <a:ext cx="1362076" cy="280990"/>
-          </a:xfrm>
-          <a:prstGeom prst="rect">
-            <a:avLst/>
-          </a:prstGeom>
-          <a:solidFill>
-            <a:schemeClr val="accent2">
-              <a:lumMod val="40000"/>
-              <a:lumOff val="60000"/>
-            </a:schemeClr>
-          </a:solidFill>
-        </p:spPr>
-        <p:style>
-          <a:lnRef idx="2">
-            <a:schemeClr val="accent1">
-              <a:shade val="50000"/>
-            </a:schemeClr>
-          </a:lnRef>
-          <a:fillRef idx="1">
-            <a:schemeClr val="accent1"/>
-          </a:fillRef>
-          <a:effectRef idx="0">
-            <a:schemeClr val="accent1"/>
-          </a:effectRef>
-          <a:fontRef idx="minor">
-            <a:schemeClr val="lt1"/>
-          </a:fontRef>
-        </p:style>
-        <p:txBody>
-          <a:bodyPr rtlCol="0" anchor="ctr"/>
-          <a:lstStyle/>
-          <a:p>
-            <a:pPr algn="ctr"/>
-            <a:r>
-              <a:rPr lang="en-US" sz="1200" dirty="0">
-                <a:solidFill>
-                  <a:schemeClr val="tx1"/>
-                </a:solidFill>
-              </a:rPr>
-              <a:t>Use Cases</a:t>
-            </a:r>
-          </a:p>
-        </p:txBody>
-      </p:sp>
-      <p:sp>
-        <p:nvSpPr>
-          <p:cNvPr id="17" name="Rectangle 16"/>
-          <p:cNvSpPr/>
-          <p:nvPr/>
-        </p:nvSpPr>
-        <p:spPr>
-          <a:xfrm>
-            <a:off x="7138985" y="4525565"/>
-            <a:ext cx="1614488" cy="728663"/>
-          </a:xfrm>
-          <a:prstGeom prst="rect">
-            <a:avLst/>
-          </a:prstGeom>
-          <a:solidFill>
-            <a:schemeClr val="accent6">
-              <a:lumMod val="40000"/>
-              <a:lumOff val="60000"/>
-            </a:schemeClr>
-          </a:solidFill>
-        </p:spPr>
-        <p:style>
-          <a:lnRef idx="2">
-            <a:schemeClr val="accent1">
-              <a:shade val="50000"/>
-            </a:schemeClr>
-          </a:lnRef>
-          <a:fillRef idx="1">
-            <a:schemeClr val="accent1"/>
-          </a:fillRef>
-          <a:effectRef idx="0">
-            <a:schemeClr val="accent1"/>
-          </a:effectRef>
-          <a:fontRef idx="minor">
-            <a:schemeClr val="lt1"/>
-          </a:fontRef>
-        </p:style>
-        <p:txBody>
-          <a:bodyPr rtlCol="0" anchor="ctr"/>
-          <a:lstStyle/>
-          <a:p>
-            <a:pPr algn="ctr"/>
-            <a:r>
-              <a:rPr lang="en-US" dirty="0"/>
-              <a:t>Entity Gateway</a:t>
-            </a:r>
-          </a:p>
-          <a:p>
-            <a:pPr algn="ctr"/>
-            <a:r>
-              <a:rPr lang="en-US" dirty="0"/>
-              <a:t>&lt;&lt;interface&gt;&gt;</a:t>
-            </a:r>
-          </a:p>
-        </p:txBody>
-      </p:sp>
-      <p:cxnSp>
-        <p:nvCxnSpPr>
-          <p:cNvPr id="29" name="Straight Arrow Connector 28"/>
-          <p:cNvCxnSpPr>
-            <a:cxnSpLocks/>
-            <a:stCxn id="6" idx="3"/>
-            <a:endCxn id="7" idx="1"/>
-          </p:cNvCxnSpPr>
-          <p:nvPr/>
-        </p:nvCxnSpPr>
-        <p:spPr>
-          <a:xfrm flipV="1">
-            <a:off x="7559040" y="2859881"/>
-            <a:ext cx="1194433" cy="304800"/>
-          </a:xfrm>
-          <a:prstGeom prst="straightConnector1">
-            <a:avLst/>
-          </a:prstGeom>
-          <a:ln>
-            <a:tailEnd type="triangle"/>
-          </a:ln>
-        </p:spPr>
-        <p:style>
-          <a:lnRef idx="1">
-            <a:schemeClr val="accent1"/>
-          </a:lnRef>
-          <a:fillRef idx="0">
-            <a:schemeClr val="accent1"/>
-          </a:fillRef>
-          <a:effectRef idx="0">
-            <a:schemeClr val="accent1"/>
-          </a:effectRef>
-          <a:fontRef idx="minor">
-            <a:schemeClr val="tx1"/>
-          </a:fontRef>
-        </p:style>
-      </p:cxnSp>
-      <p:cxnSp>
-        <p:nvCxnSpPr>
-          <p:cNvPr id="33" name="Straight Arrow Connector 32"/>
-          <p:cNvCxnSpPr>
-            <a:endCxn id="17" idx="0"/>
-          </p:cNvCxnSpPr>
-          <p:nvPr/>
-        </p:nvCxnSpPr>
-        <p:spPr>
-          <a:xfrm>
-            <a:off x="6541295" y="3529012"/>
-            <a:ext cx="1404934" cy="996553"/>
-          </a:xfrm>
-          <a:prstGeom prst="straightConnector1">
-            <a:avLst/>
-          </a:prstGeom>
-          <a:ln>
-            <a:tailEnd type="triangle"/>
-          </a:ln>
-        </p:spPr>
-        <p:style>
-          <a:lnRef idx="1">
-            <a:schemeClr val="accent1"/>
-          </a:lnRef>
-          <a:fillRef idx="0">
-            <a:schemeClr val="accent1"/>
-          </a:fillRef>
-          <a:effectRef idx="0">
-            <a:schemeClr val="accent1"/>
-          </a:effectRef>
-          <a:fontRef idx="minor">
-            <a:schemeClr val="tx1"/>
-          </a:fontRef>
-        </p:style>
-      </p:cxnSp>
-      <p:cxnSp>
-        <p:nvCxnSpPr>
-          <p:cNvPr id="35" name="Straight Arrow Connector 34"/>
-          <p:cNvCxnSpPr>
-            <a:endCxn id="4" idx="1"/>
-          </p:cNvCxnSpPr>
-          <p:nvPr/>
-        </p:nvCxnSpPr>
-        <p:spPr>
-          <a:xfrm flipV="1">
-            <a:off x="1293017" y="1816892"/>
-            <a:ext cx="2859882" cy="1135856"/>
-          </a:xfrm>
-          <a:prstGeom prst="straightConnector1">
-            <a:avLst/>
-          </a:prstGeom>
-          <a:ln>
-            <a:tailEnd type="triangle"/>
-          </a:ln>
-        </p:spPr>
-        <p:style>
-          <a:lnRef idx="1">
-            <a:schemeClr val="accent1"/>
-          </a:lnRef>
-          <a:fillRef idx="0">
-            <a:schemeClr val="accent1"/>
-          </a:fillRef>
-          <a:effectRef idx="0">
-            <a:schemeClr val="accent1"/>
-          </a:effectRef>
-          <a:fontRef idx="minor">
-            <a:schemeClr val="tx1"/>
-          </a:fontRef>
-        </p:style>
-      </p:cxnSp>
-      <p:cxnSp>
-        <p:nvCxnSpPr>
-          <p:cNvPr id="37" name="Straight Arrow Connector 36"/>
-          <p:cNvCxnSpPr>
-            <a:endCxn id="14" idx="0"/>
-          </p:cNvCxnSpPr>
-          <p:nvPr/>
-        </p:nvCxnSpPr>
-        <p:spPr>
-          <a:xfrm flipH="1">
-            <a:off x="3524246" y="2174078"/>
-            <a:ext cx="1433515" cy="778670"/>
-          </a:xfrm>
-          <a:prstGeom prst="straightConnector1">
-            <a:avLst/>
-          </a:prstGeom>
-          <a:ln>
-            <a:tailEnd type="triangle"/>
-          </a:ln>
-        </p:spPr>
-        <p:style>
-          <a:lnRef idx="1">
-            <a:schemeClr val="accent1"/>
-          </a:lnRef>
-          <a:fillRef idx="0">
-            <a:schemeClr val="accent1"/>
-          </a:fillRef>
-          <a:effectRef idx="0">
-            <a:schemeClr val="accent1"/>
-          </a:effectRef>
-          <a:fontRef idx="minor">
-            <a:schemeClr val="tx1"/>
-          </a:fontRef>
-        </p:style>
-      </p:cxnSp>
-      <p:cxnSp>
-        <p:nvCxnSpPr>
-          <p:cNvPr id="39" name="Straight Arrow Connector 38"/>
-          <p:cNvCxnSpPr/>
-          <p:nvPr/>
-        </p:nvCxnSpPr>
-        <p:spPr>
-          <a:xfrm flipV="1">
-            <a:off x="4321969" y="2843211"/>
-            <a:ext cx="1423985" cy="304800"/>
-          </a:xfrm>
-          <a:prstGeom prst="straightConnector1">
-            <a:avLst/>
-          </a:prstGeom>
-          <a:ln>
-            <a:tailEnd type="triangle"/>
-          </a:ln>
-        </p:spPr>
-        <p:style>
-          <a:lnRef idx="1">
-            <a:schemeClr val="accent1"/>
-          </a:lnRef>
-          <a:fillRef idx="0">
-            <a:schemeClr val="accent1"/>
-          </a:fillRef>
-          <a:effectRef idx="0">
-            <a:schemeClr val="accent1"/>
-          </a:effectRef>
-          <a:fontRef idx="minor">
-            <a:schemeClr val="tx1"/>
-          </a:fontRef>
-        </p:style>
-      </p:cxnSp>
-      <p:cxnSp>
-        <p:nvCxnSpPr>
-          <p:cNvPr id="40" name="Straight Arrow Connector 39"/>
-          <p:cNvCxnSpPr>
-            <a:endCxn id="5" idx="0"/>
-          </p:cNvCxnSpPr>
-          <p:nvPr/>
-        </p:nvCxnSpPr>
-        <p:spPr>
-          <a:xfrm flipH="1">
-            <a:off x="4960143" y="3376612"/>
-            <a:ext cx="773909" cy="966788"/>
-          </a:xfrm>
-          <a:prstGeom prst="straightConnector1">
-            <a:avLst/>
-          </a:prstGeom>
-          <a:ln>
-            <a:tailEnd type="triangle"/>
-          </a:ln>
-        </p:spPr>
-        <p:style>
-          <a:lnRef idx="1">
-            <a:schemeClr val="accent1"/>
-          </a:lnRef>
-          <a:fillRef idx="0">
-            <a:schemeClr val="accent1"/>
-          </a:fillRef>
-          <a:effectRef idx="0">
-            <a:schemeClr val="accent1"/>
-          </a:effectRef>
-          <a:fontRef idx="minor">
-            <a:schemeClr val="tx1"/>
-          </a:fontRef>
-        </p:style>
-      </p:cxnSp>
-      <p:cxnSp>
-        <p:nvCxnSpPr>
-          <p:cNvPr id="43" name="Straight Arrow Connector 42"/>
-          <p:cNvCxnSpPr>
-            <a:stCxn id="5" idx="0"/>
-            <a:endCxn id="14" idx="2"/>
-          </p:cNvCxnSpPr>
-          <p:nvPr/>
-        </p:nvCxnSpPr>
-        <p:spPr>
-          <a:xfrm flipH="1" flipV="1">
-            <a:off x="3524246" y="3681411"/>
-            <a:ext cx="1435897" cy="661989"/>
-          </a:xfrm>
-          <a:prstGeom prst="straightConnector1">
-            <a:avLst/>
-          </a:prstGeom>
-          <a:ln>
-            <a:tailEnd type="triangle"/>
-          </a:ln>
-        </p:spPr>
-        <p:style>
-          <a:lnRef idx="1">
-            <a:schemeClr val="accent1"/>
-          </a:lnRef>
-          <a:fillRef idx="0">
-            <a:schemeClr val="accent1"/>
-          </a:fillRef>
-          <a:effectRef idx="0">
-            <a:schemeClr val="accent1"/>
-          </a:effectRef>
-          <a:fontRef idx="minor">
-            <a:schemeClr val="tx1"/>
-          </a:fontRef>
-        </p:style>
-      </p:cxnSp>
-      <p:cxnSp>
-        <p:nvCxnSpPr>
-          <p:cNvPr id="46" name="Straight Arrow Connector 45"/>
-          <p:cNvCxnSpPr>
-            <a:stCxn id="3" idx="3"/>
-            <a:endCxn id="14" idx="1"/>
-          </p:cNvCxnSpPr>
-          <p:nvPr/>
-        </p:nvCxnSpPr>
-        <p:spPr>
-          <a:xfrm>
-            <a:off x="2141935" y="3317080"/>
-            <a:ext cx="575067" cy="0"/>
-          </a:xfrm>
-          <a:prstGeom prst="straightConnector1">
-            <a:avLst/>
-          </a:prstGeom>
-          <a:ln>
-            <a:tailEnd type="triangle"/>
-          </a:ln>
-        </p:spPr>
-        <p:style>
-          <a:lnRef idx="1">
-            <a:schemeClr val="accent1"/>
-          </a:lnRef>
-          <a:fillRef idx="0">
-            <a:schemeClr val="accent1"/>
-          </a:fillRef>
-          <a:effectRef idx="0">
-            <a:schemeClr val="accent1"/>
-          </a:effectRef>
-          <a:fontRef idx="minor">
-            <a:schemeClr val="tx1"/>
-          </a:fontRef>
-        </p:style>
-      </p:cxnSp>
-      <p:cxnSp>
-        <p:nvCxnSpPr>
-          <p:cNvPr id="50" name="Straight Arrow Connector 49"/>
-          <p:cNvCxnSpPr>
-            <a:cxnSpLocks/>
-            <a:stCxn id="27" idx="1"/>
-            <a:endCxn id="51" idx="1"/>
-          </p:cNvCxnSpPr>
-          <p:nvPr/>
-        </p:nvCxnSpPr>
-        <p:spPr>
-          <a:xfrm flipH="1">
-            <a:off x="7469984" y="5941815"/>
-            <a:ext cx="1435889" cy="41078"/>
-          </a:xfrm>
-          <a:prstGeom prst="straightConnector1">
-            <a:avLst/>
-          </a:prstGeom>
-          <a:ln>
-            <a:tailEnd type="triangle"/>
-          </a:ln>
-        </p:spPr>
-        <p:style>
-          <a:lnRef idx="1">
-            <a:schemeClr val="accent1"/>
-          </a:lnRef>
-          <a:fillRef idx="0">
-            <a:schemeClr val="accent1"/>
-          </a:fillRef>
-          <a:effectRef idx="0">
-            <a:schemeClr val="accent1"/>
-          </a:effectRef>
-          <a:fontRef idx="minor">
-            <a:schemeClr val="tx1"/>
-          </a:fontRef>
-        </p:style>
-      </p:cxnSp>
-      <p:sp>
-        <p:nvSpPr>
-          <p:cNvPr id="51" name="Can 50"/>
-          <p:cNvSpPr/>
-          <p:nvPr/>
-        </p:nvSpPr>
-        <p:spPr>
-          <a:xfrm>
-            <a:off x="6767517" y="5982893"/>
-            <a:ext cx="1404933" cy="646507"/>
-          </a:xfrm>
-          <a:prstGeom prst="can">
-            <a:avLst/>
-          </a:prstGeom>
-        </p:spPr>
-        <p:style>
-          <a:lnRef idx="2">
-            <a:schemeClr val="accent1">
-              <a:shade val="50000"/>
-            </a:schemeClr>
-          </a:lnRef>
-          <a:fillRef idx="1">
-            <a:schemeClr val="accent1"/>
-          </a:fillRef>
-          <a:effectRef idx="0">
-            <a:schemeClr val="accent1"/>
-          </a:effectRef>
-          <a:fontRef idx="minor">
-            <a:schemeClr val="lt1"/>
-          </a:fontRef>
-        </p:style>
-        <p:txBody>
-          <a:bodyPr rtlCol="0" anchor="ctr"/>
-          <a:lstStyle/>
-          <a:p>
-            <a:pPr algn="ctr"/>
-            <a:r>
-              <a:rPr lang="en-US" dirty="0"/>
-              <a:t>In-Memory</a:t>
-            </a:r>
-          </a:p>
-          <a:p>
-            <a:pPr algn="ctr"/>
-            <a:r>
-              <a:rPr lang="en-US" dirty="0"/>
-              <a:t>DB</a:t>
-            </a:r>
-          </a:p>
-        </p:txBody>
-      </p:sp>
-      <p:sp>
-        <p:nvSpPr>
-          <p:cNvPr id="27" name="Rectangle 26"/>
-          <p:cNvSpPr/>
-          <p:nvPr/>
-        </p:nvSpPr>
-        <p:spPr>
-          <a:xfrm>
-            <a:off x="8905873" y="5577483"/>
-            <a:ext cx="1614488" cy="728663"/>
-          </a:xfrm>
-          <a:prstGeom prst="rect">
-            <a:avLst/>
-          </a:prstGeom>
-          <a:solidFill>
-            <a:schemeClr val="accent1">
-              <a:lumMod val="40000"/>
-              <a:lumOff val="60000"/>
-            </a:schemeClr>
-          </a:solidFill>
-        </p:spPr>
-        <p:style>
-          <a:lnRef idx="2">
-            <a:schemeClr val="accent1">
-              <a:shade val="50000"/>
-            </a:schemeClr>
-          </a:lnRef>
-          <a:fillRef idx="1">
-            <a:schemeClr val="accent1"/>
-          </a:fillRef>
-          <a:effectRef idx="0">
-            <a:schemeClr val="accent1"/>
-          </a:effectRef>
-          <a:fontRef idx="minor">
-            <a:schemeClr val="lt1"/>
-          </a:fontRef>
-        </p:style>
-        <p:txBody>
-          <a:bodyPr rtlCol="0" anchor="ctr"/>
-          <a:lstStyle/>
-          <a:p>
-            <a:pPr algn="ctr"/>
-            <a:r>
-              <a:rPr lang="en-US" dirty="0"/>
-              <a:t>Delivery Mechanism</a:t>
-            </a:r>
-          </a:p>
-        </p:txBody>
-      </p:sp>
-      <p:cxnSp>
-        <p:nvCxnSpPr>
-          <p:cNvPr id="30" name="Straight Arrow Connector 29"/>
-          <p:cNvCxnSpPr>
-            <a:endCxn id="17" idx="3"/>
-          </p:cNvCxnSpPr>
-          <p:nvPr/>
-        </p:nvCxnSpPr>
-        <p:spPr>
-          <a:xfrm flipH="1" flipV="1">
-            <a:off x="8753473" y="4889897"/>
-            <a:ext cx="845344" cy="624483"/>
-          </a:xfrm>
-          <a:prstGeom prst="straightConnector1">
-            <a:avLst/>
-          </a:prstGeom>
-          <a:ln>
-            <a:tailEnd type="triangle" w="lg" len="lg"/>
-          </a:ln>
-        </p:spPr>
-        <p:style>
-          <a:lnRef idx="1">
-            <a:schemeClr val="accent1"/>
-          </a:lnRef>
-          <a:fillRef idx="0">
-            <a:schemeClr val="accent1"/>
-          </a:fillRef>
-          <a:effectRef idx="0">
-            <a:schemeClr val="accent1"/>
-          </a:effectRef>
-          <a:fontRef idx="minor">
-            <a:schemeClr val="tx1"/>
-          </a:fontRef>
-        </p:style>
-      </p:cxnSp>
-      <p:sp>
-        <p:nvSpPr>
-          <p:cNvPr id="2" name="Slide Number Placeholder 1"/>
-          <p:cNvSpPr>
-            <a:spLocks noGrp="1"/>
-          </p:cNvSpPr>
-          <p:nvPr>
-            <p:ph type="sldNum" sz="quarter" idx="12"/>
-          </p:nvPr>
-        </p:nvSpPr>
-        <p:spPr/>
-        <p:txBody>
-          <a:bodyPr/>
-          <a:lstStyle/>
-          <a:p>
-            <a:fld id="{AA792DF1-A555-43FA-AD2F-E7EC51E120F1}" type="slidenum">
-              <a:rPr lang="en-GB" smtClean="0"/>
               <a:t>62</a:t>
             </a:fld>
             <a:endParaRPr lang="en-GB"/>
@@ -22563,6 +22513,89 @@
           <a:xfrm>
             <a:off x="7970040" y="1889521"/>
             <a:ext cx="783433" cy="970360"/>
+          </a:xfrm>
+          <a:prstGeom prst="straightConnector1">
+            <a:avLst/>
+          </a:prstGeom>
+          <a:ln>
+            <a:tailEnd type="triangle"/>
+          </a:ln>
+        </p:spPr>
+        <p:style>
+          <a:lnRef idx="1">
+            <a:schemeClr val="accent1"/>
+          </a:lnRef>
+          <a:fillRef idx="0">
+            <a:schemeClr val="accent1"/>
+          </a:fillRef>
+          <a:effectRef idx="0">
+            <a:schemeClr val="accent1"/>
+          </a:effectRef>
+          <a:fontRef idx="minor">
+            <a:schemeClr val="tx1"/>
+          </a:fontRef>
+        </p:style>
+      </p:cxnSp>
+      <p:cxnSp>
+        <p:nvCxnSpPr>
+          <p:cNvPr id="36" name="Straight Arrow Connector 35">
+            <a:extLst>
+              <a:ext uri="{FF2B5EF4-FFF2-40B4-BE49-F238E27FC236}">
+                <a16:creationId xmlns:a16="http://schemas.microsoft.com/office/drawing/2014/main" id="{14841C05-DCD0-CF49-A4F5-9C92A87271C0}"/>
+              </a:ext>
+            </a:extLst>
+          </p:cNvPr>
+          <p:cNvCxnSpPr>
+            <a:cxnSpLocks/>
+          </p:cNvCxnSpPr>
+          <p:nvPr/>
+        </p:nvCxnSpPr>
+        <p:spPr>
+          <a:xfrm flipH="1">
+            <a:off x="3524246" y="2174078"/>
+            <a:ext cx="1433515" cy="778670"/>
+          </a:xfrm>
+          <a:prstGeom prst="straightConnector1">
+            <a:avLst/>
+          </a:prstGeom>
+          <a:ln>
+            <a:headEnd type="triangle"/>
+            <a:tailEnd type="none"/>
+          </a:ln>
+        </p:spPr>
+        <p:style>
+          <a:lnRef idx="1">
+            <a:schemeClr val="accent1"/>
+          </a:lnRef>
+          <a:fillRef idx="0">
+            <a:schemeClr val="accent1"/>
+          </a:fillRef>
+          <a:effectRef idx="0">
+            <a:schemeClr val="accent1"/>
+          </a:effectRef>
+          <a:fontRef idx="minor">
+            <a:schemeClr val="tx1"/>
+          </a:fontRef>
+        </p:style>
+      </p:cxnSp>
+      <p:cxnSp>
+        <p:nvCxnSpPr>
+          <p:cNvPr id="38" name="Straight Arrow Connector 37">
+            <a:extLst>
+              <a:ext uri="{FF2B5EF4-FFF2-40B4-BE49-F238E27FC236}">
+                <a16:creationId xmlns:a16="http://schemas.microsoft.com/office/drawing/2014/main" id="{28AB3B54-A664-604E-879F-1AED1E3F95C4}"/>
+              </a:ext>
+            </a:extLst>
+          </p:cNvPr>
+          <p:cNvCxnSpPr>
+            <a:cxnSpLocks/>
+          </p:cNvCxnSpPr>
+          <p:nvPr/>
+        </p:nvCxnSpPr>
+        <p:spPr>
+          <a:xfrm>
+            <a:off x="4960143" y="2181223"/>
+            <a:ext cx="785811" cy="661988"/>
           </a:xfrm>
           <a:prstGeom prst="straightConnector1">
             <a:avLst/>

--- a/Kent Beck Style TDD - Seven Years After.pptx
+++ b/Kent Beck Style TDD - Seven Years After.pptx
@@ -5,76 +5,77 @@
     <p:sldMasterId id="2147483648" r:id="rId1"/>
   </p:sldMasterIdLst>
   <p:notesMasterIdLst>
-    <p:notesMasterId r:id="rId69"/>
+    <p:notesMasterId r:id="rId70"/>
   </p:notesMasterIdLst>
   <p:sldIdLst>
     <p:sldId id="256" r:id="rId2"/>
     <p:sldId id="277" r:id="rId3"/>
     <p:sldId id="338" r:id="rId4"/>
-    <p:sldId id="402" r:id="rId5"/>
-    <p:sldId id="279" r:id="rId6"/>
-    <p:sldId id="339" r:id="rId7"/>
-    <p:sldId id="351" r:id="rId8"/>
-    <p:sldId id="340" r:id="rId9"/>
-    <p:sldId id="345" r:id="rId10"/>
-    <p:sldId id="347" r:id="rId11"/>
-    <p:sldId id="350" r:id="rId12"/>
-    <p:sldId id="373" r:id="rId13"/>
-    <p:sldId id="374" r:id="rId14"/>
-    <p:sldId id="352" r:id="rId15"/>
-    <p:sldId id="346" r:id="rId16"/>
-    <p:sldId id="354" r:id="rId17"/>
-    <p:sldId id="355" r:id="rId18"/>
-    <p:sldId id="349" r:id="rId19"/>
-    <p:sldId id="358" r:id="rId20"/>
-    <p:sldId id="359" r:id="rId21"/>
-    <p:sldId id="348" r:id="rId22"/>
-    <p:sldId id="376" r:id="rId23"/>
-    <p:sldId id="356" r:id="rId24"/>
-    <p:sldId id="357" r:id="rId25"/>
-    <p:sldId id="360" r:id="rId26"/>
-    <p:sldId id="361" r:id="rId27"/>
-    <p:sldId id="382" r:id="rId28"/>
-    <p:sldId id="379" r:id="rId29"/>
-    <p:sldId id="367" r:id="rId30"/>
-    <p:sldId id="368" r:id="rId31"/>
-    <p:sldId id="370" r:id="rId32"/>
-    <p:sldId id="378" r:id="rId33"/>
-    <p:sldId id="369" r:id="rId34"/>
-    <p:sldId id="362" r:id="rId35"/>
-    <p:sldId id="363" r:id="rId36"/>
-    <p:sldId id="383" r:id="rId37"/>
-    <p:sldId id="380" r:id="rId38"/>
-    <p:sldId id="381" r:id="rId39"/>
-    <p:sldId id="364" r:id="rId40"/>
-    <p:sldId id="384" r:id="rId41"/>
-    <p:sldId id="385" r:id="rId42"/>
-    <p:sldId id="386" r:id="rId43"/>
-    <p:sldId id="387" r:id="rId44"/>
+    <p:sldId id="279" r:id="rId5"/>
+    <p:sldId id="339" r:id="rId6"/>
+    <p:sldId id="351" r:id="rId7"/>
+    <p:sldId id="340" r:id="rId8"/>
+    <p:sldId id="345" r:id="rId9"/>
+    <p:sldId id="347" r:id="rId10"/>
+    <p:sldId id="350" r:id="rId11"/>
+    <p:sldId id="373" r:id="rId12"/>
+    <p:sldId id="374" r:id="rId13"/>
+    <p:sldId id="352" r:id="rId14"/>
+    <p:sldId id="346" r:id="rId15"/>
+    <p:sldId id="354" r:id="rId16"/>
+    <p:sldId id="355" r:id="rId17"/>
+    <p:sldId id="349" r:id="rId18"/>
+    <p:sldId id="358" r:id="rId19"/>
+    <p:sldId id="359" r:id="rId20"/>
+    <p:sldId id="348" r:id="rId21"/>
+    <p:sldId id="376" r:id="rId22"/>
+    <p:sldId id="356" r:id="rId23"/>
+    <p:sldId id="357" r:id="rId24"/>
+    <p:sldId id="360" r:id="rId25"/>
+    <p:sldId id="361" r:id="rId26"/>
+    <p:sldId id="382" r:id="rId27"/>
+    <p:sldId id="379" r:id="rId28"/>
+    <p:sldId id="367" r:id="rId29"/>
+    <p:sldId id="368" r:id="rId30"/>
+    <p:sldId id="370" r:id="rId31"/>
+    <p:sldId id="378" r:id="rId32"/>
+    <p:sldId id="369" r:id="rId33"/>
+    <p:sldId id="362" r:id="rId34"/>
+    <p:sldId id="363" r:id="rId35"/>
+    <p:sldId id="383" r:id="rId36"/>
+    <p:sldId id="380" r:id="rId37"/>
+    <p:sldId id="381" r:id="rId38"/>
+    <p:sldId id="364" r:id="rId39"/>
+    <p:sldId id="384" r:id="rId40"/>
+    <p:sldId id="385" r:id="rId41"/>
+    <p:sldId id="386" r:id="rId42"/>
+    <p:sldId id="387" r:id="rId43"/>
+    <p:sldId id="459" r:id="rId44"/>
     <p:sldId id="366" r:id="rId45"/>
-    <p:sldId id="375" r:id="rId46"/>
-    <p:sldId id="404" r:id="rId47"/>
-    <p:sldId id="403" r:id="rId48"/>
-    <p:sldId id="341" r:id="rId49"/>
-    <p:sldId id="260" r:id="rId50"/>
-    <p:sldId id="371" r:id="rId51"/>
-    <p:sldId id="261" r:id="rId52"/>
-    <p:sldId id="388" r:id="rId53"/>
-    <p:sldId id="372" r:id="rId54"/>
-    <p:sldId id="263" r:id="rId55"/>
-    <p:sldId id="285" r:id="rId56"/>
-    <p:sldId id="401" r:id="rId57"/>
-    <p:sldId id="343" r:id="rId58"/>
-    <p:sldId id="405" r:id="rId59"/>
-    <p:sldId id="396" r:id="rId60"/>
-    <p:sldId id="406" r:id="rId61"/>
-    <p:sldId id="398" r:id="rId62"/>
-    <p:sldId id="409" r:id="rId63"/>
-    <p:sldId id="407" r:id="rId64"/>
-    <p:sldId id="408" r:id="rId65"/>
-    <p:sldId id="344" r:id="rId66"/>
-    <p:sldId id="411" r:id="rId67"/>
-    <p:sldId id="410" r:id="rId68"/>
+    <p:sldId id="328" r:id="rId46"/>
+    <p:sldId id="455" r:id="rId47"/>
+    <p:sldId id="404" r:id="rId48"/>
+    <p:sldId id="403" r:id="rId49"/>
+    <p:sldId id="341" r:id="rId50"/>
+    <p:sldId id="260" r:id="rId51"/>
+    <p:sldId id="371" r:id="rId52"/>
+    <p:sldId id="261" r:id="rId53"/>
+    <p:sldId id="388" r:id="rId54"/>
+    <p:sldId id="372" r:id="rId55"/>
+    <p:sldId id="263" r:id="rId56"/>
+    <p:sldId id="285" r:id="rId57"/>
+    <p:sldId id="401" r:id="rId58"/>
+    <p:sldId id="343" r:id="rId59"/>
+    <p:sldId id="405" r:id="rId60"/>
+    <p:sldId id="396" r:id="rId61"/>
+    <p:sldId id="406" r:id="rId62"/>
+    <p:sldId id="398" r:id="rId63"/>
+    <p:sldId id="409" r:id="rId64"/>
+    <p:sldId id="407" r:id="rId65"/>
+    <p:sldId id="408" r:id="rId66"/>
+    <p:sldId id="344" r:id="rId67"/>
+    <p:sldId id="411" r:id="rId68"/>
+    <p:sldId id="410" r:id="rId69"/>
   </p:sldIdLst>
   <p:sldSz cx="12192000" cy="6858000"/>
   <p:notesSz cx="6858000" cy="9144000"/>
@@ -263,7 +264,7 @@
           <a:p>
             <a:fld id="{585FDAF2-17D3-B044-9239-94AC3D52C83E}" type="datetimeFigureOut">
               <a:rPr lang="en-US" smtClean="0"/>
-              <a:t>8/6/20</a:t>
+              <a:t>9/3/20</a:t>
             </a:fld>
             <a:endParaRPr lang="en-US"/>
           </a:p>
@@ -597,7 +598,7 @@
             <a:fld id="{F66C4C5A-655F-4C9D-B92A-07E1070CBF6B}" type="slidenum">
               <a:rPr lang="en-GB" smtClean="0"/>
               <a:pPr/>
-              <a:t>5</a:t>
+              <a:t>4</a:t>
             </a:fld>
             <a:endParaRPr lang="en-GB"/>
           </a:p>
@@ -728,7 +729,7 @@
           <a:p>
             <a:fld id="{8D454BB1-5AB5-DF45-A819-95464E74CBE3}" type="slidenum">
               <a:rPr lang="en-US" smtClean="0"/>
-              <a:t>15</a:t>
+              <a:t>14</a:t>
             </a:fld>
             <a:endParaRPr lang="en-US"/>
           </a:p>
@@ -862,7 +863,7 @@
           <a:p>
             <a:fld id="{8D454BB1-5AB5-DF45-A819-95464E74CBE3}" type="slidenum">
               <a:rPr lang="en-US" smtClean="0"/>
-              <a:t>16</a:t>
+              <a:t>15</a:t>
             </a:fld>
             <a:endParaRPr lang="en-US"/>
           </a:p>
@@ -977,7 +978,7 @@
           <a:p>
             <a:fld id="{8D454BB1-5AB5-DF45-A819-95464E74CBE3}" type="slidenum">
               <a:rPr lang="en-US" smtClean="0"/>
-              <a:t>17</a:t>
+              <a:t>16</a:t>
             </a:fld>
             <a:endParaRPr lang="en-US"/>
           </a:p>
@@ -1069,7 +1070,7 @@
           <a:p>
             <a:fld id="{8D454BB1-5AB5-DF45-A819-95464E74CBE3}" type="slidenum">
               <a:rPr lang="en-US" smtClean="0"/>
-              <a:t>18</a:t>
+              <a:t>17</a:t>
             </a:fld>
             <a:endParaRPr lang="en-US"/>
           </a:p>
@@ -1198,7 +1199,7 @@
           <a:p>
             <a:fld id="{8D454BB1-5AB5-DF45-A819-95464E74CBE3}" type="slidenum">
               <a:rPr lang="en-US" smtClean="0"/>
-              <a:t>19</a:t>
+              <a:t>18</a:t>
             </a:fld>
             <a:endParaRPr lang="en-US"/>
           </a:p>
@@ -1294,7 +1295,7 @@
           <a:p>
             <a:fld id="{8D454BB1-5AB5-DF45-A819-95464E74CBE3}" type="slidenum">
               <a:rPr lang="en-US" smtClean="0"/>
-              <a:t>20</a:t>
+              <a:t>19</a:t>
             </a:fld>
             <a:endParaRPr lang="en-US"/>
           </a:p>
@@ -1405,7 +1406,7 @@
           <a:p>
             <a:fld id="{8D454BB1-5AB5-DF45-A819-95464E74CBE3}" type="slidenum">
               <a:rPr lang="en-US" smtClean="0"/>
-              <a:t>21</a:t>
+              <a:t>20</a:t>
             </a:fld>
             <a:endParaRPr lang="en-US"/>
           </a:p>
@@ -1519,7 +1520,7 @@
           <a:p>
             <a:fld id="{8D454BB1-5AB5-DF45-A819-95464E74CBE3}" type="slidenum">
               <a:rPr lang="en-US" smtClean="0"/>
-              <a:t>22</a:t>
+              <a:t>21</a:t>
             </a:fld>
             <a:endParaRPr lang="en-US"/>
           </a:p>
@@ -1615,7 +1616,7 @@
           <a:p>
             <a:fld id="{8D454BB1-5AB5-DF45-A819-95464E74CBE3}" type="slidenum">
               <a:rPr lang="en-US" smtClean="0"/>
-              <a:t>23</a:t>
+              <a:t>22</a:t>
             </a:fld>
             <a:endParaRPr lang="en-US"/>
           </a:p>
@@ -1730,7 +1731,7 @@
           <a:p>
             <a:fld id="{8D454BB1-5AB5-DF45-A819-95464E74CBE3}" type="slidenum">
               <a:rPr lang="en-US" smtClean="0"/>
-              <a:t>24</a:t>
+              <a:t>23</a:t>
             </a:fld>
             <a:endParaRPr lang="en-US"/>
           </a:p>
@@ -1832,7 +1833,7 @@
           <a:p>
             <a:fld id="{8D454BB1-5AB5-DF45-A819-95464E74CBE3}" type="slidenum">
               <a:rPr lang="en-US" smtClean="0"/>
-              <a:t>6</a:t>
+              <a:t>5</a:t>
             </a:fld>
             <a:endParaRPr lang="en-US"/>
           </a:p>
@@ -2051,7 +2052,7 @@
           <a:p>
             <a:fld id="{8D454BB1-5AB5-DF45-A819-95464E74CBE3}" type="slidenum">
               <a:rPr lang="en-US" smtClean="0"/>
-              <a:t>25</a:t>
+              <a:t>24</a:t>
             </a:fld>
             <a:endParaRPr lang="en-US"/>
           </a:p>
@@ -2156,7 +2157,7 @@
           <a:p>
             <a:fld id="{8D454BB1-5AB5-DF45-A819-95464E74CBE3}" type="slidenum">
               <a:rPr lang="en-US" smtClean="0"/>
-              <a:t>26</a:t>
+              <a:t>25</a:t>
             </a:fld>
             <a:endParaRPr lang="en-US"/>
           </a:p>
@@ -2258,7 +2259,7 @@
           <a:p>
             <a:fld id="{8D454BB1-5AB5-DF45-A819-95464E74CBE3}" type="slidenum">
               <a:rPr lang="en-US" smtClean="0"/>
-              <a:t>28</a:t>
+              <a:t>27</a:t>
             </a:fld>
             <a:endParaRPr lang="en-US"/>
           </a:p>
@@ -2375,7 +2376,7 @@
           <a:p>
             <a:fld id="{8D454BB1-5AB5-DF45-A819-95464E74CBE3}" type="slidenum">
               <a:rPr lang="en-US" smtClean="0"/>
-              <a:t>29</a:t>
+              <a:t>28</a:t>
             </a:fld>
             <a:endParaRPr lang="en-US"/>
           </a:p>
@@ -2462,7 +2463,7 @@
           <a:p>
             <a:fld id="{8D454BB1-5AB5-DF45-A819-95464E74CBE3}" type="slidenum">
               <a:rPr lang="en-US" smtClean="0"/>
-              <a:t>30</a:t>
+              <a:t>29</a:t>
             </a:fld>
             <a:endParaRPr lang="en-US"/>
           </a:p>
@@ -2570,7 +2571,7 @@
           <a:p>
             <a:fld id="{8D454BB1-5AB5-DF45-A819-95464E74CBE3}" type="slidenum">
               <a:rPr lang="en-US" smtClean="0"/>
-              <a:t>31</a:t>
+              <a:t>30</a:t>
             </a:fld>
             <a:endParaRPr lang="en-US"/>
           </a:p>
@@ -2692,7 +2693,7 @@
           <a:p>
             <a:fld id="{8D454BB1-5AB5-DF45-A819-95464E74CBE3}" type="slidenum">
               <a:rPr lang="en-US" smtClean="0"/>
-              <a:t>32</a:t>
+              <a:t>31</a:t>
             </a:fld>
             <a:endParaRPr lang="en-US"/>
           </a:p>
@@ -2788,7 +2789,7 @@
           <a:p>
             <a:fld id="{8D454BB1-5AB5-DF45-A819-95464E74CBE3}" type="slidenum">
               <a:rPr lang="en-US" smtClean="0"/>
-              <a:t>33</a:t>
+              <a:t>32</a:t>
             </a:fld>
             <a:endParaRPr lang="en-US"/>
           </a:p>
@@ -2884,7 +2885,7 @@
           <a:p>
             <a:fld id="{8D454BB1-5AB5-DF45-A819-95464E74CBE3}" type="slidenum">
               <a:rPr lang="en-US" smtClean="0"/>
-              <a:t>34</a:t>
+              <a:t>33</a:t>
             </a:fld>
             <a:endParaRPr lang="en-US"/>
           </a:p>
@@ -3027,7 +3028,7 @@
           <a:p>
             <a:fld id="{8D454BB1-5AB5-DF45-A819-95464E74CBE3}" type="slidenum">
               <a:rPr lang="en-US" smtClean="0"/>
-              <a:t>35</a:t>
+              <a:t>34</a:t>
             </a:fld>
             <a:endParaRPr lang="en-US"/>
           </a:p>
@@ -3321,7 +3322,7 @@
           <a:p>
             <a:fld id="{8D454BB1-5AB5-DF45-A819-95464E74CBE3}" type="slidenum">
               <a:rPr lang="en-US" smtClean="0"/>
-              <a:t>7</a:t>
+              <a:t>6</a:t>
             </a:fld>
             <a:endParaRPr lang="en-US"/>
           </a:p>
@@ -3408,7 +3409,7 @@
           <a:p>
             <a:fld id="{8D454BB1-5AB5-DF45-A819-95464E74CBE3}" type="slidenum">
               <a:rPr lang="en-US" smtClean="0"/>
-              <a:t>36</a:t>
+              <a:t>35</a:t>
             </a:fld>
             <a:endParaRPr lang="en-US"/>
           </a:p>
@@ -3510,7 +3511,7 @@
           <a:p>
             <a:fld id="{8D454BB1-5AB5-DF45-A819-95464E74CBE3}" type="slidenum">
               <a:rPr lang="en-US" smtClean="0"/>
-              <a:t>37</a:t>
+              <a:t>36</a:t>
             </a:fld>
             <a:endParaRPr lang="en-US"/>
           </a:p>
@@ -3620,7 +3621,7 @@
           <a:p>
             <a:fld id="{8D454BB1-5AB5-DF45-A819-95464E74CBE3}" type="slidenum">
               <a:rPr lang="en-US" smtClean="0"/>
-              <a:t>38</a:t>
+              <a:t>37</a:t>
             </a:fld>
             <a:endParaRPr lang="en-US"/>
           </a:p>
@@ -3716,7 +3717,7 @@
           <a:p>
             <a:fld id="{8D454BB1-5AB5-DF45-A819-95464E74CBE3}" type="slidenum">
               <a:rPr lang="en-US" smtClean="0"/>
-              <a:t>39</a:t>
+              <a:t>38</a:t>
             </a:fld>
             <a:endParaRPr lang="en-US"/>
           </a:p>
@@ -3806,7 +3807,7 @@
           <a:p>
             <a:fld id="{8D454BB1-5AB5-DF45-A819-95464E74CBE3}" type="slidenum">
               <a:rPr lang="en-US" smtClean="0"/>
-              <a:t>40</a:t>
+              <a:t>39</a:t>
             </a:fld>
             <a:endParaRPr lang="en-US"/>
           </a:p>
@@ -3896,7 +3897,7 @@
           <a:p>
             <a:fld id="{8D454BB1-5AB5-DF45-A819-95464E74CBE3}" type="slidenum">
               <a:rPr lang="en-US" smtClean="0"/>
-              <a:t>41</a:t>
+              <a:t>40</a:t>
             </a:fld>
             <a:endParaRPr lang="en-US"/>
           </a:p>
@@ -3992,7 +3993,7 @@
           <a:p>
             <a:fld id="{8D454BB1-5AB5-DF45-A819-95464E74CBE3}" type="slidenum">
               <a:rPr lang="en-US" smtClean="0"/>
-              <a:t>42</a:t>
+              <a:t>41</a:t>
             </a:fld>
             <a:endParaRPr lang="en-US"/>
           </a:p>
@@ -4128,7 +4129,7 @@
           <a:p>
             <a:fld id="{8D454BB1-5AB5-DF45-A819-95464E74CBE3}" type="slidenum">
               <a:rPr lang="en-US" smtClean="0"/>
-              <a:t>43</a:t>
+              <a:t>42</a:t>
             </a:fld>
             <a:endParaRPr lang="en-US"/>
           </a:p>
@@ -4193,7 +4194,7 @@
           <a:p>
             <a:r>
               <a:rPr lang="en-US" dirty="0"/>
-              <a:t>TDD is necessary, but not sufficient. As a tool for supporting programmer development of code it leaves a test artefact that can be used to ensure that the code continues to meet requirements.</a:t>
+              <a:t>TDD is not good for all of our code</a:t>
             </a:r>
           </a:p>
           <a:p>
@@ -4202,22 +4203,8 @@
           <a:p>
             <a:r>
               <a:rPr lang="en-US" dirty="0"/>
-              <a:t>But because we often don’t want to drive with TDD visual elements, integrations with 3</a:t>
-            </a:r>
-            <a:r>
-              <a:rPr lang="en-US" baseline="30000" dirty="0"/>
-              <a:t>rd</a:t>
-            </a:r>
-            <a:r>
-              <a:rPr lang="en-US" dirty="0"/>
-              <a:t> party services, third party SDKs etc. there is always a ‘gap’. </a:t>
-            </a:r>
-          </a:p>
-          <a:p>
-            <a:endParaRPr lang="en-US" dirty="0"/>
-          </a:p>
-          <a:p>
-            <a:endParaRPr lang="en-US" dirty="0"/>
+              <a:t>TDD works best on the domain. </a:t>
+            </a:r>
           </a:p>
         </p:txBody>
       </p:sp>
@@ -4238,7 +4225,7 @@
           <a:p>
             <a:fld id="{8D454BB1-5AB5-DF45-A819-95464E74CBE3}" type="slidenum">
               <a:rPr lang="en-US" smtClean="0"/>
-              <a:t>44</a:t>
+              <a:t>43</a:t>
             </a:fld>
             <a:endParaRPr lang="en-US"/>
           </a:p>
@@ -4247,7 +4234,7 @@
     </p:spTree>
     <p:extLst>
       <p:ext uri="{BB962C8B-B14F-4D97-AF65-F5344CB8AC3E}">
-        <p14:creationId xmlns:p14="http://schemas.microsoft.com/office/powerpoint/2010/main" val="3392352305"/>
+        <p14:creationId xmlns:p14="http://schemas.microsoft.com/office/powerpoint/2010/main" val="2156416140"/>
       </p:ext>
     </p:extLst>
   </p:cSld>
@@ -4303,8 +4290,31 @@
           <a:p>
             <a:r>
               <a:rPr lang="en-US" dirty="0"/>
-              <a:t>Test Pyramid</a:t>
-            </a:r>
+              <a:t>TDD is necessary, but not sufficient. As a tool for supporting programmer development of code it leaves a test artefact that can be used to ensure that the code continues to meet requirements.</a:t>
+            </a:r>
+          </a:p>
+          <a:p>
+            <a:endParaRPr lang="en-US" dirty="0"/>
+          </a:p>
+          <a:p>
+            <a:r>
+              <a:rPr lang="en-US" dirty="0"/>
+              <a:t>But because we often don’t want to drive with TDD visual elements, integrations with 3</a:t>
+            </a:r>
+            <a:r>
+              <a:rPr lang="en-US" baseline="30000" dirty="0"/>
+              <a:t>rd</a:t>
+            </a:r>
+            <a:r>
+              <a:rPr lang="en-US" dirty="0"/>
+              <a:t> party services, third party SDKs etc. there is always a ‘gap’. </a:t>
+            </a:r>
+          </a:p>
+          <a:p>
+            <a:endParaRPr lang="en-US" dirty="0"/>
+          </a:p>
+          <a:p>
+            <a:endParaRPr lang="en-US" dirty="0"/>
           </a:p>
         </p:txBody>
       </p:sp>
@@ -4325,7 +4335,7 @@
           <a:p>
             <a:fld id="{8D454BB1-5AB5-DF45-A819-95464E74CBE3}" type="slidenum">
               <a:rPr lang="en-US" smtClean="0"/>
-              <a:t>45</a:t>
+              <a:t>44</a:t>
             </a:fld>
             <a:endParaRPr lang="en-US"/>
           </a:p>
@@ -4334,7 +4344,7 @@
     </p:spTree>
     <p:extLst>
       <p:ext uri="{BB962C8B-B14F-4D97-AF65-F5344CB8AC3E}">
-        <p14:creationId xmlns:p14="http://schemas.microsoft.com/office/powerpoint/2010/main" val="17377811"/>
+        <p14:creationId xmlns:p14="http://schemas.microsoft.com/office/powerpoint/2010/main" val="3392352305"/>
       </p:ext>
     </p:extLst>
   </p:cSld>
@@ -4421,7 +4431,7 @@
           <a:p>
             <a:fld id="{8D454BB1-5AB5-DF45-A819-95464E74CBE3}" type="slidenum">
               <a:rPr lang="en-US" smtClean="0"/>
-              <a:t>9</a:t>
+              <a:t>8</a:t>
             </a:fld>
             <a:endParaRPr lang="en-US"/>
           </a:p>
@@ -4482,43 +4492,185 @@
         <p:spPr/>
         <p:txBody>
           <a:bodyPr>
-            <a:normAutofit/>
+            <a:normAutofit fontScale="55000" lnSpcReduction="20000"/>
           </a:bodyPr>
           <a:lstStyle/>
           <a:p>
             <a:r>
               <a:rPr lang="en-US" dirty="0"/>
-              <a:t>Write a test: We work Test First. Always.</a:t>
-            </a:r>
-          </a:p>
-          <a:p>
-            <a:r>
-              <a:rPr lang="en-US" dirty="0"/>
-              <a:t>Make it Compile: Get the test to the</a:t>
+              <a:t>An inverted pyramid, too</a:t>
             </a:r>
             <a:r>
               <a:rPr lang="en-US" baseline="0" dirty="0"/>
-              <a:t> point of compilation, with stubbed implementations on the SUT</a:t>
-            </a:r>
+              <a:t> much emphasis on the wrong tests.</a:t>
+            </a:r>
+          </a:p>
+          <a:p>
+            <a:endParaRPr lang="en-US" baseline="0" dirty="0"/>
           </a:p>
           <a:p>
             <a:r>
               <a:rPr lang="en-US" baseline="0" dirty="0"/>
-              <a:t>Run to see that it fails: The only control for a test is a failing test. Remove false positives.</a:t>
+              <a:t>Manual Tests</a:t>
             </a:r>
           </a:p>
           <a:p>
             <a:r>
               <a:rPr lang="en-US" baseline="0" dirty="0"/>
-              <a:t>Make it run: Do the simplest thing you can to implement. Don’t strive for clean code here.</a:t>
-            </a:r>
+              <a:t>Expensive and give poor feedback. It may take days to run a manual regression pack which gives poor feedback to developers trying to determine what features caused an issue</a:t>
+            </a:r>
+          </a:p>
+          <a:p>
+            <a:endParaRPr lang="en-US" baseline="0" dirty="0"/>
           </a:p>
           <a:p>
             <a:r>
               <a:rPr lang="en-US" baseline="0" dirty="0"/>
-              <a:t>Remove duplication: Now refactor to clean code.</a:t>
-            </a:r>
-            <a:endParaRPr lang="en-GB" dirty="0"/>
+              <a:t>Automated </a:t>
+            </a:r>
+            <a:r>
+              <a:rPr lang="en-US" baseline="0" dirty="0" err="1"/>
+              <a:t>Gui</a:t>
+            </a:r>
+            <a:r>
+              <a:rPr lang="en-US" baseline="0" dirty="0"/>
+              <a:t> Tests</a:t>
+            </a:r>
+          </a:p>
+          <a:p>
+            <a:r>
+              <a:rPr lang="en-US" baseline="0" dirty="0"/>
+              <a:t>Let’s skip for a moment the middle of the test automation pyramid and jump right to the top; the user interface level. Automated user interface testing is placed at the top of the test automation pyramid because we want to do as little of it as possible. We want this because user interface tests often have the following negative attributes:</a:t>
+            </a:r>
+          </a:p>
+          <a:p>
+            <a:endParaRPr lang="en-US" baseline="0" dirty="0"/>
+          </a:p>
+          <a:p>
+            <a:r>
+              <a:rPr lang="en-US" baseline="0" dirty="0"/>
+              <a:t>* Brittle. A small change in the user interface can break many tests. When this is repeated many times over the course of a project, teams simply give up and stop correcting tests every time the user interface changes.</a:t>
+            </a:r>
+          </a:p>
+          <a:p>
+            <a:r>
+              <a:rPr lang="en-US" baseline="0" dirty="0"/>
+              <a:t>* Expensive to write. A quick capture-and-playback approach to recording user interface tests can work, but tests recorded this way are usually the most brittle. Writing a good user interface test that will remain useful and valid takes time.</a:t>
+            </a:r>
+          </a:p>
+          <a:p>
+            <a:pPr marL="171450" indent="-171450">
+              <a:buFontTx/>
+              <a:buChar char="•"/>
+            </a:pPr>
+            <a:r>
+              <a:rPr lang="en-US" baseline="0" dirty="0"/>
+              <a:t>Time consuming. Tests run through the user interface often take a long time to run. I’ve seen numerous teams with impressive suites of automated user interface tests that take so long to run they cannot be run every night, much less multiple times per day.</a:t>
+            </a:r>
+          </a:p>
+          <a:p>
+            <a:pPr marL="171450" indent="-171450">
+              <a:buFontTx/>
+              <a:buChar char="•"/>
+            </a:pPr>
+            <a:endParaRPr lang="en-US" baseline="0" dirty="0"/>
+          </a:p>
+          <a:p>
+            <a:pPr marL="171450" indent="-171450">
+              <a:buFontTx/>
+              <a:buChar char="•"/>
+            </a:pPr>
+            <a:r>
+              <a:rPr lang="en-US" baseline="0" dirty="0"/>
+              <a:t>For much of my career test automation meant tests that drove an application through its user-interface. Such tools would often provide the facility to record an interaction with the application and then allow you to play back that interaction, checking that the application returned the same results. Such an approach works well initially. It's easy to record tests, and the tests can be recorded by people with no knowledge of programming.</a:t>
+            </a:r>
+          </a:p>
+          <a:p>
+            <a:pPr marL="171450" indent="-171450">
+              <a:buFontTx/>
+              <a:buChar char="•"/>
+            </a:pPr>
+            <a:endParaRPr lang="en-US" baseline="0" dirty="0"/>
+          </a:p>
+          <a:p>
+            <a:pPr marL="171450" indent="-171450">
+              <a:buFontTx/>
+              <a:buChar char="•"/>
+            </a:pPr>
+            <a:r>
+              <a:rPr lang="en-US" baseline="0" dirty="0"/>
+              <a:t>But this kind of approach quickly runs into trouble, becoming an ice-cream cone. Testing through the UI like this is slow, increasing build times. Often it requires installed </a:t>
+            </a:r>
+            <a:r>
+              <a:rPr lang="en-US" baseline="0" dirty="0" err="1"/>
+              <a:t>licences</a:t>
+            </a:r>
+            <a:r>
+              <a:rPr lang="en-US" baseline="0" dirty="0"/>
+              <a:t> for the test automation software, which means it can only be done on particular machines. Usually these cannot easily be run in a "headless" mode, monitored by scripts to put in a proper deployment pipeline.</a:t>
+            </a:r>
+          </a:p>
+          <a:p>
+            <a:pPr marL="171450" indent="-171450">
+              <a:buFontTx/>
+              <a:buChar char="•"/>
+            </a:pPr>
+            <a:endParaRPr lang="en-US" baseline="0" dirty="0"/>
+          </a:p>
+          <a:p>
+            <a:pPr marL="171450" indent="-171450">
+              <a:buFontTx/>
+              <a:buChar char="•"/>
+            </a:pPr>
+            <a:r>
+              <a:rPr lang="en-US" baseline="0" dirty="0"/>
+              <a:t>Most importantly such tests are very brittle. An enhancement to the system can easily end up breaking lots of such tests, which then have to be re-recorded. You can reduce this problem by abandoning record-playback tools, but that makes the tests harder to write. [1] Even with good practices on writing them, end-to-end tests are more prone to non-determinism problems, which can undermine trust in them. In short, tests that run end-to-end through the UI are: brittle, expensive to write, and time consuming to run. So the pyramid argues that you should do much more automated testing through unit tests than you should through traditional GUI based testing.</a:t>
+            </a:r>
+          </a:p>
+          <a:p>
+            <a:pPr marL="0" indent="0">
+              <a:buFontTx/>
+              <a:buNone/>
+            </a:pPr>
+            <a:endParaRPr lang="en-US" baseline="0" dirty="0"/>
+          </a:p>
+          <a:p>
+            <a:pPr marL="0" indent="0">
+              <a:buFontTx/>
+              <a:buNone/>
+            </a:pPr>
+            <a:r>
+              <a:rPr lang="en-US" baseline="0" dirty="0"/>
+              <a:t>In addition, consider that in the ice-cream cone, the weight of tests is on the adapter – a component that we want to throw away to cope with technological change. If we write automation tests against our </a:t>
+            </a:r>
+            <a:r>
+              <a:rPr lang="en-US" baseline="0" dirty="0" err="1"/>
+              <a:t>WebForms</a:t>
+            </a:r>
+            <a:r>
+              <a:rPr lang="en-US" baseline="0" dirty="0"/>
+              <a:t> UI what happens when we decide to re-write as a SPA. The simple answer is that we are forced to throw away our tests along with the adapter!</a:t>
+            </a:r>
+          </a:p>
+          <a:p>
+            <a:pPr marL="0" indent="0">
+              <a:buFontTx/>
+              <a:buNone/>
+            </a:pPr>
+            <a:endParaRPr lang="en-US" baseline="0" dirty="0"/>
+          </a:p>
+          <a:p>
+            <a:pPr marL="0" indent="0">
+              <a:buFontTx/>
+              <a:buNone/>
+            </a:pPr>
+            <a:r>
+              <a:rPr lang="en-US" baseline="0" dirty="0"/>
+              <a:t> </a:t>
+            </a:r>
+          </a:p>
+          <a:p>
+            <a:endParaRPr lang="en-US" dirty="0"/>
           </a:p>
         </p:txBody>
       </p:sp>
@@ -4540,7 +4692,7 @@
             <a:fld id="{F66C4C5A-655F-4C9D-B92A-07E1070CBF6B}" type="slidenum">
               <a:rPr lang="en-GB" smtClean="0"/>
               <a:pPr/>
-              <a:t>49</a:t>
+              <a:t>45</a:t>
             </a:fld>
             <a:endParaRPr lang="en-GB"/>
           </a:p>
@@ -4549,7 +4701,7 @@
     </p:spTree>
     <p:extLst>
       <p:ext uri="{BB962C8B-B14F-4D97-AF65-F5344CB8AC3E}">
-        <p14:creationId xmlns:p14="http://schemas.microsoft.com/office/powerpoint/2010/main" val="4212591972"/>
+        <p14:creationId xmlns:p14="http://schemas.microsoft.com/office/powerpoint/2010/main" val="3401866042"/>
       </p:ext>
     </p:extLst>
   </p:cSld>
@@ -4601,67 +4753,185 @@
         <p:spPr/>
         <p:txBody>
           <a:bodyPr>
-            <a:normAutofit fontScale="92500" lnSpcReduction="20000"/>
+            <a:normAutofit fontScale="55000" lnSpcReduction="20000"/>
           </a:bodyPr>
           <a:lstStyle/>
           <a:p>
             <a:r>
-              <a:rPr lang="en-GB" dirty="0"/>
-              <a:t>Make it run. Quickly getting that bar to go to green dominates everything else. If a clean, simple solution is obvious, then type it in. If the clean, simple solution is obvious but it will take you a minute, then make a note of it and get back to the main problem, which is getting the bar green in seconds. </a:t>
-            </a:r>
-          </a:p>
-          <a:p>
-            <a:endParaRPr lang="en-GB" dirty="0"/>
-          </a:p>
-          <a:p>
-            <a:r>
-              <a:rPr lang="en-GB" dirty="0"/>
-              <a:t>This shift in aesthetics is hard for some experienced software engineers. They only know how to follow the rules of good engineering. Quick green excuses all sins. But only for a moment.</a:t>
-            </a:r>
-          </a:p>
-          <a:p>
-            <a:endParaRPr lang="en-GB" dirty="0"/>
-          </a:p>
-          <a:p>
-            <a:r>
-              <a:rPr lang="en-GB" dirty="0"/>
-              <a:t>The goal is clean code that works (thanks to Ron Jeffries for this pithy summary). Clean code that</a:t>
-            </a:r>
-            <a:r>
-              <a:rPr lang="en-GB" baseline="0" dirty="0"/>
+              <a:rPr lang="en-US" dirty="0"/>
+              <a:t>An inverted pyramid, too</a:t>
+            </a:r>
+            <a:r>
+              <a:rPr lang="en-US" baseline="0" dirty="0"/>
+              <a:t> much emphasis on the wrong tests.</a:t>
+            </a:r>
+          </a:p>
+          <a:p>
+            <a:endParaRPr lang="en-US" baseline="0" dirty="0"/>
+          </a:p>
+          <a:p>
+            <a:r>
+              <a:rPr lang="en-US" baseline="0" dirty="0"/>
+              <a:t>Manual Tests</a:t>
+            </a:r>
+          </a:p>
+          <a:p>
+            <a:r>
+              <a:rPr lang="en-US" baseline="0" dirty="0"/>
+              <a:t>Expensive and give poor feedback. It may take days to run a manual regression pack which gives poor feedback to developers trying to determine what features caused an issue</a:t>
+            </a:r>
+          </a:p>
+          <a:p>
+            <a:endParaRPr lang="en-US" baseline="0" dirty="0"/>
+          </a:p>
+          <a:p>
+            <a:r>
+              <a:rPr lang="en-US" baseline="0" dirty="0"/>
+              <a:t>Automated </a:t>
+            </a:r>
+            <a:r>
+              <a:rPr lang="en-US" baseline="0" dirty="0" err="1"/>
+              <a:t>Gui</a:t>
+            </a:r>
+            <a:r>
+              <a:rPr lang="en-US" baseline="0" dirty="0"/>
+              <a:t> Tests</a:t>
+            </a:r>
+          </a:p>
+          <a:p>
+            <a:r>
+              <a:rPr lang="en-US" baseline="0" dirty="0"/>
+              <a:t>Let’s skip for a moment the middle of the test automation pyramid and jump right to the top; the user interface level. Automated user interface testing is placed at the top of the test automation pyramid because we want to do as little of it as possible. We want this because user interface tests often have the following negative attributes:</a:t>
+            </a:r>
+          </a:p>
+          <a:p>
+            <a:endParaRPr lang="en-US" baseline="0" dirty="0"/>
+          </a:p>
+          <a:p>
+            <a:r>
+              <a:rPr lang="en-US" baseline="0" dirty="0"/>
+              <a:t>* Brittle. A small change in the user interface can break many tests. When this is repeated many times over the course of a project, teams simply give up and stop correcting tests every time the user interface changes.</a:t>
+            </a:r>
+          </a:p>
+          <a:p>
+            <a:r>
+              <a:rPr lang="en-US" baseline="0" dirty="0"/>
+              <a:t>* Expensive to write. A quick capture-and-playback approach to recording user interface tests can work, but tests recorded this way are usually the most brittle. Writing a good user interface test that will remain useful and valid takes time.</a:t>
+            </a:r>
+          </a:p>
+          <a:p>
+            <a:pPr marL="171450" indent="-171450">
+              <a:buFontTx/>
+              <a:buChar char="•"/>
+            </a:pPr>
+            <a:r>
+              <a:rPr lang="en-US" baseline="0" dirty="0"/>
+              <a:t>Time consuming. Tests run through the user interface often take a long time to run. I’ve seen numerous teams with impressive suites of automated user interface tests that take so long to run they cannot be run every night, much less multiple times per day.</a:t>
+            </a:r>
+          </a:p>
+          <a:p>
+            <a:pPr marL="171450" indent="-171450">
+              <a:buFontTx/>
+              <a:buChar char="•"/>
+            </a:pPr>
+            <a:endParaRPr lang="en-US" baseline="0" dirty="0"/>
+          </a:p>
+          <a:p>
+            <a:pPr marL="171450" indent="-171450">
+              <a:buFontTx/>
+              <a:buChar char="•"/>
+            </a:pPr>
+            <a:r>
+              <a:rPr lang="en-US" baseline="0" dirty="0"/>
+              <a:t>For much of my career test automation meant tests that drove an application through its user-interface. Such tools would often provide the facility to record an interaction with the application and then allow you to play back that interaction, checking that the application returned the same results. Such an approach works well initially. It's easy to record tests, and the tests can be recorded by people with no knowledge of programming.</a:t>
+            </a:r>
+          </a:p>
+          <a:p>
+            <a:pPr marL="171450" indent="-171450">
+              <a:buFontTx/>
+              <a:buChar char="•"/>
+            </a:pPr>
+            <a:endParaRPr lang="en-US" baseline="0" dirty="0"/>
+          </a:p>
+          <a:p>
+            <a:pPr marL="171450" indent="-171450">
+              <a:buFontTx/>
+              <a:buChar char="•"/>
+            </a:pPr>
+            <a:r>
+              <a:rPr lang="en-US" baseline="0" dirty="0"/>
+              <a:t>But this kind of approach quickly runs into trouble, becoming an ice-cream cone. Testing through the UI like this is slow, increasing build times. Often it requires installed </a:t>
+            </a:r>
+            <a:r>
+              <a:rPr lang="en-US" baseline="0" dirty="0" err="1"/>
+              <a:t>licences</a:t>
+            </a:r>
+            <a:r>
+              <a:rPr lang="en-US" baseline="0" dirty="0"/>
+              <a:t> for the test automation software, which means it can only be done on particular machines. Usually these cannot easily be run in a "headless" mode, monitored by scripts to put in a proper deployment pipeline.</a:t>
+            </a:r>
+          </a:p>
+          <a:p>
+            <a:pPr marL="171450" indent="-171450">
+              <a:buFontTx/>
+              <a:buChar char="•"/>
+            </a:pPr>
+            <a:endParaRPr lang="en-US" baseline="0" dirty="0"/>
+          </a:p>
+          <a:p>
+            <a:pPr marL="171450" indent="-171450">
+              <a:buFontTx/>
+              <a:buChar char="•"/>
+            </a:pPr>
+            <a:r>
+              <a:rPr lang="en-US" baseline="0" dirty="0"/>
+              <a:t>Most importantly such tests are very brittle. An enhancement to the system can easily end up breaking lots of such tests, which then have to be re-recorded. You can reduce this problem by abandoning record-playback tools, but that makes the tests harder to write. [1] Even with good practices on writing them, end-to-end tests are more prone to non-determinism problems, which can undermine trust in them. In short, tests that run end-to-end through the UI are: brittle, expensive to write, and time consuming to run. So the pyramid argues that you should do much more automated testing through unit tests than you should through traditional GUI based testing.</a:t>
+            </a:r>
+          </a:p>
+          <a:p>
+            <a:pPr marL="0" indent="0">
+              <a:buFontTx/>
+              <a:buNone/>
+            </a:pPr>
+            <a:endParaRPr lang="en-US" baseline="0" dirty="0"/>
+          </a:p>
+          <a:p>
+            <a:pPr marL="0" indent="0">
+              <a:buFontTx/>
+              <a:buNone/>
+            </a:pPr>
+            <a:r>
+              <a:rPr lang="en-US" baseline="0" dirty="0"/>
+              <a:t>In addition, consider that in the ice-cream cone, the weight of tests is on the adapter – a component that we want to throw away to cope with technological change. If we write automation tests against our </a:t>
+            </a:r>
+            <a:r>
+              <a:rPr lang="en-US" baseline="0" dirty="0" err="1"/>
+              <a:t>WebForms</a:t>
+            </a:r>
+            <a:r>
+              <a:rPr lang="en-US" baseline="0" dirty="0"/>
+              <a:t> UI what happens when we decide to re-write as a SPA. The simple answer is that we are forced to throw away our tests along with the adapter!</a:t>
+            </a:r>
+          </a:p>
+          <a:p>
+            <a:pPr marL="0" indent="0">
+              <a:buFontTx/>
+              <a:buNone/>
+            </a:pPr>
+            <a:endParaRPr lang="en-US" baseline="0" dirty="0"/>
+          </a:p>
+          <a:p>
+            <a:pPr marL="0" indent="0">
+              <a:buFontTx/>
+              <a:buNone/>
+            </a:pPr>
+            <a:r>
+              <a:rPr lang="en-US" baseline="0" dirty="0"/>
               <a:t> </a:t>
             </a:r>
-            <a:r>
-              <a:rPr lang="en-GB" dirty="0"/>
-              <a:t>works is out of the reach of even the best programmers some of the time, and out of the reach of most programmers (like me) most of the time. Divide and conquer, baby. First we'll solve the “that works” part of the problem. Then we'll solve the “clean code” part. This is the opposite of architecture-driven development, where you solve “clean code” first, then scramble around trying to integrate into the design the things you learn as you solve the “that works” problem.</a:t>
-            </a:r>
-          </a:p>
-          <a:p>
-            <a:endParaRPr lang="en-GB" dirty="0"/>
-          </a:p>
-          <a:p>
-            <a:r>
-              <a:rPr lang="en-GB" dirty="0"/>
-              <a:t>--------</a:t>
-            </a:r>
-          </a:p>
-          <a:p>
-            <a:r>
-              <a:rPr lang="en-GB" dirty="0"/>
-              <a:t>The different phases have different purposes. They call for different styles of solution, different aesthetic viewpoints. The first three phases need to go by quickly, so we get to a known state with the new functionality. We can commit any number of sins to get there, because speed trumps design, just for that brief moment.</a:t>
-            </a:r>
-          </a:p>
-          <a:p>
-            <a:endParaRPr lang="en-GB" dirty="0"/>
-          </a:p>
-          <a:p>
-            <a:r>
-              <a:rPr lang="en-GB" dirty="0"/>
-              <a:t>Now I'm worried. I've given you a license to abandon all the principles of good design. Off you go to your teams—“Kent says all that design stuff doesn't matter.” Halt. The cycle is not complete. A four-legged Aeron chair falls over. The first four steps of the cycle won't work without the fifth. Good design at good times. Make it run, make it right.</a:t>
-            </a:r>
-          </a:p>
-          <a:p>
-            <a:endParaRPr lang="en-GB" dirty="0"/>
+          </a:p>
+          <a:p>
+            <a:endParaRPr lang="en-US" dirty="0"/>
           </a:p>
         </p:txBody>
       </p:sp>
@@ -4683,7 +4953,7 @@
             <a:fld id="{F66C4C5A-655F-4C9D-B92A-07E1070CBF6B}" type="slidenum">
               <a:rPr lang="en-GB" smtClean="0"/>
               <a:pPr/>
-              <a:t>51</a:t>
+              <a:t>46</a:t>
             </a:fld>
             <a:endParaRPr lang="en-GB"/>
           </a:p>
@@ -4692,7 +4962,7 @@
     </p:spTree>
     <p:extLst>
       <p:ext uri="{BB962C8B-B14F-4D97-AF65-F5344CB8AC3E}">
-        <p14:creationId xmlns:p14="http://schemas.microsoft.com/office/powerpoint/2010/main" val="4135945141"/>
+        <p14:creationId xmlns:p14="http://schemas.microsoft.com/office/powerpoint/2010/main" val="1086683939"/>
       </p:ext>
     </p:extLst>
   </p:cSld>
@@ -4743,10 +5013,44 @@
         </p:nvSpPr>
         <p:spPr/>
         <p:txBody>
-          <a:bodyPr/>
-          <a:lstStyle/>
-          <a:p>
-            <a:endParaRPr lang="en-US" dirty="0"/>
+          <a:bodyPr>
+            <a:normAutofit/>
+          </a:bodyPr>
+          <a:lstStyle/>
+          <a:p>
+            <a:r>
+              <a:rPr lang="en-US" dirty="0"/>
+              <a:t>Write a test: We work Test First. Always.</a:t>
+            </a:r>
+          </a:p>
+          <a:p>
+            <a:r>
+              <a:rPr lang="en-US" dirty="0"/>
+              <a:t>Make it Compile: Get the test to the</a:t>
+            </a:r>
+            <a:r>
+              <a:rPr lang="en-US" baseline="0" dirty="0"/>
+              <a:t> point of compilation, with stubbed implementations on the SUT</a:t>
+            </a:r>
+          </a:p>
+          <a:p>
+            <a:r>
+              <a:rPr lang="en-US" baseline="0" dirty="0"/>
+              <a:t>Run to see that it fails: The only control for a test is a failing test. Remove false positives.</a:t>
+            </a:r>
+          </a:p>
+          <a:p>
+            <a:r>
+              <a:rPr lang="en-US" baseline="0" dirty="0"/>
+              <a:t>Make it run: Do the simplest thing you can to implement. Don’t strive for clean code here.</a:t>
+            </a:r>
+          </a:p>
+          <a:p>
+            <a:r>
+              <a:rPr lang="en-US" baseline="0" dirty="0"/>
+              <a:t>Remove duplication: Now refactor to clean code.</a:t>
+            </a:r>
+            <a:endParaRPr lang="en-GB" dirty="0"/>
           </a:p>
         </p:txBody>
       </p:sp>
@@ -4757,7 +5061,7 @@
             <a:spLocks noGrp="1"/>
           </p:cNvSpPr>
           <p:nvPr>
-            <p:ph type="sldNum" sz="quarter" idx="5"/>
+            <p:ph type="sldNum" sz="quarter" idx="10"/>
           </p:nvPr>
         </p:nvSpPr>
         <p:spPr/>
@@ -4765,18 +5069,19 @@
           <a:bodyPr/>
           <a:lstStyle/>
           <a:p>
-            <a:fld id="{8D454BB1-5AB5-DF45-A819-95464E74CBE3}" type="slidenum">
-              <a:rPr lang="en-US" smtClean="0"/>
-              <a:t>53</a:t>
+            <a:fld id="{F66C4C5A-655F-4C9D-B92A-07E1070CBF6B}" type="slidenum">
+              <a:rPr lang="en-GB" smtClean="0"/>
+              <a:pPr/>
+              <a:t>50</a:t>
             </a:fld>
-            <a:endParaRPr lang="en-US"/>
+            <a:endParaRPr lang="en-GB"/>
           </a:p>
         </p:txBody>
       </p:sp>
     </p:spTree>
     <p:extLst>
       <p:ext uri="{BB962C8B-B14F-4D97-AF65-F5344CB8AC3E}">
-        <p14:creationId xmlns:p14="http://schemas.microsoft.com/office/powerpoint/2010/main" val="583900857"/>
+        <p14:creationId xmlns:p14="http://schemas.microsoft.com/office/powerpoint/2010/main" val="4212591972"/>
       </p:ext>
     </p:extLst>
   </p:cSld>
@@ -4828,472 +5133,64 @@
         <p:spPr/>
         <p:txBody>
           <a:bodyPr>
-            <a:normAutofit fontScale="77500" lnSpcReduction="20000"/>
+            <a:normAutofit fontScale="92500" lnSpcReduction="20000"/>
           </a:bodyPr>
           <a:lstStyle/>
           <a:p>
-            <a:pPr marL="0" marR="0" indent="0" algn="l" defTabSz="914400" rtl="0" eaLnBrk="1" fontAlgn="auto" latinLnBrk="0" hangingPunct="1">
-              <a:lnSpc>
-                <a:spcPct val="100000"/>
-              </a:lnSpc>
-              <a:spcBef>
-                <a:spcPts val="0"/>
-              </a:spcBef>
-              <a:spcAft>
-                <a:spcPts val="0"/>
-              </a:spcAft>
-              <a:buClrTx/>
-              <a:buSzTx/>
-              <a:buFontTx/>
-              <a:buNone/>
-              <a:tabLst/>
-              <a:defRPr/>
-            </a:pPr>
-            <a:r>
-              <a:rPr lang="en-GB" sz="1200" b="0" i="0" kern="1200" dirty="0">
-                <a:solidFill>
-                  <a:schemeClr val="tx1"/>
-                </a:solidFill>
-                <a:latin typeface="+mn-lt"/>
-                <a:ea typeface="+mn-ea"/>
-                <a:cs typeface="+mn-cs"/>
-              </a:rPr>
-              <a:t>Now there is an important implication here that is often overlooked. We don’t have to write tests for the classes that we refactor out through that last step. They will be internal to our implementation, and are already covered by the first test. We do not need to add new tests for the next level – unless we feel we do not know how to navigate to the next step.</a:t>
-            </a:r>
-          </a:p>
-          <a:p>
-            <a:pPr marL="0" marR="0" indent="0" algn="l" defTabSz="914400" rtl="0" eaLnBrk="1" fontAlgn="auto" latinLnBrk="0" hangingPunct="1">
-              <a:lnSpc>
-                <a:spcPct val="100000"/>
-              </a:lnSpc>
-              <a:spcBef>
-                <a:spcPts val="0"/>
-              </a:spcBef>
-              <a:spcAft>
-                <a:spcPts val="0"/>
-              </a:spcAft>
-              <a:buClrTx/>
-              <a:buSzTx/>
-              <a:buFontTx/>
-              <a:buNone/>
-              <a:tabLst/>
-              <a:defRPr/>
-            </a:pPr>
-            <a:endParaRPr lang="en-US" sz="1200" b="0" i="0" kern="1200" dirty="0">
-              <a:solidFill>
-                <a:schemeClr val="tx1"/>
-              </a:solidFill>
-              <a:latin typeface="+mn-lt"/>
-              <a:ea typeface="+mn-ea"/>
-              <a:cs typeface="+mn-cs"/>
-            </a:endParaRPr>
-          </a:p>
-          <a:p>
-            <a:pPr marL="0" marR="0" indent="0" algn="l" defTabSz="914400" rtl="0" eaLnBrk="1" fontAlgn="auto" latinLnBrk="0" hangingPunct="1">
-              <a:lnSpc>
-                <a:spcPct val="100000"/>
-              </a:lnSpc>
-              <a:spcBef>
-                <a:spcPts val="0"/>
-              </a:spcBef>
-              <a:spcAft>
-                <a:spcPts val="0"/>
-              </a:spcAft>
-              <a:buClrTx/>
-              <a:buSzTx/>
-              <a:buFontTx/>
-              <a:buNone/>
-              <a:tabLst/>
-              <a:defRPr/>
-            </a:pPr>
-            <a:r>
-              <a:rPr lang="en-US" sz="1200" b="0" i="0" kern="1200" dirty="0">
-                <a:solidFill>
-                  <a:schemeClr val="tx1"/>
-                </a:solidFill>
-                <a:latin typeface="+mn-lt"/>
-                <a:ea typeface="+mn-ea"/>
-                <a:cs typeface="+mn-cs"/>
-              </a:rPr>
-              <a:t>One issue here is the difference between </a:t>
-            </a:r>
-            <a:r>
-              <a:rPr lang="en-US" sz="1200" b="0" i="0" kern="1200" baseline="0" dirty="0">
-                <a:solidFill>
-                  <a:schemeClr val="tx1"/>
-                </a:solidFill>
-                <a:latin typeface="+mn-lt"/>
-                <a:ea typeface="+mn-ea"/>
-                <a:cs typeface="+mn-cs"/>
-              </a:rPr>
-              <a:t>refactoring into objects and introducing collaborators, that we potentially should be replacing with a test double (see later) for the test. If we introduce another public class it is probably a collaborator which we ought to consider might need to be replaced with a test double. We don’t want to write new tests to implement it at this stage. Instead we just want to check the outputs to that class.</a:t>
-            </a:r>
-          </a:p>
-          <a:p>
-            <a:pPr marL="0" marR="0" indent="0" algn="l" defTabSz="914400" rtl="0" eaLnBrk="1" fontAlgn="auto" latinLnBrk="0" hangingPunct="1">
-              <a:lnSpc>
-                <a:spcPct val="100000"/>
-              </a:lnSpc>
-              <a:spcBef>
-                <a:spcPts val="0"/>
-              </a:spcBef>
-              <a:spcAft>
-                <a:spcPts val="0"/>
-              </a:spcAft>
-              <a:buClrTx/>
-              <a:buSzTx/>
-              <a:buFontTx/>
-              <a:buNone/>
-              <a:tabLst/>
-              <a:defRPr/>
-            </a:pPr>
-            <a:endParaRPr lang="en-US" sz="1200" b="0" i="0" kern="1200" baseline="0" dirty="0">
-              <a:solidFill>
-                <a:schemeClr val="tx1"/>
-              </a:solidFill>
-              <a:latin typeface="+mn-lt"/>
-              <a:ea typeface="+mn-ea"/>
-              <a:cs typeface="+mn-cs"/>
-            </a:endParaRPr>
-          </a:p>
-          <a:p>
-            <a:pPr marL="0" marR="0" indent="0" algn="l" defTabSz="914400" rtl="0" eaLnBrk="1" fontAlgn="auto" latinLnBrk="0" hangingPunct="1">
-              <a:lnSpc>
-                <a:spcPct val="100000"/>
-              </a:lnSpc>
-              <a:spcBef>
-                <a:spcPts val="0"/>
-              </a:spcBef>
-              <a:spcAft>
-                <a:spcPts val="0"/>
-              </a:spcAft>
-              <a:buClrTx/>
-              <a:buSzTx/>
-              <a:buFontTx/>
-              <a:buNone/>
-              <a:tabLst/>
-              <a:defRPr/>
-            </a:pPr>
-            <a:r>
-              <a:rPr lang="en-US" sz="1200" b="0" i="0" kern="1200" baseline="0" dirty="0">
-                <a:solidFill>
-                  <a:schemeClr val="tx1"/>
-                </a:solidFill>
-                <a:latin typeface="+mn-lt"/>
-                <a:ea typeface="+mn-ea"/>
-                <a:cs typeface="+mn-cs"/>
-              </a:rPr>
-              <a:t>Note that the easy way to test this assertion is that when we refactor we only change implementation details not public contracts. If we introduce a new public contract we may want to replace it with a test.</a:t>
-            </a:r>
-          </a:p>
-          <a:p>
-            <a:pPr marL="0" marR="0" indent="0" algn="l" defTabSz="914400" rtl="0" eaLnBrk="1" fontAlgn="auto" latinLnBrk="0" hangingPunct="1">
-              <a:lnSpc>
-                <a:spcPct val="100000"/>
-              </a:lnSpc>
-              <a:spcBef>
-                <a:spcPts val="0"/>
-              </a:spcBef>
-              <a:spcAft>
-                <a:spcPts val="0"/>
-              </a:spcAft>
-              <a:buClrTx/>
-              <a:buSzTx/>
-              <a:buFontTx/>
-              <a:buNone/>
-              <a:tabLst/>
-              <a:defRPr/>
-            </a:pPr>
-            <a:endParaRPr lang="en-US" sz="1200" b="0" i="0" kern="1200" baseline="0" dirty="0">
-              <a:solidFill>
-                <a:schemeClr val="tx1"/>
-              </a:solidFill>
-              <a:latin typeface="+mn-lt"/>
-              <a:ea typeface="+mn-ea"/>
-              <a:cs typeface="+mn-cs"/>
-            </a:endParaRPr>
-          </a:p>
-          <a:p>
-            <a:pPr marL="0" marR="0" indent="0" algn="l" defTabSz="914400" rtl="0" eaLnBrk="1" fontAlgn="auto" latinLnBrk="0" hangingPunct="1">
-              <a:lnSpc>
-                <a:spcPct val="100000"/>
-              </a:lnSpc>
-              <a:spcBef>
-                <a:spcPts val="0"/>
-              </a:spcBef>
-              <a:spcAft>
-                <a:spcPts val="0"/>
-              </a:spcAft>
-              <a:buClrTx/>
-              <a:buSzTx/>
-              <a:buFontTx/>
-              <a:buNone/>
-              <a:tabLst/>
-              <a:defRPr/>
-            </a:pPr>
-            <a:r>
-              <a:rPr lang="en-US" sz="1200" b="0" i="0" kern="1200" baseline="0" dirty="0">
-                <a:solidFill>
-                  <a:schemeClr val="tx1"/>
-                </a:solidFill>
-                <a:latin typeface="+mn-lt"/>
-                <a:ea typeface="+mn-ea"/>
-                <a:cs typeface="+mn-cs"/>
-              </a:rPr>
-              <a:t>Another corollary is that what we have our test green we should not need alter our test for changes to the implementation. If we suddenly need to introduce new public objects, it implies that our test is wrong and we have missed a collaborator.</a:t>
-            </a:r>
-          </a:p>
-          <a:p>
-            <a:pPr marL="0" marR="0" indent="0" algn="l" defTabSz="914400" rtl="0" eaLnBrk="1" fontAlgn="auto" latinLnBrk="0" hangingPunct="1">
-              <a:lnSpc>
-                <a:spcPct val="100000"/>
-              </a:lnSpc>
-              <a:spcBef>
-                <a:spcPts val="0"/>
-              </a:spcBef>
-              <a:spcAft>
-                <a:spcPts val="0"/>
-              </a:spcAft>
-              <a:buClrTx/>
-              <a:buSzTx/>
-              <a:buFontTx/>
-              <a:buNone/>
-              <a:tabLst/>
-              <a:defRPr/>
-            </a:pPr>
-            <a:endParaRPr lang="en-US" sz="1200" b="0" i="0" kern="1200" baseline="0" dirty="0">
-              <a:solidFill>
-                <a:schemeClr val="tx1"/>
-              </a:solidFill>
-              <a:latin typeface="+mn-lt"/>
-              <a:ea typeface="+mn-ea"/>
-              <a:cs typeface="+mn-cs"/>
-            </a:endParaRPr>
-          </a:p>
-          <a:p>
-            <a:pPr marL="0" marR="0" indent="0" algn="l" defTabSz="914400" rtl="0" eaLnBrk="1" fontAlgn="auto" latinLnBrk="0" hangingPunct="1">
-              <a:lnSpc>
-                <a:spcPct val="100000"/>
-              </a:lnSpc>
-              <a:spcBef>
-                <a:spcPts val="0"/>
-              </a:spcBef>
-              <a:spcAft>
-                <a:spcPts val="0"/>
-              </a:spcAft>
-              <a:buClrTx/>
-              <a:buSzTx/>
-              <a:buFontTx/>
-              <a:buNone/>
-              <a:tabLst/>
-              <a:defRPr/>
-            </a:pPr>
-            <a:r>
-              <a:rPr lang="en-US" sz="1200" b="0" i="0" kern="1200" baseline="0" dirty="0">
-                <a:solidFill>
-                  <a:schemeClr val="tx1"/>
-                </a:solidFill>
-                <a:latin typeface="+mn-lt"/>
-                <a:ea typeface="+mn-ea"/>
-                <a:cs typeface="+mn-cs"/>
-              </a:rPr>
-              <a:t>Be careful with this, you need to consider what is public. Really only our adapters need to be public, but we often make top level domain objects public too for reasons of packaging, such as aggregates. Don’t bother to mock the public domain object if the only caller is the adapter. You are probably mocking everything else in the adapter anyway, and the adapter is simply providing a way for your port – tests in this instance – but framework code in the production system to access your code. In addition, in a domain model, instead of directly calling another aggregate we often prefer to raise an event, because we exit a consistency boundary, and also need to load new state from the Db. In this  case you are not checking that you call another role, but that you raise a message correctly. However, it is likely you will mock this event being raised.</a:t>
-            </a:r>
-          </a:p>
-          <a:p>
-            <a:pPr marL="0" marR="0" indent="0" algn="l" defTabSz="914400" rtl="0" eaLnBrk="1" fontAlgn="auto" latinLnBrk="0" hangingPunct="1">
-              <a:lnSpc>
-                <a:spcPct val="100000"/>
-              </a:lnSpc>
-              <a:spcBef>
-                <a:spcPts val="0"/>
-              </a:spcBef>
-              <a:spcAft>
-                <a:spcPts val="0"/>
-              </a:spcAft>
-              <a:buClrTx/>
-              <a:buSzTx/>
-              <a:buFontTx/>
-              <a:buNone/>
-              <a:tabLst/>
-              <a:defRPr/>
-            </a:pPr>
-            <a:endParaRPr lang="en-US" sz="1200" b="0" i="0" kern="1200" baseline="0" dirty="0">
-              <a:solidFill>
-                <a:schemeClr val="tx1"/>
-              </a:solidFill>
-              <a:latin typeface="+mn-lt"/>
-              <a:ea typeface="+mn-ea"/>
-              <a:cs typeface="+mn-cs"/>
-            </a:endParaRPr>
-          </a:p>
-          <a:p>
-            <a:pPr marL="0" marR="0" indent="0" algn="l" defTabSz="914400" rtl="0" eaLnBrk="1" fontAlgn="auto" latinLnBrk="0" hangingPunct="1">
-              <a:lnSpc>
-                <a:spcPct val="100000"/>
-              </a:lnSpc>
-              <a:spcBef>
-                <a:spcPts val="0"/>
-              </a:spcBef>
-              <a:spcAft>
-                <a:spcPts val="0"/>
-              </a:spcAft>
-              <a:buClrTx/>
-              <a:buSzTx/>
-              <a:buFontTx/>
-              <a:buNone/>
-              <a:tabLst/>
-              <a:defRPr/>
-            </a:pPr>
-            <a:r>
-              <a:rPr lang="en-US" sz="1200" b="0" i="0" kern="1200" baseline="0" dirty="0">
-                <a:solidFill>
-                  <a:schemeClr val="tx1"/>
-                </a:solidFill>
-                <a:latin typeface="+mn-lt"/>
-                <a:ea typeface="+mn-ea"/>
-                <a:cs typeface="+mn-cs"/>
-              </a:rPr>
-              <a:t>Be wary of making things public. Again this is a dependency issue. Anything that is public has dependencies. Dependencies resist change and anything that makes it harder to change our software makes it brittle and can lead to Banyan Tree or Big Ball of Mud anti-patterns</a:t>
-            </a:r>
-          </a:p>
-          <a:p>
-            <a:pPr marL="0" marR="0" indent="0" algn="l" defTabSz="914400" rtl="0" eaLnBrk="1" fontAlgn="auto" latinLnBrk="0" hangingPunct="1">
-              <a:lnSpc>
-                <a:spcPct val="100000"/>
-              </a:lnSpc>
-              <a:spcBef>
-                <a:spcPts val="0"/>
-              </a:spcBef>
-              <a:spcAft>
-                <a:spcPts val="0"/>
-              </a:spcAft>
-              <a:buClrTx/>
-              <a:buSzTx/>
-              <a:buFontTx/>
-              <a:buNone/>
-              <a:tabLst/>
-              <a:defRPr/>
-            </a:pPr>
-            <a:endParaRPr lang="en-US" sz="1200" b="0" i="0" kern="1200" baseline="0" dirty="0">
-              <a:solidFill>
-                <a:schemeClr val="tx1"/>
-              </a:solidFill>
-              <a:latin typeface="+mn-lt"/>
-              <a:ea typeface="+mn-ea"/>
-              <a:cs typeface="+mn-cs"/>
-            </a:endParaRPr>
-          </a:p>
-          <a:p>
-            <a:pPr marL="0" marR="0" indent="0" algn="l" defTabSz="914400" rtl="0" eaLnBrk="1" fontAlgn="auto" latinLnBrk="0" hangingPunct="1">
-              <a:lnSpc>
-                <a:spcPct val="100000"/>
-              </a:lnSpc>
-              <a:spcBef>
-                <a:spcPts val="0"/>
-              </a:spcBef>
-              <a:spcAft>
-                <a:spcPts val="0"/>
-              </a:spcAft>
-              <a:buClrTx/>
-              <a:buSzTx/>
-              <a:buFontTx/>
-              <a:buNone/>
-              <a:tabLst/>
-              <a:defRPr/>
-            </a:pPr>
-            <a:r>
-              <a:rPr lang="en-US" sz="1200" b="0" i="0" kern="1200" baseline="0" dirty="0">
-                <a:solidFill>
-                  <a:schemeClr val="tx1"/>
-                </a:solidFill>
-                <a:latin typeface="+mn-lt"/>
-                <a:ea typeface="+mn-ea"/>
-                <a:cs typeface="+mn-cs"/>
-              </a:rPr>
-              <a:t>Refactor to patterns, keep implementations private, test the public contract only.</a:t>
-            </a:r>
-          </a:p>
-          <a:p>
-            <a:pPr marL="0" marR="0" indent="0" algn="l" defTabSz="914400" rtl="0" eaLnBrk="1" fontAlgn="auto" latinLnBrk="0" hangingPunct="1">
-              <a:lnSpc>
-                <a:spcPct val="100000"/>
-              </a:lnSpc>
-              <a:spcBef>
-                <a:spcPts val="0"/>
-              </a:spcBef>
-              <a:spcAft>
-                <a:spcPts val="0"/>
-              </a:spcAft>
-              <a:buClrTx/>
-              <a:buSzTx/>
-              <a:buFontTx/>
-              <a:buNone/>
-              <a:tabLst/>
-              <a:defRPr/>
-            </a:pPr>
-            <a:endParaRPr lang="en-US" sz="1200" b="0" i="0" kern="1200" baseline="0" dirty="0">
-              <a:solidFill>
-                <a:schemeClr val="tx1"/>
-              </a:solidFill>
-              <a:latin typeface="+mn-lt"/>
-              <a:ea typeface="+mn-ea"/>
-              <a:cs typeface="+mn-cs"/>
-            </a:endParaRPr>
-          </a:p>
-          <a:p>
-            <a:pPr marL="0" marR="0" indent="0" algn="l" defTabSz="914400" rtl="0" eaLnBrk="1" fontAlgn="auto" latinLnBrk="0" hangingPunct="1">
-              <a:lnSpc>
-                <a:spcPct val="100000"/>
-              </a:lnSpc>
-              <a:spcBef>
-                <a:spcPts val="0"/>
-              </a:spcBef>
-              <a:spcAft>
-                <a:spcPts val="0"/>
-              </a:spcAft>
-              <a:buClrTx/>
-              <a:buSzTx/>
-              <a:buFontTx/>
-              <a:buNone/>
-              <a:tabLst/>
-              <a:defRPr/>
-            </a:pPr>
-            <a:endParaRPr lang="en-US" sz="1200" b="0" i="0" kern="1200" baseline="0" dirty="0">
-              <a:solidFill>
-                <a:schemeClr val="tx1"/>
-              </a:solidFill>
-              <a:latin typeface="+mn-lt"/>
-              <a:ea typeface="+mn-ea"/>
-              <a:cs typeface="+mn-cs"/>
-            </a:endParaRPr>
-          </a:p>
-          <a:p>
-            <a:pPr marL="0" marR="0" indent="0" algn="l" defTabSz="914400" rtl="0" eaLnBrk="1" fontAlgn="auto" latinLnBrk="0" hangingPunct="1">
-              <a:lnSpc>
-                <a:spcPct val="100000"/>
-              </a:lnSpc>
-              <a:spcBef>
-                <a:spcPts val="0"/>
-              </a:spcBef>
-              <a:spcAft>
-                <a:spcPts val="0"/>
-              </a:spcAft>
-              <a:buClrTx/>
-              <a:buSzTx/>
-              <a:buFontTx/>
-              <a:buNone/>
-              <a:tabLst/>
-              <a:defRPr/>
-            </a:pPr>
-            <a:endParaRPr lang="en-GB" sz="1200" b="0" i="0" kern="1200" dirty="0">
-              <a:solidFill>
-                <a:schemeClr val="tx1"/>
-              </a:solidFill>
-              <a:latin typeface="+mn-lt"/>
-              <a:ea typeface="+mn-ea"/>
-              <a:cs typeface="+mn-cs"/>
-            </a:endParaRPr>
+            <a:r>
+              <a:rPr lang="en-GB" dirty="0"/>
+              <a:t>Make it run. Quickly getting that bar to go to green dominates everything else. If a clean, simple solution is obvious, then type it in. If the clean, simple solution is obvious but it will take you a minute, then make a note of it and get back to the main problem, which is getting the bar green in seconds. </a:t>
+            </a:r>
+          </a:p>
+          <a:p>
+            <a:endParaRPr lang="en-GB" dirty="0"/>
+          </a:p>
+          <a:p>
+            <a:r>
+              <a:rPr lang="en-GB" dirty="0"/>
+              <a:t>This shift in aesthetics is hard for some experienced software engineers. They only know how to follow the rules of good engineering. Quick green excuses all sins. But only for a moment.</a:t>
+            </a:r>
+          </a:p>
+          <a:p>
+            <a:endParaRPr lang="en-GB" dirty="0"/>
+          </a:p>
+          <a:p>
+            <a:r>
+              <a:rPr lang="en-GB" dirty="0"/>
+              <a:t>The goal is clean code that works (thanks to Ron Jeffries for this pithy summary). Clean code that</a:t>
+            </a:r>
+            <a:r>
+              <a:rPr lang="en-GB" baseline="0" dirty="0"/>
+              <a:t> </a:t>
+            </a:r>
+            <a:r>
+              <a:rPr lang="en-GB" dirty="0"/>
+              <a:t>works is out of the reach of even the best programmers some of the time, and out of the reach of most programmers (like me) most of the time. Divide and conquer, baby. First we'll solve the “that works” part of the problem. Then we'll solve the “clean code” part. This is the opposite of architecture-driven development, where you solve “clean code” first, then scramble around trying to integrate into the design the things you learn as you solve the “that works” problem.</a:t>
+            </a:r>
+          </a:p>
+          <a:p>
+            <a:endParaRPr lang="en-GB" dirty="0"/>
+          </a:p>
+          <a:p>
+            <a:r>
+              <a:rPr lang="en-GB" dirty="0"/>
+              <a:t>--------</a:t>
+            </a:r>
+          </a:p>
+          <a:p>
+            <a:r>
+              <a:rPr lang="en-GB" dirty="0"/>
+              <a:t>The different phases have different purposes. They call for different styles of solution, different aesthetic viewpoints. The first three phases need to go by quickly, so we get to a known state with the new functionality. We can commit any number of sins to get there, because speed trumps design, just for that brief moment.</a:t>
+            </a:r>
+          </a:p>
+          <a:p>
+            <a:endParaRPr lang="en-GB" dirty="0"/>
+          </a:p>
+          <a:p>
+            <a:r>
+              <a:rPr lang="en-GB" dirty="0"/>
+              <a:t>Now I'm worried. I've given you a license to abandon all the principles of good design. Off you go to your teams—“Kent says all that design stuff doesn't matter.” Halt. The cycle is not complete. A four-legged Aeron chair falls over. The first four steps of the cycle won't work without the fifth. Good design at good times. Make it run, make it right.</a:t>
+            </a:r>
           </a:p>
           <a:p>
             <a:endParaRPr lang="en-GB" dirty="0"/>
@@ -5318,7 +5215,7 @@
             <a:fld id="{F66C4C5A-655F-4C9D-B92A-07E1070CBF6B}" type="slidenum">
               <a:rPr lang="en-GB" smtClean="0"/>
               <a:pPr/>
-              <a:t>54</a:t>
+              <a:t>52</a:t>
             </a:fld>
             <a:endParaRPr lang="en-GB"/>
           </a:p>
@@ -5327,7 +5224,7 @@
     </p:spTree>
     <p:extLst>
       <p:ext uri="{BB962C8B-B14F-4D97-AF65-F5344CB8AC3E}">
-        <p14:creationId xmlns:p14="http://schemas.microsoft.com/office/powerpoint/2010/main" val="3976576647"/>
+        <p14:creationId xmlns:p14="http://schemas.microsoft.com/office/powerpoint/2010/main" val="4135945141"/>
       </p:ext>
     </p:extLst>
   </p:cSld>
@@ -5378,30 +5275,10 @@
         </p:nvSpPr>
         <p:spPr/>
         <p:txBody>
-          <a:bodyPr>
-            <a:normAutofit/>
-          </a:bodyPr>
-          <a:lstStyle/>
-          <a:p>
-            <a:r>
-              <a:rPr lang="en-US" dirty="0"/>
-              <a:t>Kent Beck’s Table from</a:t>
-            </a:r>
-            <a:r>
-              <a:rPr lang="en-US" baseline="0" dirty="0"/>
-              <a:t> Test Driven Development</a:t>
-            </a:r>
-            <a:r>
-              <a:rPr lang="en-US" dirty="0"/>
-              <a:t> showing that patterns are targets</a:t>
-            </a:r>
-            <a:r>
-              <a:rPr lang="en-US" baseline="0" dirty="0"/>
-              <a:t> of the refactoring step</a:t>
-            </a:r>
-          </a:p>
-          <a:p>
-            <a:endParaRPr lang="en-GB" dirty="0"/>
+          <a:bodyPr/>
+          <a:lstStyle/>
+          <a:p>
+            <a:endParaRPr lang="en-US" dirty="0"/>
           </a:p>
         </p:txBody>
       </p:sp>
@@ -5412,7 +5289,7 @@
             <a:spLocks noGrp="1"/>
           </p:cNvSpPr>
           <p:nvPr>
-            <p:ph type="sldNum" sz="quarter" idx="10"/>
+            <p:ph type="sldNum" sz="quarter" idx="5"/>
           </p:nvPr>
         </p:nvSpPr>
         <p:spPr/>
@@ -5420,19 +5297,18 @@
           <a:bodyPr/>
           <a:lstStyle/>
           <a:p>
-            <a:fld id="{F66C4C5A-655F-4C9D-B92A-07E1070CBF6B}" type="slidenum">
-              <a:rPr lang="en-GB" smtClean="0"/>
-              <a:pPr/>
-              <a:t>55</a:t>
+            <a:fld id="{8D454BB1-5AB5-DF45-A819-95464E74CBE3}" type="slidenum">
+              <a:rPr lang="en-US" smtClean="0"/>
+              <a:t>54</a:t>
             </a:fld>
-            <a:endParaRPr lang="en-GB"/>
+            <a:endParaRPr lang="en-US"/>
           </a:p>
         </p:txBody>
       </p:sp>
     </p:spTree>
     <p:extLst>
       <p:ext uri="{BB962C8B-B14F-4D97-AF65-F5344CB8AC3E}">
-        <p14:creationId xmlns:p14="http://schemas.microsoft.com/office/powerpoint/2010/main" val="253896295"/>
+        <p14:creationId xmlns:p14="http://schemas.microsoft.com/office/powerpoint/2010/main" val="583900857"/>
       </p:ext>
     </p:extLst>
   </p:cSld>
@@ -5483,47 +5359,476 @@
         </p:nvSpPr>
         <p:spPr/>
         <p:txBody>
-          <a:bodyPr/>
-          <a:lstStyle/>
-          <a:p>
-            <a:r>
-              <a:rPr lang="en-US" dirty="0"/>
-              <a:t>The</a:t>
-            </a:r>
-            <a:r>
-              <a:rPr lang="en-US" baseline="0" dirty="0"/>
-              <a:t> Request Model is a pure data structure, it has no behavior. It comes through the boundary and it reaches the Interactor, that is named not Interactor, but for the use case. The Interactor goes and finds the Entities, calls the appropriate methods, and then gathers the Response Model from the data.</a:t>
-            </a:r>
-          </a:p>
-          <a:p>
-            <a:endParaRPr lang="en-US" baseline="0" dirty="0"/>
-          </a:p>
-          <a:p>
-            <a:r>
-              <a:rPr lang="en-US" baseline="0" dirty="0"/>
-              <a:t>It sounds like HTTP Request-Response, but there is no HTTP.</a:t>
-            </a:r>
-          </a:p>
-          <a:p>
-            <a:endParaRPr lang="en-US" baseline="0" dirty="0"/>
-          </a:p>
-          <a:p>
-            <a:r>
-              <a:rPr lang="en-US" baseline="0" dirty="0"/>
-              <a:t>To Test: Create the Interactor, Create The Request Model, Run the Interactor and check the Response Model.</a:t>
-            </a:r>
-          </a:p>
-          <a:p>
-            <a:endParaRPr lang="en-US" baseline="0" dirty="0"/>
-          </a:p>
-          <a:p>
-            <a:r>
-              <a:rPr lang="en-US" baseline="0" dirty="0"/>
-              <a:t>You have no dependency on the delivery mechanism. In fact the delivery mechanism depends on you, the application controller, which is your plugin into the framework and implements an interface</a:t>
-            </a:r>
-          </a:p>
-          <a:p>
-            <a:endParaRPr lang="en-US" dirty="0"/>
+          <a:bodyPr>
+            <a:normAutofit fontScale="77500" lnSpcReduction="20000"/>
+          </a:bodyPr>
+          <a:lstStyle/>
+          <a:p>
+            <a:pPr marL="0" marR="0" indent="0" algn="l" defTabSz="914400" rtl="0" eaLnBrk="1" fontAlgn="auto" latinLnBrk="0" hangingPunct="1">
+              <a:lnSpc>
+                <a:spcPct val="100000"/>
+              </a:lnSpc>
+              <a:spcBef>
+                <a:spcPts val="0"/>
+              </a:spcBef>
+              <a:spcAft>
+                <a:spcPts val="0"/>
+              </a:spcAft>
+              <a:buClrTx/>
+              <a:buSzTx/>
+              <a:buFontTx/>
+              <a:buNone/>
+              <a:tabLst/>
+              <a:defRPr/>
+            </a:pPr>
+            <a:r>
+              <a:rPr lang="en-GB" sz="1200" b="0" i="0" kern="1200" dirty="0">
+                <a:solidFill>
+                  <a:schemeClr val="tx1"/>
+                </a:solidFill>
+                <a:latin typeface="+mn-lt"/>
+                <a:ea typeface="+mn-ea"/>
+                <a:cs typeface="+mn-cs"/>
+              </a:rPr>
+              <a:t>Now there is an important implication here that is often overlooked. We don’t have to write tests for the classes that we refactor out through that last step. They will be internal to our implementation, and are already covered by the first test. We do not need to add new tests for the next level – unless we feel we do not know how to navigate to the next step.</a:t>
+            </a:r>
+          </a:p>
+          <a:p>
+            <a:pPr marL="0" marR="0" indent="0" algn="l" defTabSz="914400" rtl="0" eaLnBrk="1" fontAlgn="auto" latinLnBrk="0" hangingPunct="1">
+              <a:lnSpc>
+                <a:spcPct val="100000"/>
+              </a:lnSpc>
+              <a:spcBef>
+                <a:spcPts val="0"/>
+              </a:spcBef>
+              <a:spcAft>
+                <a:spcPts val="0"/>
+              </a:spcAft>
+              <a:buClrTx/>
+              <a:buSzTx/>
+              <a:buFontTx/>
+              <a:buNone/>
+              <a:tabLst/>
+              <a:defRPr/>
+            </a:pPr>
+            <a:endParaRPr lang="en-US" sz="1200" b="0" i="0" kern="1200" dirty="0">
+              <a:solidFill>
+                <a:schemeClr val="tx1"/>
+              </a:solidFill>
+              <a:latin typeface="+mn-lt"/>
+              <a:ea typeface="+mn-ea"/>
+              <a:cs typeface="+mn-cs"/>
+            </a:endParaRPr>
+          </a:p>
+          <a:p>
+            <a:pPr marL="0" marR="0" indent="0" algn="l" defTabSz="914400" rtl="0" eaLnBrk="1" fontAlgn="auto" latinLnBrk="0" hangingPunct="1">
+              <a:lnSpc>
+                <a:spcPct val="100000"/>
+              </a:lnSpc>
+              <a:spcBef>
+                <a:spcPts val="0"/>
+              </a:spcBef>
+              <a:spcAft>
+                <a:spcPts val="0"/>
+              </a:spcAft>
+              <a:buClrTx/>
+              <a:buSzTx/>
+              <a:buFontTx/>
+              <a:buNone/>
+              <a:tabLst/>
+              <a:defRPr/>
+            </a:pPr>
+            <a:r>
+              <a:rPr lang="en-US" sz="1200" b="0" i="0" kern="1200" dirty="0">
+                <a:solidFill>
+                  <a:schemeClr val="tx1"/>
+                </a:solidFill>
+                <a:latin typeface="+mn-lt"/>
+                <a:ea typeface="+mn-ea"/>
+                <a:cs typeface="+mn-cs"/>
+              </a:rPr>
+              <a:t>One issue here is the difference between </a:t>
+            </a:r>
+            <a:r>
+              <a:rPr lang="en-US" sz="1200" b="0" i="0" kern="1200" baseline="0" dirty="0">
+                <a:solidFill>
+                  <a:schemeClr val="tx1"/>
+                </a:solidFill>
+                <a:latin typeface="+mn-lt"/>
+                <a:ea typeface="+mn-ea"/>
+                <a:cs typeface="+mn-cs"/>
+              </a:rPr>
+              <a:t>refactoring into objects and introducing collaborators, that we potentially should be replacing with a test double (see later) for the test. If we introduce another public class it is probably a collaborator which we ought to consider might need to be replaced with a test double. We don’t want to write new tests to implement it at this stage. Instead we just want to check the outputs to that class.</a:t>
+            </a:r>
+          </a:p>
+          <a:p>
+            <a:pPr marL="0" marR="0" indent="0" algn="l" defTabSz="914400" rtl="0" eaLnBrk="1" fontAlgn="auto" latinLnBrk="0" hangingPunct="1">
+              <a:lnSpc>
+                <a:spcPct val="100000"/>
+              </a:lnSpc>
+              <a:spcBef>
+                <a:spcPts val="0"/>
+              </a:spcBef>
+              <a:spcAft>
+                <a:spcPts val="0"/>
+              </a:spcAft>
+              <a:buClrTx/>
+              <a:buSzTx/>
+              <a:buFontTx/>
+              <a:buNone/>
+              <a:tabLst/>
+              <a:defRPr/>
+            </a:pPr>
+            <a:endParaRPr lang="en-US" sz="1200" b="0" i="0" kern="1200" baseline="0" dirty="0">
+              <a:solidFill>
+                <a:schemeClr val="tx1"/>
+              </a:solidFill>
+              <a:latin typeface="+mn-lt"/>
+              <a:ea typeface="+mn-ea"/>
+              <a:cs typeface="+mn-cs"/>
+            </a:endParaRPr>
+          </a:p>
+          <a:p>
+            <a:pPr marL="0" marR="0" indent="0" algn="l" defTabSz="914400" rtl="0" eaLnBrk="1" fontAlgn="auto" latinLnBrk="0" hangingPunct="1">
+              <a:lnSpc>
+                <a:spcPct val="100000"/>
+              </a:lnSpc>
+              <a:spcBef>
+                <a:spcPts val="0"/>
+              </a:spcBef>
+              <a:spcAft>
+                <a:spcPts val="0"/>
+              </a:spcAft>
+              <a:buClrTx/>
+              <a:buSzTx/>
+              <a:buFontTx/>
+              <a:buNone/>
+              <a:tabLst/>
+              <a:defRPr/>
+            </a:pPr>
+            <a:r>
+              <a:rPr lang="en-US" sz="1200" b="0" i="0" kern="1200" baseline="0" dirty="0">
+                <a:solidFill>
+                  <a:schemeClr val="tx1"/>
+                </a:solidFill>
+                <a:latin typeface="+mn-lt"/>
+                <a:ea typeface="+mn-ea"/>
+                <a:cs typeface="+mn-cs"/>
+              </a:rPr>
+              <a:t>Note that the easy way to test this assertion is that when we refactor we only change implementation details not public contracts. If we introduce a new public contract we may want to replace it with a test.</a:t>
+            </a:r>
+          </a:p>
+          <a:p>
+            <a:pPr marL="0" marR="0" indent="0" algn="l" defTabSz="914400" rtl="0" eaLnBrk="1" fontAlgn="auto" latinLnBrk="0" hangingPunct="1">
+              <a:lnSpc>
+                <a:spcPct val="100000"/>
+              </a:lnSpc>
+              <a:spcBef>
+                <a:spcPts val="0"/>
+              </a:spcBef>
+              <a:spcAft>
+                <a:spcPts val="0"/>
+              </a:spcAft>
+              <a:buClrTx/>
+              <a:buSzTx/>
+              <a:buFontTx/>
+              <a:buNone/>
+              <a:tabLst/>
+              <a:defRPr/>
+            </a:pPr>
+            <a:endParaRPr lang="en-US" sz="1200" b="0" i="0" kern="1200" baseline="0" dirty="0">
+              <a:solidFill>
+                <a:schemeClr val="tx1"/>
+              </a:solidFill>
+              <a:latin typeface="+mn-lt"/>
+              <a:ea typeface="+mn-ea"/>
+              <a:cs typeface="+mn-cs"/>
+            </a:endParaRPr>
+          </a:p>
+          <a:p>
+            <a:pPr marL="0" marR="0" indent="0" algn="l" defTabSz="914400" rtl="0" eaLnBrk="1" fontAlgn="auto" latinLnBrk="0" hangingPunct="1">
+              <a:lnSpc>
+                <a:spcPct val="100000"/>
+              </a:lnSpc>
+              <a:spcBef>
+                <a:spcPts val="0"/>
+              </a:spcBef>
+              <a:spcAft>
+                <a:spcPts val="0"/>
+              </a:spcAft>
+              <a:buClrTx/>
+              <a:buSzTx/>
+              <a:buFontTx/>
+              <a:buNone/>
+              <a:tabLst/>
+              <a:defRPr/>
+            </a:pPr>
+            <a:r>
+              <a:rPr lang="en-US" sz="1200" b="0" i="0" kern="1200" baseline="0" dirty="0">
+                <a:solidFill>
+                  <a:schemeClr val="tx1"/>
+                </a:solidFill>
+                <a:latin typeface="+mn-lt"/>
+                <a:ea typeface="+mn-ea"/>
+                <a:cs typeface="+mn-cs"/>
+              </a:rPr>
+              <a:t>Another corollary is that what we have our test green we should not need alter our test for changes to the implementation. If we suddenly need to introduce new public objects, it implies that our test is wrong and we have missed a collaborator.</a:t>
+            </a:r>
+          </a:p>
+          <a:p>
+            <a:pPr marL="0" marR="0" indent="0" algn="l" defTabSz="914400" rtl="0" eaLnBrk="1" fontAlgn="auto" latinLnBrk="0" hangingPunct="1">
+              <a:lnSpc>
+                <a:spcPct val="100000"/>
+              </a:lnSpc>
+              <a:spcBef>
+                <a:spcPts val="0"/>
+              </a:spcBef>
+              <a:spcAft>
+                <a:spcPts val="0"/>
+              </a:spcAft>
+              <a:buClrTx/>
+              <a:buSzTx/>
+              <a:buFontTx/>
+              <a:buNone/>
+              <a:tabLst/>
+              <a:defRPr/>
+            </a:pPr>
+            <a:endParaRPr lang="en-US" sz="1200" b="0" i="0" kern="1200" baseline="0" dirty="0">
+              <a:solidFill>
+                <a:schemeClr val="tx1"/>
+              </a:solidFill>
+              <a:latin typeface="+mn-lt"/>
+              <a:ea typeface="+mn-ea"/>
+              <a:cs typeface="+mn-cs"/>
+            </a:endParaRPr>
+          </a:p>
+          <a:p>
+            <a:pPr marL="0" marR="0" indent="0" algn="l" defTabSz="914400" rtl="0" eaLnBrk="1" fontAlgn="auto" latinLnBrk="0" hangingPunct="1">
+              <a:lnSpc>
+                <a:spcPct val="100000"/>
+              </a:lnSpc>
+              <a:spcBef>
+                <a:spcPts val="0"/>
+              </a:spcBef>
+              <a:spcAft>
+                <a:spcPts val="0"/>
+              </a:spcAft>
+              <a:buClrTx/>
+              <a:buSzTx/>
+              <a:buFontTx/>
+              <a:buNone/>
+              <a:tabLst/>
+              <a:defRPr/>
+            </a:pPr>
+            <a:r>
+              <a:rPr lang="en-US" sz="1200" b="0" i="0" kern="1200" baseline="0" dirty="0">
+                <a:solidFill>
+                  <a:schemeClr val="tx1"/>
+                </a:solidFill>
+                <a:latin typeface="+mn-lt"/>
+                <a:ea typeface="+mn-ea"/>
+                <a:cs typeface="+mn-cs"/>
+              </a:rPr>
+              <a:t>Be careful with this, you need to consider what is public. Really only our adapters need to be public, but we often make top level domain objects public too for reasons of packaging, such as aggregates. Don’t bother to mock the public domain object if the only caller is the adapter. You are probably mocking everything else in the adapter anyway, and the adapter is simply providing a way for your port – tests in this instance – but framework code in the production system to access your code. In addition, in a domain model, instead of directly calling another aggregate we often prefer to raise an event, because we exit a consistency boundary, and also need to load new state from the Db. In this  case you are not checking that you call another role, but that you raise a message correctly. However, it is likely you will mock this event being raised.</a:t>
+            </a:r>
+          </a:p>
+          <a:p>
+            <a:pPr marL="0" marR="0" indent="0" algn="l" defTabSz="914400" rtl="0" eaLnBrk="1" fontAlgn="auto" latinLnBrk="0" hangingPunct="1">
+              <a:lnSpc>
+                <a:spcPct val="100000"/>
+              </a:lnSpc>
+              <a:spcBef>
+                <a:spcPts val="0"/>
+              </a:spcBef>
+              <a:spcAft>
+                <a:spcPts val="0"/>
+              </a:spcAft>
+              <a:buClrTx/>
+              <a:buSzTx/>
+              <a:buFontTx/>
+              <a:buNone/>
+              <a:tabLst/>
+              <a:defRPr/>
+            </a:pPr>
+            <a:endParaRPr lang="en-US" sz="1200" b="0" i="0" kern="1200" baseline="0" dirty="0">
+              <a:solidFill>
+                <a:schemeClr val="tx1"/>
+              </a:solidFill>
+              <a:latin typeface="+mn-lt"/>
+              <a:ea typeface="+mn-ea"/>
+              <a:cs typeface="+mn-cs"/>
+            </a:endParaRPr>
+          </a:p>
+          <a:p>
+            <a:pPr marL="0" marR="0" indent="0" algn="l" defTabSz="914400" rtl="0" eaLnBrk="1" fontAlgn="auto" latinLnBrk="0" hangingPunct="1">
+              <a:lnSpc>
+                <a:spcPct val="100000"/>
+              </a:lnSpc>
+              <a:spcBef>
+                <a:spcPts val="0"/>
+              </a:spcBef>
+              <a:spcAft>
+                <a:spcPts val="0"/>
+              </a:spcAft>
+              <a:buClrTx/>
+              <a:buSzTx/>
+              <a:buFontTx/>
+              <a:buNone/>
+              <a:tabLst/>
+              <a:defRPr/>
+            </a:pPr>
+            <a:r>
+              <a:rPr lang="en-US" sz="1200" b="0" i="0" kern="1200" baseline="0" dirty="0">
+                <a:solidFill>
+                  <a:schemeClr val="tx1"/>
+                </a:solidFill>
+                <a:latin typeface="+mn-lt"/>
+                <a:ea typeface="+mn-ea"/>
+                <a:cs typeface="+mn-cs"/>
+              </a:rPr>
+              <a:t>Be wary of making things public. Again this is a dependency issue. Anything that is public has dependencies. Dependencies resist change and anything that makes it harder to change our software makes it brittle and can lead to Banyan Tree or Big Ball of Mud anti-patterns</a:t>
+            </a:r>
+          </a:p>
+          <a:p>
+            <a:pPr marL="0" marR="0" indent="0" algn="l" defTabSz="914400" rtl="0" eaLnBrk="1" fontAlgn="auto" latinLnBrk="0" hangingPunct="1">
+              <a:lnSpc>
+                <a:spcPct val="100000"/>
+              </a:lnSpc>
+              <a:spcBef>
+                <a:spcPts val="0"/>
+              </a:spcBef>
+              <a:spcAft>
+                <a:spcPts val="0"/>
+              </a:spcAft>
+              <a:buClrTx/>
+              <a:buSzTx/>
+              <a:buFontTx/>
+              <a:buNone/>
+              <a:tabLst/>
+              <a:defRPr/>
+            </a:pPr>
+            <a:endParaRPr lang="en-US" sz="1200" b="0" i="0" kern="1200" baseline="0" dirty="0">
+              <a:solidFill>
+                <a:schemeClr val="tx1"/>
+              </a:solidFill>
+              <a:latin typeface="+mn-lt"/>
+              <a:ea typeface="+mn-ea"/>
+              <a:cs typeface="+mn-cs"/>
+            </a:endParaRPr>
+          </a:p>
+          <a:p>
+            <a:pPr marL="0" marR="0" indent="0" algn="l" defTabSz="914400" rtl="0" eaLnBrk="1" fontAlgn="auto" latinLnBrk="0" hangingPunct="1">
+              <a:lnSpc>
+                <a:spcPct val="100000"/>
+              </a:lnSpc>
+              <a:spcBef>
+                <a:spcPts val="0"/>
+              </a:spcBef>
+              <a:spcAft>
+                <a:spcPts val="0"/>
+              </a:spcAft>
+              <a:buClrTx/>
+              <a:buSzTx/>
+              <a:buFontTx/>
+              <a:buNone/>
+              <a:tabLst/>
+              <a:defRPr/>
+            </a:pPr>
+            <a:r>
+              <a:rPr lang="en-US" sz="1200" b="0" i="0" kern="1200" baseline="0" dirty="0">
+                <a:solidFill>
+                  <a:schemeClr val="tx1"/>
+                </a:solidFill>
+                <a:latin typeface="+mn-lt"/>
+                <a:ea typeface="+mn-ea"/>
+                <a:cs typeface="+mn-cs"/>
+              </a:rPr>
+              <a:t>Refactor to patterns, keep implementations private, test the public contract only.</a:t>
+            </a:r>
+          </a:p>
+          <a:p>
+            <a:pPr marL="0" marR="0" indent="0" algn="l" defTabSz="914400" rtl="0" eaLnBrk="1" fontAlgn="auto" latinLnBrk="0" hangingPunct="1">
+              <a:lnSpc>
+                <a:spcPct val="100000"/>
+              </a:lnSpc>
+              <a:spcBef>
+                <a:spcPts val="0"/>
+              </a:spcBef>
+              <a:spcAft>
+                <a:spcPts val="0"/>
+              </a:spcAft>
+              <a:buClrTx/>
+              <a:buSzTx/>
+              <a:buFontTx/>
+              <a:buNone/>
+              <a:tabLst/>
+              <a:defRPr/>
+            </a:pPr>
+            <a:endParaRPr lang="en-US" sz="1200" b="0" i="0" kern="1200" baseline="0" dirty="0">
+              <a:solidFill>
+                <a:schemeClr val="tx1"/>
+              </a:solidFill>
+              <a:latin typeface="+mn-lt"/>
+              <a:ea typeface="+mn-ea"/>
+              <a:cs typeface="+mn-cs"/>
+            </a:endParaRPr>
+          </a:p>
+          <a:p>
+            <a:pPr marL="0" marR="0" indent="0" algn="l" defTabSz="914400" rtl="0" eaLnBrk="1" fontAlgn="auto" latinLnBrk="0" hangingPunct="1">
+              <a:lnSpc>
+                <a:spcPct val="100000"/>
+              </a:lnSpc>
+              <a:spcBef>
+                <a:spcPts val="0"/>
+              </a:spcBef>
+              <a:spcAft>
+                <a:spcPts val="0"/>
+              </a:spcAft>
+              <a:buClrTx/>
+              <a:buSzTx/>
+              <a:buFontTx/>
+              <a:buNone/>
+              <a:tabLst/>
+              <a:defRPr/>
+            </a:pPr>
+            <a:endParaRPr lang="en-US" sz="1200" b="0" i="0" kern="1200" baseline="0" dirty="0">
+              <a:solidFill>
+                <a:schemeClr val="tx1"/>
+              </a:solidFill>
+              <a:latin typeface="+mn-lt"/>
+              <a:ea typeface="+mn-ea"/>
+              <a:cs typeface="+mn-cs"/>
+            </a:endParaRPr>
+          </a:p>
+          <a:p>
+            <a:pPr marL="0" marR="0" indent="0" algn="l" defTabSz="914400" rtl="0" eaLnBrk="1" fontAlgn="auto" latinLnBrk="0" hangingPunct="1">
+              <a:lnSpc>
+                <a:spcPct val="100000"/>
+              </a:lnSpc>
+              <a:spcBef>
+                <a:spcPts val="0"/>
+              </a:spcBef>
+              <a:spcAft>
+                <a:spcPts val="0"/>
+              </a:spcAft>
+              <a:buClrTx/>
+              <a:buSzTx/>
+              <a:buFontTx/>
+              <a:buNone/>
+              <a:tabLst/>
+              <a:defRPr/>
+            </a:pPr>
+            <a:endParaRPr lang="en-GB" sz="1200" b="0" i="0" kern="1200" dirty="0">
+              <a:solidFill>
+                <a:schemeClr val="tx1"/>
+              </a:solidFill>
+              <a:latin typeface="+mn-lt"/>
+              <a:ea typeface="+mn-ea"/>
+              <a:cs typeface="+mn-cs"/>
+            </a:endParaRPr>
+          </a:p>
+          <a:p>
+            <a:endParaRPr lang="en-GB" dirty="0"/>
           </a:p>
         </p:txBody>
       </p:sp>
@@ -5542,18 +5847,19 @@
           <a:bodyPr/>
           <a:lstStyle/>
           <a:p>
-            <a:fld id="{FEF15FA6-EB56-764B-9424-765F853645DC}" type="slidenum">
-              <a:rPr lang="en-US" smtClean="0"/>
-              <a:t>59</a:t>
+            <a:fld id="{F66C4C5A-655F-4C9D-B92A-07E1070CBF6B}" type="slidenum">
+              <a:rPr lang="en-GB" smtClean="0"/>
+              <a:pPr/>
+              <a:t>55</a:t>
             </a:fld>
-            <a:endParaRPr lang="en-US"/>
+            <a:endParaRPr lang="en-GB"/>
           </a:p>
         </p:txBody>
       </p:sp>
     </p:spTree>
     <p:extLst>
       <p:ext uri="{BB962C8B-B14F-4D97-AF65-F5344CB8AC3E}">
-        <p14:creationId xmlns:p14="http://schemas.microsoft.com/office/powerpoint/2010/main" val="2212035123"/>
+        <p14:creationId xmlns:p14="http://schemas.microsoft.com/office/powerpoint/2010/main" val="3976576647"/>
       </p:ext>
     </p:extLst>
   </p:cSld>
@@ -5604,13 +5910,30 @@
         </p:nvSpPr>
         <p:spPr/>
         <p:txBody>
-          <a:bodyPr/>
+          <a:bodyPr>
+            <a:normAutofit/>
+          </a:bodyPr>
           <a:lstStyle/>
           <a:p>
             <a:r>
               <a:rPr lang="en-US" dirty="0"/>
-              <a:t>This is the use case it is where we drive code</a:t>
-            </a:r>
+              <a:t>Kent Beck’s Table from</a:t>
+            </a:r>
+            <a:r>
+              <a:rPr lang="en-US" baseline="0" dirty="0"/>
+              <a:t> Test Driven Development</a:t>
+            </a:r>
+            <a:r>
+              <a:rPr lang="en-US" dirty="0"/>
+              <a:t> showing that patterns are targets</a:t>
+            </a:r>
+            <a:r>
+              <a:rPr lang="en-US" baseline="0" dirty="0"/>
+              <a:t> of the refactoring step</a:t>
+            </a:r>
+          </a:p>
+          <a:p>
+            <a:endParaRPr lang="en-GB" dirty="0"/>
           </a:p>
         </p:txBody>
       </p:sp>
@@ -5621,7 +5944,7 @@
             <a:spLocks noGrp="1"/>
           </p:cNvSpPr>
           <p:nvPr>
-            <p:ph type="sldNum" sz="quarter" idx="5"/>
+            <p:ph type="sldNum" sz="quarter" idx="10"/>
           </p:nvPr>
         </p:nvSpPr>
         <p:spPr/>
@@ -5629,18 +5952,19 @@
           <a:bodyPr/>
           <a:lstStyle/>
           <a:p>
-            <a:fld id="{8D454BB1-5AB5-DF45-A819-95464E74CBE3}" type="slidenum">
-              <a:rPr lang="en-US" smtClean="0"/>
-              <a:t>60</a:t>
+            <a:fld id="{F66C4C5A-655F-4C9D-B92A-07E1070CBF6B}" type="slidenum">
+              <a:rPr lang="en-GB" smtClean="0"/>
+              <a:pPr/>
+              <a:t>56</a:t>
             </a:fld>
-            <a:endParaRPr lang="en-US"/>
+            <a:endParaRPr lang="en-GB"/>
           </a:p>
         </p:txBody>
       </p:sp>
     </p:spTree>
     <p:extLst>
       <p:ext uri="{BB962C8B-B14F-4D97-AF65-F5344CB8AC3E}">
-        <p14:creationId xmlns:p14="http://schemas.microsoft.com/office/powerpoint/2010/main" val="31513050"/>
+        <p14:creationId xmlns:p14="http://schemas.microsoft.com/office/powerpoint/2010/main" val="253896295"/>
       </p:ext>
     </p:extLst>
   </p:cSld>
@@ -5696,11 +6020,38 @@
           <a:p>
             <a:r>
               <a:rPr lang="en-US" dirty="0"/>
-              <a:t>How do we talk to the Db. We implement the interface with a concrete</a:t>
+              <a:t>The</a:t>
             </a:r>
             <a:r>
               <a:rPr lang="en-US" baseline="0" dirty="0"/>
-              <a:t> boundary component that talks to the DB</a:t>
+              <a:t> Request Model is a pure data structure, it has no behavior. It comes through the boundary and it reaches the Interactor, that is named not Interactor, but for the use case. The Interactor goes and finds the Entities, calls the appropriate methods, and then gathers the Response Model from the data.</a:t>
+            </a:r>
+          </a:p>
+          <a:p>
+            <a:endParaRPr lang="en-US" baseline="0" dirty="0"/>
+          </a:p>
+          <a:p>
+            <a:r>
+              <a:rPr lang="en-US" baseline="0" dirty="0"/>
+              <a:t>It sounds like HTTP Request-Response, but there is no HTTP.</a:t>
+            </a:r>
+          </a:p>
+          <a:p>
+            <a:endParaRPr lang="en-US" baseline="0" dirty="0"/>
+          </a:p>
+          <a:p>
+            <a:r>
+              <a:rPr lang="en-US" baseline="0" dirty="0"/>
+              <a:t>To Test: Create the Interactor, Create The Request Model, Run the Interactor and check the Response Model.</a:t>
+            </a:r>
+          </a:p>
+          <a:p>
+            <a:endParaRPr lang="en-US" baseline="0" dirty="0"/>
+          </a:p>
+          <a:p>
+            <a:r>
+              <a:rPr lang="en-US" baseline="0" dirty="0"/>
+              <a:t>You have no dependency on the delivery mechanism. In fact the delivery mechanism depends on you, the application controller, which is your plugin into the framework and implements an interface</a:t>
             </a:r>
           </a:p>
           <a:p>
@@ -5725,7 +6076,7 @@
           <a:p>
             <a:fld id="{FEF15FA6-EB56-764B-9424-765F853645DC}" type="slidenum">
               <a:rPr lang="en-US" smtClean="0"/>
-              <a:t>61</a:t>
+              <a:t>60</a:t>
             </a:fld>
             <a:endParaRPr lang="en-US"/>
           </a:p>
@@ -5734,7 +6085,7 @@
     </p:spTree>
     <p:extLst>
       <p:ext uri="{BB962C8B-B14F-4D97-AF65-F5344CB8AC3E}">
-        <p14:creationId xmlns:p14="http://schemas.microsoft.com/office/powerpoint/2010/main" val="3049009636"/>
+        <p14:creationId xmlns:p14="http://schemas.microsoft.com/office/powerpoint/2010/main" val="2212035123"/>
       </p:ext>
     </p:extLst>
   </p:cSld>
@@ -5790,15 +6141,8 @@
           <a:p>
             <a:r>
               <a:rPr lang="en-US" dirty="0"/>
-              <a:t>How do we talk to the Db. We implement the interface with a concrete</a:t>
-            </a:r>
-            <a:r>
-              <a:rPr lang="en-US" baseline="0" dirty="0"/>
-              <a:t> boundary component that talks to the DB</a:t>
-            </a:r>
-          </a:p>
-          <a:p>
-            <a:endParaRPr lang="en-US" dirty="0"/>
+              <a:t>This is the use case it is where we drive code</a:t>
+            </a:r>
           </a:p>
         </p:txBody>
       </p:sp>
@@ -5809,7 +6153,7 @@
             <a:spLocks noGrp="1"/>
           </p:cNvSpPr>
           <p:nvPr>
-            <p:ph type="sldNum" sz="quarter" idx="10"/>
+            <p:ph type="sldNum" sz="quarter" idx="5"/>
           </p:nvPr>
         </p:nvSpPr>
         <p:spPr/>
@@ -5817,9 +6161,9 @@
           <a:bodyPr/>
           <a:lstStyle/>
           <a:p>
-            <a:fld id="{FEF15FA6-EB56-764B-9424-765F853645DC}" type="slidenum">
+            <a:fld id="{8D454BB1-5AB5-DF45-A819-95464E74CBE3}" type="slidenum">
               <a:rPr lang="en-US" smtClean="0"/>
-              <a:t>62</a:t>
+              <a:t>61</a:t>
             </a:fld>
             <a:endParaRPr lang="en-US"/>
           </a:p>
@@ -5828,7 +6172,7 @@
     </p:spTree>
     <p:extLst>
       <p:ext uri="{BB962C8B-B14F-4D97-AF65-F5344CB8AC3E}">
-        <p14:creationId xmlns:p14="http://schemas.microsoft.com/office/powerpoint/2010/main" val="3596322317"/>
+        <p14:creationId xmlns:p14="http://schemas.microsoft.com/office/powerpoint/2010/main" val="31513050"/>
       </p:ext>
     </p:extLst>
   </p:cSld>
@@ -5884,16 +6228,15 @@
           <a:p>
             <a:r>
               <a:rPr lang="en-US" dirty="0"/>
-              <a:t>Adapter can change; we are not driving </a:t>
-            </a:r>
-            <a:r>
-              <a:rPr lang="en-US" dirty="0" err="1"/>
-              <a:t>behaviour</a:t>
-            </a:r>
-            <a:r>
-              <a:rPr lang="en-US" dirty="0"/>
-              <a:t> here, just hooking up</a:t>
-            </a:r>
+              <a:t>How do we talk to the Db. We implement the interface with a concrete</a:t>
+            </a:r>
+            <a:r>
+              <a:rPr lang="en-US" baseline="0" dirty="0"/>
+              <a:t> boundary component that talks to the DB</a:t>
+            </a:r>
+          </a:p>
+          <a:p>
+            <a:endParaRPr lang="en-US" dirty="0"/>
           </a:p>
         </p:txBody>
       </p:sp>
@@ -5904,7 +6247,7 @@
             <a:spLocks noGrp="1"/>
           </p:cNvSpPr>
           <p:nvPr>
-            <p:ph type="sldNum" sz="quarter" idx="5"/>
+            <p:ph type="sldNum" sz="quarter" idx="10"/>
           </p:nvPr>
         </p:nvSpPr>
         <p:spPr/>
@@ -5912,9 +6255,9 @@
           <a:bodyPr/>
           <a:lstStyle/>
           <a:p>
-            <a:fld id="{8D454BB1-5AB5-DF45-A819-95464E74CBE3}" type="slidenum">
+            <a:fld id="{FEF15FA6-EB56-764B-9424-765F853645DC}" type="slidenum">
               <a:rPr lang="en-US" smtClean="0"/>
-              <a:t>63</a:t>
+              <a:t>62</a:t>
             </a:fld>
             <a:endParaRPr lang="en-US"/>
           </a:p>
@@ -5923,7 +6266,7 @@
     </p:spTree>
     <p:extLst>
       <p:ext uri="{BB962C8B-B14F-4D97-AF65-F5344CB8AC3E}">
-        <p14:creationId xmlns:p14="http://schemas.microsoft.com/office/powerpoint/2010/main" val="3810022750"/>
+        <p14:creationId xmlns:p14="http://schemas.microsoft.com/office/powerpoint/2010/main" val="3049009636"/>
       </p:ext>
     </p:extLst>
   </p:cSld>
@@ -6016,7 +6359,7 @@
           <a:p>
             <a:fld id="{8D454BB1-5AB5-DF45-A819-95464E74CBE3}" type="slidenum">
               <a:rPr lang="en-US" smtClean="0"/>
-              <a:t>10</a:t>
+              <a:t>9</a:t>
             </a:fld>
             <a:endParaRPr lang="en-US"/>
           </a:p>
@@ -6079,7 +6422,112 @@
           <a:bodyPr/>
           <a:lstStyle/>
           <a:p>
+            <a:r>
+              <a:rPr lang="en-US" dirty="0"/>
+              <a:t>How do we talk to the Db. We implement the interface with a concrete</a:t>
+            </a:r>
+            <a:r>
+              <a:rPr lang="en-US" baseline="0" dirty="0"/>
+              <a:t> boundary component that talks to the DB</a:t>
+            </a:r>
+          </a:p>
+          <a:p>
             <a:endParaRPr lang="en-US" dirty="0"/>
+          </a:p>
+        </p:txBody>
+      </p:sp>
+      <p:sp>
+        <p:nvSpPr>
+          <p:cNvPr id="4" name="Slide Number Placeholder 3"/>
+          <p:cNvSpPr>
+            <a:spLocks noGrp="1"/>
+          </p:cNvSpPr>
+          <p:nvPr>
+            <p:ph type="sldNum" sz="quarter" idx="10"/>
+          </p:nvPr>
+        </p:nvSpPr>
+        <p:spPr/>
+        <p:txBody>
+          <a:bodyPr/>
+          <a:lstStyle/>
+          <a:p>
+            <a:fld id="{FEF15FA6-EB56-764B-9424-765F853645DC}" type="slidenum">
+              <a:rPr lang="en-US" smtClean="0"/>
+              <a:t>63</a:t>
+            </a:fld>
+            <a:endParaRPr lang="en-US"/>
+          </a:p>
+        </p:txBody>
+      </p:sp>
+    </p:spTree>
+    <p:extLst>
+      <p:ext uri="{BB962C8B-B14F-4D97-AF65-F5344CB8AC3E}">
+        <p14:creationId xmlns:p14="http://schemas.microsoft.com/office/powerpoint/2010/main" val="3596322317"/>
+      </p:ext>
+    </p:extLst>
+  </p:cSld>
+  <p:clrMapOvr>
+    <a:masterClrMapping/>
+  </p:clrMapOvr>
+</p:notes>
+</file>
+
+<file path=ppt/notesSlides/notesSlide51.xml><?xml version="1.0" encoding="utf-8"?>
+<p:notes xmlns:a="http://schemas.openxmlformats.org/drawingml/2006/main" xmlns:r="http://schemas.openxmlformats.org/officeDocument/2006/relationships" xmlns:p="http://schemas.openxmlformats.org/presentationml/2006/main">
+  <p:cSld>
+    <p:spTree>
+      <p:nvGrpSpPr>
+        <p:cNvPr id="1" name=""/>
+        <p:cNvGrpSpPr/>
+        <p:nvPr/>
+      </p:nvGrpSpPr>
+      <p:grpSpPr>
+        <a:xfrm>
+          <a:off x="0" y="0"/>
+          <a:ext cx="0" cy="0"/>
+          <a:chOff x="0" y="0"/>
+          <a:chExt cx="0" cy="0"/>
+        </a:xfrm>
+      </p:grpSpPr>
+      <p:sp>
+        <p:nvSpPr>
+          <p:cNvPr id="2" name="Slide Image Placeholder 1"/>
+          <p:cNvSpPr>
+            <a:spLocks noGrp="1" noRot="1" noChangeAspect="1"/>
+          </p:cNvSpPr>
+          <p:nvPr>
+            <p:ph type="sldImg"/>
+          </p:nvPr>
+        </p:nvSpPr>
+        <p:spPr/>
+      </p:sp>
+      <p:sp>
+        <p:nvSpPr>
+          <p:cNvPr id="3" name="Notes Placeholder 2"/>
+          <p:cNvSpPr>
+            <a:spLocks noGrp="1"/>
+          </p:cNvSpPr>
+          <p:nvPr>
+            <p:ph type="body" idx="1"/>
+          </p:nvPr>
+        </p:nvSpPr>
+        <p:spPr/>
+        <p:txBody>
+          <a:bodyPr/>
+          <a:lstStyle/>
+          <a:p>
+            <a:r>
+              <a:rPr lang="en-US" dirty="0"/>
+              <a:t>Adapter can change; we are not driving </a:t>
+            </a:r>
+            <a:r>
+              <a:rPr lang="en-US" dirty="0" err="1"/>
+              <a:t>behaviour</a:t>
+            </a:r>
+            <a:r>
+              <a:rPr lang="en-US" dirty="0"/>
+              <a:t> here, just hooking up</a:t>
+            </a:r>
           </a:p>
         </p:txBody>
       </p:sp>
@@ -6100,7 +6548,91 @@
           <a:p>
             <a:fld id="{8D454BB1-5AB5-DF45-A819-95464E74CBE3}" type="slidenum">
               <a:rPr lang="en-US" smtClean="0"/>
-              <a:t>66</a:t>
+              <a:t>64</a:t>
+            </a:fld>
+            <a:endParaRPr lang="en-US"/>
+          </a:p>
+        </p:txBody>
+      </p:sp>
+    </p:spTree>
+    <p:extLst>
+      <p:ext uri="{BB962C8B-B14F-4D97-AF65-F5344CB8AC3E}">
+        <p14:creationId xmlns:p14="http://schemas.microsoft.com/office/powerpoint/2010/main" val="3810022750"/>
+      </p:ext>
+    </p:extLst>
+  </p:cSld>
+  <p:clrMapOvr>
+    <a:masterClrMapping/>
+  </p:clrMapOvr>
+</p:notes>
+</file>
+
+<file path=ppt/notesSlides/notesSlide52.xml><?xml version="1.0" encoding="utf-8"?>
+<p:notes xmlns:a="http://schemas.openxmlformats.org/drawingml/2006/main" xmlns:r="http://schemas.openxmlformats.org/officeDocument/2006/relationships" xmlns:p="http://schemas.openxmlformats.org/presentationml/2006/main">
+  <p:cSld>
+    <p:spTree>
+      <p:nvGrpSpPr>
+        <p:cNvPr id="1" name=""/>
+        <p:cNvGrpSpPr/>
+        <p:nvPr/>
+      </p:nvGrpSpPr>
+      <p:grpSpPr>
+        <a:xfrm>
+          <a:off x="0" y="0"/>
+          <a:ext cx="0" cy="0"/>
+          <a:chOff x="0" y="0"/>
+          <a:chExt cx="0" cy="0"/>
+        </a:xfrm>
+      </p:grpSpPr>
+      <p:sp>
+        <p:nvSpPr>
+          <p:cNvPr id="2" name="Slide Image Placeholder 1"/>
+          <p:cNvSpPr>
+            <a:spLocks noGrp="1" noRot="1" noChangeAspect="1"/>
+          </p:cNvSpPr>
+          <p:nvPr>
+            <p:ph type="sldImg"/>
+          </p:nvPr>
+        </p:nvSpPr>
+        <p:spPr/>
+      </p:sp>
+      <p:sp>
+        <p:nvSpPr>
+          <p:cNvPr id="3" name="Notes Placeholder 2"/>
+          <p:cNvSpPr>
+            <a:spLocks noGrp="1"/>
+          </p:cNvSpPr>
+          <p:nvPr>
+            <p:ph type="body" idx="1"/>
+          </p:nvPr>
+        </p:nvSpPr>
+        <p:spPr/>
+        <p:txBody>
+          <a:bodyPr/>
+          <a:lstStyle/>
+          <a:p>
+            <a:endParaRPr lang="en-US" dirty="0"/>
+          </a:p>
+        </p:txBody>
+      </p:sp>
+      <p:sp>
+        <p:nvSpPr>
+          <p:cNvPr id="4" name="Slide Number Placeholder 3"/>
+          <p:cNvSpPr>
+            <a:spLocks noGrp="1"/>
+          </p:cNvSpPr>
+          <p:nvPr>
+            <p:ph type="sldNum" sz="quarter" idx="5"/>
+          </p:nvPr>
+        </p:nvSpPr>
+        <p:spPr/>
+        <p:txBody>
+          <a:bodyPr/>
+          <a:lstStyle/>
+          <a:p>
+            <a:fld id="{8D454BB1-5AB5-DF45-A819-95464E74CBE3}" type="slidenum">
+              <a:rPr lang="en-US" smtClean="0"/>
+              <a:t>67</a:t>
             </a:fld>
             <a:endParaRPr lang="en-US"/>
           </a:p>
@@ -6217,7 +6749,7 @@
           <a:p>
             <a:fld id="{8D454BB1-5AB5-DF45-A819-95464E74CBE3}" type="slidenum">
               <a:rPr lang="en-US" smtClean="0"/>
-              <a:t>11</a:t>
+              <a:t>10</a:t>
             </a:fld>
             <a:endParaRPr lang="en-US"/>
           </a:p>
@@ -6327,7 +6859,7 @@
           <a:p>
             <a:fld id="{8D454BB1-5AB5-DF45-A819-95464E74CBE3}" type="slidenum">
               <a:rPr lang="en-US" smtClean="0"/>
-              <a:t>12</a:t>
+              <a:t>11</a:t>
             </a:fld>
             <a:endParaRPr lang="en-US"/>
           </a:p>
@@ -6634,7 +7166,7 @@
           <a:p>
             <a:fld id="{8D454BB1-5AB5-DF45-A819-95464E74CBE3}" type="slidenum">
               <a:rPr lang="en-US" smtClean="0"/>
-              <a:t>13</a:t>
+              <a:t>12</a:t>
             </a:fld>
             <a:endParaRPr lang="en-US"/>
           </a:p>
@@ -7453,7 +7985,7 @@
           <a:p>
             <a:fld id="{8D454BB1-5AB5-DF45-A819-95464E74CBE3}" type="slidenum">
               <a:rPr lang="en-US" smtClean="0"/>
-              <a:t>14</a:t>
+              <a:t>13</a:t>
             </a:fld>
             <a:endParaRPr lang="en-US"/>
           </a:p>
@@ -7621,7 +8153,7 @@
           <a:p>
             <a:fld id="{B9A7345B-4321-8B4E-9326-4E6DAD9A950A}" type="datetimeFigureOut">
               <a:rPr lang="en-US" smtClean="0"/>
-              <a:t>8/6/20</a:t>
+              <a:t>9/3/20</a:t>
             </a:fld>
             <a:endParaRPr lang="en-US"/>
           </a:p>
@@ -7821,7 +8353,7 @@
           <a:p>
             <a:fld id="{B9A7345B-4321-8B4E-9326-4E6DAD9A950A}" type="datetimeFigureOut">
               <a:rPr lang="en-US" smtClean="0"/>
-              <a:t>8/6/20</a:t>
+              <a:t>9/3/20</a:t>
             </a:fld>
             <a:endParaRPr lang="en-US"/>
           </a:p>
@@ -8031,7 +8563,7 @@
           <a:p>
             <a:fld id="{B9A7345B-4321-8B4E-9326-4E6DAD9A950A}" type="datetimeFigureOut">
               <a:rPr lang="en-US" smtClean="0"/>
-              <a:t>8/6/20</a:t>
+              <a:t>9/3/20</a:t>
             </a:fld>
             <a:endParaRPr lang="en-US"/>
           </a:p>
@@ -8231,7 +8763,7 @@
           <a:p>
             <a:fld id="{B9A7345B-4321-8B4E-9326-4E6DAD9A950A}" type="datetimeFigureOut">
               <a:rPr lang="en-US" smtClean="0"/>
-              <a:t>8/6/20</a:t>
+              <a:t>9/3/20</a:t>
             </a:fld>
             <a:endParaRPr lang="en-US"/>
           </a:p>
@@ -8507,7 +9039,7 @@
           <a:p>
             <a:fld id="{B9A7345B-4321-8B4E-9326-4E6DAD9A950A}" type="datetimeFigureOut">
               <a:rPr lang="en-US" smtClean="0"/>
-              <a:t>8/6/20</a:t>
+              <a:t>9/3/20</a:t>
             </a:fld>
             <a:endParaRPr lang="en-US"/>
           </a:p>
@@ -8775,7 +9307,7 @@
           <a:p>
             <a:fld id="{B9A7345B-4321-8B4E-9326-4E6DAD9A950A}" type="datetimeFigureOut">
               <a:rPr lang="en-US" smtClean="0"/>
-              <a:t>8/6/20</a:t>
+              <a:t>9/3/20</a:t>
             </a:fld>
             <a:endParaRPr lang="en-US"/>
           </a:p>
@@ -9190,7 +9722,7 @@
           <a:p>
             <a:fld id="{B9A7345B-4321-8B4E-9326-4E6DAD9A950A}" type="datetimeFigureOut">
               <a:rPr lang="en-US" smtClean="0"/>
-              <a:t>8/6/20</a:t>
+              <a:t>9/3/20</a:t>
             </a:fld>
             <a:endParaRPr lang="en-US"/>
           </a:p>
@@ -9332,7 +9864,7 @@
           <a:p>
             <a:fld id="{B9A7345B-4321-8B4E-9326-4E6DAD9A950A}" type="datetimeFigureOut">
               <a:rPr lang="en-US" smtClean="0"/>
-              <a:t>8/6/20</a:t>
+              <a:t>9/3/20</a:t>
             </a:fld>
             <a:endParaRPr lang="en-US"/>
           </a:p>
@@ -9445,7 +9977,7 @@
           <a:p>
             <a:fld id="{B9A7345B-4321-8B4E-9326-4E6DAD9A950A}" type="datetimeFigureOut">
               <a:rPr lang="en-US" smtClean="0"/>
-              <a:t>8/6/20</a:t>
+              <a:t>9/3/20</a:t>
             </a:fld>
             <a:endParaRPr lang="en-US"/>
           </a:p>
@@ -9758,7 +10290,7 @@
           <a:p>
             <a:fld id="{B9A7345B-4321-8B4E-9326-4E6DAD9A950A}" type="datetimeFigureOut">
               <a:rPr lang="en-US" smtClean="0"/>
-              <a:t>8/6/20</a:t>
+              <a:t>9/3/20</a:t>
             </a:fld>
             <a:endParaRPr lang="en-US"/>
           </a:p>
@@ -10047,7 +10579,7 @@
           <a:p>
             <a:fld id="{B9A7345B-4321-8B4E-9326-4E6DAD9A950A}" type="datetimeFigureOut">
               <a:rPr lang="en-US" smtClean="0"/>
-              <a:t>8/6/20</a:t>
+              <a:t>9/3/20</a:t>
             </a:fld>
             <a:endParaRPr lang="en-US"/>
           </a:p>
@@ -10290,7 +10822,7 @@
           <a:p>
             <a:fld id="{B9A7345B-4321-8B4E-9326-4E6DAD9A950A}" type="datetimeFigureOut">
               <a:rPr lang="en-US" smtClean="0"/>
-              <a:t>8/6/20</a:t>
+              <a:t>9/3/20</a:t>
             </a:fld>
             <a:endParaRPr lang="en-US"/>
           </a:p>
@@ -10798,7 +11330,7 @@
           <p:cNvPr id="2" name="Rectangle 1">
             <a:extLst>
               <a:ext uri="{FF2B5EF4-FFF2-40B4-BE49-F238E27FC236}">
-                <a16:creationId xmlns:a16="http://schemas.microsoft.com/office/drawing/2014/main" id="{3CE8E3E0-36ED-6A41-A27A-F909356A828A}"/>
+                <a16:creationId xmlns:a16="http://schemas.microsoft.com/office/drawing/2014/main" id="{0261474D-9676-C645-84FD-7E1EE2196A71}"/>
               </a:ext>
             </a:extLst>
           </p:cNvPr>
@@ -10807,8 +11339,8 @@
         </p:nvSpPr>
         <p:spPr>
           <a:xfrm>
-            <a:off x="729475" y="2951946"/>
-            <a:ext cx="10733049" cy="954107"/>
+            <a:off x="1844040" y="2364016"/>
+            <a:ext cx="8808720" cy="1815882"/>
           </a:xfrm>
           <a:prstGeom prst="rect">
             <a:avLst/>
@@ -10822,64 +11354,71 @@
           <a:p>
             <a:pPr algn="ctr"/>
             <a:r>
-              <a:rPr lang="en-GB" sz="2800" dirty="0">
-                <a:effectLst/>
-                <a:latin typeface="Helvetica" pitchFamily="2" charset="0"/>
-              </a:rPr>
-              <a:t>I call them “unit tests,” but they don't</a:t>
-            </a:r>
-          </a:p>
-          <a:p>
-            <a:pPr algn="ctr"/>
-            <a:r>
-              <a:rPr lang="en-GB" sz="2800" dirty="0">
-                <a:effectLst/>
-                <a:latin typeface="Helvetica" pitchFamily="2" charset="0"/>
-              </a:rPr>
-              <a:t>match the accepted definition of unit tests very well</a:t>
-            </a:r>
-          </a:p>
-        </p:txBody>
-      </p:sp>
-      <p:sp>
-        <p:nvSpPr>
-          <p:cNvPr id="4" name="TextBox 3">
+              <a:rPr lang="en-US" sz="2800" dirty="0"/>
+              <a:t>To isolate issues that may arise, each test case should be tested independently. </a:t>
+            </a:r>
+            <a:r>
+              <a:rPr lang="en-US" sz="2800" b="1" dirty="0"/>
+              <a:t>Substitutes such as method stubs, mock objects, fakes, and test harnesses can be used to assist testing a module in isolation</a:t>
+            </a:r>
+            <a:r>
+              <a:rPr lang="en-US" sz="2800" dirty="0"/>
+              <a:t>. </a:t>
+            </a:r>
+          </a:p>
+        </p:txBody>
+      </p:sp>
+      <p:sp>
+        <p:nvSpPr>
+          <p:cNvPr id="3" name="Rectangle 2">
             <a:extLst>
               <a:ext uri="{FF2B5EF4-FFF2-40B4-BE49-F238E27FC236}">
-                <a16:creationId xmlns:a16="http://schemas.microsoft.com/office/drawing/2014/main" id="{EB038FAD-453D-D44A-B952-B7702BFED134}"/>
+                <a16:creationId xmlns:a16="http://schemas.microsoft.com/office/drawing/2014/main" id="{A01BB461-07D7-604D-8D96-BA3E99488E51}"/>
               </a:ext>
             </a:extLst>
           </p:cNvPr>
-          <p:cNvSpPr txBox="1"/>
+          <p:cNvSpPr/>
           <p:nvPr/>
         </p:nvSpPr>
         <p:spPr>
           <a:xfrm>
-            <a:off x="8221980" y="5113020"/>
-            <a:ext cx="2857500" cy="369332"/>
+            <a:off x="7059519" y="5659874"/>
+            <a:ext cx="4168962" cy="369332"/>
           </a:xfrm>
           <a:prstGeom prst="rect">
             <a:avLst/>
           </a:prstGeom>
-          <a:noFill/>
         </p:spPr>
         <p:txBody>
-          <a:bodyPr wrap="square" rtlCol="0">
+          <a:bodyPr wrap="none">
             <a:spAutoFit/>
           </a:bodyPr>
           <a:lstStyle/>
           <a:p>
             <a:r>
               <a:rPr lang="en-US" dirty="0"/>
-              <a:t>Kent Beck, TDD By Example</a:t>
-            </a:r>
+              <a:t>https://</a:t>
+            </a:r>
+            <a:r>
+              <a:rPr lang="en-US" dirty="0" err="1"/>
+              <a:t>en.wikipedia.org</a:t>
+            </a:r>
+            <a:r>
+              <a:rPr lang="en-US" dirty="0"/>
+              <a:t>/wiki/</a:t>
+            </a:r>
+            <a:r>
+              <a:rPr lang="en-US" dirty="0" err="1"/>
+              <a:t>Unit_testing</a:t>
+            </a:r>
+            <a:endParaRPr lang="en-US" dirty="0"/>
           </a:p>
         </p:txBody>
       </p:sp>
     </p:spTree>
     <p:extLst>
       <p:ext uri="{BB962C8B-B14F-4D97-AF65-F5344CB8AC3E}">
-        <p14:creationId xmlns:p14="http://schemas.microsoft.com/office/powerpoint/2010/main" val="35943291"/>
+        <p14:creationId xmlns:p14="http://schemas.microsoft.com/office/powerpoint/2010/main" val="3983897973"/>
       </p:ext>
     </p:extLst>
   </p:cSld>
@@ -10911,7 +11450,7 @@
           <p:cNvPr id="2" name="Rectangle 1">
             <a:extLst>
               <a:ext uri="{FF2B5EF4-FFF2-40B4-BE49-F238E27FC236}">
-                <a16:creationId xmlns:a16="http://schemas.microsoft.com/office/drawing/2014/main" id="{0261474D-9676-C645-84FD-7E1EE2196A71}"/>
+                <a16:creationId xmlns:a16="http://schemas.microsoft.com/office/drawing/2014/main" id="{CAD24249-C781-A94A-9296-E269AD6E2985}"/>
               </a:ext>
             </a:extLst>
           </p:cNvPr>
@@ -10920,8 +11459,8 @@
         </p:nvSpPr>
         <p:spPr>
           <a:xfrm>
-            <a:off x="1844040" y="2364016"/>
-            <a:ext cx="8808720" cy="1815882"/>
+            <a:off x="1470660" y="2069098"/>
+            <a:ext cx="9883140" cy="2092881"/>
           </a:xfrm>
           <a:prstGeom prst="rect">
             <a:avLst/>
@@ -10935,17 +11474,49 @@
           <a:p>
             <a:pPr algn="ctr"/>
             <a:r>
+              <a:rPr lang="en-US" sz="2800" b="1" dirty="0"/>
+              <a:t>Need-driven Development</a:t>
+            </a:r>
+            <a:r>
               <a:rPr lang="en-US" sz="2800" dirty="0"/>
-              <a:t>To isolate issues that may arise, each test case should be tested independently. </a:t>
+              <a:t> [is a] variation on the test-driven development process where code is written from the outside in and all </a:t>
             </a:r>
             <a:r>
               <a:rPr lang="en-US" sz="2800" b="1" dirty="0"/>
-              <a:t>Substitutes such as method stubs, mock objects, fakes, and test harnesses can be used to assist testing a module in isolation</a:t>
+              <a:t>depended-on code is replaced by</a:t>
             </a:r>
             <a:r>
               <a:rPr lang="en-US" sz="2800" dirty="0"/>
-              <a:t>. </a:t>
-            </a:r>
+              <a:t> </a:t>
+            </a:r>
+            <a:r>
+              <a:rPr lang="en-US" sz="2800" b="1" dirty="0"/>
+              <a:t>Mock Objects</a:t>
+            </a:r>
+            <a:r>
+              <a:rPr lang="en-US" sz="2800" dirty="0"/>
+              <a:t> </a:t>
+            </a:r>
+            <a:r>
+              <a:rPr lang="en-US" sz="2800" b="1" dirty="0"/>
+              <a:t>that</a:t>
+            </a:r>
+            <a:r>
+              <a:rPr lang="en-US" sz="2800" dirty="0"/>
+              <a:t> </a:t>
+            </a:r>
+            <a:r>
+              <a:rPr lang="en-US" sz="2800" b="1" dirty="0"/>
+              <a:t>verify the expected indirect outputs</a:t>
+            </a:r>
+            <a:r>
+              <a:rPr lang="en-US" sz="2800" dirty="0"/>
+              <a:t> of the code being written.</a:t>
+            </a:r>
+          </a:p>
+          <a:p>
+            <a:pPr algn="ctr"/>
+            <a:endParaRPr lang="en-US" dirty="0"/>
           </a:p>
         </p:txBody>
       </p:sp>
@@ -10954,7 +11525,7 @@
           <p:cNvPr id="3" name="Rectangle 2">
             <a:extLst>
               <a:ext uri="{FF2B5EF4-FFF2-40B4-BE49-F238E27FC236}">
-                <a16:creationId xmlns:a16="http://schemas.microsoft.com/office/drawing/2014/main" id="{A01BB461-07D7-604D-8D96-BA3E99488E51}"/>
+                <a16:creationId xmlns:a16="http://schemas.microsoft.com/office/drawing/2014/main" id="{80C8D866-51E9-1846-8E1F-0D908704983E}"/>
               </a:ext>
             </a:extLst>
           </p:cNvPr>
@@ -10963,43 +11534,42 @@
         </p:nvSpPr>
         <p:spPr>
           <a:xfrm>
-            <a:off x="7059519" y="5659874"/>
-            <a:ext cx="4168962" cy="369332"/>
+            <a:off x="7406640" y="5329535"/>
+            <a:ext cx="3947160" cy="369332"/>
           </a:xfrm>
           <a:prstGeom prst="rect">
             <a:avLst/>
           </a:prstGeom>
         </p:spPr>
         <p:txBody>
-          <a:bodyPr wrap="none">
+          <a:bodyPr wrap="square">
             <a:spAutoFit/>
           </a:bodyPr>
           <a:lstStyle/>
           <a:p>
             <a:r>
+              <a:rPr lang="en-US" dirty="0" err="1"/>
+              <a:t>Meszaros</a:t>
+            </a:r>
+            <a:r>
               <a:rPr lang="en-US" dirty="0"/>
-              <a:t>https://</a:t>
+              <a:t>, Gerard. </a:t>
             </a:r>
             <a:r>
               <a:rPr lang="en-US" dirty="0" err="1"/>
-              <a:t>en.wikipedia.org</a:t>
+              <a:t>xUnit</a:t>
             </a:r>
             <a:r>
               <a:rPr lang="en-US" dirty="0"/>
-              <a:t>/wiki/</a:t>
-            </a:r>
-            <a:r>
-              <a:rPr lang="en-US" dirty="0" err="1"/>
-              <a:t>Unit_testing</a:t>
-            </a:r>
-            <a:endParaRPr lang="en-US" dirty="0"/>
+              <a:t> Test Patterns</a:t>
+            </a:r>
           </a:p>
         </p:txBody>
       </p:sp>
     </p:spTree>
     <p:extLst>
       <p:ext uri="{BB962C8B-B14F-4D97-AF65-F5344CB8AC3E}">
-        <p14:creationId xmlns:p14="http://schemas.microsoft.com/office/powerpoint/2010/main" val="3983897973"/>
+        <p14:creationId xmlns:p14="http://schemas.microsoft.com/office/powerpoint/2010/main" val="2249559803"/>
       </p:ext>
     </p:extLst>
   </p:cSld>
@@ -11028,121 +11598,36 @@
       </p:grpSpPr>
       <p:sp>
         <p:nvSpPr>
-          <p:cNvPr id="2" name="Rectangle 1">
+          <p:cNvPr id="2" name="TextBox 1">
             <a:extLst>
               <a:ext uri="{FF2B5EF4-FFF2-40B4-BE49-F238E27FC236}">
-                <a16:creationId xmlns:a16="http://schemas.microsoft.com/office/drawing/2014/main" id="{CAD24249-C781-A94A-9296-E269AD6E2985}"/>
+                <a16:creationId xmlns:a16="http://schemas.microsoft.com/office/drawing/2014/main" id="{72E1F587-579A-B14A-924D-85152F4534BE}"/>
               </a:ext>
             </a:extLst>
           </p:cNvPr>
-          <p:cNvSpPr/>
+          <p:cNvSpPr txBox="1"/>
           <p:nvPr/>
         </p:nvSpPr>
         <p:spPr>
           <a:xfrm>
-            <a:off x="1470660" y="2069098"/>
-            <a:ext cx="9883140" cy="2092881"/>
+            <a:off x="2034540" y="3025140"/>
+            <a:ext cx="8122920" cy="954107"/>
           </a:xfrm>
           <a:prstGeom prst="rect">
             <a:avLst/>
           </a:prstGeom>
+          <a:noFill/>
         </p:spPr>
         <p:txBody>
-          <a:bodyPr wrap="square">
+          <a:bodyPr wrap="square" rtlCol="0">
             <a:spAutoFit/>
           </a:bodyPr>
           <a:lstStyle/>
           <a:p>
             <a:pPr algn="ctr"/>
             <a:r>
-              <a:rPr lang="en-US" sz="2800" b="1" dirty="0"/>
-              <a:t>Need-driven Development</a:t>
-            </a:r>
-            <a:r>
               <a:rPr lang="en-US" sz="2800" dirty="0"/>
-              <a:t> [is a] variation on the test-driven development process where code is written from the outside in and all </a:t>
-            </a:r>
-            <a:r>
-              <a:rPr lang="en-US" sz="2800" b="1" dirty="0"/>
-              <a:t>depended-on code is replaced by</a:t>
-            </a:r>
-            <a:r>
-              <a:rPr lang="en-US" sz="2800" dirty="0"/>
-              <a:t> </a:t>
-            </a:r>
-            <a:r>
-              <a:rPr lang="en-US" sz="2800" b="1" dirty="0"/>
-              <a:t>Mock Objects</a:t>
-            </a:r>
-            <a:r>
-              <a:rPr lang="en-US" sz="2800" dirty="0"/>
-              <a:t> </a:t>
-            </a:r>
-            <a:r>
-              <a:rPr lang="en-US" sz="2800" b="1" dirty="0"/>
-              <a:t>that</a:t>
-            </a:r>
-            <a:r>
-              <a:rPr lang="en-US" sz="2800" dirty="0"/>
-              <a:t> </a:t>
-            </a:r>
-            <a:r>
-              <a:rPr lang="en-US" sz="2800" b="1" dirty="0"/>
-              <a:t>verify the expected indirect outputs</a:t>
-            </a:r>
-            <a:r>
-              <a:rPr lang="en-US" sz="2800" dirty="0"/>
-              <a:t> of the code being written.</a:t>
-            </a:r>
-          </a:p>
-          <a:p>
-            <a:pPr algn="ctr"/>
-            <a:endParaRPr lang="en-US" dirty="0"/>
-          </a:p>
-        </p:txBody>
-      </p:sp>
-      <p:sp>
-        <p:nvSpPr>
-          <p:cNvPr id="3" name="Rectangle 2">
-            <a:extLst>
-              <a:ext uri="{FF2B5EF4-FFF2-40B4-BE49-F238E27FC236}">
-                <a16:creationId xmlns:a16="http://schemas.microsoft.com/office/drawing/2014/main" id="{80C8D866-51E9-1846-8E1F-0D908704983E}"/>
-              </a:ext>
-            </a:extLst>
-          </p:cNvPr>
-          <p:cNvSpPr/>
-          <p:nvPr/>
-        </p:nvSpPr>
-        <p:spPr>
-          <a:xfrm>
-            <a:off x="7406640" y="5329535"/>
-            <a:ext cx="3947160" cy="369332"/>
-          </a:xfrm>
-          <a:prstGeom prst="rect">
-            <a:avLst/>
-          </a:prstGeom>
-        </p:spPr>
-        <p:txBody>
-          <a:bodyPr wrap="square">
-            <a:spAutoFit/>
-          </a:bodyPr>
-          <a:lstStyle/>
-          <a:p>
-            <a:r>
-              <a:rPr lang="en-US" dirty="0" err="1"/>
-              <a:t>Meszaros</a:t>
-            </a:r>
-            <a:r>
-              <a:rPr lang="en-US" dirty="0"/>
-              <a:t>, Gerard. </a:t>
-            </a:r>
-            <a:r>
-              <a:rPr lang="en-US" dirty="0" err="1"/>
-              <a:t>xUnit</a:t>
-            </a:r>
-            <a:r>
-              <a:rPr lang="en-US" dirty="0"/>
-              <a:t> Test Patterns</a:t>
+              <a:t>Our need for Inversion of Control containers, over Poor Man’s DI is due to Need-Driven Development</a:t>
             </a:r>
           </a:p>
         </p:txBody>
@@ -11150,7 +11635,7 @@
     </p:spTree>
     <p:extLst>
       <p:ext uri="{BB962C8B-B14F-4D97-AF65-F5344CB8AC3E}">
-        <p14:creationId xmlns:p14="http://schemas.microsoft.com/office/powerpoint/2010/main" val="2249559803"/>
+        <p14:creationId xmlns:p14="http://schemas.microsoft.com/office/powerpoint/2010/main" val="949978942"/>
       </p:ext>
     </p:extLst>
   </p:cSld>
@@ -11179,72 +11664,6 @@
       </p:grpSpPr>
       <p:sp>
         <p:nvSpPr>
-          <p:cNvPr id="2" name="TextBox 1">
-            <a:extLst>
-              <a:ext uri="{FF2B5EF4-FFF2-40B4-BE49-F238E27FC236}">
-                <a16:creationId xmlns:a16="http://schemas.microsoft.com/office/drawing/2014/main" id="{72E1F587-579A-B14A-924D-85152F4534BE}"/>
-              </a:ext>
-            </a:extLst>
-          </p:cNvPr>
-          <p:cNvSpPr txBox="1"/>
-          <p:nvPr/>
-        </p:nvSpPr>
-        <p:spPr>
-          <a:xfrm>
-            <a:off x="2034540" y="3025140"/>
-            <a:ext cx="8122920" cy="954107"/>
-          </a:xfrm>
-          <a:prstGeom prst="rect">
-            <a:avLst/>
-          </a:prstGeom>
-          <a:noFill/>
-        </p:spPr>
-        <p:txBody>
-          <a:bodyPr wrap="square" rtlCol="0">
-            <a:spAutoFit/>
-          </a:bodyPr>
-          <a:lstStyle/>
-          <a:p>
-            <a:pPr algn="ctr"/>
-            <a:r>
-              <a:rPr lang="en-US" sz="2800" dirty="0"/>
-              <a:t>Our need for Inversion of Control containers, over Poor Man’s DI is due to Need-Driven Development</a:t>
-            </a:r>
-          </a:p>
-        </p:txBody>
-      </p:sp>
-    </p:spTree>
-    <p:extLst>
-      <p:ext uri="{BB962C8B-B14F-4D97-AF65-F5344CB8AC3E}">
-        <p14:creationId xmlns:p14="http://schemas.microsoft.com/office/powerpoint/2010/main" val="949978942"/>
-      </p:ext>
-    </p:extLst>
-  </p:cSld>
-  <p:clrMapOvr>
-    <a:masterClrMapping/>
-  </p:clrMapOvr>
-</p:sld>
-</file>
-
-<file path=ppt/slides/slide14.xml><?xml version="1.0" encoding="utf-8"?>
-<p:sld xmlns:a="http://schemas.openxmlformats.org/drawingml/2006/main" xmlns:r="http://schemas.openxmlformats.org/officeDocument/2006/relationships" xmlns:p="http://schemas.openxmlformats.org/presentationml/2006/main">
-  <p:cSld>
-    <p:spTree>
-      <p:nvGrpSpPr>
-        <p:cNvPr id="1" name=""/>
-        <p:cNvGrpSpPr/>
-        <p:nvPr/>
-      </p:nvGrpSpPr>
-      <p:grpSpPr>
-        <a:xfrm>
-          <a:off x="0" y="0"/>
-          <a:ext cx="0" cy="0"/>
-          <a:chOff x="0" y="0"/>
-          <a:chExt cx="0" cy="0"/>
-        </a:xfrm>
-      </p:grpSpPr>
-      <p:sp>
-        <p:nvSpPr>
           <p:cNvPr id="3" name="Rectangle 2">
             <a:extLst>
               <a:ext uri="{FF2B5EF4-FFF2-40B4-BE49-F238E27FC236}">
@@ -11393,7 +11812,7 @@
 </p:sld>
 </file>
 
-<file path=ppt/slides/slide15.xml><?xml version="1.0" encoding="utf-8"?>
+<file path=ppt/slides/slide14.xml><?xml version="1.0" encoding="utf-8"?>
 <p:sld xmlns:a="http://schemas.openxmlformats.org/drawingml/2006/main" xmlns:r="http://schemas.openxmlformats.org/officeDocument/2006/relationships" xmlns:p="http://schemas.openxmlformats.org/presentationml/2006/main">
   <p:cSld>
     <p:spTree>
@@ -11514,6 +11933,139 @@
 </p:sld>
 </file>
 
+<file path=ppt/slides/slide15.xml><?xml version="1.0" encoding="utf-8"?>
+<p:sld xmlns:a="http://schemas.openxmlformats.org/drawingml/2006/main" xmlns:r="http://schemas.openxmlformats.org/officeDocument/2006/relationships" xmlns:p="http://schemas.openxmlformats.org/presentationml/2006/main">
+  <p:cSld>
+    <p:spTree>
+      <p:nvGrpSpPr>
+        <p:cNvPr id="1" name=""/>
+        <p:cNvGrpSpPr/>
+        <p:nvPr/>
+      </p:nvGrpSpPr>
+      <p:grpSpPr>
+        <a:xfrm>
+          <a:off x="0" y="0"/>
+          <a:ext cx="0" cy="0"/>
+          <a:chOff x="0" y="0"/>
+          <a:chExt cx="0" cy="0"/>
+        </a:xfrm>
+      </p:grpSpPr>
+      <p:sp>
+        <p:nvSpPr>
+          <p:cNvPr id="2" name="Rectangle 1">
+            <a:extLst>
+              <a:ext uri="{FF2B5EF4-FFF2-40B4-BE49-F238E27FC236}">
+                <a16:creationId xmlns:a16="http://schemas.microsoft.com/office/drawing/2014/main" id="{626B7A1B-C2CD-934F-80A5-E8609BB0BFA9}"/>
+              </a:ext>
+            </a:extLst>
+          </p:cNvPr>
+          <p:cNvSpPr/>
+          <p:nvPr/>
+        </p:nvSpPr>
+        <p:spPr>
+          <a:xfrm>
+            <a:off x="1615440" y="2654915"/>
+            <a:ext cx="9067800" cy="1384995"/>
+          </a:xfrm>
+          <a:prstGeom prst="rect">
+            <a:avLst/>
+          </a:prstGeom>
+        </p:spPr>
+        <p:txBody>
+          <a:bodyPr wrap="square">
+            <a:spAutoFit/>
+          </a:bodyPr>
+          <a:lstStyle/>
+          <a:p>
+            <a:pPr algn="ctr"/>
+            <a:r>
+              <a:rPr lang="en-GB" sz="2800" dirty="0"/>
+              <a:t>Refactoring (noun): a </a:t>
+            </a:r>
+            <a:r>
+              <a:rPr lang="en-GB" sz="2800" b="1" dirty="0"/>
+              <a:t>change made to the internal structure </a:t>
+            </a:r>
+            <a:r>
+              <a:rPr lang="en-GB" sz="2800" dirty="0"/>
+              <a:t>of software to make it easier to understand and cheaper to modify </a:t>
+            </a:r>
+            <a:r>
+              <a:rPr lang="en-GB" sz="2800" b="1" dirty="0"/>
+              <a:t>without changing its observable </a:t>
+            </a:r>
+            <a:r>
+              <a:rPr lang="en-GB" sz="2800" b="1" dirty="0" err="1"/>
+              <a:t>behavior</a:t>
+            </a:r>
+            <a:r>
+              <a:rPr lang="en-GB" sz="2800" dirty="0"/>
+              <a:t>.</a:t>
+            </a:r>
+            <a:endParaRPr lang="en-US" sz="2800" dirty="0"/>
+          </a:p>
+        </p:txBody>
+      </p:sp>
+      <p:sp>
+        <p:nvSpPr>
+          <p:cNvPr id="4" name="Rectangle 3">
+            <a:extLst>
+              <a:ext uri="{FF2B5EF4-FFF2-40B4-BE49-F238E27FC236}">
+                <a16:creationId xmlns:a16="http://schemas.microsoft.com/office/drawing/2014/main" id="{08851C82-B231-6346-8BE8-4BFD535E2582}"/>
+              </a:ext>
+            </a:extLst>
+          </p:cNvPr>
+          <p:cNvSpPr/>
+          <p:nvPr/>
+        </p:nvSpPr>
+        <p:spPr>
+          <a:xfrm>
+            <a:off x="5268905" y="5316974"/>
+            <a:ext cx="5845190" cy="369332"/>
+          </a:xfrm>
+          <a:prstGeom prst="rect">
+            <a:avLst/>
+          </a:prstGeom>
+        </p:spPr>
+        <p:txBody>
+          <a:bodyPr wrap="none">
+            <a:spAutoFit/>
+          </a:bodyPr>
+          <a:lstStyle/>
+          <a:p>
+            <a:r>
+              <a:rPr lang="en-US" dirty="0"/>
+              <a:t>https://</a:t>
+            </a:r>
+            <a:r>
+              <a:rPr lang="en-US" dirty="0" err="1"/>
+              <a:t>martinfowler.com</a:t>
+            </a:r>
+            <a:r>
+              <a:rPr lang="en-US" dirty="0"/>
+              <a:t>/bliki/</a:t>
+            </a:r>
+            <a:r>
+              <a:rPr lang="en-US" dirty="0" err="1"/>
+              <a:t>DefinitionOfRefactoring.html</a:t>
+            </a:r>
+            <a:endParaRPr lang="en-US" dirty="0"/>
+          </a:p>
+        </p:txBody>
+      </p:sp>
+    </p:spTree>
+    <p:extLst>
+      <p:ext uri="{BB962C8B-B14F-4D97-AF65-F5344CB8AC3E}">
+        <p14:creationId xmlns:p14="http://schemas.microsoft.com/office/powerpoint/2010/main" val="1398239253"/>
+      </p:ext>
+    </p:extLst>
+  </p:cSld>
+  <p:clrMapOvr>
+    <a:masterClrMapping/>
+  </p:clrMapOvr>
+</p:sld>
+</file>
+
 <file path=ppt/slides/slide16.xml><?xml version="1.0" encoding="utf-8"?>
 <p:sld xmlns:a="http://schemas.openxmlformats.org/drawingml/2006/main" xmlns:r="http://schemas.openxmlformats.org/officeDocument/2006/relationships" xmlns:p="http://schemas.openxmlformats.org/presentationml/2006/main">
   <p:cSld>
@@ -11536,7 +12088,7 @@
           <p:cNvPr id="2" name="Rectangle 1">
             <a:extLst>
               <a:ext uri="{FF2B5EF4-FFF2-40B4-BE49-F238E27FC236}">
-                <a16:creationId xmlns:a16="http://schemas.microsoft.com/office/drawing/2014/main" id="{626B7A1B-C2CD-934F-80A5-E8609BB0BFA9}"/>
+                <a16:creationId xmlns:a16="http://schemas.microsoft.com/office/drawing/2014/main" id="{92DC06AF-EC40-6340-A1F3-0E5A6847159F}"/>
               </a:ext>
             </a:extLst>
           </p:cNvPr>
@@ -11545,8 +12097,8 @@
         </p:nvSpPr>
         <p:spPr>
           <a:xfrm>
-            <a:off x="1615440" y="2654915"/>
-            <a:ext cx="9067800" cy="1384995"/>
+            <a:off x="1447800" y="2951946"/>
+            <a:ext cx="9296400" cy="954107"/>
           </a:xfrm>
           <a:prstGeom prst="rect">
             <a:avLst/>
@@ -11560,27 +12112,63 @@
           <a:p>
             <a:pPr algn="ctr"/>
             <a:r>
-              <a:rPr lang="en-GB" sz="2800" dirty="0"/>
-              <a:t>Refactoring (noun): a </a:t>
-            </a:r>
-            <a:r>
-              <a:rPr lang="en-GB" sz="2800" b="1" dirty="0"/>
-              <a:t>change made to the internal structure </a:t>
-            </a:r>
-            <a:r>
-              <a:rPr lang="en-GB" sz="2800" dirty="0"/>
-              <a:t>of software to make it easier to understand and cheaper to modify </a:t>
-            </a:r>
-            <a:r>
-              <a:rPr lang="en-GB" sz="2800" b="1" dirty="0"/>
-              <a:t>without changing its observable </a:t>
-            </a:r>
-            <a:r>
-              <a:rPr lang="en-GB" sz="2800" b="1" dirty="0" err="1"/>
+              <a:rPr lang="en-GB" sz="2800" dirty="0">
+                <a:solidFill>
+                  <a:srgbClr val="1F0909"/>
+                </a:solidFill>
+                <a:effectLst/>
+                <a:latin typeface="PT Serif" panose="020A0603040505020204" pitchFamily="18" charset="77"/>
+              </a:rPr>
+              <a:t>If the program’s </a:t>
+            </a:r>
+            <a:r>
+              <a:rPr lang="en-GB" sz="2800" b="1" dirty="0" err="1">
+                <a:solidFill>
+                  <a:srgbClr val="1F0909"/>
+                </a:solidFill>
+                <a:effectLst/>
+                <a:latin typeface="PT Serif" panose="020A0603040505020204" pitchFamily="18" charset="77"/>
+              </a:rPr>
               <a:t>behavior</a:t>
             </a:r>
             <a:r>
-              <a:rPr lang="en-GB" sz="2800" dirty="0"/>
+              <a:rPr lang="en-GB" sz="2800" b="1" dirty="0">
+                <a:solidFill>
+                  <a:srgbClr val="1F0909"/>
+                </a:solidFill>
+                <a:effectLst/>
+                <a:latin typeface="PT Serif" panose="020A0603040505020204" pitchFamily="18" charset="77"/>
+              </a:rPr>
+              <a:t> is stable</a:t>
+            </a:r>
+            <a:r>
+              <a:rPr lang="en-GB" sz="2800" dirty="0">
+                <a:solidFill>
+                  <a:srgbClr val="1F0909"/>
+                </a:solidFill>
+                <a:effectLst/>
+                <a:latin typeface="PT Serif" panose="020A0603040505020204" pitchFamily="18" charset="77"/>
+              </a:rPr>
+              <a:t> from an observer’s perspective, </a:t>
+            </a:r>
+            <a:r>
+              <a:rPr lang="en-GB" sz="2800" b="1" dirty="0">
+                <a:solidFill>
+                  <a:srgbClr val="1F0909"/>
+                </a:solidFill>
+                <a:effectLst/>
+                <a:latin typeface="PT Serif" panose="020A0603040505020204" pitchFamily="18" charset="77"/>
+              </a:rPr>
+              <a:t>no tests should change</a:t>
+            </a:r>
+            <a:r>
+              <a:rPr lang="en-GB" sz="2800" dirty="0">
+                <a:solidFill>
+                  <a:srgbClr val="1F0909"/>
+                </a:solidFill>
+                <a:effectLst/>
+                <a:latin typeface="PT Serif" panose="020A0603040505020204" pitchFamily="18" charset="77"/>
+              </a:rPr>
               <a:t>.</a:t>
             </a:r>
             <a:endParaRPr lang="en-US" sz="2800" dirty="0"/>
@@ -11589,10 +12177,10 @@
       </p:sp>
       <p:sp>
         <p:nvSpPr>
-          <p:cNvPr id="4" name="Rectangle 3">
+          <p:cNvPr id="3" name="Rectangle 2">
             <a:extLst>
               <a:ext uri="{FF2B5EF4-FFF2-40B4-BE49-F238E27FC236}">
-                <a16:creationId xmlns:a16="http://schemas.microsoft.com/office/drawing/2014/main" id="{08851C82-B231-6346-8BE8-4BFD535E2582}"/>
+                <a16:creationId xmlns:a16="http://schemas.microsoft.com/office/drawing/2014/main" id="{923C69AE-3199-E04C-9904-5C40E9762730}"/>
               </a:ext>
             </a:extLst>
           </p:cNvPr>
@@ -11601,15 +12189,15 @@
         </p:nvSpPr>
         <p:spPr>
           <a:xfrm>
-            <a:off x="5268905" y="5316974"/>
-            <a:ext cx="5845190" cy="369332"/>
+            <a:off x="3619500" y="5475655"/>
+            <a:ext cx="8039100" cy="369332"/>
           </a:xfrm>
           <a:prstGeom prst="rect">
             <a:avLst/>
           </a:prstGeom>
         </p:spPr>
         <p:txBody>
-          <a:bodyPr wrap="none">
+          <a:bodyPr wrap="square">
             <a:spAutoFit/>
           </a:bodyPr>
           <a:lstStyle/>
@@ -11620,24 +12208,19 @@
             </a:r>
             <a:r>
               <a:rPr lang="en-US" dirty="0" err="1"/>
-              <a:t>martinfowler.com</a:t>
+              <a:t>medium.com</a:t>
             </a:r>
             <a:r>
               <a:rPr lang="en-US" dirty="0"/>
-              <a:t>/bliki/</a:t>
-            </a:r>
-            <a:r>
-              <a:rPr lang="en-US" dirty="0" err="1"/>
-              <a:t>DefinitionOfRefactoring.html</a:t>
-            </a:r>
-            <a:endParaRPr lang="en-US" dirty="0"/>
+              <a:t>/@kentbeck_7670/programmer-test-principles-d01c064d7934</a:t>
+            </a:r>
           </a:p>
         </p:txBody>
       </p:sp>
     </p:spTree>
     <p:extLst>
       <p:ext uri="{BB962C8B-B14F-4D97-AF65-F5344CB8AC3E}">
-        <p14:creationId xmlns:p14="http://schemas.microsoft.com/office/powerpoint/2010/main" val="1398239253"/>
+        <p14:creationId xmlns:p14="http://schemas.microsoft.com/office/powerpoint/2010/main" val="2348435975"/>
       </p:ext>
     </p:extLst>
   </p:cSld>
@@ -11669,7 +12252,7 @@
           <p:cNvPr id="2" name="Rectangle 1">
             <a:extLst>
               <a:ext uri="{FF2B5EF4-FFF2-40B4-BE49-F238E27FC236}">
-                <a16:creationId xmlns:a16="http://schemas.microsoft.com/office/drawing/2014/main" id="{92DC06AF-EC40-6340-A1F3-0E5A6847159F}"/>
+                <a16:creationId xmlns:a16="http://schemas.microsoft.com/office/drawing/2014/main" id="{D6C6F2CA-C07E-DD4F-B21B-27309E500F10}"/>
               </a:ext>
             </a:extLst>
           </p:cNvPr>
@@ -11678,8 +12261,8 @@
         </p:nvSpPr>
         <p:spPr>
           <a:xfrm>
-            <a:off x="1447800" y="2951946"/>
-            <a:ext cx="9296400" cy="954107"/>
+            <a:off x="1866900" y="2521059"/>
+            <a:ext cx="8770620" cy="1815882"/>
           </a:xfrm>
           <a:prstGeom prst="rect">
             <a:avLst/>
@@ -11693,64 +12276,24 @@
           <a:p>
             <a:pPr algn="ctr"/>
             <a:r>
-              <a:rPr lang="en-GB" sz="2800" dirty="0">
-                <a:solidFill>
-                  <a:srgbClr val="1F0909"/>
-                </a:solidFill>
-                <a:effectLst/>
-                <a:latin typeface="PT Serif" panose="020A0603040505020204" pitchFamily="18" charset="77"/>
-              </a:rPr>
-              <a:t>If the program’s </a:t>
-            </a:r>
-            <a:r>
-              <a:rPr lang="en-GB" sz="2800" b="1" dirty="0" err="1">
-                <a:solidFill>
-                  <a:srgbClr val="1F0909"/>
-                </a:solidFill>
-                <a:effectLst/>
-                <a:latin typeface="PT Serif" panose="020A0603040505020204" pitchFamily="18" charset="77"/>
-              </a:rPr>
-              <a:t>behavior</a:t>
-            </a:r>
-            <a:r>
-              <a:rPr lang="en-GB" sz="2800" b="1" dirty="0">
-                <a:solidFill>
-                  <a:srgbClr val="1F0909"/>
-                </a:solidFill>
-                <a:effectLst/>
-                <a:latin typeface="PT Serif" panose="020A0603040505020204" pitchFamily="18" charset="77"/>
-              </a:rPr>
-              <a:t> is stable</a:t>
-            </a:r>
-            <a:r>
-              <a:rPr lang="en-GB" sz="2800" dirty="0">
-                <a:solidFill>
-                  <a:srgbClr val="1F0909"/>
-                </a:solidFill>
-                <a:effectLst/>
-                <a:latin typeface="PT Serif" panose="020A0603040505020204" pitchFamily="18" charset="77"/>
-              </a:rPr>
-              <a:t> from an observer’s perspective, </a:t>
-            </a:r>
-            <a:r>
-              <a:rPr lang="en-GB" sz="2800" b="1" dirty="0">
-                <a:solidFill>
-                  <a:srgbClr val="1F0909"/>
-                </a:solidFill>
-                <a:effectLst/>
-                <a:latin typeface="PT Serif" panose="020A0603040505020204" pitchFamily="18" charset="77"/>
-              </a:rPr>
-              <a:t>no tests should change</a:t>
-            </a:r>
-            <a:r>
-              <a:rPr lang="en-GB" sz="2800" dirty="0">
-                <a:solidFill>
-                  <a:srgbClr val="1F0909"/>
-                </a:solidFill>
-                <a:effectLst/>
-                <a:latin typeface="PT Serif" panose="020A0603040505020204" pitchFamily="18" charset="77"/>
-              </a:rPr>
-              <a:t>.</a:t>
+              <a:rPr lang="en-GB" sz="2800" dirty="0"/>
+              <a:t>My personal style is I just </a:t>
+            </a:r>
+            <a:r>
+              <a:rPr lang="en-GB" sz="2800" b="1" dirty="0"/>
+              <a:t>don’t go very far down the mock path</a:t>
+            </a:r>
+            <a:r>
+              <a:rPr lang="en-GB" sz="2800" dirty="0"/>
+              <a:t>… </a:t>
+            </a:r>
+            <a:r>
+              <a:rPr lang="en-GB" sz="2800" b="1" dirty="0"/>
+              <a:t>your test is completely coupled to the implementation not the interface</a:t>
+            </a:r>
+            <a:r>
+              <a:rPr lang="en-GB" sz="2800" dirty="0"/>
+              <a:t>… of course you can’t change anything without breaking the tests</a:t>
             </a:r>
             <a:endParaRPr lang="en-US" sz="2800" dirty="0"/>
           </a:p>
@@ -11761,7 +12304,7 @@
           <p:cNvPr id="3" name="Rectangle 2">
             <a:extLst>
               <a:ext uri="{FF2B5EF4-FFF2-40B4-BE49-F238E27FC236}">
-                <a16:creationId xmlns:a16="http://schemas.microsoft.com/office/drawing/2014/main" id="{923C69AE-3199-E04C-9904-5C40E9762730}"/>
+                <a16:creationId xmlns:a16="http://schemas.microsoft.com/office/drawing/2014/main" id="{036D6E6F-BEEE-0344-84E4-E1F6BB67F32B}"/>
               </a:ext>
             </a:extLst>
           </p:cNvPr>
@@ -11770,30 +12313,37 @@
         </p:nvSpPr>
         <p:spPr>
           <a:xfrm>
-            <a:off x="3619500" y="5475655"/>
-            <a:ext cx="8039100" cy="369332"/>
+            <a:off x="5737550" y="5050274"/>
+            <a:ext cx="5822300" cy="369332"/>
           </a:xfrm>
           <a:prstGeom prst="rect">
             <a:avLst/>
           </a:prstGeom>
         </p:spPr>
         <p:txBody>
-          <a:bodyPr wrap="square">
+          <a:bodyPr wrap="none">
             <a:spAutoFit/>
           </a:bodyPr>
           <a:lstStyle/>
           <a:p>
             <a:r>
-              <a:rPr lang="en-US" dirty="0"/>
-              <a:t>https://</a:t>
-            </a:r>
-            <a:r>
-              <a:rPr lang="en-US" dirty="0" err="1"/>
-              <a:t>medium.com</a:t>
-            </a:r>
-            <a:r>
-              <a:rPr lang="en-US" dirty="0"/>
-              <a:t>/@kentbeck_7670/programmer-test-principles-d01c064d7934</a:t>
+              <a:rPr lang="en-GB" dirty="0">
+                <a:effectLst/>
+              </a:rPr>
+              <a:t>Kent Beck </a:t>
+            </a:r>
+            <a:r>
+              <a:rPr lang="en-GB" dirty="0">
+                <a:effectLst/>
+                <a:hlinkClick r:id="rId3"/>
+              </a:rPr>
+              <a:t>https://www.youtube.com/watch?v=z9quxZsLcfo</a:t>
+            </a:r>
+            <a:r>
+              <a:rPr lang="en-GB" dirty="0">
+                <a:effectLst/>
+              </a:rPr>
+              <a:t> </a:t>
             </a:r>
           </a:p>
         </p:txBody>
@@ -11801,7 +12351,7 @@
     </p:spTree>
     <p:extLst>
       <p:ext uri="{BB962C8B-B14F-4D97-AF65-F5344CB8AC3E}">
-        <p14:creationId xmlns:p14="http://schemas.microsoft.com/office/powerpoint/2010/main" val="2348435975"/>
+        <p14:creationId xmlns:p14="http://schemas.microsoft.com/office/powerpoint/2010/main" val="2231597522"/>
       </p:ext>
     </p:extLst>
   </p:cSld>
@@ -11830,10 +12380,10 @@
       </p:grpSpPr>
       <p:sp>
         <p:nvSpPr>
-          <p:cNvPr id="2" name="Rectangle 1">
+          <p:cNvPr id="3" name="Rectangle 2">
             <a:extLst>
               <a:ext uri="{FF2B5EF4-FFF2-40B4-BE49-F238E27FC236}">
-                <a16:creationId xmlns:a16="http://schemas.microsoft.com/office/drawing/2014/main" id="{D6C6F2CA-C07E-DD4F-B21B-27309E500F10}"/>
+                <a16:creationId xmlns:a16="http://schemas.microsoft.com/office/drawing/2014/main" id="{4C291FA5-1B99-C64D-9EFE-C26350DF2A50}"/>
               </a:ext>
             </a:extLst>
           </p:cNvPr>
@@ -11842,8 +12392,8 @@
         </p:nvSpPr>
         <p:spPr>
           <a:xfrm>
-            <a:off x="1866900" y="2521059"/>
-            <a:ext cx="8770620" cy="1815882"/>
+            <a:off x="1889760" y="1989296"/>
+            <a:ext cx="8999220" cy="2246769"/>
           </a:xfrm>
           <a:prstGeom prst="rect">
             <a:avLst/>
@@ -11857,35 +12407,85 @@
           <a:p>
             <a:pPr algn="ctr"/>
             <a:r>
-              <a:rPr lang="en-GB" sz="2800" dirty="0"/>
-              <a:t>My personal style is I just </a:t>
-            </a:r>
-            <a:r>
-              <a:rPr lang="en-GB" sz="2800" b="1" dirty="0"/>
-              <a:t>don’t go very far down the mock path</a:t>
-            </a:r>
-            <a:r>
-              <a:rPr lang="en-GB" sz="2800" dirty="0"/>
-              <a:t>… </a:t>
-            </a:r>
-            <a:r>
-              <a:rPr lang="en-GB" sz="2800" b="1" dirty="0"/>
-              <a:t>your test is completely coupled to the implementation not the interface</a:t>
-            </a:r>
-            <a:r>
-              <a:rPr lang="en-GB" sz="2800" dirty="0"/>
-              <a:t>… of course you can’t change anything without breaking the tests</a:t>
-            </a:r>
+              <a:rPr lang="en-US" sz="2800" b="1" dirty="0"/>
+              <a:t>Failure</a:t>
+            </a:r>
+            <a:r>
+              <a:rPr lang="en-US" sz="2800" dirty="0"/>
+              <a:t> of a </a:t>
+            </a:r>
+            <a:r>
+              <a:rPr lang="en-US" sz="2800" b="1" dirty="0"/>
+              <a:t>Unit Test</a:t>
+            </a:r>
+            <a:r>
+              <a:rPr lang="en-US" sz="2800" dirty="0"/>
+              <a:t> shall </a:t>
+            </a:r>
+            <a:r>
+              <a:rPr lang="en-US" sz="2800" b="1" dirty="0"/>
+              <a:t>implicate</a:t>
+            </a:r>
+            <a:r>
+              <a:rPr lang="en-US" sz="2800" dirty="0"/>
+              <a:t> one (1) and only </a:t>
+            </a:r>
+            <a:r>
+              <a:rPr lang="en-US" sz="2800" b="1" dirty="0"/>
+              <a:t>one</a:t>
+            </a:r>
+            <a:r>
+              <a:rPr lang="en-US" sz="2800" dirty="0"/>
+              <a:t> (1) </a:t>
+            </a:r>
+            <a:r>
+              <a:rPr lang="en-US" sz="2800" b="1" dirty="0"/>
+              <a:t>unit</a:t>
+            </a:r>
+            <a:r>
+              <a:rPr lang="en-US" sz="2800" dirty="0"/>
+              <a:t>. (A method, class, module, or package.)</a:t>
+            </a:r>
+          </a:p>
+          <a:p>
+            <a:pPr algn="ctr"/>
             <a:endParaRPr lang="en-US" sz="2800" dirty="0"/>
           </a:p>
-        </p:txBody>
-      </p:sp>
-      <p:sp>
-        <p:nvSpPr>
-          <p:cNvPr id="3" name="Rectangle 2">
+          <a:p>
+            <a:pPr algn="ctr"/>
+            <a:r>
+              <a:rPr lang="en-US" sz="2800" b="1" dirty="0"/>
+              <a:t>Failure</a:t>
+            </a:r>
+            <a:r>
+              <a:rPr lang="en-US" sz="2800" dirty="0"/>
+              <a:t> of a </a:t>
+            </a:r>
+            <a:r>
+              <a:rPr lang="en-US" sz="2800" b="1" dirty="0"/>
+              <a:t>Programmer Test</a:t>
+            </a:r>
+            <a:r>
+              <a:rPr lang="en-US" sz="2800" dirty="0"/>
+              <a:t>, under Test Driven Development, </a:t>
+            </a:r>
+            <a:r>
+              <a:rPr lang="en-US" sz="2800" b="1" dirty="0"/>
+              <a:t>implicates only the most recent edit</a:t>
+            </a:r>
+            <a:r>
+              <a:rPr lang="en-US" sz="2800" dirty="0"/>
+              <a:t>. </a:t>
+            </a:r>
+          </a:p>
+        </p:txBody>
+      </p:sp>
+      <p:sp>
+        <p:nvSpPr>
+          <p:cNvPr id="4" name="Rectangle 3">
             <a:extLst>
               <a:ext uri="{FF2B5EF4-FFF2-40B4-BE49-F238E27FC236}">
-                <a16:creationId xmlns:a16="http://schemas.microsoft.com/office/drawing/2014/main" id="{036D6E6F-BEEE-0344-84E4-E1F6BB67F32B}"/>
+                <a16:creationId xmlns:a16="http://schemas.microsoft.com/office/drawing/2014/main" id="{6B63C6C7-C300-F743-9A30-414181D96BE5}"/>
               </a:ext>
             </a:extLst>
           </p:cNvPr>
@@ -11894,8 +12494,8 @@
         </p:nvSpPr>
         <p:spPr>
           <a:xfrm>
-            <a:off x="5737550" y="5050274"/>
-            <a:ext cx="5822300" cy="369332"/>
+            <a:off x="7614806" y="5019794"/>
+            <a:ext cx="3759427" cy="369332"/>
           </a:xfrm>
           <a:prstGeom prst="rect">
             <a:avLst/>
@@ -11908,31 +12508,60 @@
           <a:lstStyle/>
           <a:p>
             <a:r>
-              <a:rPr lang="en-GB" dirty="0">
-                <a:effectLst/>
-              </a:rPr>
-              <a:t>Kent Beck </a:t>
-            </a:r>
-            <a:r>
-              <a:rPr lang="en-GB" dirty="0">
-                <a:effectLst/>
-                <a:hlinkClick r:id="rId3"/>
-              </a:rPr>
-              <a:t>https://www.youtube.com/watch?v=z9quxZsLcfo</a:t>
-            </a:r>
-            <a:r>
-              <a:rPr lang="en-GB" dirty="0">
-                <a:effectLst/>
-              </a:rPr>
-              <a:t> </a:t>
-            </a:r>
+              <a:rPr lang="en-US" dirty="0"/>
+              <a:t>https://wiki.c2.com/?</a:t>
+            </a:r>
+            <a:r>
+              <a:rPr lang="en-US" dirty="0" err="1"/>
+              <a:t>ProgrammerTest</a:t>
+            </a:r>
+            <a:endParaRPr lang="en-US" dirty="0"/>
+          </a:p>
+        </p:txBody>
+      </p:sp>
+      <p:sp>
+        <p:nvSpPr>
+          <p:cNvPr id="5" name="Rectangle 4">
+            <a:extLst>
+              <a:ext uri="{FF2B5EF4-FFF2-40B4-BE49-F238E27FC236}">
+                <a16:creationId xmlns:a16="http://schemas.microsoft.com/office/drawing/2014/main" id="{34F1B258-E49A-CA44-8EC1-7ED2234F5448}"/>
+              </a:ext>
+            </a:extLst>
+          </p:cNvPr>
+          <p:cNvSpPr/>
+          <p:nvPr/>
+        </p:nvSpPr>
+        <p:spPr>
+          <a:xfrm>
+            <a:off x="7614806" y="5446514"/>
+            <a:ext cx="3549690" cy="369332"/>
+          </a:xfrm>
+          <a:prstGeom prst="rect">
+            <a:avLst/>
+          </a:prstGeom>
+        </p:spPr>
+        <p:txBody>
+          <a:bodyPr wrap="none">
+            <a:spAutoFit/>
+          </a:bodyPr>
+          <a:lstStyle/>
+          <a:p>
+            <a:r>
+              <a:rPr lang="en-US" dirty="0"/>
+              <a:t>https://wiki.c2.com/?</a:t>
+            </a:r>
+            <a:r>
+              <a:rPr lang="en-US" dirty="0" err="1"/>
+              <a:t>DeveloperTest</a:t>
+            </a:r>
+            <a:endParaRPr lang="en-US" dirty="0"/>
           </a:p>
         </p:txBody>
       </p:sp>
     </p:spTree>
     <p:extLst>
       <p:ext uri="{BB962C8B-B14F-4D97-AF65-F5344CB8AC3E}">
-        <p14:creationId xmlns:p14="http://schemas.microsoft.com/office/powerpoint/2010/main" val="2231597522"/>
+        <p14:creationId xmlns:p14="http://schemas.microsoft.com/office/powerpoint/2010/main" val="860415164"/>
       </p:ext>
     </p:extLst>
   </p:cSld>
@@ -11964,7 +12593,7 @@
           <p:cNvPr id="3" name="Rectangle 2">
             <a:extLst>
               <a:ext uri="{FF2B5EF4-FFF2-40B4-BE49-F238E27FC236}">
-                <a16:creationId xmlns:a16="http://schemas.microsoft.com/office/drawing/2014/main" id="{4C291FA5-1B99-C64D-9EFE-C26350DF2A50}"/>
+                <a16:creationId xmlns:a16="http://schemas.microsoft.com/office/drawing/2014/main" id="{840CFC42-795F-5C47-A147-3B841E3A260D}"/>
               </a:ext>
             </a:extLst>
           </p:cNvPr>
@@ -11973,8 +12602,8 @@
         </p:nvSpPr>
         <p:spPr>
           <a:xfrm>
-            <a:off x="1889760" y="1989296"/>
-            <a:ext cx="8999220" cy="2246769"/>
+            <a:off x="1859280" y="1820317"/>
+            <a:ext cx="8938260" cy="2677656"/>
           </a:xfrm>
           <a:prstGeom prst="rect">
             <a:avLst/>
@@ -11989,70 +12618,55 @@
             <a:pPr algn="ctr"/>
             <a:r>
               <a:rPr lang="en-US" sz="2800" b="1" dirty="0"/>
-              <a:t>Failure</a:t>
+              <a:t>Test Driven Development produces</a:t>
             </a:r>
             <a:r>
               <a:rPr lang="en-US" sz="2800" dirty="0"/>
-              <a:t> of a </a:t>
+              <a:t> </a:t>
             </a:r>
             <a:r>
               <a:rPr lang="en-US" sz="2800" b="1" dirty="0"/>
-              <a:t>Unit Test</a:t>
+              <a:t>Developer Tests</a:t>
             </a:r>
             <a:r>
               <a:rPr lang="en-US" sz="2800" dirty="0"/>
-              <a:t> shall </a:t>
+              <a:t>. The </a:t>
             </a:r>
             <a:r>
               <a:rPr lang="en-US" sz="2800" b="1" dirty="0"/>
-              <a:t>implicate</a:t>
+              <a:t>failure</a:t>
             </a:r>
             <a:r>
               <a:rPr lang="en-US" sz="2800" dirty="0"/>
-              <a:t> one (1) and only </a:t>
+              <a:t> of a test case </a:t>
             </a:r>
             <a:r>
               <a:rPr lang="en-US" sz="2800" b="1" dirty="0"/>
-              <a:t>one</a:t>
+              <a:t>implicates</a:t>
             </a:r>
             <a:r>
               <a:rPr lang="en-US" sz="2800" dirty="0"/>
-              <a:t> (1) </a:t>
+              <a:t> only the </a:t>
             </a:r>
             <a:r>
               <a:rPr lang="en-US" sz="2800" b="1" dirty="0"/>
-              <a:t>unit</a:t>
+              <a:t>developer's most recent edit</a:t>
             </a:r>
             <a:r>
               <a:rPr lang="en-US" sz="2800" dirty="0"/>
-              <a:t>. (A method, class, module, or package.)</a:t>
-            </a:r>
-          </a:p>
-          <a:p>
-            <a:pPr algn="ctr"/>
-            <a:endParaRPr lang="en-US" sz="2800" dirty="0"/>
-          </a:p>
-          <a:p>
-            <a:pPr algn="ctr"/>
+              <a:t>. This implies that developers </a:t>
+            </a:r>
             <a:r>
               <a:rPr lang="en-US" sz="2800" b="1" dirty="0"/>
-              <a:t>Failure</a:t>
+              <a:t>don't need to use Mock Objects</a:t>
             </a:r>
             <a:r>
               <a:rPr lang="en-US" sz="2800" dirty="0"/>
-              <a:t> of a </a:t>
+              <a:t> to split all their code up into testable units. And it implies a developer may always </a:t>
             </a:r>
             <a:r>
               <a:rPr lang="en-US" sz="2800" b="1" dirty="0"/>
-              <a:t>Programmer Test</a:t>
-            </a:r>
-            <a:r>
-              <a:rPr lang="en-US" sz="2800" dirty="0"/>
-              <a:t>, under Test Driven Development, </a:t>
-            </a:r>
-            <a:r>
-              <a:rPr lang="en-US" sz="2800" b="1" dirty="0"/>
-              <a:t>implicates only the most recent edit</a:t>
+              <a:t>avoid debugging by reverting that last edit</a:t>
             </a:r>
             <a:r>
               <a:rPr lang="en-US" sz="2800" dirty="0"/>
@@ -12066,7 +12680,7 @@
           <p:cNvPr id="4" name="Rectangle 3">
             <a:extLst>
               <a:ext uri="{FF2B5EF4-FFF2-40B4-BE49-F238E27FC236}">
-                <a16:creationId xmlns:a16="http://schemas.microsoft.com/office/drawing/2014/main" id="{6B63C6C7-C300-F743-9A30-414181D96BE5}"/>
+                <a16:creationId xmlns:a16="http://schemas.microsoft.com/office/drawing/2014/main" id="{CE9DA919-7B25-EB4C-B52B-615C5CB12691}"/>
               </a:ext>
             </a:extLst>
           </p:cNvPr>
@@ -12075,8 +12689,8 @@
         </p:nvSpPr>
         <p:spPr>
           <a:xfrm>
-            <a:off x="7614806" y="5019794"/>
-            <a:ext cx="3759427" cy="369332"/>
+            <a:off x="8452890" y="5309354"/>
+            <a:ext cx="2982420" cy="369332"/>
           </a:xfrm>
           <a:prstGeom prst="rect">
             <a:avLst/>
@@ -12094,46 +12708,7 @@
             </a:r>
             <a:r>
               <a:rPr lang="en-US" dirty="0" err="1"/>
-              <a:t>ProgrammerTest</a:t>
-            </a:r>
-            <a:endParaRPr lang="en-US" dirty="0"/>
-          </a:p>
-        </p:txBody>
-      </p:sp>
-      <p:sp>
-        <p:nvSpPr>
-          <p:cNvPr id="5" name="Rectangle 4">
-            <a:extLst>
-              <a:ext uri="{FF2B5EF4-FFF2-40B4-BE49-F238E27FC236}">
-                <a16:creationId xmlns:a16="http://schemas.microsoft.com/office/drawing/2014/main" id="{34F1B258-E49A-CA44-8EC1-7ED2234F5448}"/>
-              </a:ext>
-            </a:extLst>
-          </p:cNvPr>
-          <p:cNvSpPr/>
-          <p:nvPr/>
-        </p:nvSpPr>
-        <p:spPr>
-          <a:xfrm>
-            <a:off x="7614806" y="5446514"/>
-            <a:ext cx="3549690" cy="369332"/>
-          </a:xfrm>
-          <a:prstGeom prst="rect">
-            <a:avLst/>
-          </a:prstGeom>
-        </p:spPr>
-        <p:txBody>
-          <a:bodyPr wrap="none">
-            <a:spAutoFit/>
-          </a:bodyPr>
-          <a:lstStyle/>
-          <a:p>
-            <a:r>
-              <a:rPr lang="en-US" dirty="0"/>
-              <a:t>https://wiki.c2.com/?</a:t>
-            </a:r>
-            <a:r>
-              <a:rPr lang="en-US" dirty="0" err="1"/>
-              <a:t>DeveloperTest</a:t>
+              <a:t>UnitTest</a:t>
             </a:r>
             <a:endParaRPr lang="en-US" dirty="0"/>
           </a:p>
@@ -12142,7 +12717,7 @@
     </p:spTree>
     <p:extLst>
       <p:ext uri="{BB962C8B-B14F-4D97-AF65-F5344CB8AC3E}">
-        <p14:creationId xmlns:p14="http://schemas.microsoft.com/office/powerpoint/2010/main" val="860415164"/>
+        <p14:creationId xmlns:p14="http://schemas.microsoft.com/office/powerpoint/2010/main" val="2133207490"/>
       </p:ext>
     </p:extLst>
   </p:cSld>
@@ -12335,10 +12910,10 @@
       </p:grpSpPr>
       <p:sp>
         <p:nvSpPr>
-          <p:cNvPr id="3" name="Rectangle 2">
+          <p:cNvPr id="2" name="Rectangle 1">
             <a:extLst>
               <a:ext uri="{FF2B5EF4-FFF2-40B4-BE49-F238E27FC236}">
-                <a16:creationId xmlns:a16="http://schemas.microsoft.com/office/drawing/2014/main" id="{840CFC42-795F-5C47-A147-3B841E3A260D}"/>
+                <a16:creationId xmlns:a16="http://schemas.microsoft.com/office/drawing/2014/main" id="{90B14F08-6446-954A-A1F1-C06F60000916}"/>
               </a:ext>
             </a:extLst>
           </p:cNvPr>
@@ -12347,8 +12922,8 @@
         </p:nvSpPr>
         <p:spPr>
           <a:xfrm>
-            <a:off x="1859280" y="1820317"/>
-            <a:ext cx="8938260" cy="2677656"/>
+            <a:off x="729475" y="2905780"/>
+            <a:ext cx="10733049" cy="523220"/>
           </a:xfrm>
           <a:prstGeom prst="rect">
             <a:avLst/>
@@ -12362,107 +12937,51 @@
           <a:p>
             <a:pPr algn="ctr"/>
             <a:r>
-              <a:rPr lang="en-US" sz="2800" b="1" dirty="0"/>
-              <a:t>Test Driven Development produces</a:t>
-            </a:r>
-            <a:r>
-              <a:rPr lang="en-US" sz="2800" dirty="0"/>
-              <a:t> </a:t>
-            </a:r>
-            <a:r>
-              <a:rPr lang="en-US" sz="2800" b="1" dirty="0"/>
-              <a:t>Developer Tests</a:t>
-            </a:r>
-            <a:r>
-              <a:rPr lang="en-US" sz="2800" dirty="0"/>
-              <a:t>. The </a:t>
-            </a:r>
-            <a:r>
-              <a:rPr lang="en-US" sz="2800" b="1" dirty="0"/>
-              <a:t>failure</a:t>
-            </a:r>
-            <a:r>
-              <a:rPr lang="en-US" sz="2800" dirty="0"/>
-              <a:t> of a test case </a:t>
-            </a:r>
-            <a:r>
-              <a:rPr lang="en-US" sz="2800" b="1" dirty="0"/>
-              <a:t>implicates</a:t>
-            </a:r>
-            <a:r>
-              <a:rPr lang="en-US" sz="2800" dirty="0"/>
-              <a:t> only the </a:t>
-            </a:r>
-            <a:r>
-              <a:rPr lang="en-US" sz="2800" b="1" dirty="0"/>
-              <a:t>developer's most recent edit</a:t>
-            </a:r>
-            <a:r>
-              <a:rPr lang="en-US" sz="2800" dirty="0"/>
-              <a:t>. This implies that developers </a:t>
-            </a:r>
-            <a:r>
-              <a:rPr lang="en-US" sz="2800" b="1" dirty="0"/>
-              <a:t>don't need to use Mock Objects</a:t>
-            </a:r>
-            <a:r>
-              <a:rPr lang="en-US" sz="2800" dirty="0"/>
-              <a:t> to split all their code up into testable units. And it implies a developer may always </a:t>
-            </a:r>
-            <a:r>
-              <a:rPr lang="en-US" sz="2800" b="1" dirty="0"/>
-              <a:t>avoid debugging by reverting that last edit</a:t>
-            </a:r>
-            <a:r>
-              <a:rPr lang="en-US" sz="2800" dirty="0"/>
-              <a:t>. </a:t>
-            </a:r>
-          </a:p>
-        </p:txBody>
-      </p:sp>
-      <p:sp>
-        <p:nvSpPr>
-          <p:cNvPr id="4" name="Rectangle 3">
+              <a:rPr lang="en-GB" sz="2800" dirty="0"/>
+              <a:t>How should the running of tests affect one another? Not at all.</a:t>
+            </a:r>
+          </a:p>
+        </p:txBody>
+      </p:sp>
+      <p:sp>
+        <p:nvSpPr>
+          <p:cNvPr id="3" name="TextBox 2">
             <a:extLst>
               <a:ext uri="{FF2B5EF4-FFF2-40B4-BE49-F238E27FC236}">
-                <a16:creationId xmlns:a16="http://schemas.microsoft.com/office/drawing/2014/main" id="{CE9DA919-7B25-EB4C-B52B-615C5CB12691}"/>
+                <a16:creationId xmlns:a16="http://schemas.microsoft.com/office/drawing/2014/main" id="{A3E78171-31FD-E148-816E-0FF573CFEEE1}"/>
               </a:ext>
             </a:extLst>
           </p:cNvPr>
-          <p:cNvSpPr/>
+          <p:cNvSpPr txBox="1"/>
           <p:nvPr/>
         </p:nvSpPr>
         <p:spPr>
           <a:xfrm>
-            <a:off x="8452890" y="5309354"/>
-            <a:ext cx="2982420" cy="369332"/>
+            <a:off x="8221980" y="5113020"/>
+            <a:ext cx="2857500" cy="369332"/>
           </a:xfrm>
           <a:prstGeom prst="rect">
             <a:avLst/>
           </a:prstGeom>
+          <a:noFill/>
         </p:spPr>
         <p:txBody>
-          <a:bodyPr wrap="none">
+          <a:bodyPr wrap="square" rtlCol="0">
             <a:spAutoFit/>
           </a:bodyPr>
           <a:lstStyle/>
           <a:p>
             <a:r>
               <a:rPr lang="en-US" dirty="0"/>
-              <a:t>https://wiki.c2.com/?</a:t>
-            </a:r>
-            <a:r>
-              <a:rPr lang="en-US" dirty="0" err="1"/>
-              <a:t>UnitTest</a:t>
-            </a:r>
-            <a:endParaRPr lang="en-US" dirty="0"/>
+              <a:t>Kent Beck, TDD By Example</a:t>
+            </a:r>
           </a:p>
         </p:txBody>
       </p:sp>
     </p:spTree>
     <p:extLst>
       <p:ext uri="{BB962C8B-B14F-4D97-AF65-F5344CB8AC3E}">
-        <p14:creationId xmlns:p14="http://schemas.microsoft.com/office/powerpoint/2010/main" val="2133207490"/>
+        <p14:creationId xmlns:p14="http://schemas.microsoft.com/office/powerpoint/2010/main" val="2864195855"/>
       </p:ext>
     </p:extLst>
   </p:cSld>
@@ -12494,7 +13013,7 @@
           <p:cNvPr id="2" name="Rectangle 1">
             <a:extLst>
               <a:ext uri="{FF2B5EF4-FFF2-40B4-BE49-F238E27FC236}">
-                <a16:creationId xmlns:a16="http://schemas.microsoft.com/office/drawing/2014/main" id="{90B14F08-6446-954A-A1F1-C06F60000916}"/>
+                <a16:creationId xmlns:a16="http://schemas.microsoft.com/office/drawing/2014/main" id="{2503D0DC-420C-6B41-8FD3-298567278F0C}"/>
               </a:ext>
             </a:extLst>
           </p:cNvPr>
@@ -12503,8 +13022,8 @@
         </p:nvSpPr>
         <p:spPr>
           <a:xfrm>
-            <a:off x="729475" y="2905780"/>
-            <a:ext cx="10733049" cy="523220"/>
+            <a:off x="1501140" y="2090172"/>
+            <a:ext cx="9189720" cy="2246769"/>
           </a:xfrm>
           <a:prstGeom prst="rect">
             <a:avLst/>
@@ -12516,45 +13035,42 @@
           </a:bodyPr>
           <a:lstStyle/>
           <a:p>
-            <a:pPr algn="ctr"/>
-            <a:r>
-              <a:rPr lang="en-GB" sz="2800" dirty="0"/>
-              <a:t>How should the running of tests affect one another? Not at all.</a:t>
-            </a:r>
-          </a:p>
-        </p:txBody>
-      </p:sp>
-      <p:sp>
-        <p:nvSpPr>
-          <p:cNvPr id="3" name="TextBox 2">
-            <a:extLst>
-              <a:ext uri="{FF2B5EF4-FFF2-40B4-BE49-F238E27FC236}">
-                <a16:creationId xmlns:a16="http://schemas.microsoft.com/office/drawing/2014/main" id="{A3E78171-31FD-E148-816E-0FF573CFEEE1}"/>
-              </a:ext>
-            </a:extLst>
-          </p:cNvPr>
-          <p:cNvSpPr txBox="1"/>
-          <p:nvPr/>
-        </p:nvSpPr>
-        <p:spPr>
-          <a:xfrm>
-            <a:off x="8221980" y="5113020"/>
-            <a:ext cx="2857500" cy="369332"/>
-          </a:xfrm>
-          <a:prstGeom prst="rect">
-            <a:avLst/>
-          </a:prstGeom>
-          <a:noFill/>
-        </p:spPr>
-        <p:txBody>
-          <a:bodyPr wrap="square" rtlCol="0">
-            <a:spAutoFit/>
-          </a:bodyPr>
-          <a:lstStyle/>
-          <a:p>
-            <a:r>
-              <a:rPr lang="en-US" dirty="0"/>
-              <a:t>Kent Beck, TDD By Example</a:t>
+            <a:r>
+              <a:rPr lang="en-US" sz="2800" dirty="0"/>
+              <a:t>Avoid using mocks for anything other than issues with: </a:t>
+            </a:r>
+          </a:p>
+          <a:p>
+            <a:endParaRPr lang="en-US" sz="2800" dirty="0"/>
+          </a:p>
+          <a:p>
+            <a:pPr marL="457200" indent="-457200">
+              <a:buFont typeface="Arial" panose="020B0604020202020204" pitchFamily="34" charset="0"/>
+              <a:buChar char="•"/>
+            </a:pPr>
+            <a:r>
+              <a:rPr lang="en-US" sz="2800" dirty="0"/>
+              <a:t>Isolated Test</a:t>
+            </a:r>
+          </a:p>
+          <a:p>
+            <a:pPr marL="457200" indent="-457200">
+              <a:buFont typeface="Arial" panose="020B0604020202020204" pitchFamily="34" charset="0"/>
+              <a:buChar char="•"/>
+            </a:pPr>
+            <a:r>
+              <a:rPr lang="en-US" sz="2800" dirty="0"/>
+              <a:t>Fast Test</a:t>
+            </a:r>
+          </a:p>
+          <a:p>
+            <a:pPr marL="457200" indent="-457200">
+              <a:buFont typeface="Arial" panose="020B0604020202020204" pitchFamily="34" charset="0"/>
+              <a:buChar char="•"/>
+            </a:pPr>
+            <a:r>
+              <a:rPr lang="en-US" sz="2800" dirty="0"/>
+              <a:t>Fragile Test</a:t>
             </a:r>
           </a:p>
         </p:txBody>
@@ -12562,7 +13078,7 @@
     </p:spTree>
     <p:extLst>
       <p:ext uri="{BB962C8B-B14F-4D97-AF65-F5344CB8AC3E}">
-        <p14:creationId xmlns:p14="http://schemas.microsoft.com/office/powerpoint/2010/main" val="2864195855"/>
+        <p14:creationId xmlns:p14="http://schemas.microsoft.com/office/powerpoint/2010/main" val="4199698839"/>
       </p:ext>
     </p:extLst>
   </p:cSld>
@@ -12591,67 +13107,39 @@
       </p:grpSpPr>
       <p:sp>
         <p:nvSpPr>
-          <p:cNvPr id="2" name="Rectangle 1">
+          <p:cNvPr id="4" name="TextBox 3">
             <a:extLst>
               <a:ext uri="{FF2B5EF4-FFF2-40B4-BE49-F238E27FC236}">
-                <a16:creationId xmlns:a16="http://schemas.microsoft.com/office/drawing/2014/main" id="{2503D0DC-420C-6B41-8FD3-298567278F0C}"/>
+                <a16:creationId xmlns:a16="http://schemas.microsoft.com/office/drawing/2014/main" id="{A9FD64D3-63EE-124E-AF32-0D8B156E70AD}"/>
               </a:ext>
             </a:extLst>
           </p:cNvPr>
-          <p:cNvSpPr/>
+          <p:cNvSpPr txBox="1"/>
           <p:nvPr/>
         </p:nvSpPr>
         <p:spPr>
           <a:xfrm>
-            <a:off x="1501140" y="2090172"/>
-            <a:ext cx="9189720" cy="2246769"/>
+            <a:off x="3293512" y="3167390"/>
+            <a:ext cx="5604975" cy="523220"/>
           </a:xfrm>
           <a:prstGeom prst="rect">
             <a:avLst/>
           </a:prstGeom>
+          <a:noFill/>
         </p:spPr>
         <p:txBody>
-          <a:bodyPr wrap="square">
+          <a:bodyPr wrap="square" rtlCol="0">
             <a:spAutoFit/>
           </a:bodyPr>
           <a:lstStyle/>
           <a:p>
             <a:r>
-              <a:rPr lang="en-US" sz="2800" dirty="0"/>
-              <a:t>Avoid using mocks for anything other than issues with: </a:t>
-            </a:r>
-          </a:p>
-          <a:p>
-            <a:endParaRPr lang="en-US" sz="2800" dirty="0"/>
-          </a:p>
-          <a:p>
-            <a:pPr marL="457200" indent="-457200">
-              <a:buFont typeface="Arial" panose="020B0604020202020204" pitchFamily="34" charset="0"/>
-              <a:buChar char="•"/>
-            </a:pPr>
-            <a:r>
-              <a:rPr lang="en-US" sz="2800" dirty="0"/>
-              <a:t>Isolated Test</a:t>
-            </a:r>
-          </a:p>
-          <a:p>
-            <a:pPr marL="457200" indent="-457200">
-              <a:buFont typeface="Arial" panose="020B0604020202020204" pitchFamily="34" charset="0"/>
-              <a:buChar char="•"/>
-            </a:pPr>
-            <a:r>
-              <a:rPr lang="en-US" sz="2800" dirty="0"/>
-              <a:t>Fast Test</a:t>
-            </a:r>
-          </a:p>
-          <a:p>
-            <a:pPr marL="457200" indent="-457200">
-              <a:buFont typeface="Arial" panose="020B0604020202020204" pitchFamily="34" charset="0"/>
-              <a:buChar char="•"/>
-            </a:pPr>
-            <a:r>
-              <a:rPr lang="en-US" sz="2800" dirty="0"/>
-              <a:t>Fragile Test</a:t>
+              <a:rPr lang="en-US" sz="2800" b="1" dirty="0">
+                <a:solidFill>
+                  <a:srgbClr val="002060"/>
+                </a:solidFill>
+              </a:rPr>
+              <a:t>2: Customers write Acceptance Tests</a:t>
             </a:r>
           </a:p>
         </p:txBody>
@@ -12659,7 +13147,7 @@
     </p:spTree>
     <p:extLst>
       <p:ext uri="{BB962C8B-B14F-4D97-AF65-F5344CB8AC3E}">
-        <p14:creationId xmlns:p14="http://schemas.microsoft.com/office/powerpoint/2010/main" val="4199698839"/>
+        <p14:creationId xmlns:p14="http://schemas.microsoft.com/office/powerpoint/2010/main" val="2424149372"/>
       </p:ext>
     </p:extLst>
   </p:cSld>
@@ -12688,47 +13176,121 @@
       </p:grpSpPr>
       <p:sp>
         <p:nvSpPr>
-          <p:cNvPr id="4" name="TextBox 3">
+          <p:cNvPr id="3" name="Rectangle 2">
             <a:extLst>
               <a:ext uri="{FF2B5EF4-FFF2-40B4-BE49-F238E27FC236}">
-                <a16:creationId xmlns:a16="http://schemas.microsoft.com/office/drawing/2014/main" id="{A9FD64D3-63EE-124E-AF32-0D8B156E70AD}"/>
+                <a16:creationId xmlns:a16="http://schemas.microsoft.com/office/drawing/2014/main" id="{3AEBCD7C-D6CA-0640-88B3-9325543202E7}"/>
               </a:ext>
             </a:extLst>
           </p:cNvPr>
-          <p:cNvSpPr txBox="1"/>
+          <p:cNvSpPr/>
           <p:nvPr/>
         </p:nvSpPr>
         <p:spPr>
           <a:xfrm>
-            <a:off x="3293512" y="3167390"/>
-            <a:ext cx="5604975" cy="523220"/>
+            <a:off x="1600200" y="1415118"/>
+            <a:ext cx="8991600" cy="3108543"/>
           </a:xfrm>
           <a:prstGeom prst="rect">
             <a:avLst/>
           </a:prstGeom>
-          <a:noFill/>
         </p:spPr>
         <p:txBody>
-          <a:bodyPr wrap="square" rtlCol="0">
+          <a:bodyPr wrap="square">
             <a:spAutoFit/>
           </a:bodyPr>
           <a:lstStyle/>
           <a:p>
-            <a:r>
-              <a:rPr lang="en-US" sz="2800" b="1" dirty="0">
-                <a:solidFill>
-                  <a:srgbClr val="002060"/>
-                </a:solidFill>
-              </a:rPr>
-              <a:t>2: Customers write Acceptance Tests</a:t>
-            </a:r>
+            <a:pPr algn="ctr"/>
+            <a:r>
+              <a:rPr lang="en-US" sz="2800" dirty="0"/>
+              <a:t>Originally called Functional Tests because each </a:t>
+            </a:r>
+            <a:r>
+              <a:rPr lang="en-US" sz="2800" b="1" dirty="0"/>
+              <a:t>acceptance test tries to test</a:t>
+            </a:r>
+            <a:r>
+              <a:rPr lang="en-US" sz="2800" dirty="0"/>
+              <a:t> the functionality of a </a:t>
+            </a:r>
+            <a:r>
+              <a:rPr lang="en-US" sz="2800" b="1" dirty="0"/>
+              <a:t>user story</a:t>
+            </a:r>
+            <a:r>
+              <a:rPr lang="en-US" sz="2800" dirty="0"/>
+              <a:t>. </a:t>
+            </a:r>
+          </a:p>
+          <a:p>
+            <a:pPr algn="ctr"/>
+            <a:endParaRPr lang="en-US" sz="2800" dirty="0"/>
+          </a:p>
+          <a:p>
+            <a:pPr algn="ctr"/>
+            <a:r>
+              <a:rPr lang="en-US" sz="2800" dirty="0"/>
+              <a:t>Acceptance tests are different  [is] </a:t>
+            </a:r>
+            <a:r>
+              <a:rPr lang="en-US" sz="2800" b="1" dirty="0"/>
+              <a:t>modeled and possibly even written by the customer</a:t>
+            </a:r>
+            <a:r>
+              <a:rPr lang="en-US" sz="2800" dirty="0"/>
+              <a:t>. ...Hence the even-newer name, Customer Test. </a:t>
+            </a:r>
+          </a:p>
+          <a:p>
+            <a:pPr algn="ctr"/>
+            <a:endParaRPr lang="en-US" sz="2800" dirty="0"/>
+          </a:p>
+        </p:txBody>
+      </p:sp>
+      <p:sp>
+        <p:nvSpPr>
+          <p:cNvPr id="4" name="Rectangle 3">
+            <a:extLst>
+              <a:ext uri="{FF2B5EF4-FFF2-40B4-BE49-F238E27FC236}">
+                <a16:creationId xmlns:a16="http://schemas.microsoft.com/office/drawing/2014/main" id="{7D2C87D8-4BF9-634E-BE73-2E22695840F0}"/>
+              </a:ext>
+            </a:extLst>
+          </p:cNvPr>
+          <p:cNvSpPr/>
+          <p:nvPr/>
+        </p:nvSpPr>
+        <p:spPr>
+          <a:xfrm>
+            <a:off x="7386268" y="5442882"/>
+            <a:ext cx="3667864" cy="369332"/>
+          </a:xfrm>
+          <a:prstGeom prst="rect">
+            <a:avLst/>
+          </a:prstGeom>
+        </p:spPr>
+        <p:txBody>
+          <a:bodyPr wrap="none">
+            <a:spAutoFit/>
+          </a:bodyPr>
+          <a:lstStyle/>
+          <a:p>
+            <a:r>
+              <a:rPr lang="en-US" dirty="0"/>
+              <a:t>https://wiki.c2.com/?</a:t>
+            </a:r>
+            <a:r>
+              <a:rPr lang="en-US" dirty="0" err="1"/>
+              <a:t>AcceptanceTest</a:t>
+            </a:r>
+            <a:endParaRPr lang="en-US" dirty="0"/>
           </a:p>
         </p:txBody>
       </p:sp>
     </p:spTree>
     <p:extLst>
       <p:ext uri="{BB962C8B-B14F-4D97-AF65-F5344CB8AC3E}">
-        <p14:creationId xmlns:p14="http://schemas.microsoft.com/office/powerpoint/2010/main" val="2424149372"/>
+        <p14:creationId xmlns:p14="http://schemas.microsoft.com/office/powerpoint/2010/main" val="684510986"/>
       </p:ext>
     </p:extLst>
   </p:cSld>
@@ -12757,10 +13319,10 @@
       </p:grpSpPr>
       <p:sp>
         <p:nvSpPr>
-          <p:cNvPr id="3" name="Rectangle 2">
+          <p:cNvPr id="2" name="Rectangle 1">
             <a:extLst>
               <a:ext uri="{FF2B5EF4-FFF2-40B4-BE49-F238E27FC236}">
-                <a16:creationId xmlns:a16="http://schemas.microsoft.com/office/drawing/2014/main" id="{3AEBCD7C-D6CA-0640-88B3-9325543202E7}"/>
+                <a16:creationId xmlns:a16="http://schemas.microsoft.com/office/drawing/2014/main" id="{CE616EDF-7370-C746-8022-65DA03167FD9}"/>
               </a:ext>
             </a:extLst>
           </p:cNvPr>
@@ -12769,8 +13331,8 @@
         </p:nvSpPr>
         <p:spPr>
           <a:xfrm>
-            <a:off x="1600200" y="1415118"/>
-            <a:ext cx="8991600" cy="3108543"/>
+            <a:off x="1238250" y="2521059"/>
+            <a:ext cx="9715500" cy="1815882"/>
           </a:xfrm>
           <a:prstGeom prst="rect">
             <a:avLst/>
@@ -12785,56 +13347,33 @@
             <a:pPr algn="ctr"/>
             <a:r>
               <a:rPr lang="en-US" sz="2800" dirty="0"/>
-              <a:t>Originally called Functional Tests because each </a:t>
+              <a:t>These two problems--that </a:t>
             </a:r>
             <a:r>
               <a:rPr lang="en-US" sz="2800" b="1" dirty="0"/>
-              <a:t>acceptance test tries to test</a:t>
+              <a:t>customers don't participate</a:t>
             </a:r>
             <a:r>
               <a:rPr lang="en-US" sz="2800" dirty="0"/>
-              <a:t> the functionality of a </a:t>
+              <a:t>, which eliminates the purpose of acceptance testing, and that they </a:t>
             </a:r>
             <a:r>
               <a:rPr lang="en-US" sz="2800" b="1" dirty="0"/>
-              <a:t>user story</a:t>
+              <a:t>create a significant maintenance burden</a:t>
             </a:r>
             <a:r>
               <a:rPr lang="en-US" sz="2800" dirty="0"/>
-              <a:t>. </a:t>
-            </a:r>
-          </a:p>
-          <a:p>
-            <a:pPr algn="ctr"/>
-            <a:endParaRPr lang="en-US" sz="2800" dirty="0"/>
-          </a:p>
-          <a:p>
-            <a:pPr algn="ctr"/>
-            <a:r>
-              <a:rPr lang="en-US" sz="2800" dirty="0"/>
-              <a:t>Acceptance tests are different  [is] </a:t>
-            </a:r>
-            <a:r>
-              <a:rPr lang="en-US" sz="2800" b="1" dirty="0"/>
-              <a:t>modeled and possibly even written by the customer</a:t>
-            </a:r>
-            <a:r>
-              <a:rPr lang="en-US" sz="2800" dirty="0"/>
-              <a:t>. ...Hence the even-newer name, Customer Test. </a:t>
-            </a:r>
-          </a:p>
-          <a:p>
-            <a:pPr algn="ctr"/>
-            <a:endParaRPr lang="en-US" sz="2800" dirty="0"/>
-          </a:p>
-        </p:txBody>
-      </p:sp>
-      <p:sp>
-        <p:nvSpPr>
-          <p:cNvPr id="4" name="Rectangle 3">
+              <a:t>, means that acceptance testing isn't worth the cost. I no longer use it or recommend it.</a:t>
+            </a:r>
+          </a:p>
+        </p:txBody>
+      </p:sp>
+      <p:sp>
+        <p:nvSpPr>
+          <p:cNvPr id="3" name="Rectangle 2">
             <a:extLst>
               <a:ext uri="{FF2B5EF4-FFF2-40B4-BE49-F238E27FC236}">
-                <a16:creationId xmlns:a16="http://schemas.microsoft.com/office/drawing/2014/main" id="{7D2C87D8-4BF9-634E-BE73-2E22695840F0}"/>
+                <a16:creationId xmlns:a16="http://schemas.microsoft.com/office/drawing/2014/main" id="{A24BBFAE-98B5-EA4E-BC17-FDEB7D812F70}"/>
               </a:ext>
             </a:extLst>
           </p:cNvPr>
@@ -12843,26 +13382,35 @@
         </p:nvSpPr>
         <p:spPr>
           <a:xfrm>
-            <a:off x="7386268" y="5442882"/>
-            <a:ext cx="3667864" cy="369332"/>
+            <a:off x="2560320" y="4987975"/>
+            <a:ext cx="9189720" cy="369332"/>
           </a:xfrm>
           <a:prstGeom prst="rect">
             <a:avLst/>
           </a:prstGeom>
         </p:spPr>
         <p:txBody>
-          <a:bodyPr wrap="none">
+          <a:bodyPr wrap="square">
             <a:spAutoFit/>
           </a:bodyPr>
           <a:lstStyle/>
           <a:p>
+            <a:pPr algn="r"/>
             <a:r>
               <a:rPr lang="en-US" dirty="0"/>
-              <a:t>https://wiki.c2.com/?</a:t>
+              <a:t>James Shore, http://</a:t>
             </a:r>
             <a:r>
               <a:rPr lang="en-US" dirty="0" err="1"/>
-              <a:t>AcceptanceTest</a:t>
+              <a:t>www.jamesshore.com</a:t>
+            </a:r>
+            <a:r>
+              <a:rPr lang="en-US" dirty="0"/>
+              <a:t>/Blog/The-Problems-With-Acceptance-</a:t>
+            </a:r>
+            <a:r>
+              <a:rPr lang="en-US" dirty="0" err="1"/>
+              <a:t>Testing.html</a:t>
             </a:r>
             <a:endParaRPr lang="en-US" dirty="0"/>
           </a:p>
@@ -12871,7 +13419,7 @@
     </p:spTree>
     <p:extLst>
       <p:ext uri="{BB962C8B-B14F-4D97-AF65-F5344CB8AC3E}">
-        <p14:creationId xmlns:p14="http://schemas.microsoft.com/office/powerpoint/2010/main" val="684510986"/>
+        <p14:creationId xmlns:p14="http://schemas.microsoft.com/office/powerpoint/2010/main" val="3770837925"/>
       </p:ext>
     </p:extLst>
   </p:cSld>
@@ -12903,7 +13451,7 @@
           <p:cNvPr id="2" name="Rectangle 1">
             <a:extLst>
               <a:ext uri="{FF2B5EF4-FFF2-40B4-BE49-F238E27FC236}">
-                <a16:creationId xmlns:a16="http://schemas.microsoft.com/office/drawing/2014/main" id="{CE616EDF-7370-C746-8022-65DA03167FD9}"/>
+                <a16:creationId xmlns:a16="http://schemas.microsoft.com/office/drawing/2014/main" id="{2B60A03E-DB9F-A74D-BD0A-46474D32BC57}"/>
               </a:ext>
             </a:extLst>
           </p:cNvPr>
@@ -12912,8 +13460,8 @@
         </p:nvSpPr>
         <p:spPr>
           <a:xfrm>
-            <a:off x="1238250" y="2521059"/>
-            <a:ext cx="9715500" cy="1815882"/>
+            <a:off x="996550" y="2090172"/>
+            <a:ext cx="10198900" cy="2677656"/>
           </a:xfrm>
           <a:prstGeom prst="rect">
             <a:avLst/>
@@ -12927,25 +13475,70 @@
           <a:p>
             <a:pPr algn="ctr"/>
             <a:r>
-              <a:rPr lang="en-US" sz="2800" dirty="0"/>
-              <a:t>These two problems--that </a:t>
-            </a:r>
-            <a:r>
-              <a:rPr lang="en-US" sz="2800" b="1" dirty="0"/>
-              <a:t>customers don't participate</a:t>
-            </a:r>
-            <a:r>
-              <a:rPr lang="en-US" sz="2800" dirty="0"/>
-              <a:t>, which eliminates the purpose of acceptance testing, and that they </a:t>
-            </a:r>
-            <a:r>
-              <a:rPr lang="en-US" sz="2800" b="1" dirty="0"/>
-              <a:t>create a significant maintenance burden</a:t>
-            </a:r>
-            <a:r>
-              <a:rPr lang="en-US" sz="2800" dirty="0"/>
-              <a:t>, means that acceptance testing isn't worth the cost. I no longer use it or recommend it.</a:t>
-            </a:r>
+              <a:rPr lang="en-GB" sz="2800" b="1" dirty="0"/>
+              <a:t>Customers</a:t>
+            </a:r>
+            <a:r>
+              <a:rPr lang="en-GB" sz="2800" dirty="0"/>
+              <a:t> </a:t>
+            </a:r>
+            <a:r>
+              <a:rPr lang="en-GB" sz="2800" b="1" dirty="0"/>
+              <a:t>illustrate</a:t>
+            </a:r>
+            <a:r>
+              <a:rPr lang="en-GB" sz="2800" dirty="0"/>
+              <a:t> their descriptions with concrete </a:t>
+            </a:r>
+            <a:r>
+              <a:rPr lang="en-GB" sz="2800" b="1" dirty="0"/>
+              <a:t>examples</a:t>
+            </a:r>
+            <a:r>
+              <a:rPr lang="en-GB" sz="2800" dirty="0"/>
+              <a:t>…programmers use these examples to guide their work…Sometimes [</a:t>
+            </a:r>
+            <a:r>
+              <a:rPr lang="en-GB" sz="2800" b="1" dirty="0"/>
+              <a:t>programmers</a:t>
+            </a:r>
+            <a:r>
+              <a:rPr lang="en-GB" sz="2800" dirty="0"/>
+              <a:t>] </a:t>
+            </a:r>
+            <a:r>
+              <a:rPr lang="en-GB" sz="2800" b="1" dirty="0"/>
+              <a:t>use</a:t>
+            </a:r>
+            <a:r>
+              <a:rPr lang="en-GB" sz="2800" dirty="0"/>
+              <a:t> the </a:t>
+            </a:r>
+            <a:r>
+              <a:rPr lang="en-GB" sz="2800" b="1" dirty="0"/>
+              <a:t>examples directly in their tests</a:t>
+            </a:r>
+            <a:r>
+              <a:rPr lang="en-GB" sz="2800" dirty="0"/>
+              <a:t>…More often…programmers use the </a:t>
+            </a:r>
+            <a:r>
+              <a:rPr lang="en-GB" sz="2800" b="1" dirty="0"/>
+              <a:t>examples as a guide</a:t>
+            </a:r>
+            <a:r>
+              <a:rPr lang="en-GB" sz="2800" dirty="0"/>
+              <a:t>, writing a multitude of </a:t>
+            </a:r>
+            <a:r>
+              <a:rPr lang="en-GB" sz="2800" b="1" dirty="0"/>
+              <a:t>more focused, programmer-centric tests</a:t>
+            </a:r>
+            <a:r>
+              <a:rPr lang="en-GB" sz="2800" dirty="0"/>
+              <a:t> as they use TDD  </a:t>
+            </a:r>
+            <a:endParaRPr lang="en-US" sz="2800" dirty="0"/>
           </a:p>
         </p:txBody>
       </p:sp>
@@ -12954,7 +13547,7 @@
           <p:cNvPr id="3" name="Rectangle 2">
             <a:extLst>
               <a:ext uri="{FF2B5EF4-FFF2-40B4-BE49-F238E27FC236}">
-                <a16:creationId xmlns:a16="http://schemas.microsoft.com/office/drawing/2014/main" id="{A24BBFAE-98B5-EA4E-BC17-FDEB7D812F70}"/>
+                <a16:creationId xmlns:a16="http://schemas.microsoft.com/office/drawing/2014/main" id="{8D7DDF3D-D546-0A47-874B-50AE92349B67}"/>
               </a:ext>
             </a:extLst>
           </p:cNvPr>
@@ -12963,8 +13556,8 @@
         </p:nvSpPr>
         <p:spPr>
           <a:xfrm>
-            <a:off x="2560320" y="4987975"/>
-            <a:ext cx="9189720" cy="369332"/>
+            <a:off x="3672840" y="5315635"/>
+            <a:ext cx="7711440" cy="369332"/>
           </a:xfrm>
           <a:prstGeom prst="rect">
             <a:avLst/>
@@ -12976,10 +13569,9 @@
           </a:bodyPr>
           <a:lstStyle/>
           <a:p>
-            <a:pPr algn="r"/>
             <a:r>
               <a:rPr lang="en-US" dirty="0"/>
-              <a:t>James Shore, http://</a:t>
+              <a:t>https://</a:t>
             </a:r>
             <a:r>
               <a:rPr lang="en-US" dirty="0" err="1"/>
@@ -12987,20 +13579,15 @@
             </a:r>
             <a:r>
               <a:rPr lang="en-US" dirty="0"/>
-              <a:t>/Blog/The-Problems-With-Acceptance-</a:t>
-            </a:r>
-            <a:r>
-              <a:rPr lang="en-US" dirty="0" err="1"/>
-              <a:t>Testing.html</a:t>
-            </a:r>
-            <a:endParaRPr lang="en-US" dirty="0"/>
+              <a:t>/v2/blog/2010/alternatives-to-acceptance-testing</a:t>
+            </a:r>
           </a:p>
         </p:txBody>
       </p:sp>
     </p:spTree>
     <p:extLst>
       <p:ext uri="{BB962C8B-B14F-4D97-AF65-F5344CB8AC3E}">
-        <p14:creationId xmlns:p14="http://schemas.microsoft.com/office/powerpoint/2010/main" val="3770837925"/>
+        <p14:creationId xmlns:p14="http://schemas.microsoft.com/office/powerpoint/2010/main" val="1837992311"/>
       </p:ext>
     </p:extLst>
   </p:cSld>
@@ -13029,138 +13616,36 @@
       </p:grpSpPr>
       <p:sp>
         <p:nvSpPr>
-          <p:cNvPr id="2" name="Rectangle 1">
+          <p:cNvPr id="2" name="TextBox 1">
             <a:extLst>
               <a:ext uri="{FF2B5EF4-FFF2-40B4-BE49-F238E27FC236}">
-                <a16:creationId xmlns:a16="http://schemas.microsoft.com/office/drawing/2014/main" id="{2B60A03E-DB9F-A74D-BD0A-46474D32BC57}"/>
+                <a16:creationId xmlns:a16="http://schemas.microsoft.com/office/drawing/2014/main" id="{F260E4BB-FC0A-AD4C-B01A-47180F7D4A33}"/>
               </a:ext>
             </a:extLst>
           </p:cNvPr>
-          <p:cNvSpPr/>
+          <p:cNvSpPr txBox="1"/>
           <p:nvPr/>
         </p:nvSpPr>
         <p:spPr>
           <a:xfrm>
-            <a:off x="996550" y="2090172"/>
-            <a:ext cx="10198900" cy="2677656"/>
+            <a:off x="1081521" y="2951946"/>
+            <a:ext cx="10028958" cy="954107"/>
           </a:xfrm>
           <a:prstGeom prst="rect">
             <a:avLst/>
           </a:prstGeom>
+          <a:noFill/>
         </p:spPr>
         <p:txBody>
-          <a:bodyPr wrap="square">
+          <a:bodyPr wrap="square" rtlCol="0">
             <a:spAutoFit/>
           </a:bodyPr>
           <a:lstStyle/>
           <a:p>
             <a:pPr algn="ctr"/>
             <a:r>
-              <a:rPr lang="en-GB" sz="2800" b="1" dirty="0"/>
-              <a:t>Customers</a:t>
-            </a:r>
-            <a:r>
-              <a:rPr lang="en-GB" sz="2800" dirty="0"/>
-              <a:t> </a:t>
-            </a:r>
-            <a:r>
-              <a:rPr lang="en-GB" sz="2800" b="1" dirty="0"/>
-              <a:t>illustrate</a:t>
-            </a:r>
-            <a:r>
-              <a:rPr lang="en-GB" sz="2800" dirty="0"/>
-              <a:t> their descriptions with concrete </a:t>
-            </a:r>
-            <a:r>
-              <a:rPr lang="en-GB" sz="2800" b="1" dirty="0"/>
-              <a:t>examples</a:t>
-            </a:r>
-            <a:r>
-              <a:rPr lang="en-GB" sz="2800" dirty="0"/>
-              <a:t>…programmers use these examples to guide their work…Sometimes [</a:t>
-            </a:r>
-            <a:r>
-              <a:rPr lang="en-GB" sz="2800" b="1" dirty="0"/>
-              <a:t>programmers</a:t>
-            </a:r>
-            <a:r>
-              <a:rPr lang="en-GB" sz="2800" dirty="0"/>
-              <a:t>] </a:t>
-            </a:r>
-            <a:r>
-              <a:rPr lang="en-GB" sz="2800" b="1" dirty="0"/>
-              <a:t>use</a:t>
-            </a:r>
-            <a:r>
-              <a:rPr lang="en-GB" sz="2800" dirty="0"/>
-              <a:t> the </a:t>
-            </a:r>
-            <a:r>
-              <a:rPr lang="en-GB" sz="2800" b="1" dirty="0"/>
-              <a:t>examples directly in their tests</a:t>
-            </a:r>
-            <a:r>
-              <a:rPr lang="en-GB" sz="2800" dirty="0"/>
-              <a:t>…More often…programmers use the </a:t>
-            </a:r>
-            <a:r>
-              <a:rPr lang="en-GB" sz="2800" b="1" dirty="0"/>
-              <a:t>examples as a guide</a:t>
-            </a:r>
-            <a:r>
-              <a:rPr lang="en-GB" sz="2800" dirty="0"/>
-              <a:t>, writing a multitude of </a:t>
-            </a:r>
-            <a:r>
-              <a:rPr lang="en-GB" sz="2800" b="1" dirty="0"/>
-              <a:t>more focused, programmer-centric tests</a:t>
-            </a:r>
-            <a:r>
-              <a:rPr lang="en-GB" sz="2800" dirty="0"/>
-              <a:t> as they use TDD  </a:t>
-            </a:r>
-            <a:endParaRPr lang="en-US" sz="2800" dirty="0"/>
-          </a:p>
-        </p:txBody>
-      </p:sp>
-      <p:sp>
-        <p:nvSpPr>
-          <p:cNvPr id="3" name="Rectangle 2">
-            <a:extLst>
-              <a:ext uri="{FF2B5EF4-FFF2-40B4-BE49-F238E27FC236}">
-                <a16:creationId xmlns:a16="http://schemas.microsoft.com/office/drawing/2014/main" id="{8D7DDF3D-D546-0A47-874B-50AE92349B67}"/>
-              </a:ext>
-            </a:extLst>
-          </p:cNvPr>
-          <p:cNvSpPr/>
-          <p:nvPr/>
-        </p:nvSpPr>
-        <p:spPr>
-          <a:xfrm>
-            <a:off x="3672840" y="5315635"/>
-            <a:ext cx="7711440" cy="369332"/>
-          </a:xfrm>
-          <a:prstGeom prst="rect">
-            <a:avLst/>
-          </a:prstGeom>
-        </p:spPr>
-        <p:txBody>
-          <a:bodyPr wrap="square">
-            <a:spAutoFit/>
-          </a:bodyPr>
-          <a:lstStyle/>
-          <a:p>
-            <a:r>
-              <a:rPr lang="en-US" dirty="0"/>
-              <a:t>https://</a:t>
-            </a:r>
-            <a:r>
-              <a:rPr lang="en-US" dirty="0" err="1"/>
-              <a:t>www.jamesshore.com</a:t>
-            </a:r>
-            <a:r>
-              <a:rPr lang="en-US" dirty="0"/>
-              <a:t>/v2/blog/2010/alternatives-to-acceptance-testing</a:t>
+              <a:rPr lang="en-US" sz="2800" dirty="0"/>
+              <a:t>TDD should create tests that can be read, so that others can understand the requirements</a:t>
             </a:r>
           </a:p>
         </p:txBody>
@@ -13168,7 +13653,7 @@
     </p:spTree>
     <p:extLst>
       <p:ext uri="{BB962C8B-B14F-4D97-AF65-F5344CB8AC3E}">
-        <p14:creationId xmlns:p14="http://schemas.microsoft.com/office/powerpoint/2010/main" val="1837992311"/>
+        <p14:creationId xmlns:p14="http://schemas.microsoft.com/office/powerpoint/2010/main" val="3006304871"/>
       </p:ext>
     </p:extLst>
   </p:cSld>
@@ -13200,7 +13685,7 @@
           <p:cNvPr id="2" name="TextBox 1">
             <a:extLst>
               <a:ext uri="{FF2B5EF4-FFF2-40B4-BE49-F238E27FC236}">
-                <a16:creationId xmlns:a16="http://schemas.microsoft.com/office/drawing/2014/main" id="{F260E4BB-FC0A-AD4C-B01A-47180F7D4A33}"/>
+                <a16:creationId xmlns:a16="http://schemas.microsoft.com/office/drawing/2014/main" id="{8DE65392-CDE5-F545-9668-F0E1BBCABE80}"/>
               </a:ext>
             </a:extLst>
           </p:cNvPr>
@@ -13209,8 +13694,8 @@
         </p:nvSpPr>
         <p:spPr>
           <a:xfrm>
-            <a:off x="1081521" y="2951946"/>
-            <a:ext cx="10028958" cy="954107"/>
+            <a:off x="937260" y="2951946"/>
+            <a:ext cx="10317480" cy="954107"/>
           </a:xfrm>
           <a:prstGeom prst="rect">
             <a:avLst/>
@@ -13226,7 +13711,7 @@
             <a:pPr algn="ctr"/>
             <a:r>
               <a:rPr lang="en-US" sz="2800" dirty="0"/>
-              <a:t>TDD should create tests that can be read, so that others can understand the requirements</a:t>
+              <a:t>ATDD is perilous because it implies that TDD does not deal with the acceptance criteria for stories</a:t>
             </a:r>
           </a:p>
         </p:txBody>
@@ -13234,7 +13719,7 @@
     </p:spTree>
     <p:extLst>
       <p:ext uri="{BB962C8B-B14F-4D97-AF65-F5344CB8AC3E}">
-        <p14:creationId xmlns:p14="http://schemas.microsoft.com/office/powerpoint/2010/main" val="3006304871"/>
+        <p14:creationId xmlns:p14="http://schemas.microsoft.com/office/powerpoint/2010/main" val="732184696"/>
       </p:ext>
     </p:extLst>
   </p:cSld>
@@ -13263,10 +13748,10 @@
       </p:grpSpPr>
       <p:sp>
         <p:nvSpPr>
-          <p:cNvPr id="2" name="TextBox 1">
+          <p:cNvPr id="4" name="TextBox 3">
             <a:extLst>
               <a:ext uri="{FF2B5EF4-FFF2-40B4-BE49-F238E27FC236}">
-                <a16:creationId xmlns:a16="http://schemas.microsoft.com/office/drawing/2014/main" id="{8DE65392-CDE5-F545-9668-F0E1BBCABE80}"/>
+                <a16:creationId xmlns:a16="http://schemas.microsoft.com/office/drawing/2014/main" id="{A9FD64D3-63EE-124E-AF32-0D8B156E70AD}"/>
               </a:ext>
             </a:extLst>
           </p:cNvPr>
@@ -13275,8 +13760,8 @@
         </p:nvSpPr>
         <p:spPr>
           <a:xfrm>
-            <a:off x="937260" y="2951946"/>
-            <a:ext cx="10317480" cy="954107"/>
+            <a:off x="2594610" y="3167390"/>
+            <a:ext cx="7002780" cy="523220"/>
           </a:xfrm>
           <a:prstGeom prst="rect">
             <a:avLst/>
@@ -13289,10 +13774,13 @@
           </a:bodyPr>
           <a:lstStyle/>
           <a:p>
-            <a:pPr algn="ctr"/>
-            <a:r>
-              <a:rPr lang="en-US" sz="2800" dirty="0"/>
-              <a:t>ATDD is perilous because it implies that TDD does not deal with the acceptance criteria for stories</a:t>
+            <a:r>
+              <a:rPr lang="en-US" sz="2800" b="1" dirty="0">
+                <a:solidFill>
+                  <a:srgbClr val="002060"/>
+                </a:solidFill>
+              </a:rPr>
+              <a:t>3: The trigger for a new test is a new function</a:t>
             </a:r>
           </a:p>
         </p:txBody>
@@ -13300,7 +13788,7 @@
     </p:spTree>
     <p:extLst>
       <p:ext uri="{BB962C8B-B14F-4D97-AF65-F5344CB8AC3E}">
-        <p14:creationId xmlns:p14="http://schemas.microsoft.com/office/powerpoint/2010/main" val="732184696"/>
+        <p14:creationId xmlns:p14="http://schemas.microsoft.com/office/powerpoint/2010/main" val="1615023565"/>
       </p:ext>
     </p:extLst>
   </p:cSld>
@@ -13329,10 +13817,10 @@
       </p:grpSpPr>
       <p:sp>
         <p:nvSpPr>
-          <p:cNvPr id="4" name="TextBox 3">
+          <p:cNvPr id="2" name="TextBox 1">
             <a:extLst>
               <a:ext uri="{FF2B5EF4-FFF2-40B4-BE49-F238E27FC236}">
-                <a16:creationId xmlns:a16="http://schemas.microsoft.com/office/drawing/2014/main" id="{A9FD64D3-63EE-124E-AF32-0D8B156E70AD}"/>
+                <a16:creationId xmlns:a16="http://schemas.microsoft.com/office/drawing/2014/main" id="{17B895A4-F014-8D4D-8F40-06A6D37C7C73}"/>
               </a:ext>
             </a:extLst>
           </p:cNvPr>
@@ -13341,8 +13829,8 @@
         </p:nvSpPr>
         <p:spPr>
           <a:xfrm>
-            <a:off x="2594610" y="3167390"/>
-            <a:ext cx="7002780" cy="523220"/>
+            <a:off x="2889885" y="3106430"/>
+            <a:ext cx="6412230" cy="523220"/>
           </a:xfrm>
           <a:prstGeom prst="rect">
             <a:avLst/>
@@ -13356,12 +13844,8 @@
           <a:lstStyle/>
           <a:p>
             <a:r>
-              <a:rPr lang="en-US" sz="2800" b="1" dirty="0">
-                <a:solidFill>
-                  <a:srgbClr val="002060"/>
-                </a:solidFill>
-              </a:rPr>
-              <a:t>3: The trigger for a new test is a new function</a:t>
+              <a:rPr lang="en-US" sz="2800" dirty="0"/>
+              <a:t>The trigger for a test is a new requirement</a:t>
             </a:r>
           </a:p>
         </p:txBody>
@@ -13369,7 +13853,7 @@
     </p:spTree>
     <p:extLst>
       <p:ext uri="{BB962C8B-B14F-4D97-AF65-F5344CB8AC3E}">
-        <p14:creationId xmlns:p14="http://schemas.microsoft.com/office/powerpoint/2010/main" val="1615023565"/>
+        <p14:creationId xmlns:p14="http://schemas.microsoft.com/office/powerpoint/2010/main" val="2995159201"/>
       </p:ext>
     </p:extLst>
   </p:cSld>
@@ -13481,10 +13965,45 @@
       </p:grpSpPr>
       <p:sp>
         <p:nvSpPr>
-          <p:cNvPr id="2" name="TextBox 1">
+          <p:cNvPr id="2" name="Rectangle 1">
             <a:extLst>
               <a:ext uri="{FF2B5EF4-FFF2-40B4-BE49-F238E27FC236}">
-                <a16:creationId xmlns:a16="http://schemas.microsoft.com/office/drawing/2014/main" id="{17B895A4-F014-8D4D-8F40-06A6D37C7C73}"/>
+                <a16:creationId xmlns:a16="http://schemas.microsoft.com/office/drawing/2014/main" id="{20C79EFF-5AF5-BE4C-918A-892A6658ECC7}"/>
+              </a:ext>
+            </a:extLst>
+          </p:cNvPr>
+          <p:cNvSpPr/>
+          <p:nvPr/>
+        </p:nvSpPr>
+        <p:spPr>
+          <a:xfrm>
+            <a:off x="3048000" y="2736502"/>
+            <a:ext cx="6096000" cy="1384995"/>
+          </a:xfrm>
+          <a:prstGeom prst="rect">
+            <a:avLst/>
+          </a:prstGeom>
+        </p:spPr>
+        <p:txBody>
+          <a:bodyPr>
+            <a:spAutoFit/>
+          </a:bodyPr>
+          <a:lstStyle/>
+          <a:p>
+            <a:pPr algn="ctr"/>
+            <a:r>
+              <a:rPr lang="en-GB" sz="2800" dirty="0"/>
+              <a:t>We need to be able to add amounts in two different currencies and convert the result given a set of exchange rates.</a:t>
+            </a:r>
+          </a:p>
+        </p:txBody>
+      </p:sp>
+      <p:sp>
+        <p:nvSpPr>
+          <p:cNvPr id="3" name="TextBox 2">
+            <a:extLst>
+              <a:ext uri="{FF2B5EF4-FFF2-40B4-BE49-F238E27FC236}">
+                <a16:creationId xmlns:a16="http://schemas.microsoft.com/office/drawing/2014/main" id="{3B92647E-8794-3B49-903E-AE307836E998}"/>
               </a:ext>
             </a:extLst>
           </p:cNvPr>
@@ -13493,8 +14012,8 @@
         </p:nvSpPr>
         <p:spPr>
           <a:xfrm>
-            <a:off x="2889885" y="3106430"/>
-            <a:ext cx="6412230" cy="523220"/>
+            <a:off x="8221980" y="5113020"/>
+            <a:ext cx="2857500" cy="369332"/>
           </a:xfrm>
           <a:prstGeom prst="rect">
             <a:avLst/>
@@ -13508,8 +14027,8 @@
           <a:lstStyle/>
           <a:p>
             <a:r>
-              <a:rPr lang="en-US" sz="2800" dirty="0"/>
-              <a:t>The trigger for a test is a new requirement</a:t>
+              <a:rPr lang="en-US" dirty="0"/>
+              <a:t>Kent Beck, TDD By Example</a:t>
             </a:r>
           </a:p>
         </p:txBody>
@@ -13517,7 +14036,7 @@
     </p:spTree>
     <p:extLst>
       <p:ext uri="{BB962C8B-B14F-4D97-AF65-F5344CB8AC3E}">
-        <p14:creationId xmlns:p14="http://schemas.microsoft.com/office/powerpoint/2010/main" val="2995159201"/>
+        <p14:creationId xmlns:p14="http://schemas.microsoft.com/office/powerpoint/2010/main" val="2295111930"/>
       </p:ext>
     </p:extLst>
   </p:cSld>
@@ -13546,45 +14065,10 @@
       </p:grpSpPr>
       <p:sp>
         <p:nvSpPr>
-          <p:cNvPr id="2" name="Rectangle 1">
+          <p:cNvPr id="2" name="TextBox 1">
             <a:extLst>
               <a:ext uri="{FF2B5EF4-FFF2-40B4-BE49-F238E27FC236}">
-                <a16:creationId xmlns:a16="http://schemas.microsoft.com/office/drawing/2014/main" id="{20C79EFF-5AF5-BE4C-918A-892A6658ECC7}"/>
-              </a:ext>
-            </a:extLst>
-          </p:cNvPr>
-          <p:cNvSpPr/>
-          <p:nvPr/>
-        </p:nvSpPr>
-        <p:spPr>
-          <a:xfrm>
-            <a:off x="3048000" y="2736502"/>
-            <a:ext cx="6096000" cy="1384995"/>
-          </a:xfrm>
-          <a:prstGeom prst="rect">
-            <a:avLst/>
-          </a:prstGeom>
-        </p:spPr>
-        <p:txBody>
-          <a:bodyPr>
-            <a:spAutoFit/>
-          </a:bodyPr>
-          <a:lstStyle/>
-          <a:p>
-            <a:pPr algn="ctr"/>
-            <a:r>
-              <a:rPr lang="en-GB" sz="2800" dirty="0"/>
-              <a:t>We need to be able to add amounts in two different currencies and convert the result given a set of exchange rates.</a:t>
-            </a:r>
-          </a:p>
-        </p:txBody>
-      </p:sp>
-      <p:sp>
-        <p:nvSpPr>
-          <p:cNvPr id="3" name="TextBox 2">
-            <a:extLst>
-              <a:ext uri="{FF2B5EF4-FFF2-40B4-BE49-F238E27FC236}">
-                <a16:creationId xmlns:a16="http://schemas.microsoft.com/office/drawing/2014/main" id="{3B92647E-8794-3B49-903E-AE307836E998}"/>
+                <a16:creationId xmlns:a16="http://schemas.microsoft.com/office/drawing/2014/main" id="{9FD16D62-642E-9540-8947-F81FA4536AA5}"/>
               </a:ext>
             </a:extLst>
           </p:cNvPr>
@@ -13593,8 +14077,8 @@
         </p:nvSpPr>
         <p:spPr>
           <a:xfrm>
-            <a:off x="8221980" y="5113020"/>
-            <a:ext cx="2857500" cy="369332"/>
+            <a:off x="2202180" y="2521059"/>
+            <a:ext cx="7787640" cy="1815882"/>
           </a:xfrm>
           <a:prstGeom prst="rect">
             <a:avLst/>
@@ -13607,9 +14091,50 @@
           </a:bodyPr>
           <a:lstStyle/>
           <a:p>
-            <a:r>
-              <a:rPr lang="en-US" dirty="0"/>
-              <a:t>Kent Beck, TDD By Example</a:t>
+            <a:pPr algn="ctr"/>
+            <a:r>
+              <a:rPr lang="en-US" sz="2800" dirty="0"/>
+              <a:t>The </a:t>
+            </a:r>
+            <a:r>
+              <a:rPr lang="en-US" sz="2800" b="1" dirty="0"/>
+              <a:t>next test</a:t>
+            </a:r>
+            <a:r>
+              <a:rPr lang="en-US" sz="2800" dirty="0"/>
+              <a:t> you write in TDD is just the </a:t>
+            </a:r>
+            <a:r>
+              <a:rPr lang="en-US" sz="2800" b="1" dirty="0"/>
+              <a:t>most obvious step</a:t>
+            </a:r>
+            <a:r>
+              <a:rPr lang="en-US" sz="2800" dirty="0"/>
+              <a:t> that you can make towards </a:t>
+            </a:r>
+            <a:r>
+              <a:rPr lang="en-US" sz="2800" b="1" dirty="0"/>
+              <a:t>implementing</a:t>
+            </a:r>
+            <a:r>
+              <a:rPr lang="en-US" sz="2800" dirty="0"/>
+              <a:t> the requirement given by </a:t>
+            </a:r>
+            <a:r>
+              <a:rPr lang="en-US" sz="2800" b="1" dirty="0"/>
+              <a:t>a</a:t>
+            </a:r>
+            <a:r>
+              <a:rPr lang="en-US" sz="2800" dirty="0"/>
+              <a:t> </a:t>
+            </a:r>
+            <a:r>
+              <a:rPr lang="en-US" sz="2800" b="1" dirty="0"/>
+              <a:t>use case or user story</a:t>
+            </a:r>
+            <a:r>
+              <a:rPr lang="en-US" sz="2800" dirty="0"/>
+              <a:t>.</a:t>
             </a:r>
           </a:p>
         </p:txBody>
@@ -13617,7 +14142,7 @@
     </p:spTree>
     <p:extLst>
       <p:ext uri="{BB962C8B-B14F-4D97-AF65-F5344CB8AC3E}">
-        <p14:creationId xmlns:p14="http://schemas.microsoft.com/office/powerpoint/2010/main" val="2295111930"/>
+        <p14:creationId xmlns:p14="http://schemas.microsoft.com/office/powerpoint/2010/main" val="3538480433"/>
       </p:ext>
     </p:extLst>
   </p:cSld>
@@ -13646,28 +14171,27 @@
       </p:grpSpPr>
       <p:sp>
         <p:nvSpPr>
-          <p:cNvPr id="2" name="TextBox 1">
+          <p:cNvPr id="2" name="Rectangle 1">
             <a:extLst>
               <a:ext uri="{FF2B5EF4-FFF2-40B4-BE49-F238E27FC236}">
-                <a16:creationId xmlns:a16="http://schemas.microsoft.com/office/drawing/2014/main" id="{9FD16D62-642E-9540-8947-F81FA4536AA5}"/>
+                <a16:creationId xmlns:a16="http://schemas.microsoft.com/office/drawing/2014/main" id="{9C45E96A-24B0-B743-9385-E55E61C6C186}"/>
               </a:ext>
             </a:extLst>
           </p:cNvPr>
-          <p:cNvSpPr txBox="1"/>
+          <p:cNvSpPr/>
           <p:nvPr/>
         </p:nvSpPr>
         <p:spPr>
           <a:xfrm>
-            <a:off x="2202180" y="2521059"/>
-            <a:ext cx="7787640" cy="1815882"/>
+            <a:off x="1764030" y="2216259"/>
+            <a:ext cx="8663940" cy="1384995"/>
           </a:xfrm>
           <a:prstGeom prst="rect">
             <a:avLst/>
           </a:prstGeom>
-          <a:noFill/>
         </p:spPr>
         <p:txBody>
-          <a:bodyPr wrap="square" rtlCol="0">
+          <a:bodyPr wrap="square">
             <a:spAutoFit/>
           </a:bodyPr>
           <a:lstStyle/>
@@ -13675,35 +14199,11 @@
             <a:pPr algn="ctr"/>
             <a:r>
               <a:rPr lang="en-US" sz="2800" dirty="0"/>
-              <a:t>The </a:t>
+              <a:t>I found the shift from thinking in </a:t>
             </a:r>
             <a:r>
               <a:rPr lang="en-US" sz="2800" b="1" dirty="0"/>
-              <a:t>next test</a:t>
-            </a:r>
-            <a:r>
-              <a:rPr lang="en-US" sz="2800" dirty="0"/>
-              <a:t> you write in TDD is just the </a:t>
-            </a:r>
-            <a:r>
-              <a:rPr lang="en-US" sz="2800" b="1" dirty="0"/>
-              <a:t>most obvious step</a:t>
-            </a:r>
-            <a:r>
-              <a:rPr lang="en-US" sz="2800" dirty="0"/>
-              <a:t> that you can make towards </a:t>
-            </a:r>
-            <a:r>
-              <a:rPr lang="en-US" sz="2800" b="1" dirty="0"/>
-              <a:t>implementing</a:t>
-            </a:r>
-            <a:r>
-              <a:rPr lang="en-US" sz="2800" dirty="0"/>
-              <a:t> the requirement given by </a:t>
-            </a:r>
-            <a:r>
-              <a:rPr lang="en-US" sz="2800" b="1" dirty="0"/>
-              <a:t>a</a:t>
+              <a:t>tests</a:t>
             </a:r>
             <a:r>
               <a:rPr lang="en-US" sz="2800" dirty="0"/>
@@ -13711,11 +14211,89 @@
             </a:r>
             <a:r>
               <a:rPr lang="en-US" sz="2800" b="1" dirty="0"/>
-              <a:t>use case or user story</a:t>
+              <a:t>to</a:t>
+            </a:r>
+            <a:r>
+              <a:rPr lang="en-US" sz="2800" dirty="0"/>
+              <a:t> thinking in </a:t>
+            </a:r>
+            <a:r>
+              <a:rPr lang="en-US" sz="2800" b="1" dirty="0" err="1"/>
+              <a:t>behaviour</a:t>
+            </a:r>
+            <a:r>
+              <a:rPr lang="en-US" sz="2800" dirty="0"/>
+              <a:t> so profound that I started to refer to </a:t>
+            </a:r>
+            <a:r>
+              <a:rPr lang="en-US" sz="2800" b="1" dirty="0"/>
+              <a:t>TDD as</a:t>
+            </a:r>
+            <a:r>
+              <a:rPr lang="en-US" sz="2800" dirty="0"/>
+              <a:t> BDD, or </a:t>
+            </a:r>
+            <a:r>
+              <a:rPr lang="en-US" sz="2800" b="1" dirty="0" err="1"/>
+              <a:t>behaviour</a:t>
+            </a:r>
+            <a:r>
+              <a:rPr lang="en-US" sz="2800" b="1" dirty="0"/>
+              <a:t>- driven development</a:t>
             </a:r>
             <a:r>
               <a:rPr lang="en-US" sz="2800" dirty="0"/>
               <a:t>.</a:t>
+            </a:r>
+          </a:p>
+        </p:txBody>
+      </p:sp>
+      <p:sp>
+        <p:nvSpPr>
+          <p:cNvPr id="3" name="Rectangle 2">
+            <a:extLst>
+              <a:ext uri="{FF2B5EF4-FFF2-40B4-BE49-F238E27FC236}">
+                <a16:creationId xmlns:a16="http://schemas.microsoft.com/office/drawing/2014/main" id="{63EBED06-8DE8-8A45-A3CE-7CA124CCC403}"/>
+              </a:ext>
+            </a:extLst>
+          </p:cNvPr>
+          <p:cNvSpPr/>
+          <p:nvPr/>
+        </p:nvSpPr>
+        <p:spPr>
+          <a:xfrm>
+            <a:off x="7222223" y="5385554"/>
+            <a:ext cx="3843553" cy="369332"/>
+          </a:xfrm>
+          <a:prstGeom prst="rect">
+            <a:avLst/>
+          </a:prstGeom>
+        </p:spPr>
+        <p:txBody>
+          <a:bodyPr wrap="none">
+            <a:spAutoFit/>
+          </a:bodyPr>
+          <a:lstStyle/>
+          <a:p>
+            <a:r>
+              <a:rPr lang="en-US" dirty="0"/>
+              <a:t>https://</a:t>
+            </a:r>
+            <a:r>
+              <a:rPr lang="en-US" dirty="0" err="1"/>
+              <a:t>dannorth.net</a:t>
+            </a:r>
+            <a:r>
+              <a:rPr lang="en-US" dirty="0"/>
+              <a:t>/introducing-</a:t>
+            </a:r>
+            <a:r>
+              <a:rPr lang="en-US" dirty="0" err="1"/>
+              <a:t>bdd</a:t>
+            </a:r>
+            <a:r>
+              <a:rPr lang="en-US" dirty="0"/>
+              <a:t>/</a:t>
             </a:r>
           </a:p>
         </p:txBody>
@@ -13723,7 +14301,7 @@
     </p:spTree>
     <p:extLst>
       <p:ext uri="{BB962C8B-B14F-4D97-AF65-F5344CB8AC3E}">
-        <p14:creationId xmlns:p14="http://schemas.microsoft.com/office/powerpoint/2010/main" val="3538480433"/>
+        <p14:creationId xmlns:p14="http://schemas.microsoft.com/office/powerpoint/2010/main" val="1408239219"/>
       </p:ext>
     </p:extLst>
   </p:cSld>
@@ -13752,129 +14330,39 @@
       </p:grpSpPr>
       <p:sp>
         <p:nvSpPr>
-          <p:cNvPr id="2" name="Rectangle 1">
+          <p:cNvPr id="4" name="TextBox 3">
             <a:extLst>
               <a:ext uri="{FF2B5EF4-FFF2-40B4-BE49-F238E27FC236}">
-                <a16:creationId xmlns:a16="http://schemas.microsoft.com/office/drawing/2014/main" id="{9C45E96A-24B0-B743-9385-E55E61C6C186}"/>
+                <a16:creationId xmlns:a16="http://schemas.microsoft.com/office/drawing/2014/main" id="{A9FD64D3-63EE-124E-AF32-0D8B156E70AD}"/>
               </a:ext>
             </a:extLst>
           </p:cNvPr>
-          <p:cNvSpPr/>
+          <p:cNvSpPr txBox="1"/>
           <p:nvPr/>
         </p:nvSpPr>
         <p:spPr>
           <a:xfrm>
-            <a:off x="1764030" y="2216259"/>
-            <a:ext cx="8663940" cy="1384995"/>
+            <a:off x="2203472" y="3167390"/>
+            <a:ext cx="7785055" cy="523220"/>
           </a:xfrm>
           <a:prstGeom prst="rect">
             <a:avLst/>
           </a:prstGeom>
+          <a:noFill/>
         </p:spPr>
         <p:txBody>
-          <a:bodyPr wrap="square">
+          <a:bodyPr wrap="square" rtlCol="0">
             <a:spAutoFit/>
           </a:bodyPr>
           <a:lstStyle/>
           <a:p>
-            <a:pPr algn="ctr"/>
-            <a:r>
-              <a:rPr lang="en-US" sz="2800" dirty="0"/>
-              <a:t>I found the shift from thinking in </a:t>
-            </a:r>
-            <a:r>
-              <a:rPr lang="en-US" sz="2800" b="1" dirty="0"/>
-              <a:t>tests</a:t>
-            </a:r>
-            <a:r>
-              <a:rPr lang="en-US" sz="2800" dirty="0"/>
-              <a:t> </a:t>
-            </a:r>
-            <a:r>
-              <a:rPr lang="en-US" sz="2800" b="1" dirty="0"/>
-              <a:t>to</a:t>
-            </a:r>
-            <a:r>
-              <a:rPr lang="en-US" sz="2800" dirty="0"/>
-              <a:t> thinking in </a:t>
-            </a:r>
-            <a:r>
-              <a:rPr lang="en-US" sz="2800" b="1" dirty="0" err="1"/>
-              <a:t>behaviour</a:t>
-            </a:r>
-            <a:r>
-              <a:rPr lang="en-US" sz="2800" dirty="0"/>
-              <a:t> so profound that I started to refer to </a:t>
-            </a:r>
-            <a:r>
-              <a:rPr lang="en-US" sz="2800" b="1" dirty="0"/>
-              <a:t>TDD as</a:t>
-            </a:r>
-            <a:r>
-              <a:rPr lang="en-US" sz="2800" dirty="0"/>
-              <a:t> BDD, or </a:t>
-            </a:r>
-            <a:r>
-              <a:rPr lang="en-US" sz="2800" b="1" dirty="0" err="1"/>
-              <a:t>behaviour</a:t>
-            </a:r>
-            <a:r>
-              <a:rPr lang="en-US" sz="2800" b="1" dirty="0"/>
-              <a:t>- driven development</a:t>
-            </a:r>
-            <a:r>
-              <a:rPr lang="en-US" sz="2800" dirty="0"/>
-              <a:t>.</a:t>
-            </a:r>
-          </a:p>
-        </p:txBody>
-      </p:sp>
-      <p:sp>
-        <p:nvSpPr>
-          <p:cNvPr id="3" name="Rectangle 2">
-            <a:extLst>
-              <a:ext uri="{FF2B5EF4-FFF2-40B4-BE49-F238E27FC236}">
-                <a16:creationId xmlns:a16="http://schemas.microsoft.com/office/drawing/2014/main" id="{63EBED06-8DE8-8A45-A3CE-7CA124CCC403}"/>
-              </a:ext>
-            </a:extLst>
-          </p:cNvPr>
-          <p:cNvSpPr/>
-          <p:nvPr/>
-        </p:nvSpPr>
-        <p:spPr>
-          <a:xfrm>
-            <a:off x="7222223" y="5385554"/>
-            <a:ext cx="3843553" cy="369332"/>
-          </a:xfrm>
-          <a:prstGeom prst="rect">
-            <a:avLst/>
-          </a:prstGeom>
-        </p:spPr>
-        <p:txBody>
-          <a:bodyPr wrap="none">
-            <a:spAutoFit/>
-          </a:bodyPr>
-          <a:lstStyle/>
-          <a:p>
-            <a:r>
-              <a:rPr lang="en-US" dirty="0"/>
-              <a:t>https://</a:t>
-            </a:r>
-            <a:r>
-              <a:rPr lang="en-US" dirty="0" err="1"/>
-              <a:t>dannorth.net</a:t>
-            </a:r>
-            <a:r>
-              <a:rPr lang="en-US" dirty="0"/>
-              <a:t>/introducing-</a:t>
-            </a:r>
-            <a:r>
-              <a:rPr lang="en-US" dirty="0" err="1"/>
-              <a:t>bdd</a:t>
-            </a:r>
-            <a:r>
-              <a:rPr lang="en-US" dirty="0"/>
-              <a:t>/</a:t>
+            <a:r>
+              <a:rPr lang="en-US" sz="2800" b="1" dirty="0">
+                <a:solidFill>
+                  <a:srgbClr val="002060"/>
+                </a:solidFill>
+              </a:rPr>
+              <a:t>4: It doesn’t matter if you are test first or test last</a:t>
             </a:r>
           </a:p>
         </p:txBody>
@@ -13882,7 +14370,7 @@
     </p:spTree>
     <p:extLst>
       <p:ext uri="{BB962C8B-B14F-4D97-AF65-F5344CB8AC3E}">
-        <p14:creationId xmlns:p14="http://schemas.microsoft.com/office/powerpoint/2010/main" val="1408239219"/>
+        <p14:creationId xmlns:p14="http://schemas.microsoft.com/office/powerpoint/2010/main" val="2402966995"/>
       </p:ext>
     </p:extLst>
   </p:cSld>
@@ -13911,10 +14399,69 @@
       </p:grpSpPr>
       <p:sp>
         <p:nvSpPr>
-          <p:cNvPr id="4" name="TextBox 3">
+          <p:cNvPr id="2" name="Rectangle 1">
             <a:extLst>
               <a:ext uri="{FF2B5EF4-FFF2-40B4-BE49-F238E27FC236}">
-                <a16:creationId xmlns:a16="http://schemas.microsoft.com/office/drawing/2014/main" id="{A9FD64D3-63EE-124E-AF32-0D8B156E70AD}"/>
+                <a16:creationId xmlns:a16="http://schemas.microsoft.com/office/drawing/2014/main" id="{DFE3C5B5-40CD-8E4F-A010-3BA13728261A}"/>
+              </a:ext>
+            </a:extLst>
+          </p:cNvPr>
+          <p:cNvSpPr/>
+          <p:nvPr/>
+        </p:nvSpPr>
+        <p:spPr>
+          <a:xfrm>
+            <a:off x="1847850" y="2951946"/>
+            <a:ext cx="8496300" cy="954107"/>
+          </a:xfrm>
+          <a:prstGeom prst="rect">
+            <a:avLst/>
+          </a:prstGeom>
+        </p:spPr>
+        <p:txBody>
+          <a:bodyPr wrap="square">
+            <a:spAutoFit/>
+          </a:bodyPr>
+          <a:lstStyle/>
+          <a:p>
+            <a:pPr algn="ctr"/>
+            <a:r>
+              <a:rPr lang="en-GB" sz="2800" dirty="0">
+                <a:effectLst/>
+                <a:latin typeface="Helvetica" pitchFamily="2" charset="0"/>
+              </a:rPr>
+              <a:t>You need a way to think about </a:t>
+            </a:r>
+            <a:r>
+              <a:rPr lang="en-GB" sz="2800" b="1" dirty="0">
+                <a:effectLst/>
+                <a:latin typeface="Helvetica" pitchFamily="2" charset="0"/>
+              </a:rPr>
+              <a:t>design</a:t>
+            </a:r>
+            <a:r>
+              <a:rPr lang="en-GB" sz="2800" dirty="0">
+                <a:effectLst/>
+                <a:latin typeface="Helvetica" pitchFamily="2" charset="0"/>
+              </a:rPr>
+              <a:t>, you need a method for </a:t>
+            </a:r>
+            <a:r>
+              <a:rPr lang="en-GB" sz="2800" b="1" dirty="0">
+                <a:effectLst/>
+                <a:latin typeface="Helvetica" pitchFamily="2" charset="0"/>
+              </a:rPr>
+              <a:t>scope control</a:t>
+            </a:r>
+          </a:p>
+        </p:txBody>
+      </p:sp>
+      <p:sp>
+        <p:nvSpPr>
+          <p:cNvPr id="3" name="TextBox 2">
+            <a:extLst>
+              <a:ext uri="{FF2B5EF4-FFF2-40B4-BE49-F238E27FC236}">
+                <a16:creationId xmlns:a16="http://schemas.microsoft.com/office/drawing/2014/main" id="{943AC14F-D64E-C74F-A7A6-CD548A061CF7}"/>
               </a:ext>
             </a:extLst>
           </p:cNvPr>
@@ -13923,8 +14470,8 @@
         </p:nvSpPr>
         <p:spPr>
           <a:xfrm>
-            <a:off x="2203472" y="3167390"/>
-            <a:ext cx="7785055" cy="523220"/>
+            <a:off x="8221980" y="5113020"/>
+            <a:ext cx="2857500" cy="369332"/>
           </a:xfrm>
           <a:prstGeom prst="rect">
             <a:avLst/>
@@ -13938,12 +14485,8 @@
           <a:lstStyle/>
           <a:p>
             <a:r>
-              <a:rPr lang="en-US" sz="2800" b="1" dirty="0">
-                <a:solidFill>
-                  <a:srgbClr val="002060"/>
-                </a:solidFill>
-              </a:rPr>
-              <a:t>4: It doesn’t matter if you are test first or test last</a:t>
+              <a:rPr lang="en-US" dirty="0"/>
+              <a:t>Kent Beck, TDD By Example</a:t>
             </a:r>
           </a:p>
         </p:txBody>
@@ -13951,7 +14494,7 @@
     </p:spTree>
     <p:extLst>
       <p:ext uri="{BB962C8B-B14F-4D97-AF65-F5344CB8AC3E}">
-        <p14:creationId xmlns:p14="http://schemas.microsoft.com/office/powerpoint/2010/main" val="2402966995"/>
+        <p14:creationId xmlns:p14="http://schemas.microsoft.com/office/powerpoint/2010/main" val="1333600990"/>
       </p:ext>
     </p:extLst>
   </p:cSld>
@@ -13983,7 +14526,7 @@
           <p:cNvPr id="2" name="Rectangle 1">
             <a:extLst>
               <a:ext uri="{FF2B5EF4-FFF2-40B4-BE49-F238E27FC236}">
-                <a16:creationId xmlns:a16="http://schemas.microsoft.com/office/drawing/2014/main" id="{DFE3C5B5-40CD-8E4F-A010-3BA13728261A}"/>
+                <a16:creationId xmlns:a16="http://schemas.microsoft.com/office/drawing/2014/main" id="{6EFFF230-453A-C046-BA07-3887C5B30FE5}"/>
               </a:ext>
             </a:extLst>
           </p:cNvPr>
@@ -13992,8 +14535,8 @@
         </p:nvSpPr>
         <p:spPr>
           <a:xfrm>
-            <a:off x="1847850" y="2951946"/>
-            <a:ext cx="8496300" cy="954107"/>
+            <a:off x="1573530" y="2736502"/>
+            <a:ext cx="9044940" cy="1384995"/>
           </a:xfrm>
           <a:prstGeom prst="rect">
             <a:avLst/>
@@ -14007,32 +14550,16 @@
           <a:p>
             <a:pPr algn="ctr"/>
             <a:r>
-              <a:rPr lang="en-GB" sz="2800" dirty="0">
-                <a:effectLst/>
-                <a:latin typeface="Helvetica" pitchFamily="2" charset="0"/>
-              </a:rPr>
-              <a:t>You need a way to think about </a:t>
-            </a:r>
-            <a:r>
-              <a:rPr lang="en-GB" sz="2800" b="1" dirty="0">
-                <a:effectLst/>
-                <a:latin typeface="Helvetica" pitchFamily="2" charset="0"/>
-              </a:rPr>
-              <a:t>design</a:t>
-            </a:r>
-            <a:r>
-              <a:rPr lang="en-GB" sz="2800" dirty="0">
-                <a:effectLst/>
-                <a:latin typeface="Helvetica" pitchFamily="2" charset="0"/>
-              </a:rPr>
-              <a:t>, you need a method for </a:t>
-            </a:r>
-            <a:r>
-              <a:rPr lang="en-GB" sz="2800" b="1" dirty="0">
-                <a:effectLst/>
-                <a:latin typeface="Helvetica" pitchFamily="2" charset="0"/>
-              </a:rPr>
-              <a:t>scope control</a:t>
+              <a:rPr lang="en-US" sz="2800" dirty="0"/>
+              <a:t>When we write a test, we imagine the perfect interface for our operation. We are</a:t>
+            </a:r>
+            <a:r>
+              <a:rPr lang="en-US" sz="2800" b="1" dirty="0"/>
+              <a:t> telling ourselves a story about how the operation will look from the outside</a:t>
+            </a:r>
+            <a:r>
+              <a:rPr lang="en-US" sz="2800" dirty="0"/>
+              <a:t>. </a:t>
             </a:r>
           </a:p>
         </p:txBody>
@@ -14042,7 +14569,7 @@
           <p:cNvPr id="3" name="TextBox 2">
             <a:extLst>
               <a:ext uri="{FF2B5EF4-FFF2-40B4-BE49-F238E27FC236}">
-                <a16:creationId xmlns:a16="http://schemas.microsoft.com/office/drawing/2014/main" id="{943AC14F-D64E-C74F-A7A6-CD548A061CF7}"/>
+                <a16:creationId xmlns:a16="http://schemas.microsoft.com/office/drawing/2014/main" id="{FC855D09-DDC8-FC40-9A3B-ECC6FAF305DB}"/>
               </a:ext>
             </a:extLst>
           </p:cNvPr>
@@ -14075,7 +14602,7 @@
     </p:spTree>
     <p:extLst>
       <p:ext uri="{BB962C8B-B14F-4D97-AF65-F5344CB8AC3E}">
-        <p14:creationId xmlns:p14="http://schemas.microsoft.com/office/powerpoint/2010/main" val="1333600990"/>
+        <p14:creationId xmlns:p14="http://schemas.microsoft.com/office/powerpoint/2010/main" val="1759937758"/>
       </p:ext>
     </p:extLst>
   </p:cSld>
@@ -14104,53 +14631,10 @@
       </p:grpSpPr>
       <p:sp>
         <p:nvSpPr>
-          <p:cNvPr id="2" name="Rectangle 1">
+          <p:cNvPr id="2" name="TextBox 1">
             <a:extLst>
               <a:ext uri="{FF2B5EF4-FFF2-40B4-BE49-F238E27FC236}">
-                <a16:creationId xmlns:a16="http://schemas.microsoft.com/office/drawing/2014/main" id="{6EFFF230-453A-C046-BA07-3887C5B30FE5}"/>
-              </a:ext>
-            </a:extLst>
-          </p:cNvPr>
-          <p:cNvSpPr/>
-          <p:nvPr/>
-        </p:nvSpPr>
-        <p:spPr>
-          <a:xfrm>
-            <a:off x="1573530" y="2736502"/>
-            <a:ext cx="9044940" cy="1384995"/>
-          </a:xfrm>
-          <a:prstGeom prst="rect">
-            <a:avLst/>
-          </a:prstGeom>
-        </p:spPr>
-        <p:txBody>
-          <a:bodyPr wrap="square">
-            <a:spAutoFit/>
-          </a:bodyPr>
-          <a:lstStyle/>
-          <a:p>
-            <a:pPr algn="ctr"/>
-            <a:r>
-              <a:rPr lang="en-US" sz="2800" dirty="0"/>
-              <a:t>When we write a test, we imagine the perfect interface for our operation. We are</a:t>
-            </a:r>
-            <a:r>
-              <a:rPr lang="en-US" sz="2800" b="1" dirty="0"/>
-              <a:t> telling ourselves a story about how the operation will look from the outside</a:t>
-            </a:r>
-            <a:r>
-              <a:rPr lang="en-US" sz="2800" dirty="0"/>
-              <a:t>. </a:t>
-            </a:r>
-          </a:p>
-        </p:txBody>
-      </p:sp>
-      <p:sp>
-        <p:nvSpPr>
-          <p:cNvPr id="3" name="TextBox 2">
-            <a:extLst>
-              <a:ext uri="{FF2B5EF4-FFF2-40B4-BE49-F238E27FC236}">
-                <a16:creationId xmlns:a16="http://schemas.microsoft.com/office/drawing/2014/main" id="{FC855D09-DDC8-FC40-9A3B-ECC6FAF305DB}"/>
+                <a16:creationId xmlns:a16="http://schemas.microsoft.com/office/drawing/2014/main" id="{7B039B16-1375-B34B-B9BB-14E3FBD3571C}"/>
               </a:ext>
             </a:extLst>
           </p:cNvPr>
@@ -14159,8 +14643,8 @@
         </p:nvSpPr>
         <p:spPr>
           <a:xfrm>
-            <a:off x="8221980" y="5113020"/>
-            <a:ext cx="2857500" cy="369332"/>
+            <a:off x="2007870" y="2736502"/>
+            <a:ext cx="8176260" cy="1384995"/>
           </a:xfrm>
           <a:prstGeom prst="rect">
             <a:avLst/>
@@ -14173,9 +14657,10 @@
           </a:bodyPr>
           <a:lstStyle/>
           <a:p>
-            <a:r>
-              <a:rPr lang="en-US" dirty="0"/>
-              <a:t>Kent Beck, TDD By Example</a:t>
+            <a:pPr algn="ctr"/>
+            <a:r>
+              <a:rPr lang="en-US" sz="2800" dirty="0"/>
+              <a:t>If you are struggling to write a test, because the acceptance criteria for the story are not clear – TDD is working</a:t>
             </a:r>
           </a:p>
         </p:txBody>
@@ -14183,7 +14668,7 @@
     </p:spTree>
     <p:extLst>
       <p:ext uri="{BB962C8B-B14F-4D97-AF65-F5344CB8AC3E}">
-        <p14:creationId xmlns:p14="http://schemas.microsoft.com/office/powerpoint/2010/main" val="1759937758"/>
+        <p14:creationId xmlns:p14="http://schemas.microsoft.com/office/powerpoint/2010/main" val="754337517"/>
       </p:ext>
     </p:extLst>
   </p:cSld>
@@ -14212,10 +14697,58 @@
       </p:grpSpPr>
       <p:sp>
         <p:nvSpPr>
-          <p:cNvPr id="2" name="TextBox 1">
+          <p:cNvPr id="2" name="Rectangle 1">
             <a:extLst>
               <a:ext uri="{FF2B5EF4-FFF2-40B4-BE49-F238E27FC236}">
-                <a16:creationId xmlns:a16="http://schemas.microsoft.com/office/drawing/2014/main" id="{7B039B16-1375-B34B-B9BB-14E3FBD3571C}"/>
+                <a16:creationId xmlns:a16="http://schemas.microsoft.com/office/drawing/2014/main" id="{410FCBC3-DDAB-D741-9293-4ADB52D760A4}"/>
+              </a:ext>
+            </a:extLst>
+          </p:cNvPr>
+          <p:cNvSpPr/>
+          <p:nvPr/>
+        </p:nvSpPr>
+        <p:spPr>
+          <a:xfrm>
+            <a:off x="1817370" y="2736502"/>
+            <a:ext cx="8557260" cy="1384995"/>
+          </a:xfrm>
+          <a:prstGeom prst="rect">
+            <a:avLst/>
+          </a:prstGeom>
+        </p:spPr>
+        <p:txBody>
+          <a:bodyPr wrap="square">
+            <a:spAutoFit/>
+          </a:bodyPr>
+          <a:lstStyle/>
+          <a:p>
+            <a:pPr algn="ctr"/>
+            <a:r>
+              <a:rPr lang="en-GB" sz="2800" dirty="0">
+                <a:effectLst/>
+                <a:latin typeface="Helvetica" pitchFamily="2" charset="0"/>
+              </a:rPr>
+              <a:t>One of the hardest things to communicate about test-driven development is the mental state that it</a:t>
+            </a:r>
+          </a:p>
+          <a:p>
+            <a:pPr algn="ctr"/>
+            <a:r>
+              <a:rPr lang="en-GB" sz="2800" dirty="0">
+                <a:effectLst/>
+                <a:latin typeface="Helvetica" pitchFamily="2" charset="0"/>
+              </a:rPr>
+              <a:t>puts you in.</a:t>
+            </a:r>
+          </a:p>
+        </p:txBody>
+      </p:sp>
+      <p:sp>
+        <p:nvSpPr>
+          <p:cNvPr id="3" name="TextBox 2">
+            <a:extLst>
+              <a:ext uri="{FF2B5EF4-FFF2-40B4-BE49-F238E27FC236}">
+                <a16:creationId xmlns:a16="http://schemas.microsoft.com/office/drawing/2014/main" id="{277AD38A-E462-4F4D-9DDC-0506CC3F9546}"/>
               </a:ext>
             </a:extLst>
           </p:cNvPr>
@@ -14224,8 +14757,8 @@
         </p:nvSpPr>
         <p:spPr>
           <a:xfrm>
-            <a:off x="2007870" y="2736502"/>
-            <a:ext cx="8176260" cy="1384995"/>
+            <a:off x="6736080" y="5113020"/>
+            <a:ext cx="4343400" cy="369332"/>
           </a:xfrm>
           <a:prstGeom prst="rect">
             <a:avLst/>
@@ -14238,10 +14771,9 @@
           </a:bodyPr>
           <a:lstStyle/>
           <a:p>
-            <a:pPr algn="ctr"/>
-            <a:r>
-              <a:rPr lang="en-US" sz="2800" dirty="0"/>
-              <a:t>If you are struggling to write a test, because the acceptance criteria for the story are not clear – TDD is working</a:t>
+            <a:r>
+              <a:rPr lang="en-US" dirty="0"/>
+              <a:t>Martin Fowler in Kent Beck, TDD By Example</a:t>
             </a:r>
           </a:p>
         </p:txBody>
@@ -14249,7 +14781,7 @@
     </p:spTree>
     <p:extLst>
       <p:ext uri="{BB962C8B-B14F-4D97-AF65-F5344CB8AC3E}">
-        <p14:creationId xmlns:p14="http://schemas.microsoft.com/office/powerpoint/2010/main" val="754337517"/>
+        <p14:creationId xmlns:p14="http://schemas.microsoft.com/office/powerpoint/2010/main" val="1112305440"/>
       </p:ext>
     </p:extLst>
   </p:cSld>
@@ -14278,58 +14810,10 @@
       </p:grpSpPr>
       <p:sp>
         <p:nvSpPr>
-          <p:cNvPr id="2" name="Rectangle 1">
+          <p:cNvPr id="4" name="TextBox 3">
             <a:extLst>
               <a:ext uri="{FF2B5EF4-FFF2-40B4-BE49-F238E27FC236}">
-                <a16:creationId xmlns:a16="http://schemas.microsoft.com/office/drawing/2014/main" id="{410FCBC3-DDAB-D741-9293-4ADB52D760A4}"/>
-              </a:ext>
-            </a:extLst>
-          </p:cNvPr>
-          <p:cNvSpPr/>
-          <p:nvPr/>
-        </p:nvSpPr>
-        <p:spPr>
-          <a:xfrm>
-            <a:off x="1817370" y="2736502"/>
-            <a:ext cx="8557260" cy="1384995"/>
-          </a:xfrm>
-          <a:prstGeom prst="rect">
-            <a:avLst/>
-          </a:prstGeom>
-        </p:spPr>
-        <p:txBody>
-          <a:bodyPr wrap="square">
-            <a:spAutoFit/>
-          </a:bodyPr>
-          <a:lstStyle/>
-          <a:p>
-            <a:pPr algn="ctr"/>
-            <a:r>
-              <a:rPr lang="en-GB" sz="2800" dirty="0">
-                <a:effectLst/>
-                <a:latin typeface="Helvetica" pitchFamily="2" charset="0"/>
-              </a:rPr>
-              <a:t>One of the hardest things to communicate about test-driven development is the mental state that it</a:t>
-            </a:r>
-          </a:p>
-          <a:p>
-            <a:pPr algn="ctr"/>
-            <a:r>
-              <a:rPr lang="en-GB" sz="2800" dirty="0">
-                <a:effectLst/>
-                <a:latin typeface="Helvetica" pitchFamily="2" charset="0"/>
-              </a:rPr>
-              <a:t>puts you in.</a:t>
-            </a:r>
-          </a:p>
-        </p:txBody>
-      </p:sp>
-      <p:sp>
-        <p:nvSpPr>
-          <p:cNvPr id="3" name="TextBox 2">
-            <a:extLst>
-              <a:ext uri="{FF2B5EF4-FFF2-40B4-BE49-F238E27FC236}">
-                <a16:creationId xmlns:a16="http://schemas.microsoft.com/office/drawing/2014/main" id="{277AD38A-E462-4F4D-9DDC-0506CC3F9546}"/>
+                <a16:creationId xmlns:a16="http://schemas.microsoft.com/office/drawing/2014/main" id="{A9FD64D3-63EE-124E-AF32-0D8B156E70AD}"/>
               </a:ext>
             </a:extLst>
           </p:cNvPr>
@@ -14338,8 +14822,8 @@
         </p:nvSpPr>
         <p:spPr>
           <a:xfrm>
-            <a:off x="6736080" y="5113020"/>
-            <a:ext cx="4343400" cy="369332"/>
+            <a:off x="2378276" y="3167390"/>
+            <a:ext cx="7435448" cy="523220"/>
           </a:xfrm>
           <a:prstGeom prst="rect">
             <a:avLst/>
@@ -14353,8 +14837,12 @@
           <a:lstStyle/>
           <a:p>
             <a:r>
-              <a:rPr lang="en-US" dirty="0"/>
-              <a:t>Martin Fowler in Kent Beck, TDD By Example</a:t>
+              <a:rPr lang="en-US" sz="2800" b="1" dirty="0">
+                <a:solidFill>
+                  <a:srgbClr val="002060"/>
+                </a:solidFill>
+              </a:rPr>
+              <a:t>5: You want 100% test coverage of your code</a:t>
             </a:r>
           </a:p>
         </p:txBody>
@@ -14362,7 +14850,7 @@
     </p:spTree>
     <p:extLst>
       <p:ext uri="{BB962C8B-B14F-4D97-AF65-F5344CB8AC3E}">
-        <p14:creationId xmlns:p14="http://schemas.microsoft.com/office/powerpoint/2010/main" val="1112305440"/>
+        <p14:creationId xmlns:p14="http://schemas.microsoft.com/office/powerpoint/2010/main" val="3389878287"/>
       </p:ext>
     </p:extLst>
   </p:cSld>
@@ -14391,10 +14879,10 @@
       </p:grpSpPr>
       <p:sp>
         <p:nvSpPr>
-          <p:cNvPr id="4" name="TextBox 3">
+          <p:cNvPr id="2" name="TextBox 1">
             <a:extLst>
               <a:ext uri="{FF2B5EF4-FFF2-40B4-BE49-F238E27FC236}">
-                <a16:creationId xmlns:a16="http://schemas.microsoft.com/office/drawing/2014/main" id="{A9FD64D3-63EE-124E-AF32-0D8B156E70AD}"/>
+                <a16:creationId xmlns:a16="http://schemas.microsoft.com/office/drawing/2014/main" id="{39F265B2-3241-CA4B-8B6A-C4ACCB85AC2F}"/>
               </a:ext>
             </a:extLst>
           </p:cNvPr>
@@ -14403,8 +14891,8 @@
         </p:nvSpPr>
         <p:spPr>
           <a:xfrm>
-            <a:off x="2378276" y="3167390"/>
-            <a:ext cx="7435448" cy="523220"/>
+            <a:off x="2306847" y="3167390"/>
+            <a:ext cx="8066119" cy="523220"/>
           </a:xfrm>
           <a:prstGeom prst="rect">
             <a:avLst/>
@@ -14412,18 +14900,14 @@
           <a:noFill/>
         </p:spPr>
         <p:txBody>
-          <a:bodyPr wrap="square" rtlCol="0">
+          <a:bodyPr wrap="none" rtlCol="0">
             <a:spAutoFit/>
           </a:bodyPr>
           <a:lstStyle/>
           <a:p>
             <a:r>
-              <a:rPr lang="en-US" sz="2800" b="1" dirty="0">
-                <a:solidFill>
-                  <a:srgbClr val="002060"/>
-                </a:solidFill>
-              </a:rPr>
-              <a:t>5: You want 100% test coverage of your code</a:t>
+              <a:rPr lang="en-US" sz="2800" dirty="0"/>
+              <a:t>If we test first, we don’t end up with speculative code.</a:t>
             </a:r>
           </a:p>
         </p:txBody>
@@ -14431,7 +14915,7 @@
     </p:spTree>
     <p:extLst>
       <p:ext uri="{BB962C8B-B14F-4D97-AF65-F5344CB8AC3E}">
-        <p14:creationId xmlns:p14="http://schemas.microsoft.com/office/powerpoint/2010/main" val="3389878287"/>
+        <p14:creationId xmlns:p14="http://schemas.microsoft.com/office/powerpoint/2010/main" val="3965869838"/>
       </p:ext>
     </p:extLst>
   </p:cSld>
@@ -14458,79 +14942,103 @@
           <a:chExt cx="0" cy="0"/>
         </a:xfrm>
       </p:grpSpPr>
-      <p:pic>
-        <p:nvPicPr>
-          <p:cNvPr id="3" name="Picture 2">
-            <a:extLst>
-              <a:ext uri="{FF2B5EF4-FFF2-40B4-BE49-F238E27FC236}">
-                <a16:creationId xmlns:a16="http://schemas.microsoft.com/office/drawing/2014/main" id="{977D2D18-C9CC-5E43-AC08-C2B015333D20}"/>
-              </a:ext>
-            </a:extLst>
-          </p:cNvPr>
-          <p:cNvPicPr>
-            <a:picLocks noChangeAspect="1"/>
-          </p:cNvPicPr>
-          <p:nvPr/>
-        </p:nvPicPr>
-        <p:blipFill>
-          <a:blip r:embed="rId2"/>
-          <a:stretch>
-            <a:fillRect/>
-          </a:stretch>
-        </p:blipFill>
-        <p:spPr>
-          <a:xfrm>
-            <a:off x="3532682" y="419725"/>
-            <a:ext cx="5126636" cy="5107272"/>
-          </a:xfrm>
-          <a:prstGeom prst="rect">
-            <a:avLst/>
-          </a:prstGeom>
-        </p:spPr>
-      </p:pic>
-      <p:sp>
-        <p:nvSpPr>
-          <p:cNvPr id="4" name="Rectangle 3">
-            <a:extLst>
-              <a:ext uri="{FF2B5EF4-FFF2-40B4-BE49-F238E27FC236}">
-                <a16:creationId xmlns:a16="http://schemas.microsoft.com/office/drawing/2014/main" id="{C2BBFE5F-2213-C344-90E4-04071BD49071}"/>
-              </a:ext>
-            </a:extLst>
-          </p:cNvPr>
-          <p:cNvSpPr/>
-          <p:nvPr/>
-        </p:nvSpPr>
-        <p:spPr>
-          <a:xfrm>
-            <a:off x="4811843" y="5756223"/>
-            <a:ext cx="2998031" cy="523220"/>
-          </a:xfrm>
-          <a:prstGeom prst="rect">
-            <a:avLst/>
-          </a:prstGeom>
-        </p:spPr>
-        <p:txBody>
-          <a:bodyPr wrap="square">
-            <a:spAutoFit/>
+      <p:sp>
+        <p:nvSpPr>
+          <p:cNvPr id="2" name="Title 1"/>
+          <p:cNvSpPr>
+            <a:spLocks noGrp="1"/>
+          </p:cNvSpPr>
+          <p:nvPr>
+            <p:ph type="title"/>
+          </p:nvPr>
+        </p:nvSpPr>
+        <p:spPr/>
+        <p:txBody>
+          <a:bodyPr/>
+          <a:lstStyle/>
+          <a:p>
+            <a:r>
+              <a:rPr lang="en-US" dirty="0"/>
+              <a:t>Agenda</a:t>
+            </a:r>
+          </a:p>
+        </p:txBody>
+      </p:sp>
+      <p:sp>
+        <p:nvSpPr>
+          <p:cNvPr id="3" name="Content Placeholder 2"/>
+          <p:cNvSpPr>
+            <a:spLocks noGrp="1"/>
+          </p:cNvSpPr>
+          <p:nvPr>
+            <p:ph idx="1"/>
+          </p:nvPr>
+        </p:nvSpPr>
+        <p:spPr/>
+        <p:txBody>
+          <a:bodyPr>
+            <a:normAutofit/>
           </a:bodyPr>
           <a:lstStyle/>
           <a:p>
             <a:r>
-              <a:rPr lang="en-GB" dirty="0"/>
-              <a:t>@</a:t>
-            </a:r>
-            <a:r>
-              <a:rPr lang="en-GB" sz="2800" dirty="0" err="1"/>
-              <a:t>LondonDotNet</a:t>
-            </a:r>
-            <a:endParaRPr lang="en-US" sz="2800" dirty="0"/>
+              <a:rPr lang="en-US" dirty="0"/>
+              <a:t>The Fallacies of TDD</a:t>
+            </a:r>
+          </a:p>
+          <a:p>
+            <a:r>
+              <a:rPr lang="en-US" dirty="0"/>
+              <a:t>Red-Green-Refactor</a:t>
+            </a:r>
+          </a:p>
+          <a:p>
+            <a:r>
+              <a:rPr lang="en-US" dirty="0"/>
+              <a:t>Behavior not Details</a:t>
+            </a:r>
+          </a:p>
+          <a:p>
+            <a:r>
+              <a:rPr lang="en-US" dirty="0"/>
+              <a:t>Clean Architecture</a:t>
+            </a:r>
+          </a:p>
+          <a:p>
+            <a:r>
+              <a:rPr lang="en-US" dirty="0"/>
+              <a:t>Principles</a:t>
+            </a:r>
+          </a:p>
+        </p:txBody>
+      </p:sp>
+      <p:sp>
+        <p:nvSpPr>
+          <p:cNvPr id="4" name="Slide Number Placeholder 3"/>
+          <p:cNvSpPr>
+            <a:spLocks noGrp="1"/>
+          </p:cNvSpPr>
+          <p:nvPr>
+            <p:ph type="sldNum" sz="quarter" idx="12"/>
+          </p:nvPr>
+        </p:nvSpPr>
+        <p:spPr/>
+        <p:txBody>
+          <a:bodyPr/>
+          <a:lstStyle/>
+          <a:p>
+            <a:fld id="{AA792DF1-A555-43FA-AD2F-E7EC51E120F1}" type="slidenum">
+              <a:rPr lang="en-GB" smtClean="0"/>
+              <a:t>4</a:t>
+            </a:fld>
+            <a:endParaRPr lang="en-GB"/>
           </a:p>
         </p:txBody>
       </p:sp>
     </p:spTree>
     <p:extLst>
       <p:ext uri="{BB962C8B-B14F-4D97-AF65-F5344CB8AC3E}">
-        <p14:creationId xmlns:p14="http://schemas.microsoft.com/office/powerpoint/2010/main" val="179183447"/>
+        <p14:creationId xmlns:p14="http://schemas.microsoft.com/office/powerpoint/2010/main" val="3170649224"/>
       </p:ext>
     </p:extLst>
   </p:cSld>
@@ -14571,8 +15079,8 @@
         </p:nvSpPr>
         <p:spPr>
           <a:xfrm>
-            <a:off x="2306847" y="3167390"/>
-            <a:ext cx="8066119" cy="523220"/>
+            <a:off x="1843033" y="2940055"/>
+            <a:ext cx="8505933" cy="977890"/>
           </a:xfrm>
           <a:prstGeom prst="rect">
             <a:avLst/>
@@ -14580,14 +15088,15 @@
           <a:noFill/>
         </p:spPr>
         <p:txBody>
-          <a:bodyPr wrap="none" rtlCol="0">
+          <a:bodyPr wrap="square" rtlCol="0">
             <a:spAutoFit/>
           </a:bodyPr>
           <a:lstStyle/>
           <a:p>
+            <a:pPr algn="ctr"/>
             <a:r>
               <a:rPr lang="en-US" sz="2800" dirty="0"/>
-              <a:t>If we test first, we don’t end up with speculative code.</a:t>
+              <a:t>We should not introduce new paths in refactoring, we need a new test.</a:t>
             </a:r>
           </a:p>
         </p:txBody>
@@ -14595,7 +15104,7 @@
     </p:spTree>
     <p:extLst>
       <p:ext uri="{BB962C8B-B14F-4D97-AF65-F5344CB8AC3E}">
-        <p14:creationId xmlns:p14="http://schemas.microsoft.com/office/powerpoint/2010/main" val="3965869838"/>
+        <p14:creationId xmlns:p14="http://schemas.microsoft.com/office/powerpoint/2010/main" val="1241705322"/>
       </p:ext>
     </p:extLst>
   </p:cSld>
@@ -14627,72 +15136,6 @@
           <p:cNvPr id="2" name="TextBox 1">
             <a:extLst>
               <a:ext uri="{FF2B5EF4-FFF2-40B4-BE49-F238E27FC236}">
-                <a16:creationId xmlns:a16="http://schemas.microsoft.com/office/drawing/2014/main" id="{39F265B2-3241-CA4B-8B6A-C4ACCB85AC2F}"/>
-              </a:ext>
-            </a:extLst>
-          </p:cNvPr>
-          <p:cNvSpPr txBox="1"/>
-          <p:nvPr/>
-        </p:nvSpPr>
-        <p:spPr>
-          <a:xfrm>
-            <a:off x="1843033" y="2940055"/>
-            <a:ext cx="8505933" cy="977890"/>
-          </a:xfrm>
-          <a:prstGeom prst="rect">
-            <a:avLst/>
-          </a:prstGeom>
-          <a:noFill/>
-        </p:spPr>
-        <p:txBody>
-          <a:bodyPr wrap="square" rtlCol="0">
-            <a:spAutoFit/>
-          </a:bodyPr>
-          <a:lstStyle/>
-          <a:p>
-            <a:pPr algn="ctr"/>
-            <a:r>
-              <a:rPr lang="en-US" sz="2800" dirty="0"/>
-              <a:t>We should not introduce new paths in refactoring, we need a new test.</a:t>
-            </a:r>
-          </a:p>
-        </p:txBody>
-      </p:sp>
-    </p:spTree>
-    <p:extLst>
-      <p:ext uri="{BB962C8B-B14F-4D97-AF65-F5344CB8AC3E}">
-        <p14:creationId xmlns:p14="http://schemas.microsoft.com/office/powerpoint/2010/main" val="1241705322"/>
-      </p:ext>
-    </p:extLst>
-  </p:cSld>
-  <p:clrMapOvr>
-    <a:masterClrMapping/>
-  </p:clrMapOvr>
-</p:sld>
-</file>
-
-<file path=ppt/slides/slide42.xml><?xml version="1.0" encoding="utf-8"?>
-<p:sld xmlns:a="http://schemas.openxmlformats.org/drawingml/2006/main" xmlns:r="http://schemas.openxmlformats.org/officeDocument/2006/relationships" xmlns:p="http://schemas.openxmlformats.org/presentationml/2006/main">
-  <p:cSld>
-    <p:spTree>
-      <p:nvGrpSpPr>
-        <p:cNvPr id="1" name=""/>
-        <p:cNvGrpSpPr/>
-        <p:nvPr/>
-      </p:nvGrpSpPr>
-      <p:grpSpPr>
-        <a:xfrm>
-          <a:off x="0" y="0"/>
-          <a:ext cx="0" cy="0"/>
-          <a:chOff x="0" y="0"/>
-          <a:chExt cx="0" cy="0"/>
-        </a:xfrm>
-      </p:grpSpPr>
-      <p:sp>
-        <p:nvSpPr>
-          <p:cNvPr id="2" name="TextBox 1">
-            <a:extLst>
-              <a:ext uri="{FF2B5EF4-FFF2-40B4-BE49-F238E27FC236}">
                 <a16:creationId xmlns:a16="http://schemas.microsoft.com/office/drawing/2014/main" id="{A13CF130-2B21-854E-A75F-5996BCE143B1}"/>
               </a:ext>
             </a:extLst>
@@ -14737,7 +15180,7 @@
 </p:sld>
 </file>
 
-<file path=ppt/slides/slide43.xml><?xml version="1.0" encoding="utf-8"?>
+<file path=ppt/slides/slide42.xml><?xml version="1.0" encoding="utf-8"?>
 <p:sld xmlns:a="http://schemas.openxmlformats.org/drawingml/2006/main" xmlns:r="http://schemas.openxmlformats.org/officeDocument/2006/relationships" xmlns:p="http://schemas.openxmlformats.org/presentationml/2006/main">
   <p:cSld>
     <p:spTree>
@@ -15127,6 +15570,396 @@
 </p:sld>
 </file>
 
+<file path=ppt/slides/slide43.xml><?xml version="1.0" encoding="utf-8"?>
+<p:sld xmlns:a="http://schemas.openxmlformats.org/drawingml/2006/main" xmlns:r="http://schemas.openxmlformats.org/officeDocument/2006/relationships" xmlns:p="http://schemas.openxmlformats.org/presentationml/2006/main">
+  <p:cSld>
+    <p:spTree>
+      <p:nvGrpSpPr>
+        <p:cNvPr id="1" name=""/>
+        <p:cNvGrpSpPr/>
+        <p:nvPr/>
+      </p:nvGrpSpPr>
+      <p:grpSpPr>
+        <a:xfrm>
+          <a:off x="0" y="0"/>
+          <a:ext cx="0" cy="0"/>
+          <a:chOff x="0" y="0"/>
+          <a:chExt cx="0" cy="0"/>
+        </a:xfrm>
+      </p:grpSpPr>
+      <p:sp>
+        <p:nvSpPr>
+          <p:cNvPr id="2" name="TextBox 1">
+            <a:extLst>
+              <a:ext uri="{FF2B5EF4-FFF2-40B4-BE49-F238E27FC236}">
+                <a16:creationId xmlns:a16="http://schemas.microsoft.com/office/drawing/2014/main" id="{A13CF130-2B21-854E-A75F-5996BCE143B1}"/>
+              </a:ext>
+            </a:extLst>
+          </p:cNvPr>
+          <p:cNvSpPr txBox="1"/>
+          <p:nvPr/>
+        </p:nvSpPr>
+        <p:spPr>
+          <a:xfrm>
+            <a:off x="1621361" y="1499183"/>
+            <a:ext cx="8505933" cy="523220"/>
+          </a:xfrm>
+          <a:prstGeom prst="rect">
+            <a:avLst/>
+          </a:prstGeom>
+          <a:noFill/>
+        </p:spPr>
+        <p:txBody>
+          <a:bodyPr wrap="square" rtlCol="0">
+            <a:spAutoFit/>
+          </a:bodyPr>
+          <a:lstStyle/>
+          <a:p>
+            <a:pPr algn="ctr"/>
+            <a:r>
+              <a:rPr lang="en-US" sz="2800" dirty="0"/>
+              <a:t>TDD is for fast binary feedback.</a:t>
+            </a:r>
+          </a:p>
+        </p:txBody>
+      </p:sp>
+      <p:sp>
+        <p:nvSpPr>
+          <p:cNvPr id="3" name="TextBox 2">
+            <a:extLst>
+              <a:ext uri="{FF2B5EF4-FFF2-40B4-BE49-F238E27FC236}">
+                <a16:creationId xmlns:a16="http://schemas.microsoft.com/office/drawing/2014/main" id="{1702D694-4FE7-E341-B290-8B9397B0504F}"/>
+              </a:ext>
+            </a:extLst>
+          </p:cNvPr>
+          <p:cNvSpPr txBox="1"/>
+          <p:nvPr/>
+        </p:nvSpPr>
+        <p:spPr>
+          <a:xfrm>
+            <a:off x="1898452" y="2538274"/>
+            <a:ext cx="8505933" cy="523220"/>
+          </a:xfrm>
+          <a:prstGeom prst="rect">
+            <a:avLst/>
+          </a:prstGeom>
+          <a:noFill/>
+        </p:spPr>
+        <p:txBody>
+          <a:bodyPr wrap="square" rtlCol="0">
+            <a:spAutoFit/>
+          </a:bodyPr>
+          <a:lstStyle/>
+          <a:p>
+            <a:pPr algn="ctr"/>
+            <a:r>
+              <a:rPr lang="en-US" sz="2800" dirty="0"/>
+              <a:t>It works best where we can develop in short cycles.</a:t>
+            </a:r>
+          </a:p>
+        </p:txBody>
+      </p:sp>
+      <p:sp>
+        <p:nvSpPr>
+          <p:cNvPr id="4" name="TextBox 3">
+            <a:extLst>
+              <a:ext uri="{FF2B5EF4-FFF2-40B4-BE49-F238E27FC236}">
+                <a16:creationId xmlns:a16="http://schemas.microsoft.com/office/drawing/2014/main" id="{0A2611D6-3D6D-D54B-9DC1-A7D1CA4F7E53}"/>
+              </a:ext>
+            </a:extLst>
+          </p:cNvPr>
+          <p:cNvSpPr txBox="1"/>
+          <p:nvPr/>
+        </p:nvSpPr>
+        <p:spPr>
+          <a:xfrm>
+            <a:off x="1226317" y="3577365"/>
+            <a:ext cx="9850202" cy="523220"/>
+          </a:xfrm>
+          <a:prstGeom prst="rect">
+            <a:avLst/>
+          </a:prstGeom>
+          <a:noFill/>
+        </p:spPr>
+        <p:txBody>
+          <a:bodyPr wrap="square" rtlCol="0">
+            <a:spAutoFit/>
+          </a:bodyPr>
+          <a:lstStyle/>
+          <a:p>
+            <a:pPr algn="ctr"/>
+            <a:r>
+              <a:rPr lang="en-US" sz="2800" dirty="0"/>
+              <a:t>If the feedback is not quick, consider another method to confirm</a:t>
+            </a:r>
+          </a:p>
+        </p:txBody>
+      </p:sp>
+      <p:sp>
+        <p:nvSpPr>
+          <p:cNvPr id="5" name="TextBox 4">
+            <a:extLst>
+              <a:ext uri="{FF2B5EF4-FFF2-40B4-BE49-F238E27FC236}">
+                <a16:creationId xmlns:a16="http://schemas.microsoft.com/office/drawing/2014/main" id="{111F5721-14C3-BB4C-948A-E9E3B0AD933E}"/>
+              </a:ext>
+            </a:extLst>
+          </p:cNvPr>
+          <p:cNvSpPr txBox="1"/>
+          <p:nvPr/>
+        </p:nvSpPr>
+        <p:spPr>
+          <a:xfrm>
+            <a:off x="1226317" y="4354846"/>
+            <a:ext cx="9850202" cy="523220"/>
+          </a:xfrm>
+          <a:prstGeom prst="rect">
+            <a:avLst/>
+          </a:prstGeom>
+          <a:noFill/>
+        </p:spPr>
+        <p:txBody>
+          <a:bodyPr wrap="square" rtlCol="0">
+            <a:spAutoFit/>
+          </a:bodyPr>
+          <a:lstStyle/>
+          <a:p>
+            <a:pPr algn="ctr"/>
+            <a:r>
+              <a:rPr lang="en-US" sz="2800" dirty="0"/>
+              <a:t>This is where we use a test double</a:t>
+            </a:r>
+          </a:p>
+        </p:txBody>
+      </p:sp>
+    </p:spTree>
+    <p:extLst>
+      <p:ext uri="{BB962C8B-B14F-4D97-AF65-F5344CB8AC3E}">
+        <p14:creationId xmlns:p14="http://schemas.microsoft.com/office/powerpoint/2010/main" val="3391925799"/>
+      </p:ext>
+    </p:extLst>
+  </p:cSld>
+  <p:clrMapOvr>
+    <a:masterClrMapping/>
+  </p:clrMapOvr>
+  <p:timing>
+    <p:tnLst>
+      <p:par>
+        <p:cTn id="1" dur="indefinite" restart="never" nodeType="tmRoot">
+          <p:childTnLst>
+            <p:seq concurrent="1" nextAc="seek">
+              <p:cTn id="2" dur="indefinite" nodeType="mainSeq">
+                <p:childTnLst>
+                  <p:par>
+                    <p:cTn id="3" fill="hold">
+                      <p:stCondLst>
+                        <p:cond delay="indefinite"/>
+                      </p:stCondLst>
+                      <p:childTnLst>
+                        <p:par>
+                          <p:cTn id="4" fill="hold">
+                            <p:stCondLst>
+                              <p:cond delay="0"/>
+                            </p:stCondLst>
+                            <p:childTnLst>
+                              <p:par>
+                                <p:cTn id="5" presetID="1" presetClass="entr" presetSubtype="0" fill="hold" grpId="0" nodeType="clickEffect">
+                                  <p:stCondLst>
+                                    <p:cond delay="0"/>
+                                  </p:stCondLst>
+                                  <p:childTnLst>
+                                    <p:set>
+                                      <p:cBhvr>
+                                        <p:cTn id="6" dur="1" fill="hold">
+                                          <p:stCondLst>
+                                            <p:cond delay="0"/>
+                                          </p:stCondLst>
+                                        </p:cTn>
+                                        <p:tgtEl>
+                                          <p:spTgt spid="2"/>
+                                        </p:tgtEl>
+                                        <p:attrNameLst>
+                                          <p:attrName>style.visibility</p:attrName>
+                                        </p:attrNameLst>
+                                      </p:cBhvr>
+                                      <p:to>
+                                        <p:strVal val="visible"/>
+                                      </p:to>
+                                    </p:set>
+                                  </p:childTnLst>
+                                </p:cTn>
+                              </p:par>
+                            </p:childTnLst>
+                          </p:cTn>
+                        </p:par>
+                      </p:childTnLst>
+                    </p:cTn>
+                  </p:par>
+                  <p:par>
+                    <p:cTn id="7" fill="hold">
+                      <p:stCondLst>
+                        <p:cond delay="indefinite"/>
+                      </p:stCondLst>
+                      <p:childTnLst>
+                        <p:par>
+                          <p:cTn id="8" fill="hold">
+                            <p:stCondLst>
+                              <p:cond delay="0"/>
+                            </p:stCondLst>
+                            <p:childTnLst>
+                              <p:par>
+                                <p:cTn id="9" presetID="1" presetClass="entr" presetSubtype="0" fill="hold" grpId="0" nodeType="clickEffect">
+                                  <p:stCondLst>
+                                    <p:cond delay="0"/>
+                                  </p:stCondLst>
+                                  <p:childTnLst>
+                                    <p:set>
+                                      <p:cBhvr>
+                                        <p:cTn id="10" dur="1" fill="hold">
+                                          <p:stCondLst>
+                                            <p:cond delay="0"/>
+                                          </p:stCondLst>
+                                        </p:cTn>
+                                        <p:tgtEl>
+                                          <p:spTgt spid="3"/>
+                                        </p:tgtEl>
+                                        <p:attrNameLst>
+                                          <p:attrName>style.visibility</p:attrName>
+                                        </p:attrNameLst>
+                                      </p:cBhvr>
+                                      <p:to>
+                                        <p:strVal val="visible"/>
+                                      </p:to>
+                                    </p:set>
+                                  </p:childTnLst>
+                                </p:cTn>
+                              </p:par>
+                            </p:childTnLst>
+                          </p:cTn>
+                        </p:par>
+                      </p:childTnLst>
+                    </p:cTn>
+                  </p:par>
+                  <p:par>
+                    <p:cTn id="11" fill="hold">
+                      <p:stCondLst>
+                        <p:cond delay="indefinite"/>
+                      </p:stCondLst>
+                      <p:childTnLst>
+                        <p:par>
+                          <p:cTn id="12" fill="hold">
+                            <p:stCondLst>
+                              <p:cond delay="0"/>
+                            </p:stCondLst>
+                            <p:childTnLst>
+                              <p:par>
+                                <p:cTn id="13" presetID="1" presetClass="entr" presetSubtype="0" fill="hold" grpId="0" nodeType="clickEffect">
+                                  <p:stCondLst>
+                                    <p:cond delay="0"/>
+                                  </p:stCondLst>
+                                  <p:childTnLst>
+                                    <p:set>
+                                      <p:cBhvr>
+                                        <p:cTn id="14" dur="1" fill="hold">
+                                          <p:stCondLst>
+                                            <p:cond delay="0"/>
+                                          </p:stCondLst>
+                                        </p:cTn>
+                                        <p:tgtEl>
+                                          <p:spTgt spid="4"/>
+                                        </p:tgtEl>
+                                        <p:attrNameLst>
+                                          <p:attrName>style.visibility</p:attrName>
+                                        </p:attrNameLst>
+                                      </p:cBhvr>
+                                      <p:to>
+                                        <p:strVal val="visible"/>
+                                      </p:to>
+                                    </p:set>
+                                  </p:childTnLst>
+                                </p:cTn>
+                              </p:par>
+                            </p:childTnLst>
+                          </p:cTn>
+                        </p:par>
+                      </p:childTnLst>
+                    </p:cTn>
+                  </p:par>
+                  <p:par>
+                    <p:cTn id="15" fill="hold">
+                      <p:stCondLst>
+                        <p:cond delay="indefinite"/>
+                      </p:stCondLst>
+                      <p:childTnLst>
+                        <p:par>
+                          <p:cTn id="16" fill="hold">
+                            <p:stCondLst>
+                              <p:cond delay="0"/>
+                            </p:stCondLst>
+                            <p:childTnLst>
+                              <p:par>
+                                <p:cTn id="17" presetID="1" presetClass="entr" presetSubtype="0" fill="hold" grpId="0" nodeType="clickEffect">
+                                  <p:stCondLst>
+                                    <p:cond delay="0"/>
+                                  </p:stCondLst>
+                                  <p:childTnLst>
+                                    <p:set>
+                                      <p:cBhvr>
+                                        <p:cTn id="18" dur="1" fill="hold">
+                                          <p:stCondLst>
+                                            <p:cond delay="0"/>
+                                          </p:stCondLst>
+                                        </p:cTn>
+                                        <p:tgtEl>
+                                          <p:spTgt spid="5"/>
+                                        </p:tgtEl>
+                                        <p:attrNameLst>
+                                          <p:attrName>style.visibility</p:attrName>
+                                        </p:attrNameLst>
+                                      </p:cBhvr>
+                                      <p:to>
+                                        <p:strVal val="visible"/>
+                                      </p:to>
+                                    </p:set>
+                                  </p:childTnLst>
+                                </p:cTn>
+                              </p:par>
+                            </p:childTnLst>
+                          </p:cTn>
+                        </p:par>
+                      </p:childTnLst>
+                    </p:cTn>
+                  </p:par>
+                </p:childTnLst>
+              </p:cTn>
+              <p:prevCondLst>
+                <p:cond evt="onPrev" delay="0">
+                  <p:tgtEl>
+                    <p:sldTgt/>
+                  </p:tgtEl>
+                </p:cond>
+              </p:prevCondLst>
+              <p:nextCondLst>
+                <p:cond evt="onNext" delay="0">
+                  <p:tgtEl>
+                    <p:sldTgt/>
+                  </p:tgtEl>
+                </p:cond>
+              </p:nextCondLst>
+            </p:seq>
+          </p:childTnLst>
+        </p:cTn>
+      </p:par>
+    </p:tnLst>
+    <p:bldLst>
+      <p:bldP spid="2" grpId="0"/>
+      <p:bldP spid="3" grpId="0"/>
+      <p:bldP spid="4" grpId="0"/>
+      <p:bldP spid="5" grpId="0"/>
+    </p:bldLst>
+  </p:timing>
+</p:sld>
+</file>
+
 <file path=ppt/slides/slide44.xml><?xml version="1.0" encoding="utf-8"?>
 <p:sld xmlns:a="http://schemas.openxmlformats.org/drawingml/2006/main" xmlns:r="http://schemas.openxmlformats.org/officeDocument/2006/relationships" xmlns:p="http://schemas.openxmlformats.org/presentationml/2006/main">
   <p:cSld>
@@ -15213,45 +16046,34 @@
           <a:chExt cx="0" cy="0"/>
         </a:xfrm>
       </p:grpSpPr>
-      <p:sp>
-        <p:nvSpPr>
-          <p:cNvPr id="2" name="TextBox 1">
-            <a:extLst>
-              <a:ext uri="{FF2B5EF4-FFF2-40B4-BE49-F238E27FC236}">
-                <a16:creationId xmlns:a16="http://schemas.microsoft.com/office/drawing/2014/main" id="{35BE5D99-5DEB-4B44-AC66-3D97D1338DD4}"/>
-              </a:ext>
-            </a:extLst>
-          </p:cNvPr>
-          <p:cNvSpPr txBox="1"/>
+      <p:pic>
+        <p:nvPicPr>
+          <p:cNvPr id="2" name="Picture 1"/>
+          <p:cNvPicPr>
+            <a:picLocks noChangeAspect="1"/>
+          </p:cNvPicPr>
           <p:nvPr/>
-        </p:nvSpPr>
+        </p:nvPicPr>
+        <p:blipFill>
+          <a:blip r:embed="rId3"/>
+          <a:stretch>
+            <a:fillRect/>
+          </a:stretch>
+        </p:blipFill>
         <p:spPr>
           <a:xfrm>
-            <a:off x="3560562" y="3167390"/>
-            <a:ext cx="5070875" cy="523220"/>
+            <a:off x="3314701" y="0"/>
+            <a:ext cx="5554885" cy="6858000"/>
           </a:xfrm>
           <a:prstGeom prst="rect">
             <a:avLst/>
           </a:prstGeom>
-          <a:noFill/>
         </p:spPr>
-        <p:txBody>
-          <a:bodyPr wrap="none" rtlCol="0">
-            <a:spAutoFit/>
-          </a:bodyPr>
-          <a:lstStyle/>
-          <a:p>
-            <a:r>
-              <a:rPr lang="en-US" sz="2800" dirty="0"/>
-              <a:t>Need to do other forms of testing</a:t>
-            </a:r>
-          </a:p>
-        </p:txBody>
-      </p:sp>
+      </p:pic>
     </p:spTree>
     <p:extLst>
       <p:ext uri="{BB962C8B-B14F-4D97-AF65-F5344CB8AC3E}">
-        <p14:creationId xmlns:p14="http://schemas.microsoft.com/office/powerpoint/2010/main" val="540727314"/>
+        <p14:creationId xmlns:p14="http://schemas.microsoft.com/office/powerpoint/2010/main" val="2318298952"/>
       </p:ext>
     </p:extLst>
   </p:cSld>
@@ -15278,6 +16100,66 @@
           <a:chExt cx="0" cy="0"/>
         </a:xfrm>
       </p:grpSpPr>
+      <p:pic>
+        <p:nvPicPr>
+          <p:cNvPr id="4" name="Picture 3">
+            <a:extLst>
+              <a:ext uri="{FF2B5EF4-FFF2-40B4-BE49-F238E27FC236}">
+                <a16:creationId xmlns:a16="http://schemas.microsoft.com/office/drawing/2014/main" id="{40BBA4C3-9718-EE4A-9799-FD2B7BED2730}"/>
+              </a:ext>
+            </a:extLst>
+          </p:cNvPr>
+          <p:cNvPicPr>
+            <a:picLocks noChangeAspect="1"/>
+          </p:cNvPicPr>
+          <p:nvPr/>
+        </p:nvPicPr>
+        <p:blipFill>
+          <a:blip r:embed="rId3"/>
+          <a:stretch>
+            <a:fillRect/>
+          </a:stretch>
+        </p:blipFill>
+        <p:spPr>
+          <a:xfrm>
+            <a:off x="880773" y="0"/>
+            <a:ext cx="10430453" cy="6858000"/>
+          </a:xfrm>
+          <a:prstGeom prst="rect">
+            <a:avLst/>
+          </a:prstGeom>
+        </p:spPr>
+      </p:pic>
+    </p:spTree>
+    <p:extLst>
+      <p:ext uri="{BB962C8B-B14F-4D97-AF65-F5344CB8AC3E}">
+        <p14:creationId xmlns:p14="http://schemas.microsoft.com/office/powerpoint/2010/main" val="4200150396"/>
+      </p:ext>
+    </p:extLst>
+  </p:cSld>
+  <p:clrMapOvr>
+    <a:masterClrMapping/>
+  </p:clrMapOvr>
+</p:sld>
+</file>
+
+<file path=ppt/slides/slide47.xml><?xml version="1.0" encoding="utf-8"?>
+<p:sld xmlns:a="http://schemas.openxmlformats.org/drawingml/2006/main" xmlns:r="http://schemas.openxmlformats.org/officeDocument/2006/relationships" xmlns:p="http://schemas.openxmlformats.org/presentationml/2006/main">
+  <p:cSld>
+    <p:spTree>
+      <p:nvGrpSpPr>
+        <p:cNvPr id="1" name=""/>
+        <p:cNvGrpSpPr/>
+        <p:nvPr/>
+      </p:nvGrpSpPr>
+      <p:grpSpPr>
+        <a:xfrm>
+          <a:off x="0" y="0"/>
+          <a:ext cx="0" cy="0"/>
+          <a:chOff x="0" y="0"/>
+          <a:chExt cx="0" cy="0"/>
+        </a:xfrm>
+      </p:grpSpPr>
       <p:sp>
         <p:nvSpPr>
           <p:cNvPr id="2" name="TextBox 1">
@@ -15330,7 +16212,7 @@
 </p:sld>
 </file>
 
-<file path=ppt/slides/slide47.xml><?xml version="1.0" encoding="utf-8"?>
+<file path=ppt/slides/slide48.xml><?xml version="1.0" encoding="utf-8"?>
 <p:sld xmlns:a="http://schemas.openxmlformats.org/drawingml/2006/main" xmlns:r="http://schemas.openxmlformats.org/officeDocument/2006/relationships" xmlns:p="http://schemas.openxmlformats.org/presentationml/2006/main">
   <p:cSld>
     <p:spTree>
@@ -15902,7 +16784,7 @@
 </p:sld>
 </file>
 
-<file path=ppt/slides/slide48.xml><?xml version="1.0" encoding="utf-8"?>
+<file path=ppt/slides/slide49.xml><?xml version="1.0" encoding="utf-8"?>
 <p:sld xmlns:a="http://schemas.openxmlformats.org/drawingml/2006/main" xmlns:r="http://schemas.openxmlformats.org/officeDocument/2006/relationships" xmlns:p="http://schemas.openxmlformats.org/presentationml/2006/main">
   <p:cSld>
     <p:spTree>
@@ -15985,7 +16867,119 @@
 </p:sld>
 </file>
 
-<file path=ppt/slides/slide49.xml><?xml version="1.0" encoding="utf-8"?>
+<file path=ppt/slides/slide5.xml><?xml version="1.0" encoding="utf-8"?>
+<p:sld xmlns:a="http://schemas.openxmlformats.org/drawingml/2006/main" xmlns:r="http://schemas.openxmlformats.org/officeDocument/2006/relationships" xmlns:p="http://schemas.openxmlformats.org/presentationml/2006/main">
+  <p:cSld>
+    <p:spTree>
+      <p:nvGrpSpPr>
+        <p:cNvPr id="1" name=""/>
+        <p:cNvGrpSpPr/>
+        <p:nvPr/>
+      </p:nvGrpSpPr>
+      <p:grpSpPr>
+        <a:xfrm>
+          <a:off x="0" y="0"/>
+          <a:ext cx="0" cy="0"/>
+          <a:chOff x="0" y="0"/>
+          <a:chExt cx="0" cy="0"/>
+        </a:xfrm>
+      </p:grpSpPr>
+      <p:pic>
+        <p:nvPicPr>
+          <p:cNvPr id="1026" name="Picture 2" descr="TDD: Where Did It All Go Wrong?">
+            <a:extLst>
+              <a:ext uri="{FF2B5EF4-FFF2-40B4-BE49-F238E27FC236}">
+                <a16:creationId xmlns:a16="http://schemas.microsoft.com/office/drawing/2014/main" id="{F46396DC-F95D-B645-BD60-8D75809D797D}"/>
+              </a:ext>
+            </a:extLst>
+          </p:cNvPr>
+          <p:cNvPicPr>
+            <a:picLocks noChangeAspect="1" noChangeArrowheads="1"/>
+          </p:cNvPicPr>
+          <p:nvPr/>
+        </p:nvPicPr>
+        <p:blipFill>
+          <a:blip r:embed="rId3">
+            <a:extLst>
+              <a:ext uri="{28A0092B-C50C-407E-A947-70E740481C1C}">
+                <a14:useLocalDpi xmlns:a14="http://schemas.microsoft.com/office/drawing/2010/main" val="0"/>
+              </a:ext>
+            </a:extLst>
+          </a:blip>
+          <a:srcRect/>
+          <a:stretch>
+            <a:fillRect/>
+          </a:stretch>
+        </p:blipFill>
+        <p:spPr bwMode="auto">
+          <a:xfrm>
+            <a:off x="4255376" y="2159000"/>
+            <a:ext cx="3429000" cy="2540000"/>
+          </a:xfrm>
+          <a:prstGeom prst="rect">
+            <a:avLst/>
+          </a:prstGeom>
+          <a:noFill/>
+          <a:extLst>
+            <a:ext uri="{909E8E84-426E-40DD-AFC4-6F175D3DCCD1}">
+              <a14:hiddenFill xmlns:a14="http://schemas.microsoft.com/office/drawing/2010/main">
+                <a:solidFill>
+                  <a:srgbClr val="FFFFFF"/>
+                </a:solidFill>
+              </a14:hiddenFill>
+            </a:ext>
+          </a:extLst>
+        </p:spPr>
+      </p:pic>
+      <p:sp>
+        <p:nvSpPr>
+          <p:cNvPr id="4" name="TextBox 3">
+            <a:extLst>
+              <a:ext uri="{FF2B5EF4-FFF2-40B4-BE49-F238E27FC236}">
+                <a16:creationId xmlns:a16="http://schemas.microsoft.com/office/drawing/2014/main" id="{94BF9CCA-4818-AB4C-9174-85579A0DAC69}"/>
+              </a:ext>
+            </a:extLst>
+          </p:cNvPr>
+          <p:cNvSpPr txBox="1"/>
+          <p:nvPr/>
+        </p:nvSpPr>
+        <p:spPr>
+          <a:xfrm>
+            <a:off x="5638182" y="5265682"/>
+            <a:ext cx="915635" cy="523220"/>
+          </a:xfrm>
+          <a:prstGeom prst="rect">
+            <a:avLst/>
+          </a:prstGeom>
+          <a:noFill/>
+        </p:spPr>
+        <p:txBody>
+          <a:bodyPr wrap="none" rtlCol="0">
+            <a:spAutoFit/>
+          </a:bodyPr>
+          <a:lstStyle/>
+          <a:p>
+            <a:r>
+              <a:rPr lang="en-US" sz="2800" dirty="0"/>
+              <a:t>2013</a:t>
+            </a:r>
+          </a:p>
+        </p:txBody>
+      </p:sp>
+    </p:spTree>
+    <p:extLst>
+      <p:ext uri="{BB962C8B-B14F-4D97-AF65-F5344CB8AC3E}">
+        <p14:creationId xmlns:p14="http://schemas.microsoft.com/office/powerpoint/2010/main" val="4170355259"/>
+      </p:ext>
+    </p:extLst>
+  </p:cSld>
+  <p:clrMapOvr>
+    <a:masterClrMapping/>
+  </p:clrMapOvr>
+</p:sld>
+</file>
+
+<file path=ppt/slides/slide50.xml><?xml version="1.0" encoding="utf-8"?>
 <p:sld xmlns:a="http://schemas.openxmlformats.org/drawingml/2006/main" xmlns:r="http://schemas.openxmlformats.org/officeDocument/2006/relationships" xmlns:p="http://schemas.openxmlformats.org/presentationml/2006/main">
   <p:cSld>
     <p:spTree>
@@ -16275,130 +17269,7 @@
 </p:sld>
 </file>
 
-<file path=ppt/slides/slide5.xml><?xml version="1.0" encoding="utf-8"?>
-<p:sld xmlns:a="http://schemas.openxmlformats.org/drawingml/2006/main" xmlns:r="http://schemas.openxmlformats.org/officeDocument/2006/relationships" xmlns:p="http://schemas.openxmlformats.org/presentationml/2006/main">
-  <p:cSld>
-    <p:spTree>
-      <p:nvGrpSpPr>
-        <p:cNvPr id="1" name=""/>
-        <p:cNvGrpSpPr/>
-        <p:nvPr/>
-      </p:nvGrpSpPr>
-      <p:grpSpPr>
-        <a:xfrm>
-          <a:off x="0" y="0"/>
-          <a:ext cx="0" cy="0"/>
-          <a:chOff x="0" y="0"/>
-          <a:chExt cx="0" cy="0"/>
-        </a:xfrm>
-      </p:grpSpPr>
-      <p:sp>
-        <p:nvSpPr>
-          <p:cNvPr id="2" name="Title 1"/>
-          <p:cNvSpPr>
-            <a:spLocks noGrp="1"/>
-          </p:cNvSpPr>
-          <p:nvPr>
-            <p:ph type="title"/>
-          </p:nvPr>
-        </p:nvSpPr>
-        <p:spPr/>
-        <p:txBody>
-          <a:bodyPr/>
-          <a:lstStyle/>
-          <a:p>
-            <a:r>
-              <a:rPr lang="en-US" dirty="0"/>
-              <a:t>Agenda</a:t>
-            </a:r>
-          </a:p>
-        </p:txBody>
-      </p:sp>
-      <p:sp>
-        <p:nvSpPr>
-          <p:cNvPr id="3" name="Content Placeholder 2"/>
-          <p:cNvSpPr>
-            <a:spLocks noGrp="1"/>
-          </p:cNvSpPr>
-          <p:nvPr>
-            <p:ph idx="1"/>
-          </p:nvPr>
-        </p:nvSpPr>
-        <p:spPr/>
-        <p:txBody>
-          <a:bodyPr>
-            <a:normAutofit/>
-          </a:bodyPr>
-          <a:lstStyle/>
-          <a:p>
-            <a:r>
-              <a:rPr lang="en-US" dirty="0"/>
-              <a:t>The Fallacies of TDD</a:t>
-            </a:r>
-          </a:p>
-          <a:p>
-            <a:r>
-              <a:rPr lang="en-US" dirty="0"/>
-              <a:t>Red-Green-Refactor</a:t>
-            </a:r>
-          </a:p>
-          <a:p>
-            <a:r>
-              <a:rPr lang="en-US" dirty="0"/>
-              <a:t>Behavior not Details</a:t>
-            </a:r>
-          </a:p>
-          <a:p>
-            <a:r>
-              <a:rPr lang="en-US" dirty="0"/>
-              <a:t>Clean Architecture</a:t>
-            </a:r>
-          </a:p>
-          <a:p>
-            <a:r>
-              <a:rPr lang="en-US" dirty="0"/>
-              <a:t>Principles</a:t>
-            </a:r>
-          </a:p>
-        </p:txBody>
-      </p:sp>
-      <p:sp>
-        <p:nvSpPr>
-          <p:cNvPr id="4" name="Slide Number Placeholder 3"/>
-          <p:cNvSpPr>
-            <a:spLocks noGrp="1"/>
-          </p:cNvSpPr>
-          <p:nvPr>
-            <p:ph type="sldNum" sz="quarter" idx="12"/>
-          </p:nvPr>
-        </p:nvSpPr>
-        <p:spPr/>
-        <p:txBody>
-          <a:bodyPr/>
-          <a:lstStyle/>
-          <a:p>
-            <a:fld id="{AA792DF1-A555-43FA-AD2F-E7EC51E120F1}" type="slidenum">
-              <a:rPr lang="en-GB" smtClean="0"/>
-              <a:t>5</a:t>
-            </a:fld>
-            <a:endParaRPr lang="en-GB"/>
-          </a:p>
-        </p:txBody>
-      </p:sp>
-    </p:spTree>
-    <p:extLst>
-      <p:ext uri="{BB962C8B-B14F-4D97-AF65-F5344CB8AC3E}">
-        <p14:creationId xmlns:p14="http://schemas.microsoft.com/office/powerpoint/2010/main" val="3170649224"/>
-      </p:ext>
-    </p:extLst>
-  </p:cSld>
-  <p:clrMapOvr>
-    <a:masterClrMapping/>
-  </p:clrMapOvr>
-</p:sld>
-</file>
-
-<file path=ppt/slides/slide50.xml><?xml version="1.0" encoding="utf-8"?>
+<file path=ppt/slides/slide51.xml><?xml version="1.0" encoding="utf-8"?>
 <p:sld xmlns:a="http://schemas.openxmlformats.org/drawingml/2006/main" xmlns:r="http://schemas.openxmlformats.org/officeDocument/2006/relationships" xmlns:p="http://schemas.openxmlformats.org/presentationml/2006/main">
   <p:cSld>
     <p:spTree>
@@ -16818,131 +17689,6 @@
 </p:sld>
 </file>
 
-<file path=ppt/slides/slide51.xml><?xml version="1.0" encoding="utf-8"?>
-<p:sld xmlns:a="http://schemas.openxmlformats.org/drawingml/2006/main" xmlns:r="http://schemas.openxmlformats.org/officeDocument/2006/relationships" xmlns:p="http://schemas.openxmlformats.org/presentationml/2006/main">
-  <p:cSld>
-    <p:spTree>
-      <p:nvGrpSpPr>
-        <p:cNvPr id="1" name=""/>
-        <p:cNvGrpSpPr/>
-        <p:nvPr/>
-      </p:nvGrpSpPr>
-      <p:grpSpPr>
-        <a:xfrm>
-          <a:off x="0" y="0"/>
-          <a:ext cx="0" cy="0"/>
-          <a:chOff x="0" y="0"/>
-          <a:chExt cx="0" cy="0"/>
-        </a:xfrm>
-      </p:grpSpPr>
-      <p:sp>
-        <p:nvSpPr>
-          <p:cNvPr id="3" name="Content Placeholder 2"/>
-          <p:cNvSpPr>
-            <a:spLocks noGrp="1"/>
-          </p:cNvSpPr>
-          <p:nvPr>
-            <p:ph idx="1"/>
-          </p:nvPr>
-        </p:nvSpPr>
-        <p:spPr>
-          <a:xfrm>
-            <a:off x="2120570" y="1251103"/>
-            <a:ext cx="8229600" cy="2304256"/>
-          </a:xfrm>
-        </p:spPr>
-        <p:txBody>
-          <a:bodyPr>
-            <a:normAutofit/>
-          </a:bodyPr>
-          <a:lstStyle/>
-          <a:p>
-            <a:pPr marL="0" indent="0" algn="ctr">
-              <a:buNone/>
-            </a:pPr>
-            <a:r>
-              <a:rPr lang="en-GB" dirty="0"/>
-              <a:t>Make it run. Quickly getting that bar to go to green dominates everything else. </a:t>
-            </a:r>
-          </a:p>
-          <a:p>
-            <a:pPr marL="0" indent="0" algn="ctr">
-              <a:buNone/>
-            </a:pPr>
-            <a:endParaRPr lang="en-GB" dirty="0"/>
-          </a:p>
-          <a:p>
-            <a:pPr marL="0" indent="0" algn="ctr">
-              <a:buNone/>
-            </a:pPr>
-            <a:r>
-              <a:rPr lang="en-GB" dirty="0"/>
-              <a:t>This shift in aesthetics is hard for some experienced software engineers. </a:t>
-            </a:r>
-          </a:p>
-          <a:p>
-            <a:pPr lvl="1"/>
-            <a:endParaRPr lang="en-GB" dirty="0"/>
-          </a:p>
-          <a:p>
-            <a:endParaRPr lang="en-GB" dirty="0"/>
-          </a:p>
-        </p:txBody>
-      </p:sp>
-      <p:sp>
-        <p:nvSpPr>
-          <p:cNvPr id="4" name="Rectangle 3"/>
-          <p:cNvSpPr/>
-          <p:nvPr/>
-        </p:nvSpPr>
-        <p:spPr>
-          <a:xfrm>
-            <a:off x="2133154" y="3838529"/>
-            <a:ext cx="7859216" cy="1815882"/>
-          </a:xfrm>
-          <a:prstGeom prst="rect">
-            <a:avLst/>
-          </a:prstGeom>
-        </p:spPr>
-        <p:txBody>
-          <a:bodyPr wrap="square">
-            <a:spAutoFit/>
-          </a:bodyPr>
-          <a:lstStyle/>
-          <a:p>
-            <a:pPr lvl="1" algn="ctr"/>
-            <a:r>
-              <a:rPr lang="en-US" sz="2800" dirty="0"/>
-              <a:t>This is not just about accepting sin, its about being sinful</a:t>
-            </a:r>
-          </a:p>
-          <a:p>
-            <a:pPr lvl="1" algn="ctr"/>
-            <a:endParaRPr lang="en-US" sz="2800" dirty="0"/>
-          </a:p>
-          <a:p>
-            <a:pPr lvl="1" algn="ctr"/>
-            <a:r>
-              <a:rPr lang="en-US" sz="2800" dirty="0"/>
-              <a:t>Write sinful code!</a:t>
-            </a:r>
-            <a:endParaRPr lang="en-GB" sz="2800" dirty="0"/>
-          </a:p>
-        </p:txBody>
-      </p:sp>
-    </p:spTree>
-    <p:extLst>
-      <p:ext uri="{BB962C8B-B14F-4D97-AF65-F5344CB8AC3E}">
-        <p14:creationId xmlns:p14="http://schemas.microsoft.com/office/powerpoint/2010/main" val="156807917"/>
-      </p:ext>
-    </p:extLst>
-  </p:cSld>
-  <p:clrMapOvr>
-    <a:masterClrMapping/>
-  </p:clrMapOvr>
-</p:sld>
-</file>
-
 <file path=ppt/slides/slide52.xml><?xml version="1.0" encoding="utf-8"?>
 <p:sld xmlns:a="http://schemas.openxmlformats.org/drawingml/2006/main" xmlns:r="http://schemas.openxmlformats.org/officeDocument/2006/relationships" xmlns:p="http://schemas.openxmlformats.org/presentationml/2006/main">
   <p:cSld>
@@ -16962,85 +17708,103 @@
       </p:grpSpPr>
       <p:sp>
         <p:nvSpPr>
-          <p:cNvPr id="4" name="TextBox 3"/>
-          <p:cNvSpPr txBox="1"/>
-          <p:nvPr/>
+          <p:cNvPr id="3" name="Content Placeholder 2"/>
+          <p:cNvSpPr>
+            <a:spLocks noGrp="1"/>
+          </p:cNvSpPr>
+          <p:nvPr>
+            <p:ph idx="1"/>
+          </p:nvPr>
         </p:nvSpPr>
         <p:spPr>
           <a:xfrm>
-            <a:off x="2135560" y="2459504"/>
-            <a:ext cx="7920880" cy="1938992"/>
+            <a:off x="2120570" y="1251103"/>
+            <a:ext cx="8229600" cy="2304256"/>
           </a:xfrm>
-          <a:prstGeom prst="rect">
-            <a:avLst/>
-          </a:prstGeom>
-          <a:solidFill>
-            <a:schemeClr val="bg1"/>
-          </a:solidFill>
         </p:spPr>
         <p:txBody>
-          <a:bodyPr wrap="square" rtlCol="0">
-            <a:spAutoFit/>
+          <a:bodyPr>
+            <a:normAutofit/>
           </a:bodyPr>
           <a:lstStyle/>
           <a:p>
-            <a:pPr algn="ctr"/>
-            <a:r>
-              <a:rPr lang="en-GB" sz="2800" dirty="0"/>
-              <a:t>We can commit any number of sins to get there, because speed trumps design, just for that brief moment.</a:t>
-            </a:r>
-          </a:p>
-          <a:p>
-            <a:pPr algn="ctr"/>
+            <a:pPr marL="0" indent="0" algn="ctr">
+              <a:buNone/>
+            </a:pPr>
             <a:r>
               <a:rPr lang="en-GB" dirty="0"/>
-              <a:t>					</a:t>
-            </a:r>
-          </a:p>
-          <a:p>
-            <a:pPr algn="ctr"/>
-            <a:endParaRPr lang="en-US" dirty="0"/>
-          </a:p>
-        </p:txBody>
-      </p:sp>
-      <p:sp>
-        <p:nvSpPr>
-          <p:cNvPr id="2" name="Rectangle 1">
-            <a:extLst>
-              <a:ext uri="{FF2B5EF4-FFF2-40B4-BE49-F238E27FC236}">
-                <a16:creationId xmlns:a16="http://schemas.microsoft.com/office/drawing/2014/main" id="{0F8E3D31-2F19-DD4E-A24C-8A5ACD382CFA}"/>
-              </a:ext>
-            </a:extLst>
-          </p:cNvPr>
+              <a:t>Make it run. Quickly getting that bar to go to green dominates everything else. </a:t>
+            </a:r>
+          </a:p>
+          <a:p>
+            <a:pPr marL="0" indent="0" algn="ctr">
+              <a:buNone/>
+            </a:pPr>
+            <a:endParaRPr lang="en-GB" dirty="0"/>
+          </a:p>
+          <a:p>
+            <a:pPr marL="0" indent="0" algn="ctr">
+              <a:buNone/>
+            </a:pPr>
+            <a:r>
+              <a:rPr lang="en-GB" dirty="0"/>
+              <a:t>This shift in aesthetics is hard for some experienced software engineers. </a:t>
+            </a:r>
+          </a:p>
+          <a:p>
+            <a:pPr lvl="1"/>
+            <a:endParaRPr lang="en-GB" dirty="0"/>
+          </a:p>
+          <a:p>
+            <a:endParaRPr lang="en-GB" dirty="0"/>
+          </a:p>
+        </p:txBody>
+      </p:sp>
+      <p:sp>
+        <p:nvSpPr>
+          <p:cNvPr id="4" name="Rectangle 3"/>
           <p:cNvSpPr/>
           <p:nvPr/>
         </p:nvSpPr>
         <p:spPr>
           <a:xfrm>
-            <a:off x="8155266" y="5446514"/>
-            <a:ext cx="2739468" cy="369332"/>
+            <a:off x="2133154" y="3838529"/>
+            <a:ext cx="7859216" cy="1815882"/>
           </a:xfrm>
           <a:prstGeom prst="rect">
             <a:avLst/>
           </a:prstGeom>
         </p:spPr>
         <p:txBody>
-          <a:bodyPr wrap="none">
+          <a:bodyPr wrap="square">
             <a:spAutoFit/>
           </a:bodyPr>
           <a:lstStyle/>
           <a:p>
-            <a:r>
-              <a:rPr lang="en-GB" dirty="0"/>
-              <a:t>Kent Beck, TDD by Example</a:t>
-            </a:r>
+            <a:pPr lvl="1" algn="ctr"/>
+            <a:r>
+              <a:rPr lang="en-US" sz="2800" dirty="0"/>
+              <a:t>This is not just about accepting sin, its about being sinful</a:t>
+            </a:r>
+          </a:p>
+          <a:p>
+            <a:pPr lvl="1" algn="ctr"/>
+            <a:endParaRPr lang="en-US" sz="2800" dirty="0"/>
+          </a:p>
+          <a:p>
+            <a:pPr lvl="1" algn="ctr"/>
+            <a:r>
+              <a:rPr lang="en-US" sz="2800" dirty="0"/>
+              <a:t>Write sinful code!</a:t>
+            </a:r>
+            <a:endParaRPr lang="en-GB" sz="2800" dirty="0"/>
           </a:p>
         </p:txBody>
       </p:sp>
     </p:spTree>
     <p:extLst>
       <p:ext uri="{BB962C8B-B14F-4D97-AF65-F5344CB8AC3E}">
-        <p14:creationId xmlns:p14="http://schemas.microsoft.com/office/powerpoint/2010/main" val="2292602125"/>
+        <p14:creationId xmlns:p14="http://schemas.microsoft.com/office/powerpoint/2010/main" val="156807917"/>
       </p:ext>
     </p:extLst>
   </p:cSld>
@@ -17075,6 +17839,113 @@
         </p:nvSpPr>
         <p:spPr>
           <a:xfrm>
+            <a:off x="2135560" y="2459504"/>
+            <a:ext cx="7920880" cy="1938992"/>
+          </a:xfrm>
+          <a:prstGeom prst="rect">
+            <a:avLst/>
+          </a:prstGeom>
+          <a:solidFill>
+            <a:schemeClr val="bg1"/>
+          </a:solidFill>
+        </p:spPr>
+        <p:txBody>
+          <a:bodyPr wrap="square" rtlCol="0">
+            <a:spAutoFit/>
+          </a:bodyPr>
+          <a:lstStyle/>
+          <a:p>
+            <a:pPr algn="ctr"/>
+            <a:r>
+              <a:rPr lang="en-GB" sz="2800" dirty="0"/>
+              <a:t>We can commit any number of sins to get there, because speed trumps design, just for that brief moment.</a:t>
+            </a:r>
+          </a:p>
+          <a:p>
+            <a:pPr algn="ctr"/>
+            <a:r>
+              <a:rPr lang="en-GB" dirty="0"/>
+              <a:t>					</a:t>
+            </a:r>
+          </a:p>
+          <a:p>
+            <a:pPr algn="ctr"/>
+            <a:endParaRPr lang="en-US" dirty="0"/>
+          </a:p>
+        </p:txBody>
+      </p:sp>
+      <p:sp>
+        <p:nvSpPr>
+          <p:cNvPr id="2" name="Rectangle 1">
+            <a:extLst>
+              <a:ext uri="{FF2B5EF4-FFF2-40B4-BE49-F238E27FC236}">
+                <a16:creationId xmlns:a16="http://schemas.microsoft.com/office/drawing/2014/main" id="{0F8E3D31-2F19-DD4E-A24C-8A5ACD382CFA}"/>
+              </a:ext>
+            </a:extLst>
+          </p:cNvPr>
+          <p:cNvSpPr/>
+          <p:nvPr/>
+        </p:nvSpPr>
+        <p:spPr>
+          <a:xfrm>
+            <a:off x="8155266" y="5446514"/>
+            <a:ext cx="2739468" cy="369332"/>
+          </a:xfrm>
+          <a:prstGeom prst="rect">
+            <a:avLst/>
+          </a:prstGeom>
+        </p:spPr>
+        <p:txBody>
+          <a:bodyPr wrap="none">
+            <a:spAutoFit/>
+          </a:bodyPr>
+          <a:lstStyle/>
+          <a:p>
+            <a:r>
+              <a:rPr lang="en-GB" dirty="0"/>
+              <a:t>Kent Beck, TDD by Example</a:t>
+            </a:r>
+          </a:p>
+        </p:txBody>
+      </p:sp>
+    </p:spTree>
+    <p:extLst>
+      <p:ext uri="{BB962C8B-B14F-4D97-AF65-F5344CB8AC3E}">
+        <p14:creationId xmlns:p14="http://schemas.microsoft.com/office/powerpoint/2010/main" val="2292602125"/>
+      </p:ext>
+    </p:extLst>
+  </p:cSld>
+  <p:clrMapOvr>
+    <a:masterClrMapping/>
+  </p:clrMapOvr>
+</p:sld>
+</file>
+
+<file path=ppt/slides/slide54.xml><?xml version="1.0" encoding="utf-8"?>
+<p:sld xmlns:a="http://schemas.openxmlformats.org/drawingml/2006/main" xmlns:r="http://schemas.openxmlformats.org/officeDocument/2006/relationships" xmlns:p="http://schemas.openxmlformats.org/presentationml/2006/main">
+  <p:cSld>
+    <p:spTree>
+      <p:nvGrpSpPr>
+        <p:cNvPr id="1" name=""/>
+        <p:cNvGrpSpPr/>
+        <p:nvPr/>
+      </p:nvGrpSpPr>
+      <p:grpSpPr>
+        <a:xfrm>
+          <a:off x="0" y="0"/>
+          <a:ext cx="0" cy="0"/>
+          <a:chOff x="0" y="0"/>
+          <a:chExt cx="0" cy="0"/>
+        </a:xfrm>
+      </p:grpSpPr>
+      <p:sp>
+        <p:nvSpPr>
+          <p:cNvPr id="4" name="TextBox 3"/>
+          <p:cNvSpPr txBox="1"/>
+          <p:nvPr/>
+        </p:nvSpPr>
+        <p:spPr>
+          <a:xfrm>
             <a:off x="2244306" y="2728615"/>
             <a:ext cx="7703388" cy="1508105"/>
           </a:xfrm>
@@ -17156,7 +18027,7 @@
 </p:sld>
 </file>
 
-<file path=ppt/slides/slide54.xml><?xml version="1.0" encoding="utf-8"?>
+<file path=ppt/slides/slide55.xml><?xml version="1.0" encoding="utf-8"?>
 <p:sld xmlns:a="http://schemas.openxmlformats.org/drawingml/2006/main" xmlns:r="http://schemas.openxmlformats.org/officeDocument/2006/relationships" xmlns:p="http://schemas.openxmlformats.org/presentationml/2006/main">
   <p:cSld>
     <p:spTree>
@@ -17539,7 +18410,7 @@
 </p:sld>
 </file>
 
-<file path=ppt/slides/slide55.xml><?xml version="1.0" encoding="utf-8"?>
+<file path=ppt/slides/slide56.xml><?xml version="1.0" encoding="utf-8"?>
 <p:sld xmlns:a="http://schemas.openxmlformats.org/drawingml/2006/main" xmlns:r="http://schemas.openxmlformats.org/officeDocument/2006/relationships" xmlns:p="http://schemas.openxmlformats.org/presentationml/2006/main">
   <p:cSld>
     <p:spTree>
@@ -18176,7 +19047,7 @@
 </p:sld>
 </file>
 
-<file path=ppt/slides/slide56.xml><?xml version="1.0" encoding="utf-8"?>
+<file path=ppt/slides/slide57.xml><?xml version="1.0" encoding="utf-8"?>
 <p:sld xmlns:a="http://schemas.openxmlformats.org/drawingml/2006/main" xmlns:r="http://schemas.openxmlformats.org/officeDocument/2006/relationships" xmlns:p="http://schemas.openxmlformats.org/presentationml/2006/main">
   <p:cSld>
     <p:spTree>
@@ -18471,7 +19342,7 @@
 </p:sld>
 </file>
 
-<file path=ppt/slides/slide57.xml><?xml version="1.0" encoding="utf-8"?>
+<file path=ppt/slides/slide58.xml><?xml version="1.0" encoding="utf-8"?>
 <p:sld xmlns:a="http://schemas.openxmlformats.org/drawingml/2006/main" xmlns:r="http://schemas.openxmlformats.org/officeDocument/2006/relationships" xmlns:p="http://schemas.openxmlformats.org/presentationml/2006/main">
   <p:cSld>
     <p:spTree>
@@ -18554,7 +19425,7 @@
 </p:sld>
 </file>
 
-<file path=ppt/slides/slide58.xml><?xml version="1.0" encoding="utf-8"?>
+<file path=ppt/slides/slide59.xml><?xml version="1.0" encoding="utf-8"?>
 <p:sld xmlns:a="http://schemas.openxmlformats.org/drawingml/2006/main" xmlns:r="http://schemas.openxmlformats.org/officeDocument/2006/relationships" xmlns:p="http://schemas.openxmlformats.org/presentationml/2006/main">
   <p:cSld>
     <p:spTree>
@@ -18614,7 +19485,67 @@
 </p:sld>
 </file>
 
-<file path=ppt/slides/slide59.xml><?xml version="1.0" encoding="utf-8"?>
+<file path=ppt/slides/slide6.xml><?xml version="1.0" encoding="utf-8"?>
+<p:sld xmlns:a="http://schemas.openxmlformats.org/drawingml/2006/main" xmlns:r="http://schemas.openxmlformats.org/officeDocument/2006/relationships" xmlns:p="http://schemas.openxmlformats.org/presentationml/2006/main">
+  <p:cSld>
+    <p:spTree>
+      <p:nvGrpSpPr>
+        <p:cNvPr id="1" name=""/>
+        <p:cNvGrpSpPr/>
+        <p:nvPr/>
+      </p:nvGrpSpPr>
+      <p:grpSpPr>
+        <a:xfrm>
+          <a:off x="0" y="0"/>
+          <a:ext cx="0" cy="0"/>
+          <a:chOff x="0" y="0"/>
+          <a:chExt cx="0" cy="0"/>
+        </a:xfrm>
+      </p:grpSpPr>
+      <p:pic>
+        <p:nvPicPr>
+          <p:cNvPr id="2" name="Content Placeholder 6" descr="51EH1TQ3A2L._SL500_AA300_.jpg">
+            <a:extLst>
+              <a:ext uri="{FF2B5EF4-FFF2-40B4-BE49-F238E27FC236}">
+                <a16:creationId xmlns:a16="http://schemas.microsoft.com/office/drawing/2014/main" id="{3FA4AA00-1B73-0E45-AF27-F538E7E3BC85}"/>
+              </a:ext>
+            </a:extLst>
+          </p:cNvPr>
+          <p:cNvPicPr>
+            <a:picLocks noChangeAspect="1"/>
+          </p:cNvPicPr>
+          <p:nvPr/>
+        </p:nvPicPr>
+        <p:blipFill>
+          <a:blip r:embed="rId3" cstate="print"/>
+          <a:stretch>
+            <a:fillRect/>
+          </a:stretch>
+        </p:blipFill>
+        <p:spPr>
+          <a:xfrm>
+            <a:off x="3995936" y="908720"/>
+            <a:ext cx="4752528" cy="4752528"/>
+          </a:xfrm>
+          <a:prstGeom prst="rect">
+            <a:avLst/>
+          </a:prstGeom>
+        </p:spPr>
+      </p:pic>
+    </p:spTree>
+    <p:extLst>
+      <p:ext uri="{BB962C8B-B14F-4D97-AF65-F5344CB8AC3E}">
+        <p14:creationId xmlns:p14="http://schemas.microsoft.com/office/powerpoint/2010/main" val="3220586879"/>
+      </p:ext>
+    </p:extLst>
+  </p:cSld>
+  <p:clrMapOvr>
+    <a:masterClrMapping/>
+  </p:clrMapOvr>
+</p:sld>
+</file>
+
+<file path=ppt/slides/slide60.xml><?xml version="1.0" encoding="utf-8"?>
 <p:sld xmlns:a="http://schemas.openxmlformats.org/drawingml/2006/main" xmlns:r="http://schemas.openxmlformats.org/officeDocument/2006/relationships" xmlns:p="http://schemas.openxmlformats.org/presentationml/2006/main">
   <p:cSld>
     <p:spTree>
@@ -19651,7 +20582,7 @@
           <a:p>
             <a:fld id="{AA792DF1-A555-43FA-AD2F-E7EC51E120F1}" type="slidenum">
               <a:rPr lang="en-GB" smtClean="0"/>
-              <a:t>59</a:t>
+              <a:t>60</a:t>
             </a:fld>
             <a:endParaRPr lang="en-GB"/>
           </a:p>
@@ -19670,119 +20601,7 @@
 </p:sld>
 </file>
 
-<file path=ppt/slides/slide6.xml><?xml version="1.0" encoding="utf-8"?>
-<p:sld xmlns:a="http://schemas.openxmlformats.org/drawingml/2006/main" xmlns:r="http://schemas.openxmlformats.org/officeDocument/2006/relationships" xmlns:p="http://schemas.openxmlformats.org/presentationml/2006/main">
-  <p:cSld>
-    <p:spTree>
-      <p:nvGrpSpPr>
-        <p:cNvPr id="1" name=""/>
-        <p:cNvGrpSpPr/>
-        <p:nvPr/>
-      </p:nvGrpSpPr>
-      <p:grpSpPr>
-        <a:xfrm>
-          <a:off x="0" y="0"/>
-          <a:ext cx="0" cy="0"/>
-          <a:chOff x="0" y="0"/>
-          <a:chExt cx="0" cy="0"/>
-        </a:xfrm>
-      </p:grpSpPr>
-      <p:pic>
-        <p:nvPicPr>
-          <p:cNvPr id="1026" name="Picture 2" descr="TDD: Where Did It All Go Wrong?">
-            <a:extLst>
-              <a:ext uri="{FF2B5EF4-FFF2-40B4-BE49-F238E27FC236}">
-                <a16:creationId xmlns:a16="http://schemas.microsoft.com/office/drawing/2014/main" id="{F46396DC-F95D-B645-BD60-8D75809D797D}"/>
-              </a:ext>
-            </a:extLst>
-          </p:cNvPr>
-          <p:cNvPicPr>
-            <a:picLocks noChangeAspect="1" noChangeArrowheads="1"/>
-          </p:cNvPicPr>
-          <p:nvPr/>
-        </p:nvPicPr>
-        <p:blipFill>
-          <a:blip r:embed="rId3">
-            <a:extLst>
-              <a:ext uri="{28A0092B-C50C-407E-A947-70E740481C1C}">
-                <a14:useLocalDpi xmlns:a14="http://schemas.microsoft.com/office/drawing/2010/main" val="0"/>
-              </a:ext>
-            </a:extLst>
-          </a:blip>
-          <a:srcRect/>
-          <a:stretch>
-            <a:fillRect/>
-          </a:stretch>
-        </p:blipFill>
-        <p:spPr bwMode="auto">
-          <a:xfrm>
-            <a:off x="4255376" y="2159000"/>
-            <a:ext cx="3429000" cy="2540000"/>
-          </a:xfrm>
-          <a:prstGeom prst="rect">
-            <a:avLst/>
-          </a:prstGeom>
-          <a:noFill/>
-          <a:extLst>
-            <a:ext uri="{909E8E84-426E-40DD-AFC4-6F175D3DCCD1}">
-              <a14:hiddenFill xmlns:a14="http://schemas.microsoft.com/office/drawing/2010/main">
-                <a:solidFill>
-                  <a:srgbClr val="FFFFFF"/>
-                </a:solidFill>
-              </a14:hiddenFill>
-            </a:ext>
-          </a:extLst>
-        </p:spPr>
-      </p:pic>
-      <p:sp>
-        <p:nvSpPr>
-          <p:cNvPr id="4" name="TextBox 3">
-            <a:extLst>
-              <a:ext uri="{FF2B5EF4-FFF2-40B4-BE49-F238E27FC236}">
-                <a16:creationId xmlns:a16="http://schemas.microsoft.com/office/drawing/2014/main" id="{94BF9CCA-4818-AB4C-9174-85579A0DAC69}"/>
-              </a:ext>
-            </a:extLst>
-          </p:cNvPr>
-          <p:cNvSpPr txBox="1"/>
-          <p:nvPr/>
-        </p:nvSpPr>
-        <p:spPr>
-          <a:xfrm>
-            <a:off x="5638182" y="5265682"/>
-            <a:ext cx="915635" cy="523220"/>
-          </a:xfrm>
-          <a:prstGeom prst="rect">
-            <a:avLst/>
-          </a:prstGeom>
-          <a:noFill/>
-        </p:spPr>
-        <p:txBody>
-          <a:bodyPr wrap="none" rtlCol="0">
-            <a:spAutoFit/>
-          </a:bodyPr>
-          <a:lstStyle/>
-          <a:p>
-            <a:r>
-              <a:rPr lang="en-US" sz="2800" dirty="0"/>
-              <a:t>2013</a:t>
-            </a:r>
-          </a:p>
-        </p:txBody>
-      </p:sp>
-    </p:spTree>
-    <p:extLst>
-      <p:ext uri="{BB962C8B-B14F-4D97-AF65-F5344CB8AC3E}">
-        <p14:creationId xmlns:p14="http://schemas.microsoft.com/office/powerpoint/2010/main" val="4170355259"/>
-      </p:ext>
-    </p:extLst>
-  </p:cSld>
-  <p:clrMapOvr>
-    <a:masterClrMapping/>
-  </p:clrMapOvr>
-</p:sld>
-</file>
-
-<file path=ppt/slides/slide60.xml><?xml version="1.0" encoding="utf-8"?>
+<file path=ppt/slides/slide61.xml><?xml version="1.0" encoding="utf-8"?>
 <p:sld xmlns:a="http://schemas.openxmlformats.org/drawingml/2006/main" xmlns:r="http://schemas.openxmlformats.org/officeDocument/2006/relationships" xmlns:p="http://schemas.openxmlformats.org/presentationml/2006/main">
   <p:cSld>
     <p:spTree>
@@ -20070,7 +20889,7 @@
 </p:sld>
 </file>
 
-<file path=ppt/slides/slide61.xml><?xml version="1.0" encoding="utf-8"?>
+<file path=ppt/slides/slide62.xml><?xml version="1.0" encoding="utf-8"?>
 <p:sld xmlns:a="http://schemas.openxmlformats.org/drawingml/2006/main" xmlns:r="http://schemas.openxmlformats.org/officeDocument/2006/relationships" xmlns:p="http://schemas.openxmlformats.org/presentationml/2006/main">
   <p:cSld>
     <p:spTree>
@@ -21258,7 +22077,7 @@
           <a:p>
             <a:fld id="{AA792DF1-A555-43FA-AD2F-E7EC51E120F1}" type="slidenum">
               <a:rPr lang="en-GB" smtClean="0"/>
-              <a:t>61</a:t>
+              <a:t>62</a:t>
             </a:fld>
             <a:endParaRPr lang="en-GB"/>
           </a:p>
@@ -21277,7 +22096,7 @@
 </p:sld>
 </file>
 
-<file path=ppt/slides/slide62.xml><?xml version="1.0" encoding="utf-8"?>
+<file path=ppt/slides/slide63.xml><?xml version="1.0" encoding="utf-8"?>
 <p:sld xmlns:a="http://schemas.openxmlformats.org/drawingml/2006/main" xmlns:r="http://schemas.openxmlformats.org/officeDocument/2006/relationships" xmlns:p="http://schemas.openxmlformats.org/presentationml/2006/main">
   <p:cSld>
     <p:spTree>
@@ -22392,7 +23211,7 @@
           <a:p>
             <a:fld id="{AA792DF1-A555-43FA-AD2F-E7EC51E120F1}" type="slidenum">
               <a:rPr lang="en-GB" smtClean="0"/>
-              <a:t>62</a:t>
+              <a:t>63</a:t>
             </a:fld>
             <a:endParaRPr lang="en-GB"/>
           </a:p>
@@ -22632,7 +23451,7 @@
 </p:sld>
 </file>
 
-<file path=ppt/slides/slide63.xml><?xml version="1.0" encoding="utf-8"?>
+<file path=ppt/slides/slide64.xml><?xml version="1.0" encoding="utf-8"?>
 <p:sld xmlns:a="http://schemas.openxmlformats.org/drawingml/2006/main" xmlns:r="http://schemas.openxmlformats.org/officeDocument/2006/relationships" xmlns:p="http://schemas.openxmlformats.org/presentationml/2006/main">
   <p:cSld>
     <p:spTree>
@@ -22920,7 +23739,7 @@
 </p:sld>
 </file>
 
-<file path=ppt/slides/slide64.xml><?xml version="1.0" encoding="utf-8"?>
+<file path=ppt/slides/slide65.xml><?xml version="1.0" encoding="utf-8"?>
 <p:sld xmlns:a="http://schemas.openxmlformats.org/drawingml/2006/main" xmlns:r="http://schemas.openxmlformats.org/officeDocument/2006/relationships" xmlns:p="http://schemas.openxmlformats.org/presentationml/2006/main">
   <p:cSld>
     <p:spTree>
@@ -23032,7 +23851,7 @@
 </p:sld>
 </file>
 
-<file path=ppt/slides/slide65.xml><?xml version="1.0" encoding="utf-8"?>
+<file path=ppt/slides/slide66.xml><?xml version="1.0" encoding="utf-8"?>
 <p:sld xmlns:a="http://schemas.openxmlformats.org/drawingml/2006/main" xmlns:r="http://schemas.openxmlformats.org/officeDocument/2006/relationships" xmlns:p="http://schemas.openxmlformats.org/presentationml/2006/main">
   <p:cSld>
     <p:spTree>
@@ -23115,7 +23934,7 @@
 </p:sld>
 </file>
 
-<file path=ppt/slides/slide66.xml><?xml version="1.0" encoding="utf-8"?>
+<file path=ppt/slides/slide67.xml><?xml version="1.0" encoding="utf-8"?>
 <p:sld xmlns:a="http://schemas.openxmlformats.org/drawingml/2006/main" xmlns:r="http://schemas.openxmlformats.org/officeDocument/2006/relationships" xmlns:p="http://schemas.openxmlformats.org/presentationml/2006/main">
   <p:cSld>
     <p:spTree>
@@ -23830,7 +24649,7 @@
 </p:sld>
 </file>
 
-<file path=ppt/slides/slide67.xml><?xml version="1.0" encoding="utf-8"?>
+<file path=ppt/slides/slide68.xml><?xml version="1.0" encoding="utf-8"?>
 <p:sld xmlns:a="http://schemas.openxmlformats.org/drawingml/2006/main" xmlns:r="http://schemas.openxmlformats.org/officeDocument/2006/relationships" xmlns:p="http://schemas.openxmlformats.org/presentationml/2006/main">
   <p:cSld>
     <p:spTree>
@@ -23930,40 +24749,63 @@
           <a:chExt cx="0" cy="0"/>
         </a:xfrm>
       </p:grpSpPr>
-      <p:pic>
-        <p:nvPicPr>
-          <p:cNvPr id="2" name="Content Placeholder 6" descr="51EH1TQ3A2L._SL500_AA300_.jpg">
+      <p:sp>
+        <p:nvSpPr>
+          <p:cNvPr id="2" name="Title 1">
             <a:extLst>
               <a:ext uri="{FF2B5EF4-FFF2-40B4-BE49-F238E27FC236}">
-                <a16:creationId xmlns:a16="http://schemas.microsoft.com/office/drawing/2014/main" id="{3FA4AA00-1B73-0E45-AF27-F538E7E3BC85}"/>
+                <a16:creationId xmlns:a16="http://schemas.microsoft.com/office/drawing/2014/main" id="{568A866C-B638-5946-963F-9D3C18C5CCC8}"/>
               </a:ext>
             </a:extLst>
           </p:cNvPr>
-          <p:cNvPicPr>
-            <a:picLocks noChangeAspect="1"/>
-          </p:cNvPicPr>
-          <p:nvPr/>
-        </p:nvPicPr>
-        <p:blipFill>
-          <a:blip r:embed="rId3" cstate="print"/>
-          <a:stretch>
-            <a:fillRect/>
-          </a:stretch>
-        </p:blipFill>
-        <p:spPr>
-          <a:xfrm>
-            <a:off x="3995936" y="908720"/>
-            <a:ext cx="4752528" cy="4752528"/>
-          </a:xfrm>
-          <a:prstGeom prst="rect">
-            <a:avLst/>
-          </a:prstGeom>
-        </p:spPr>
-      </p:pic>
+          <p:cNvSpPr>
+            <a:spLocks noGrp="1"/>
+          </p:cNvSpPr>
+          <p:nvPr>
+            <p:ph type="title"/>
+          </p:nvPr>
+        </p:nvSpPr>
+        <p:spPr/>
+        <p:txBody>
+          <a:bodyPr/>
+          <a:lstStyle/>
+          <a:p>
+            <a:r>
+              <a:rPr lang="en-US" dirty="0"/>
+              <a:t>The Fallacies of TDD</a:t>
+            </a:r>
+          </a:p>
+        </p:txBody>
+      </p:sp>
+      <p:sp>
+        <p:nvSpPr>
+          <p:cNvPr id="3" name="Text Placeholder 2">
+            <a:extLst>
+              <a:ext uri="{FF2B5EF4-FFF2-40B4-BE49-F238E27FC236}">
+                <a16:creationId xmlns:a16="http://schemas.microsoft.com/office/drawing/2014/main" id="{E6A158EA-71E5-604E-AFF1-2AD53E847A94}"/>
+              </a:ext>
+            </a:extLst>
+          </p:cNvPr>
+          <p:cNvSpPr>
+            <a:spLocks noGrp="1"/>
+          </p:cNvSpPr>
+          <p:nvPr>
+            <p:ph type="body" idx="1"/>
+          </p:nvPr>
+        </p:nvSpPr>
+        <p:spPr/>
+        <p:txBody>
+          <a:bodyPr/>
+          <a:lstStyle/>
+          <a:p>
+            <a:endParaRPr lang="en-US"/>
+          </a:p>
+        </p:txBody>
+      </p:sp>
     </p:spTree>
     <p:extLst>
       <p:ext uri="{BB962C8B-B14F-4D97-AF65-F5344CB8AC3E}">
-        <p14:creationId xmlns:p14="http://schemas.microsoft.com/office/powerpoint/2010/main" val="3220586879"/>
+        <p14:creationId xmlns:p14="http://schemas.microsoft.com/office/powerpoint/2010/main" val="3460043057"/>
       </p:ext>
     </p:extLst>
   </p:cSld>
@@ -23992,61 +24834,47 @@
       </p:grpSpPr>
       <p:sp>
         <p:nvSpPr>
-          <p:cNvPr id="2" name="Title 1">
+          <p:cNvPr id="4" name="TextBox 3">
             <a:extLst>
               <a:ext uri="{FF2B5EF4-FFF2-40B4-BE49-F238E27FC236}">
-                <a16:creationId xmlns:a16="http://schemas.microsoft.com/office/drawing/2014/main" id="{568A866C-B638-5946-963F-9D3C18C5CCC8}"/>
+                <a16:creationId xmlns:a16="http://schemas.microsoft.com/office/drawing/2014/main" id="{A9FD64D3-63EE-124E-AF32-0D8B156E70AD}"/>
               </a:ext>
             </a:extLst>
           </p:cNvPr>
-          <p:cNvSpPr>
-            <a:spLocks noGrp="1"/>
-          </p:cNvSpPr>
-          <p:nvPr>
-            <p:ph type="title"/>
-          </p:nvPr>
-        </p:nvSpPr>
-        <p:spPr/>
-        <p:txBody>
-          <a:bodyPr/>
-          <a:lstStyle/>
-          <a:p>
-            <a:r>
-              <a:rPr lang="en-US" dirty="0"/>
-              <a:t>The Fallacies of TDD</a:t>
-            </a:r>
-          </a:p>
-        </p:txBody>
-      </p:sp>
-      <p:sp>
-        <p:nvSpPr>
-          <p:cNvPr id="3" name="Text Placeholder 2">
-            <a:extLst>
-              <a:ext uri="{FF2B5EF4-FFF2-40B4-BE49-F238E27FC236}">
-                <a16:creationId xmlns:a16="http://schemas.microsoft.com/office/drawing/2014/main" id="{E6A158EA-71E5-604E-AFF1-2AD53E847A94}"/>
-              </a:ext>
-            </a:extLst>
-          </p:cNvPr>
-          <p:cNvSpPr>
-            <a:spLocks noGrp="1"/>
-          </p:cNvSpPr>
-          <p:nvPr>
-            <p:ph type="body" idx="1"/>
-          </p:nvPr>
-        </p:nvSpPr>
-        <p:spPr/>
-        <p:txBody>
-          <a:bodyPr/>
-          <a:lstStyle/>
-          <a:p>
-            <a:endParaRPr lang="en-US"/>
+          <p:cNvSpPr txBox="1"/>
+          <p:nvPr/>
+        </p:nvSpPr>
+        <p:spPr>
+          <a:xfrm>
+            <a:off x="3790485" y="3167390"/>
+            <a:ext cx="4611029" cy="523220"/>
+          </a:xfrm>
+          <a:prstGeom prst="rect">
+            <a:avLst/>
+          </a:prstGeom>
+          <a:noFill/>
+        </p:spPr>
+        <p:txBody>
+          <a:bodyPr wrap="square" rtlCol="0">
+            <a:spAutoFit/>
+          </a:bodyPr>
+          <a:lstStyle/>
+          <a:p>
+            <a:r>
+              <a:rPr lang="en-US" sz="2800" b="1" dirty="0">
+                <a:solidFill>
+                  <a:srgbClr val="002060"/>
+                </a:solidFill>
+              </a:rPr>
+              <a:t>1: Developers write Unit Tests</a:t>
+            </a:r>
           </a:p>
         </p:txBody>
       </p:sp>
     </p:spTree>
     <p:extLst>
       <p:ext uri="{BB962C8B-B14F-4D97-AF65-F5344CB8AC3E}">
-        <p14:creationId xmlns:p14="http://schemas.microsoft.com/office/powerpoint/2010/main" val="3460043057"/>
+        <p14:creationId xmlns:p14="http://schemas.microsoft.com/office/powerpoint/2010/main" val="3119845444"/>
       </p:ext>
     </p:extLst>
   </p:cSld>
@@ -24075,10 +24903,58 @@
       </p:grpSpPr>
       <p:sp>
         <p:nvSpPr>
+          <p:cNvPr id="2" name="Rectangle 1">
+            <a:extLst>
+              <a:ext uri="{FF2B5EF4-FFF2-40B4-BE49-F238E27FC236}">
+                <a16:creationId xmlns:a16="http://schemas.microsoft.com/office/drawing/2014/main" id="{3CE8E3E0-36ED-6A41-A27A-F909356A828A}"/>
+              </a:ext>
+            </a:extLst>
+          </p:cNvPr>
+          <p:cNvSpPr/>
+          <p:nvPr/>
+        </p:nvSpPr>
+        <p:spPr>
+          <a:xfrm>
+            <a:off x="729475" y="2951946"/>
+            <a:ext cx="10733049" cy="954107"/>
+          </a:xfrm>
+          <a:prstGeom prst="rect">
+            <a:avLst/>
+          </a:prstGeom>
+        </p:spPr>
+        <p:txBody>
+          <a:bodyPr wrap="square">
+            <a:spAutoFit/>
+          </a:bodyPr>
+          <a:lstStyle/>
+          <a:p>
+            <a:pPr algn="ctr"/>
+            <a:r>
+              <a:rPr lang="en-GB" sz="2800" dirty="0">
+                <a:effectLst/>
+                <a:latin typeface="Helvetica" pitchFamily="2" charset="0"/>
+              </a:rPr>
+              <a:t>I call them “unit tests,” but they don't</a:t>
+            </a:r>
+          </a:p>
+          <a:p>
+            <a:pPr algn="ctr"/>
+            <a:r>
+              <a:rPr lang="en-GB" sz="2800" dirty="0">
+                <a:effectLst/>
+                <a:latin typeface="Helvetica" pitchFamily="2" charset="0"/>
+              </a:rPr>
+              <a:t>match the accepted definition of unit tests very well</a:t>
+            </a:r>
+          </a:p>
+        </p:txBody>
+      </p:sp>
+      <p:sp>
+        <p:nvSpPr>
           <p:cNvPr id="4" name="TextBox 3">
             <a:extLst>
               <a:ext uri="{FF2B5EF4-FFF2-40B4-BE49-F238E27FC236}">
-                <a16:creationId xmlns:a16="http://schemas.microsoft.com/office/drawing/2014/main" id="{A9FD64D3-63EE-124E-AF32-0D8B156E70AD}"/>
+                <a16:creationId xmlns:a16="http://schemas.microsoft.com/office/drawing/2014/main" id="{EB038FAD-453D-D44A-B952-B7702BFED134}"/>
               </a:ext>
             </a:extLst>
           </p:cNvPr>
@@ -24087,8 +24963,8 @@
         </p:nvSpPr>
         <p:spPr>
           <a:xfrm>
-            <a:off x="3790485" y="3167390"/>
-            <a:ext cx="4611029" cy="523220"/>
+            <a:off x="8221980" y="5113020"/>
+            <a:ext cx="2857500" cy="369332"/>
           </a:xfrm>
           <a:prstGeom prst="rect">
             <a:avLst/>
@@ -24102,12 +24978,8 @@
           <a:lstStyle/>
           <a:p>
             <a:r>
-              <a:rPr lang="en-US" sz="2800" b="1" dirty="0">
-                <a:solidFill>
-                  <a:srgbClr val="002060"/>
-                </a:solidFill>
-              </a:rPr>
-              <a:t>1: Developers write Unit Tests</a:t>
+              <a:rPr lang="en-US" dirty="0"/>
+              <a:t>Kent Beck, TDD By Example</a:t>
             </a:r>
           </a:p>
         </p:txBody>
@@ -24115,7 +24987,7 @@
     </p:spTree>
     <p:extLst>
       <p:ext uri="{BB962C8B-B14F-4D97-AF65-F5344CB8AC3E}">
-        <p14:creationId xmlns:p14="http://schemas.microsoft.com/office/powerpoint/2010/main" val="3119845444"/>
+        <p14:creationId xmlns:p14="http://schemas.microsoft.com/office/powerpoint/2010/main" val="35943291"/>
       </p:ext>
     </p:extLst>
   </p:cSld>

--- a/Kent Beck Style TDD - Seven Years After.pptx
+++ b/Kent Beck Style TDD - Seven Years After.pptx
@@ -5,7 +5,7 @@
     <p:sldMasterId id="2147483648" r:id="rId1"/>
   </p:sldMasterIdLst>
   <p:notesMasterIdLst>
-    <p:notesMasterId r:id="rId60"/>
+    <p:notesMasterId r:id="rId53"/>
   </p:notesMasterIdLst>
   <p:sldIdLst>
     <p:sldId id="256" r:id="rId2"/>
@@ -55,17 +55,10 @@
     <p:sldId id="386" r:id="rId46"/>
     <p:sldId id="473" r:id="rId47"/>
     <p:sldId id="455" r:id="rId48"/>
-    <p:sldId id="343" r:id="rId49"/>
-    <p:sldId id="405" r:id="rId50"/>
-    <p:sldId id="396" r:id="rId51"/>
-    <p:sldId id="406" r:id="rId52"/>
-    <p:sldId id="398" r:id="rId53"/>
-    <p:sldId id="407" r:id="rId54"/>
-    <p:sldId id="408" r:id="rId55"/>
-    <p:sldId id="344" r:id="rId56"/>
-    <p:sldId id="403" r:id="rId57"/>
-    <p:sldId id="474" r:id="rId58"/>
-    <p:sldId id="410" r:id="rId59"/>
+    <p:sldId id="344" r:id="rId49"/>
+    <p:sldId id="403" r:id="rId50"/>
+    <p:sldId id="474" r:id="rId51"/>
+    <p:sldId id="410" r:id="rId52"/>
   </p:sldIdLst>
   <p:sldSz cx="12192000" cy="6858000"/>
   <p:notesSz cx="6858000" cy="9144000"/>
@@ -254,7 +247,7 @@
           <a:p>
             <a:fld id="{585FDAF2-17D3-B044-9239-94AC3D52C83E}" type="datetimeFigureOut">
               <a:rPr lang="en-US" smtClean="0"/>
-              <a:t>1/29/21</a:t>
+              <a:t>10/10/23</a:t>
             </a:fld>
             <a:endParaRPr lang="en-US"/>
           </a:p>
@@ -5628,487 +5621,6 @@
 </p:notes>
 </file>
 
-<file path=ppt/notesSlides/notesSlide45.xml><?xml version="1.0" encoding="utf-8"?>
-<p:notes xmlns:a="http://schemas.openxmlformats.org/drawingml/2006/main" xmlns:r="http://schemas.openxmlformats.org/officeDocument/2006/relationships" xmlns:p="http://schemas.openxmlformats.org/presentationml/2006/main">
-  <p:cSld>
-    <p:spTree>
-      <p:nvGrpSpPr>
-        <p:cNvPr id="1" name=""/>
-        <p:cNvGrpSpPr/>
-        <p:nvPr/>
-      </p:nvGrpSpPr>
-      <p:grpSpPr>
-        <a:xfrm>
-          <a:off x="0" y="0"/>
-          <a:ext cx="0" cy="0"/>
-          <a:chOff x="0" y="0"/>
-          <a:chExt cx="0" cy="0"/>
-        </a:xfrm>
-      </p:grpSpPr>
-      <p:sp>
-        <p:nvSpPr>
-          <p:cNvPr id="2" name="Slide Image Placeholder 1"/>
-          <p:cNvSpPr>
-            <a:spLocks noGrp="1" noRot="1" noChangeAspect="1"/>
-          </p:cNvSpPr>
-          <p:nvPr>
-            <p:ph type="sldImg"/>
-          </p:nvPr>
-        </p:nvSpPr>
-        <p:spPr/>
-      </p:sp>
-      <p:sp>
-        <p:nvSpPr>
-          <p:cNvPr id="3" name="Notes Placeholder 2"/>
-          <p:cNvSpPr>
-            <a:spLocks noGrp="1"/>
-          </p:cNvSpPr>
-          <p:nvPr>
-            <p:ph type="body" idx="1"/>
-          </p:nvPr>
-        </p:nvSpPr>
-        <p:spPr/>
-        <p:txBody>
-          <a:bodyPr/>
-          <a:lstStyle/>
-          <a:p>
-            <a:r>
-              <a:rPr lang="en-US" dirty="0"/>
-              <a:t>The</a:t>
-            </a:r>
-            <a:r>
-              <a:rPr lang="en-US" baseline="0" dirty="0"/>
-              <a:t> Request Model is a pure data structure, it has no behavior. It comes through the boundary and it reaches the Interactor, that is named not Interactor, but for the use case. The Interactor goes and finds the Entities, calls the appropriate methods, and then gathers the Response Model from the data.</a:t>
-            </a:r>
-          </a:p>
-          <a:p>
-            <a:endParaRPr lang="en-US" baseline="0" dirty="0"/>
-          </a:p>
-          <a:p>
-            <a:r>
-              <a:rPr lang="en-US" baseline="0" dirty="0"/>
-              <a:t>It sounds like HTTP Request-Response, but there is no HTTP.</a:t>
-            </a:r>
-          </a:p>
-          <a:p>
-            <a:endParaRPr lang="en-US" baseline="0" dirty="0"/>
-          </a:p>
-          <a:p>
-            <a:r>
-              <a:rPr lang="en-US" baseline="0" dirty="0"/>
-              <a:t>To Test: Create the Interactor, Create The Request Model, Run the Interactor and check the Response Model.</a:t>
-            </a:r>
-          </a:p>
-          <a:p>
-            <a:endParaRPr lang="en-US" baseline="0" dirty="0"/>
-          </a:p>
-          <a:p>
-            <a:r>
-              <a:rPr lang="en-US" baseline="0" dirty="0"/>
-              <a:t>You have no dependency on the delivery mechanism. In fact the delivery mechanism depends on you, the application controller, which is your plugin into the framework and implements an interface</a:t>
-            </a:r>
-          </a:p>
-          <a:p>
-            <a:endParaRPr lang="en-US" dirty="0"/>
-          </a:p>
-        </p:txBody>
-      </p:sp>
-      <p:sp>
-        <p:nvSpPr>
-          <p:cNvPr id="4" name="Slide Number Placeholder 3"/>
-          <p:cNvSpPr>
-            <a:spLocks noGrp="1"/>
-          </p:cNvSpPr>
-          <p:nvPr>
-            <p:ph type="sldNum" sz="quarter" idx="10"/>
-          </p:nvPr>
-        </p:nvSpPr>
-        <p:spPr/>
-        <p:txBody>
-          <a:bodyPr/>
-          <a:lstStyle/>
-          <a:p>
-            <a:fld id="{FEF15FA6-EB56-764B-9424-765F853645DC}" type="slidenum">
-              <a:rPr lang="en-US" smtClean="0"/>
-              <a:t>50</a:t>
-            </a:fld>
-            <a:endParaRPr lang="en-US"/>
-          </a:p>
-        </p:txBody>
-      </p:sp>
-    </p:spTree>
-    <p:extLst>
-      <p:ext uri="{BB962C8B-B14F-4D97-AF65-F5344CB8AC3E}">
-        <p14:creationId xmlns:p14="http://schemas.microsoft.com/office/powerpoint/2010/main" val="2212035123"/>
-      </p:ext>
-    </p:extLst>
-  </p:cSld>
-  <p:clrMapOvr>
-    <a:masterClrMapping/>
-  </p:clrMapOvr>
-</p:notes>
-</file>
-
-<file path=ppt/notesSlides/notesSlide46.xml><?xml version="1.0" encoding="utf-8"?>
-<p:notes xmlns:a="http://schemas.openxmlformats.org/drawingml/2006/main" xmlns:r="http://schemas.openxmlformats.org/officeDocument/2006/relationships" xmlns:p="http://schemas.openxmlformats.org/presentationml/2006/main">
-  <p:cSld>
-    <p:spTree>
-      <p:nvGrpSpPr>
-        <p:cNvPr id="1" name=""/>
-        <p:cNvGrpSpPr/>
-        <p:nvPr/>
-      </p:nvGrpSpPr>
-      <p:grpSpPr>
-        <a:xfrm>
-          <a:off x="0" y="0"/>
-          <a:ext cx="0" cy="0"/>
-          <a:chOff x="0" y="0"/>
-          <a:chExt cx="0" cy="0"/>
-        </a:xfrm>
-      </p:grpSpPr>
-      <p:sp>
-        <p:nvSpPr>
-          <p:cNvPr id="2" name="Slide Image Placeholder 1"/>
-          <p:cNvSpPr>
-            <a:spLocks noGrp="1" noRot="1" noChangeAspect="1"/>
-          </p:cNvSpPr>
-          <p:nvPr>
-            <p:ph type="sldImg"/>
-          </p:nvPr>
-        </p:nvSpPr>
-        <p:spPr/>
-      </p:sp>
-      <p:sp>
-        <p:nvSpPr>
-          <p:cNvPr id="3" name="Notes Placeholder 2"/>
-          <p:cNvSpPr>
-            <a:spLocks noGrp="1"/>
-          </p:cNvSpPr>
-          <p:nvPr>
-            <p:ph type="body" idx="1"/>
-          </p:nvPr>
-        </p:nvSpPr>
-        <p:spPr/>
-        <p:txBody>
-          <a:bodyPr/>
-          <a:lstStyle/>
-          <a:p>
-            <a:r>
-              <a:rPr lang="en-US" dirty="0"/>
-              <a:t>This is the use case it is where we drive code</a:t>
-            </a:r>
-          </a:p>
-        </p:txBody>
-      </p:sp>
-      <p:sp>
-        <p:nvSpPr>
-          <p:cNvPr id="4" name="Slide Number Placeholder 3"/>
-          <p:cNvSpPr>
-            <a:spLocks noGrp="1"/>
-          </p:cNvSpPr>
-          <p:nvPr>
-            <p:ph type="sldNum" sz="quarter" idx="5"/>
-          </p:nvPr>
-        </p:nvSpPr>
-        <p:spPr/>
-        <p:txBody>
-          <a:bodyPr/>
-          <a:lstStyle/>
-          <a:p>
-            <a:fld id="{8D454BB1-5AB5-DF45-A819-95464E74CBE3}" type="slidenum">
-              <a:rPr lang="en-US" smtClean="0"/>
-              <a:t>51</a:t>
-            </a:fld>
-            <a:endParaRPr lang="en-US"/>
-          </a:p>
-        </p:txBody>
-      </p:sp>
-    </p:spTree>
-    <p:extLst>
-      <p:ext uri="{BB962C8B-B14F-4D97-AF65-F5344CB8AC3E}">
-        <p14:creationId xmlns:p14="http://schemas.microsoft.com/office/powerpoint/2010/main" val="31513050"/>
-      </p:ext>
-    </p:extLst>
-  </p:cSld>
-  <p:clrMapOvr>
-    <a:masterClrMapping/>
-  </p:clrMapOvr>
-</p:notes>
-</file>
-
-<file path=ppt/notesSlides/notesSlide47.xml><?xml version="1.0" encoding="utf-8"?>
-<p:notes xmlns:a="http://schemas.openxmlformats.org/drawingml/2006/main" xmlns:r="http://schemas.openxmlformats.org/officeDocument/2006/relationships" xmlns:p="http://schemas.openxmlformats.org/presentationml/2006/main">
-  <p:cSld>
-    <p:spTree>
-      <p:nvGrpSpPr>
-        <p:cNvPr id="1" name=""/>
-        <p:cNvGrpSpPr/>
-        <p:nvPr/>
-      </p:nvGrpSpPr>
-      <p:grpSpPr>
-        <a:xfrm>
-          <a:off x="0" y="0"/>
-          <a:ext cx="0" cy="0"/>
-          <a:chOff x="0" y="0"/>
-          <a:chExt cx="0" cy="0"/>
-        </a:xfrm>
-      </p:grpSpPr>
-      <p:sp>
-        <p:nvSpPr>
-          <p:cNvPr id="2" name="Slide Image Placeholder 1"/>
-          <p:cNvSpPr>
-            <a:spLocks noGrp="1" noRot="1" noChangeAspect="1"/>
-          </p:cNvSpPr>
-          <p:nvPr>
-            <p:ph type="sldImg"/>
-          </p:nvPr>
-        </p:nvSpPr>
-        <p:spPr/>
-      </p:sp>
-      <p:sp>
-        <p:nvSpPr>
-          <p:cNvPr id="3" name="Notes Placeholder 2"/>
-          <p:cNvSpPr>
-            <a:spLocks noGrp="1"/>
-          </p:cNvSpPr>
-          <p:nvPr>
-            <p:ph type="body" idx="1"/>
-          </p:nvPr>
-        </p:nvSpPr>
-        <p:spPr/>
-        <p:txBody>
-          <a:bodyPr/>
-          <a:lstStyle/>
-          <a:p>
-            <a:r>
-              <a:rPr lang="en-US" dirty="0"/>
-              <a:t>How do we talk to the Db. We implement the interface with a concrete</a:t>
-            </a:r>
-            <a:r>
-              <a:rPr lang="en-US" baseline="0" dirty="0"/>
-              <a:t> boundary component that talks to the DB</a:t>
-            </a:r>
-          </a:p>
-          <a:p>
-            <a:endParaRPr lang="en-US" dirty="0"/>
-          </a:p>
-        </p:txBody>
-      </p:sp>
-      <p:sp>
-        <p:nvSpPr>
-          <p:cNvPr id="4" name="Slide Number Placeholder 3"/>
-          <p:cNvSpPr>
-            <a:spLocks noGrp="1"/>
-          </p:cNvSpPr>
-          <p:nvPr>
-            <p:ph type="sldNum" sz="quarter" idx="10"/>
-          </p:nvPr>
-        </p:nvSpPr>
-        <p:spPr/>
-        <p:txBody>
-          <a:bodyPr/>
-          <a:lstStyle/>
-          <a:p>
-            <a:fld id="{FEF15FA6-EB56-764B-9424-765F853645DC}" type="slidenum">
-              <a:rPr lang="en-US" smtClean="0"/>
-              <a:t>52</a:t>
-            </a:fld>
-            <a:endParaRPr lang="en-US"/>
-          </a:p>
-        </p:txBody>
-      </p:sp>
-    </p:spTree>
-    <p:extLst>
-      <p:ext uri="{BB962C8B-B14F-4D97-AF65-F5344CB8AC3E}">
-        <p14:creationId xmlns:p14="http://schemas.microsoft.com/office/powerpoint/2010/main" val="3049009636"/>
-      </p:ext>
-    </p:extLst>
-  </p:cSld>
-  <p:clrMapOvr>
-    <a:masterClrMapping/>
-  </p:clrMapOvr>
-</p:notes>
-</file>
-
-<file path=ppt/notesSlides/notesSlide48.xml><?xml version="1.0" encoding="utf-8"?>
-<p:notes xmlns:a="http://schemas.openxmlformats.org/drawingml/2006/main" xmlns:r="http://schemas.openxmlformats.org/officeDocument/2006/relationships" xmlns:p="http://schemas.openxmlformats.org/presentationml/2006/main">
-  <p:cSld>
-    <p:spTree>
-      <p:nvGrpSpPr>
-        <p:cNvPr id="1" name=""/>
-        <p:cNvGrpSpPr/>
-        <p:nvPr/>
-      </p:nvGrpSpPr>
-      <p:grpSpPr>
-        <a:xfrm>
-          <a:off x="0" y="0"/>
-          <a:ext cx="0" cy="0"/>
-          <a:chOff x="0" y="0"/>
-          <a:chExt cx="0" cy="0"/>
-        </a:xfrm>
-      </p:grpSpPr>
-      <p:sp>
-        <p:nvSpPr>
-          <p:cNvPr id="2" name="Slide Image Placeholder 1"/>
-          <p:cNvSpPr>
-            <a:spLocks noGrp="1" noRot="1" noChangeAspect="1"/>
-          </p:cNvSpPr>
-          <p:nvPr>
-            <p:ph type="sldImg"/>
-          </p:nvPr>
-        </p:nvSpPr>
-        <p:spPr/>
-      </p:sp>
-      <p:sp>
-        <p:nvSpPr>
-          <p:cNvPr id="3" name="Notes Placeholder 2"/>
-          <p:cNvSpPr>
-            <a:spLocks noGrp="1"/>
-          </p:cNvSpPr>
-          <p:nvPr>
-            <p:ph type="body" idx="1"/>
-          </p:nvPr>
-        </p:nvSpPr>
-        <p:spPr/>
-        <p:txBody>
-          <a:bodyPr/>
-          <a:lstStyle/>
-          <a:p>
-            <a:r>
-              <a:rPr lang="en-US" dirty="0"/>
-              <a:t>Adapter can change; we are not driving </a:t>
-            </a:r>
-            <a:r>
-              <a:rPr lang="en-US" dirty="0" err="1"/>
-              <a:t>behaviour</a:t>
-            </a:r>
-            <a:r>
-              <a:rPr lang="en-US" dirty="0"/>
-              <a:t> here, just hooking up</a:t>
-            </a:r>
-          </a:p>
-        </p:txBody>
-      </p:sp>
-      <p:sp>
-        <p:nvSpPr>
-          <p:cNvPr id="4" name="Slide Number Placeholder 3"/>
-          <p:cNvSpPr>
-            <a:spLocks noGrp="1"/>
-          </p:cNvSpPr>
-          <p:nvPr>
-            <p:ph type="sldNum" sz="quarter" idx="5"/>
-          </p:nvPr>
-        </p:nvSpPr>
-        <p:spPr/>
-        <p:txBody>
-          <a:bodyPr/>
-          <a:lstStyle/>
-          <a:p>
-            <a:fld id="{8D454BB1-5AB5-DF45-A819-95464E74CBE3}" type="slidenum">
-              <a:rPr lang="en-US" smtClean="0"/>
-              <a:t>53</a:t>
-            </a:fld>
-            <a:endParaRPr lang="en-US"/>
-          </a:p>
-        </p:txBody>
-      </p:sp>
-    </p:spTree>
-    <p:extLst>
-      <p:ext uri="{BB962C8B-B14F-4D97-AF65-F5344CB8AC3E}">
-        <p14:creationId xmlns:p14="http://schemas.microsoft.com/office/powerpoint/2010/main" val="3810022750"/>
-      </p:ext>
-    </p:extLst>
-  </p:cSld>
-  <p:clrMapOvr>
-    <a:masterClrMapping/>
-  </p:clrMapOvr>
-</p:notes>
-</file>
-
-<file path=ppt/notesSlides/notesSlide49.xml><?xml version="1.0" encoding="utf-8"?>
-<p:notes xmlns:a="http://schemas.openxmlformats.org/drawingml/2006/main" xmlns:r="http://schemas.openxmlformats.org/officeDocument/2006/relationships" xmlns:p="http://schemas.openxmlformats.org/presentationml/2006/main">
-  <p:cSld>
-    <p:spTree>
-      <p:nvGrpSpPr>
-        <p:cNvPr id="1" name=""/>
-        <p:cNvGrpSpPr/>
-        <p:nvPr/>
-      </p:nvGrpSpPr>
-      <p:grpSpPr>
-        <a:xfrm>
-          <a:off x="0" y="0"/>
-          <a:ext cx="0" cy="0"/>
-          <a:chOff x="0" y="0"/>
-          <a:chExt cx="0" cy="0"/>
-        </a:xfrm>
-      </p:grpSpPr>
-      <p:sp>
-        <p:nvSpPr>
-          <p:cNvPr id="2" name="Slide Image Placeholder 1"/>
-          <p:cNvSpPr>
-            <a:spLocks noGrp="1" noRot="1" noChangeAspect="1"/>
-          </p:cNvSpPr>
-          <p:nvPr>
-            <p:ph type="sldImg"/>
-          </p:nvPr>
-        </p:nvSpPr>
-        <p:spPr/>
-      </p:sp>
-      <p:sp>
-        <p:nvSpPr>
-          <p:cNvPr id="3" name="Notes Placeholder 2"/>
-          <p:cNvSpPr>
-            <a:spLocks noGrp="1"/>
-          </p:cNvSpPr>
-          <p:nvPr>
-            <p:ph type="body" idx="1"/>
-          </p:nvPr>
-        </p:nvSpPr>
-        <p:spPr/>
-        <p:txBody>
-          <a:bodyPr/>
-          <a:lstStyle/>
-          <a:p>
-            <a:endParaRPr lang="en-US" dirty="0"/>
-          </a:p>
-        </p:txBody>
-      </p:sp>
-      <p:sp>
-        <p:nvSpPr>
-          <p:cNvPr id="4" name="Slide Number Placeholder 3"/>
-          <p:cNvSpPr>
-            <a:spLocks noGrp="1"/>
-          </p:cNvSpPr>
-          <p:nvPr>
-            <p:ph type="sldNum" sz="quarter" idx="5"/>
-          </p:nvPr>
-        </p:nvSpPr>
-        <p:spPr/>
-        <p:txBody>
-          <a:bodyPr/>
-          <a:lstStyle/>
-          <a:p>
-            <a:fld id="{8D454BB1-5AB5-DF45-A819-95464E74CBE3}" type="slidenum">
-              <a:rPr lang="en-US" smtClean="0"/>
-              <a:t>54</a:t>
-            </a:fld>
-            <a:endParaRPr lang="en-US"/>
-          </a:p>
-        </p:txBody>
-      </p:sp>
-    </p:spTree>
-    <p:extLst>
-      <p:ext uri="{BB962C8B-B14F-4D97-AF65-F5344CB8AC3E}">
-        <p14:creationId xmlns:p14="http://schemas.microsoft.com/office/powerpoint/2010/main" val="4205486105"/>
-      </p:ext>
-    </p:extLst>
-  </p:cSld>
-  <p:clrMapOvr>
-    <a:masterClrMapping/>
-  </p:clrMapOvr>
-</p:notes>
-</file>
-
 <file path=ppt/notesSlides/notesSlide5.xml><?xml version="1.0" encoding="utf-8"?>
 <p:notes xmlns:a="http://schemas.openxmlformats.org/drawingml/2006/main" xmlns:r="http://schemas.openxmlformats.org/officeDocument/2006/relationships" xmlns:p="http://schemas.openxmlformats.org/presentationml/2006/main">
   <p:cSld>
@@ -7519,7 +7031,7 @@
           <a:p>
             <a:fld id="{B9A7345B-4321-8B4E-9326-4E6DAD9A950A}" type="datetimeFigureOut">
               <a:rPr lang="en-US" smtClean="0"/>
-              <a:t>1/29/21</a:t>
+              <a:t>10/10/23</a:t>
             </a:fld>
             <a:endParaRPr lang="en-US"/>
           </a:p>
@@ -7719,7 +7231,7 @@
           <a:p>
             <a:fld id="{B9A7345B-4321-8B4E-9326-4E6DAD9A950A}" type="datetimeFigureOut">
               <a:rPr lang="en-US" smtClean="0"/>
-              <a:t>1/29/21</a:t>
+              <a:t>10/10/23</a:t>
             </a:fld>
             <a:endParaRPr lang="en-US"/>
           </a:p>
@@ -7929,7 +7441,7 @@
           <a:p>
             <a:fld id="{B9A7345B-4321-8B4E-9326-4E6DAD9A950A}" type="datetimeFigureOut">
               <a:rPr lang="en-US" smtClean="0"/>
-              <a:t>1/29/21</a:t>
+              <a:t>10/10/23</a:t>
             </a:fld>
             <a:endParaRPr lang="en-US"/>
           </a:p>
@@ -8129,7 +7641,7 @@
           <a:p>
             <a:fld id="{B9A7345B-4321-8B4E-9326-4E6DAD9A950A}" type="datetimeFigureOut">
               <a:rPr lang="en-US" smtClean="0"/>
-              <a:t>1/29/21</a:t>
+              <a:t>10/10/23</a:t>
             </a:fld>
             <a:endParaRPr lang="en-US"/>
           </a:p>
@@ -8405,7 +7917,7 @@
           <a:p>
             <a:fld id="{B9A7345B-4321-8B4E-9326-4E6DAD9A950A}" type="datetimeFigureOut">
               <a:rPr lang="en-US" smtClean="0"/>
-              <a:t>1/29/21</a:t>
+              <a:t>10/10/23</a:t>
             </a:fld>
             <a:endParaRPr lang="en-US"/>
           </a:p>
@@ -8673,7 +8185,7 @@
           <a:p>
             <a:fld id="{B9A7345B-4321-8B4E-9326-4E6DAD9A950A}" type="datetimeFigureOut">
               <a:rPr lang="en-US" smtClean="0"/>
-              <a:t>1/29/21</a:t>
+              <a:t>10/10/23</a:t>
             </a:fld>
             <a:endParaRPr lang="en-US"/>
           </a:p>
@@ -9088,7 +8600,7 @@
           <a:p>
             <a:fld id="{B9A7345B-4321-8B4E-9326-4E6DAD9A950A}" type="datetimeFigureOut">
               <a:rPr lang="en-US" smtClean="0"/>
-              <a:t>1/29/21</a:t>
+              <a:t>10/10/23</a:t>
             </a:fld>
             <a:endParaRPr lang="en-US"/>
           </a:p>
@@ -9230,7 +8742,7 @@
           <a:p>
             <a:fld id="{B9A7345B-4321-8B4E-9326-4E6DAD9A950A}" type="datetimeFigureOut">
               <a:rPr lang="en-US" smtClean="0"/>
-              <a:t>1/29/21</a:t>
+              <a:t>10/10/23</a:t>
             </a:fld>
             <a:endParaRPr lang="en-US"/>
           </a:p>
@@ -9343,7 +8855,7 @@
           <a:p>
             <a:fld id="{B9A7345B-4321-8B4E-9326-4E6DAD9A950A}" type="datetimeFigureOut">
               <a:rPr lang="en-US" smtClean="0"/>
-              <a:t>1/29/21</a:t>
+              <a:t>10/10/23</a:t>
             </a:fld>
             <a:endParaRPr lang="en-US"/>
           </a:p>
@@ -9656,7 +9168,7 @@
           <a:p>
             <a:fld id="{B9A7345B-4321-8B4E-9326-4E6DAD9A950A}" type="datetimeFigureOut">
               <a:rPr lang="en-US" smtClean="0"/>
-              <a:t>1/29/21</a:t>
+              <a:t>10/10/23</a:t>
             </a:fld>
             <a:endParaRPr lang="en-US"/>
           </a:p>
@@ -9945,7 +9457,7 @@
           <a:p>
             <a:fld id="{B9A7345B-4321-8B4E-9326-4E6DAD9A950A}" type="datetimeFigureOut">
               <a:rPr lang="en-US" smtClean="0"/>
-              <a:t>1/29/21</a:t>
+              <a:t>10/10/23</a:t>
             </a:fld>
             <a:endParaRPr lang="en-US"/>
           </a:p>
@@ -10188,7 +9700,7 @@
           <a:p>
             <a:fld id="{B9A7345B-4321-8B4E-9326-4E6DAD9A950A}" type="datetimeFigureOut">
               <a:rPr lang="en-US" smtClean="0"/>
-              <a:t>1/29/21</a:t>
+              <a:t>10/10/23</a:t>
             </a:fld>
             <a:endParaRPr lang="en-US"/>
           </a:p>
@@ -10832,17 +10344,45 @@
                 <a:effectLst/>
                 <a:latin typeface="Helvetica" pitchFamily="2" charset="0"/>
               </a:rPr>
-              <a:t>I call them “unit tests,” but they don't</a:t>
-            </a:r>
-          </a:p>
-          <a:p>
-            <a:pPr algn="ctr"/>
+              <a:t>I call them “</a:t>
+            </a:r>
+            <a:r>
+              <a:rPr lang="en-GB" sz="2800" b="1" dirty="0">
+                <a:effectLst/>
+                <a:latin typeface="Helvetica" pitchFamily="2" charset="0"/>
+              </a:rPr>
+              <a:t>unit tests</a:t>
+            </a:r>
             <a:r>
               <a:rPr lang="en-GB" sz="2800" dirty="0">
                 <a:effectLst/>
                 <a:latin typeface="Helvetica" pitchFamily="2" charset="0"/>
               </a:rPr>
-              <a:t>match the accepted definition of unit tests very well</a:t>
+              <a:t>,” but they don't</a:t>
+            </a:r>
+          </a:p>
+          <a:p>
+            <a:pPr algn="ctr"/>
+            <a:r>
+              <a:rPr lang="en-GB" sz="2800" dirty="0">
+                <a:effectLst/>
+                <a:latin typeface="Helvetica" pitchFamily="2" charset="0"/>
+              </a:rPr>
+              <a:t>match the </a:t>
+            </a:r>
+            <a:r>
+              <a:rPr lang="en-GB" sz="2800" b="1" dirty="0">
+                <a:effectLst/>
+                <a:latin typeface="Helvetica" pitchFamily="2" charset="0"/>
+              </a:rPr>
+              <a:t>accepted definition</a:t>
+            </a:r>
+            <a:r>
+              <a:rPr lang="en-GB" sz="2800" dirty="0">
+                <a:effectLst/>
+                <a:latin typeface="Helvetica" pitchFamily="2" charset="0"/>
+              </a:rPr>
+              <a:t> of unit tests very well</a:t>
             </a:r>
           </a:p>
         </p:txBody>
@@ -11783,8 +11323,8 @@
         </p:nvCxnSpPr>
         <p:spPr>
           <a:xfrm flipV="1">
-            <a:off x="3550920" y="3910578"/>
-            <a:ext cx="925830" cy="581501"/>
+            <a:off x="3550920" y="3091543"/>
+            <a:ext cx="2675709" cy="1400536"/>
           </a:xfrm>
           <a:prstGeom prst="straightConnector1">
             <a:avLst/>
@@ -13260,11 +12800,11 @@
             </a:r>
             <a:r>
               <a:rPr lang="en-GB" sz="2800" dirty="0"/>
-              <a:t>… </a:t>
+              <a:t>… your test is completely</a:t>
             </a:r>
             <a:r>
               <a:rPr lang="en-GB" sz="2800" b="1" dirty="0"/>
-              <a:t>your test is completely coupled to the implementation not the interface</a:t>
+              <a:t> coupled to the implementation not the interface</a:t>
             </a:r>
             <a:r>
               <a:rPr lang="en-GB" sz="2800" dirty="0"/>
@@ -13806,20 +13346,8 @@
           <a:p>
             <a:pPr algn="ctr"/>
             <a:r>
-              <a:rPr lang="en-US" sz="2800" b="1" dirty="0"/>
-              <a:t>Failure</a:t>
-            </a:r>
-            <a:r>
               <a:rPr lang="en-US" sz="2800" dirty="0"/>
-              <a:t> of a </a:t>
-            </a:r>
-            <a:r>
-              <a:rPr lang="en-US" sz="2800" b="1" dirty="0"/>
-              <a:t>Unit Test</a:t>
-            </a:r>
-            <a:r>
-              <a:rPr lang="en-US" sz="2800" dirty="0"/>
-              <a:t> shall implicate </a:t>
+              <a:t>Failure of a Unit Test shall implicate </a:t>
             </a:r>
             <a:r>
               <a:rPr lang="en-US" sz="2800" b="1" dirty="0"/>
@@ -14064,7 +13592,7 @@
         <p:spPr>
           <a:xfrm>
             <a:off x="2087880" y="3168609"/>
-            <a:ext cx="8648700" cy="954107"/>
+            <a:ext cx="8648700" cy="1384995"/>
           </a:xfrm>
           <a:prstGeom prst="rect">
             <a:avLst/>
@@ -14078,20 +13606,16 @@
           <a:p>
             <a:pPr algn="ctr"/>
             <a:r>
+              <a:rPr lang="en-US" sz="2800" dirty="0"/>
+              <a:t>Failure of a Programmer (or Developer)</a:t>
+            </a:r>
+            <a:r>
               <a:rPr lang="en-US" sz="2800" b="1" dirty="0"/>
-              <a:t>Failure</a:t>
+              <a:t> </a:t>
             </a:r>
             <a:r>
               <a:rPr lang="en-US" sz="2800" dirty="0"/>
-              <a:t> of a </a:t>
-            </a:r>
-            <a:r>
-              <a:rPr lang="en-US" sz="2800" b="1" dirty="0"/>
-              <a:t>Programmer Test</a:t>
-            </a:r>
-            <a:r>
-              <a:rPr lang="en-US" sz="2800" dirty="0"/>
-              <a:t>, under Test Driven Development, </a:t>
+              <a:t>Test, under Test Driven Development, </a:t>
             </a:r>
             <a:r>
               <a:rPr lang="en-US" sz="2800" b="1" dirty="0"/>
@@ -14585,23 +14109,7 @@
             </a:r>
             <a:r>
               <a:rPr lang="en-US" sz="2800" dirty="0"/>
-              <a:t>. The </a:t>
-            </a:r>
-            <a:r>
-              <a:rPr lang="en-US" sz="2800" b="1" dirty="0"/>
-              <a:t>failure</a:t>
-            </a:r>
-            <a:r>
-              <a:rPr lang="en-US" sz="2800" dirty="0"/>
-              <a:t> of a test case </a:t>
-            </a:r>
-            <a:r>
-              <a:rPr lang="en-US" sz="2800" b="1" dirty="0"/>
-              <a:t>implicates</a:t>
-            </a:r>
-            <a:r>
-              <a:rPr lang="en-US" sz="2800" dirty="0"/>
-              <a:t> only the </a:t>
+              <a:t>. The failure of a test case implicates only the </a:t>
             </a:r>
             <a:r>
               <a:rPr lang="en-US" sz="2800" b="1" dirty="0"/>
@@ -14617,15 +14125,7 @@
             </a:r>
             <a:r>
               <a:rPr lang="en-US" sz="2800" dirty="0"/>
-              <a:t> to split all their code up into testable units. And it implies a developer may always </a:t>
-            </a:r>
-            <a:r>
-              <a:rPr lang="en-US" sz="2800" b="1" dirty="0"/>
-              <a:t>avoid debugging by reverting that last edit</a:t>
-            </a:r>
-            <a:r>
-              <a:rPr lang="en-US" sz="2800" dirty="0"/>
-              <a:t>. </a:t>
+              <a:t> to split all their code up into testable units. And it implies a developer may always avoid debugging by reverting that last edit. </a:t>
             </a:r>
           </a:p>
         </p:txBody>
@@ -16472,8 +15972,20 @@
           <a:p>
             <a:pPr algn="ctr"/>
             <a:r>
+              <a:rPr lang="en-GB" sz="2800" b="1" dirty="0"/>
+              <a:t>Write a test</a:t>
+            </a:r>
+            <a:r>
               <a:rPr lang="en-GB" sz="2800" dirty="0"/>
-              <a:t>Write a test that defines a function or improvements of a function</a:t>
+              <a:t> that </a:t>
+            </a:r>
+            <a:r>
+              <a:rPr lang="en-GB" sz="2800" b="1" dirty="0"/>
+              <a:t>defines a function</a:t>
+            </a:r>
+            <a:r>
+              <a:rPr lang="en-GB" sz="2800" dirty="0"/>
+              <a:t> or improvements of a function</a:t>
             </a:r>
           </a:p>
         </p:txBody>
@@ -16706,9 +16218,9 @@
           <p:nvPr/>
         </p:nvCxnSpPr>
         <p:spPr>
-          <a:xfrm flipV="1">
-            <a:off x="4000499" y="3419585"/>
-            <a:ext cx="337585" cy="1097646"/>
+          <a:xfrm flipH="1" flipV="1">
+            <a:off x="2762339" y="3429000"/>
+            <a:ext cx="1238160" cy="1088231"/>
           </a:xfrm>
           <a:prstGeom prst="straightConnector1">
             <a:avLst/>
@@ -18035,7 +17547,7 @@
                 <a:latin typeface="Bradley Hand" pitchFamily="2" charset="77"/>
                 <a:cs typeface="Apple Chancery" panose="03020702040506060504" pitchFamily="66" charset="-79"/>
               </a:rPr>
-              <a:t>. We would not documentation, because our tests would document how to use our code through clear examples. Yet in many cases our tests are just </a:t>
+              <a:t>. We would not need documentation, because our tests would document how to use our code through clear examples. Yet in many cases our tests are just </a:t>
             </a:r>
             <a:r>
               <a:rPr lang="en-US" b="1" dirty="0">
@@ -18449,7 +17961,31 @@
             <a:pPr algn="ctr"/>
             <a:r>
               <a:rPr lang="en-GB" sz="2800" dirty="0"/>
-              <a:t>We need to be able to add amounts in two different currencies and convert the result given a set of exchange rates.</a:t>
+              <a:t>We need to be able to</a:t>
+            </a:r>
+            <a:r>
+              <a:rPr lang="en-GB" sz="2800" b="1" dirty="0"/>
+              <a:t> add amounts</a:t>
+            </a:r>
+            <a:r>
+              <a:rPr lang="en-GB" sz="2800" dirty="0"/>
+              <a:t> in two different currencies and </a:t>
+            </a:r>
+            <a:r>
+              <a:rPr lang="en-GB" sz="2800" b="1" dirty="0"/>
+              <a:t>convert</a:t>
+            </a:r>
+            <a:r>
+              <a:rPr lang="en-GB" sz="2800" dirty="0"/>
+              <a:t> the result </a:t>
+            </a:r>
+            <a:r>
+              <a:rPr lang="en-GB" sz="2800" b="1" dirty="0"/>
+              <a:t>given a set of exchange rates</a:t>
+            </a:r>
+            <a:r>
+              <a:rPr lang="en-GB" sz="2800" dirty="0"/>
+              <a:t>.</a:t>
             </a:r>
           </a:p>
         </p:txBody>
@@ -20260,7 +19796,15 @@
             </a:r>
             <a:r>
               <a:rPr lang="en-US" sz="2800" dirty="0"/>
-              <a:t> thinking in </a:t>
+              <a:t> </a:t>
+            </a:r>
+            <a:r>
+              <a:rPr lang="en-US" sz="2800" b="1" dirty="0"/>
+              <a:t>thinking in</a:t>
+            </a:r>
+            <a:r>
+              <a:rPr lang="en-US" sz="2800" dirty="0"/>
+              <a:t> </a:t>
             </a:r>
             <a:r>
               <a:rPr lang="en-US" sz="2800" b="1" dirty="0" err="1"/>
@@ -20272,11 +19816,11 @@
             </a:r>
             <a:r>
               <a:rPr lang="en-US" sz="2800" b="1" dirty="0"/>
-              <a:t>TDD as</a:t>
+              <a:t>TDD </a:t>
             </a:r>
             <a:r>
               <a:rPr lang="en-US" sz="2800" dirty="0"/>
-              <a:t> BDD, or </a:t>
+              <a:t>as BDD, or </a:t>
             </a:r>
             <a:r>
               <a:rPr lang="en-US" sz="2800" b="1" dirty="0" err="1"/>
@@ -21072,7 +20616,15 @@
             </a:r>
             <a:r>
               <a:rPr lang="en-US" sz="2800" dirty="0"/>
-              <a:t> that you can make towards implementing the requirement given by </a:t>
+              <a:t> that you can make towards implementing the </a:t>
+            </a:r>
+            <a:r>
+              <a:rPr lang="en-US" sz="2800" b="1" dirty="0"/>
+              <a:t>requirement</a:t>
+            </a:r>
+            <a:r>
+              <a:rPr lang="en-US" sz="2800" dirty="0"/>
+              <a:t> given by </a:t>
             </a:r>
             <a:r>
               <a:rPr lang="en-US" sz="2800" b="1" dirty="0"/>
@@ -21953,7 +21505,15 @@
             <a:pPr algn="ctr"/>
             <a:r>
               <a:rPr lang="en-US" sz="2800" dirty="0"/>
-              <a:t>You do not write new tests if you </a:t>
+              <a:t>You do not </a:t>
+            </a:r>
+            <a:r>
+              <a:rPr lang="en-US" sz="2800" b="1" dirty="0"/>
+              <a:t>write new tests</a:t>
+            </a:r>
+            <a:r>
+              <a:rPr lang="en-US" sz="2800" dirty="0"/>
+              <a:t> if you </a:t>
             </a:r>
             <a:r>
               <a:rPr lang="en-US" sz="2800" b="1" dirty="0"/>
@@ -21984,7 +21544,7 @@
         </p:nvSpPr>
         <p:spPr>
           <a:xfrm>
-            <a:off x="430065" y="5256635"/>
+            <a:off x="6070558" y="5564072"/>
             <a:ext cx="5470625" cy="923330"/>
           </a:xfrm>
           <a:prstGeom prst="rect">
@@ -22045,9 +21605,9 @@
           <p:nvPr/>
         </p:nvCxnSpPr>
         <p:spPr>
-          <a:xfrm flipV="1">
-            <a:off x="3165378" y="3838355"/>
-            <a:ext cx="2831006" cy="1418280"/>
+          <a:xfrm flipH="1" flipV="1">
+            <a:off x="6460388" y="3924974"/>
+            <a:ext cx="2345483" cy="1639098"/>
           </a:xfrm>
           <a:prstGeom prst="straightConnector1">
             <a:avLst/>
@@ -22224,7 +21784,7 @@
         </p:nvSpPr>
         <p:spPr>
           <a:xfrm>
-            <a:off x="5900690" y="4466191"/>
+            <a:off x="203217" y="5054630"/>
             <a:ext cx="5470625" cy="646331"/>
           </a:xfrm>
           <a:prstGeom prst="rect">
@@ -22290,13 +21850,14 @@
           </p:cNvPr>
           <p:cNvCxnSpPr>
             <a:cxnSpLocks/>
+            <a:stCxn id="13" idx="0"/>
           </p:cNvCxnSpPr>
           <p:nvPr/>
         </p:nvCxnSpPr>
         <p:spPr>
-          <a:xfrm flipH="1" flipV="1">
-            <a:off x="4306186" y="3838355"/>
-            <a:ext cx="1594504" cy="1228001"/>
+          <a:xfrm flipV="1">
+            <a:off x="2938530" y="3838355"/>
+            <a:ext cx="1367656" cy="1216275"/>
           </a:xfrm>
           <a:prstGeom prst="straightConnector1">
             <a:avLst/>
@@ -22440,14 +22001,13 @@
           </p:cNvPr>
           <p:cNvCxnSpPr>
             <a:cxnSpLocks/>
-            <a:stCxn id="17" idx="2"/>
           </p:cNvCxnSpPr>
           <p:nvPr/>
         </p:nvCxnSpPr>
         <p:spPr>
           <a:xfrm>
-            <a:off x="3261072" y="2835346"/>
-            <a:ext cx="1938249" cy="834192"/>
+            <a:off x="4920343" y="2664688"/>
+            <a:ext cx="936171" cy="894941"/>
           </a:xfrm>
           <a:prstGeom prst="straightConnector1">
             <a:avLst/>
@@ -23046,15 +22606,7 @@
             <a:pPr algn="ctr"/>
             <a:r>
               <a:rPr lang="en-US" sz="2800" dirty="0"/>
-              <a:t>Originally called Functional Tests because each </a:t>
-            </a:r>
-            <a:r>
-              <a:rPr lang="en-US" sz="2800" b="1" dirty="0"/>
-              <a:t>acceptance test tries to test</a:t>
-            </a:r>
-            <a:r>
-              <a:rPr lang="en-US" sz="2800" dirty="0"/>
-              <a:t> the functionality of a </a:t>
+              <a:t>Originally called Functional Tests because each acceptance test tries to test the functionality of a </a:t>
             </a:r>
             <a:r>
               <a:rPr lang="en-US" sz="2800" b="1" dirty="0"/>
@@ -23077,7 +22629,23 @@
             </a:r>
             <a:r>
               <a:rPr lang="en-US" sz="2800" b="1" dirty="0"/>
-              <a:t>modeled and possibly even written by the customer</a:t>
+              <a:t>modeled </a:t>
+            </a:r>
+            <a:r>
+              <a:rPr lang="en-US" sz="2800" dirty="0"/>
+              <a:t>and</a:t>
+            </a:r>
+            <a:r>
+              <a:rPr lang="en-US" sz="2800" b="1" dirty="0"/>
+              <a:t> possibly even written </a:t>
+            </a:r>
+            <a:r>
+              <a:rPr lang="en-US" sz="2800" dirty="0"/>
+              <a:t>by the</a:t>
+            </a:r>
+            <a:r>
+              <a:rPr lang="en-US" sz="2800" b="1" dirty="0"/>
+              <a:t> customer</a:t>
             </a:r>
             <a:r>
               <a:rPr lang="en-US" sz="2800" dirty="0"/>
@@ -23143,7 +22711,7 @@
         </p:nvSpPr>
         <p:spPr>
           <a:xfrm>
-            <a:off x="209373" y="5214104"/>
+            <a:off x="6059822" y="4347317"/>
             <a:ext cx="5470625" cy="923330"/>
           </a:xfrm>
           <a:prstGeom prst="rect">
@@ -23189,13 +22757,14 @@
           </p:cNvPr>
           <p:cNvCxnSpPr>
             <a:cxnSpLocks/>
+            <a:stCxn id="5" idx="1"/>
           </p:cNvCxnSpPr>
           <p:nvPr/>
         </p:nvCxnSpPr>
         <p:spPr>
-          <a:xfrm flipV="1">
-            <a:off x="2944686" y="3604437"/>
-            <a:ext cx="2265267" cy="1609668"/>
+          <a:xfrm flipH="1" flipV="1">
+            <a:off x="5209953" y="3604437"/>
+            <a:ext cx="849869" cy="1204545"/>
           </a:xfrm>
           <a:prstGeom prst="straightConnector1">
             <a:avLst/>
@@ -23233,7 +22802,7 @@
         </p:nvSpPr>
         <p:spPr>
           <a:xfrm>
-            <a:off x="5933233" y="4290774"/>
+            <a:off x="128155" y="4629062"/>
             <a:ext cx="5470625" cy="923330"/>
           </a:xfrm>
           <a:prstGeom prst="rect">
@@ -23319,13 +22888,14 @@
           </p:cNvPr>
           <p:cNvCxnSpPr>
             <a:cxnSpLocks/>
+            <a:stCxn id="8" idx="0"/>
           </p:cNvCxnSpPr>
           <p:nvPr/>
         </p:nvCxnSpPr>
         <p:spPr>
-          <a:xfrm flipH="1" flipV="1">
-            <a:off x="3094074" y="3602384"/>
-            <a:ext cx="5574472" cy="688391"/>
+          <a:xfrm flipV="1">
+            <a:off x="2863468" y="3602384"/>
+            <a:ext cx="230606" cy="1026678"/>
           </a:xfrm>
           <a:prstGeom prst="straightConnector1">
             <a:avLst/>
@@ -24754,12 +24324,16 @@
           <a:p>
             <a:pPr algn="ctr"/>
             <a:r>
+              <a:rPr lang="en-US" sz="2800" b="1" dirty="0"/>
+              <a:t>ATDD is perilous</a:t>
+            </a:r>
+            <a:r>
               <a:rPr lang="en-US" sz="2800" dirty="0"/>
-              <a:t>ATDD is perilous because it implies that </a:t>
+              <a:t> because it implies that TDD does not deal with the</a:t>
             </a:r>
             <a:r>
               <a:rPr lang="en-US" sz="2800" b="1" dirty="0"/>
-              <a:t>TDD does not deal with the acceptance criteria</a:t>
+              <a:t> acceptance criteria</a:t>
             </a:r>
             <a:r>
               <a:rPr lang="en-US" sz="2800" dirty="0"/>
@@ -25726,52 +25300,8 @@
           <a:p>
             <a:pPr algn="ctr"/>
             <a:r>
-              <a:rPr lang="en-GB" sz="2800" b="1" dirty="0"/>
-              <a:t>Customers</a:t>
-            </a:r>
-            <a:r>
               <a:rPr lang="en-GB" sz="2800" dirty="0"/>
-              <a:t> </a:t>
-            </a:r>
-            <a:r>
-              <a:rPr lang="en-GB" sz="2800" b="1" dirty="0"/>
-              <a:t>illustrate</a:t>
-            </a:r>
-            <a:r>
-              <a:rPr lang="en-GB" sz="2800" dirty="0"/>
-              <a:t> their descriptions with concrete </a:t>
-            </a:r>
-            <a:r>
-              <a:rPr lang="en-GB" sz="2800" b="1" dirty="0"/>
-              <a:t>examples</a:t>
-            </a:r>
-            <a:r>
-              <a:rPr lang="en-GB" sz="2800" dirty="0"/>
-              <a:t>…programmers use these examples to guide their work…Sometimes [</a:t>
-            </a:r>
-            <a:r>
-              <a:rPr lang="en-GB" sz="2800" b="1" dirty="0"/>
-              <a:t>programmers</a:t>
-            </a:r>
-            <a:r>
-              <a:rPr lang="en-GB" sz="2800" dirty="0"/>
-              <a:t>] </a:t>
-            </a:r>
-            <a:r>
-              <a:rPr lang="en-GB" sz="2800" b="1" dirty="0"/>
-              <a:t>use</a:t>
-            </a:r>
-            <a:r>
-              <a:rPr lang="en-GB" sz="2800" dirty="0"/>
-              <a:t> the </a:t>
-            </a:r>
-            <a:r>
-              <a:rPr lang="en-GB" sz="2800" b="1" dirty="0"/>
-              <a:t>examples directly in their tests</a:t>
-            </a:r>
-            <a:r>
-              <a:rPr lang="en-GB" sz="2800" dirty="0"/>
-              <a:t>…More often…programmers use the </a:t>
+              <a:t>Customers illustrate their descriptions with concrete examples…programmers use these examples to guide their work…Sometimes [programmers] use the examples directly in their tests…More often…programmers use the </a:t>
             </a:r>
             <a:r>
               <a:rPr lang="en-GB" sz="2800" b="1" dirty="0"/>
@@ -26029,8 +25559,8 @@
         </p:nvCxnSpPr>
         <p:spPr>
           <a:xfrm flipV="1">
-            <a:off x="3852529" y="3848986"/>
-            <a:ext cx="3676031" cy="889040"/>
+            <a:off x="6226629" y="4310743"/>
+            <a:ext cx="2122714" cy="751114"/>
           </a:xfrm>
           <a:prstGeom prst="straightConnector1">
             <a:avLst/>
@@ -26400,7 +25930,31 @@
             <a:pPr algn="ctr"/>
             <a:r>
               <a:rPr lang="en-US" sz="2800" dirty="0"/>
-              <a:t>﻿A development process that entails executing unit tests after the development of the corresponding units is finished. </a:t>
+              <a:t>﻿A development process that entails executing unit tests </a:t>
+            </a:r>
+            <a:r>
+              <a:rPr lang="en-US" sz="2800" b="1" dirty="0"/>
+              <a:t>after</a:t>
+            </a:r>
+            <a:r>
+              <a:rPr lang="en-US" sz="2800" dirty="0"/>
+              <a:t> the </a:t>
+            </a:r>
+            <a:r>
+              <a:rPr lang="en-US" sz="2800" b="1" dirty="0"/>
+              <a:t>development</a:t>
+            </a:r>
+            <a:r>
+              <a:rPr lang="en-US" sz="2800" dirty="0"/>
+              <a:t> of the corresponding units is </a:t>
+            </a:r>
+            <a:r>
+              <a:rPr lang="en-US" sz="2800" b="1" dirty="0"/>
+              <a:t>finished</a:t>
+            </a:r>
+            <a:r>
+              <a:rPr lang="en-US" sz="2800" dirty="0"/>
+              <a:t>. </a:t>
             </a:r>
           </a:p>
         </p:txBody>
@@ -26661,8 +26215,8 @@
         </p:nvCxnSpPr>
         <p:spPr>
           <a:xfrm flipH="1" flipV="1">
-            <a:off x="3604438" y="2594346"/>
-            <a:ext cx="1257386" cy="1871118"/>
+            <a:off x="3756838" y="3221666"/>
+            <a:ext cx="1104986" cy="1243798"/>
           </a:xfrm>
           <a:prstGeom prst="straightConnector1">
             <a:avLst/>
@@ -27116,15 +26670,23 @@
             </a:r>
             <a:r>
               <a:rPr lang="en-US" sz="2800" dirty="0"/>
-              <a:t> you are engaging in speculation. Most likely you will be </a:t>
+              <a:t> you are engaging in speculation. Most likely you will be wrong. The code will not be </a:t>
             </a:r>
             <a:r>
               <a:rPr lang="en-US" sz="2800" b="1" dirty="0"/>
-              <a:t>wrong</a:t>
+              <a:t>needed</a:t>
             </a:r>
             <a:r>
               <a:rPr lang="en-US" sz="2800" dirty="0"/>
-              <a:t>. The code will not be needed or you will have to re-work that code.</a:t>
+              <a:t> or you will have to </a:t>
+            </a:r>
+            <a:r>
+              <a:rPr lang="en-US" sz="2800" b="1" dirty="0"/>
+              <a:t>re-work</a:t>
+            </a:r>
+            <a:r>
+              <a:rPr lang="en-US" sz="2800" dirty="0"/>
+              <a:t> that code.</a:t>
             </a:r>
           </a:p>
         </p:txBody>
@@ -27992,7 +27554,15 @@
             </a:r>
             <a:r>
               <a:rPr lang="en-US" sz="2800" b="1" dirty="0"/>
-              <a:t>production code in response to a test</a:t>
+              <a:t>production code </a:t>
+            </a:r>
+            <a:r>
+              <a:rPr lang="en-US" sz="2800" dirty="0"/>
+              <a:t>in</a:t>
+            </a:r>
+            <a:r>
+              <a:rPr lang="en-US" sz="2800" b="1" dirty="0"/>
+              <a:t> response to a test</a:t>
             </a:r>
             <a:r>
               <a:rPr lang="en-US" sz="2800" dirty="0"/>
@@ -28315,8 +27885,8 @@
         </p:nvCxnSpPr>
         <p:spPr>
           <a:xfrm flipV="1">
-            <a:off x="3869719" y="3850939"/>
-            <a:ext cx="1905973" cy="1363165"/>
+            <a:off x="3869719" y="3429000"/>
+            <a:ext cx="2335138" cy="1785104"/>
           </a:xfrm>
           <a:prstGeom prst="straightConnector1">
             <a:avLst/>
@@ -29262,7 +28832,19 @@
             <a:pPr algn="ctr"/>
             <a:r>
               <a:rPr lang="en-US" sz="2800" dirty="0"/>
-              <a:t>﻿TDD followed religiously should result in 100 percent statement coverage</a:t>
+              <a:t>﻿TDD followed religiously should result in </a:t>
+            </a:r>
+            <a:r>
+              <a:rPr lang="en-US" sz="2800" b="1" dirty="0"/>
+              <a:t>100 percent</a:t>
+            </a:r>
+            <a:r>
+              <a:rPr lang="en-US" sz="2800" dirty="0"/>
+              <a:t> statement </a:t>
+            </a:r>
+            <a:r>
+              <a:rPr lang="en-US" sz="2800" b="1" dirty="0"/>
+              <a:t>coverage</a:t>
             </a:r>
           </a:p>
         </p:txBody>
@@ -29789,7 +29371,23 @@
             <a:pPr algn="ctr"/>
             <a:r>
               <a:rPr lang="en-US" sz="2800" dirty="0"/>
-              <a:t>﻿Many test suites where development teams practice TDD have less than 100% test code.</a:t>
+              <a:t>﻿Many test suites where development teams </a:t>
+            </a:r>
+            <a:r>
+              <a:rPr lang="en-US" sz="2800" b="1" dirty="0"/>
+              <a:t>practice TDD</a:t>
+            </a:r>
+            <a:r>
+              <a:rPr lang="en-US" sz="2800" dirty="0"/>
+              <a:t> have less than </a:t>
+            </a:r>
+            <a:r>
+              <a:rPr lang="en-US" sz="2800" b="1" dirty="0"/>
+              <a:t>100%</a:t>
+            </a:r>
+            <a:r>
+              <a:rPr lang="en-US" sz="2800" dirty="0"/>
+              <a:t> test code.</a:t>
             </a:r>
           </a:p>
         </p:txBody>
@@ -30381,7 +29979,39 @@
             <a:pPr algn="ctr"/>
             <a:r>
               <a:rPr lang="en-US" sz="2800" dirty="0"/>
-              <a:t>TDD is useful where it can provide fast binary feedback. If it is not the fastest way to provide feedback, use something else.</a:t>
+              <a:t>TDD is </a:t>
+            </a:r>
+            <a:r>
+              <a:rPr lang="en-US" sz="2800" b="1" dirty="0"/>
+              <a:t>useful</a:t>
+            </a:r>
+            <a:r>
+              <a:rPr lang="en-US" sz="2800" dirty="0"/>
+              <a:t> where it can provide fast </a:t>
+            </a:r>
+            <a:r>
+              <a:rPr lang="en-US" sz="2800" b="1" dirty="0"/>
+              <a:t>binary</a:t>
+            </a:r>
+            <a:r>
+              <a:rPr lang="en-US" sz="2800" dirty="0"/>
+              <a:t> feedback. If it is not the </a:t>
+            </a:r>
+            <a:r>
+              <a:rPr lang="en-US" sz="2800" b="1" dirty="0"/>
+              <a:t>fastest</a:t>
+            </a:r>
+            <a:r>
+              <a:rPr lang="en-US" sz="2800" dirty="0"/>
+              <a:t> way to provide feedback, use </a:t>
+            </a:r>
+            <a:r>
+              <a:rPr lang="en-US" sz="2800" b="1" dirty="0"/>
+              <a:t>something</a:t>
+            </a:r>
+            <a:r>
+              <a:rPr lang="en-US" sz="2800" dirty="0"/>
+              <a:t> else.</a:t>
             </a:r>
           </a:p>
         </p:txBody>
@@ -30701,8 +30331,8 @@
         </p:nvCxnSpPr>
         <p:spPr>
           <a:xfrm flipV="1">
-            <a:off x="3869719" y="3850940"/>
-            <a:ext cx="1905973" cy="1363164"/>
+            <a:off x="3869719" y="3429000"/>
+            <a:ext cx="2318030" cy="1785104"/>
           </a:xfrm>
           <a:prstGeom prst="straightConnector1">
             <a:avLst/>
@@ -31401,3297 +31031,6 @@
           <p:cNvPr id="2" name="Title 1">
             <a:extLst>
               <a:ext uri="{FF2B5EF4-FFF2-40B4-BE49-F238E27FC236}">
-                <a16:creationId xmlns:a16="http://schemas.microsoft.com/office/drawing/2014/main" id="{5EDC18B3-AFAF-7544-8482-9224F72A0DE9}"/>
-              </a:ext>
-            </a:extLst>
-          </p:cNvPr>
-          <p:cNvSpPr>
-            <a:spLocks noGrp="1"/>
-          </p:cNvSpPr>
-          <p:nvPr>
-            <p:ph type="title"/>
-          </p:nvPr>
-        </p:nvSpPr>
-        <p:spPr/>
-        <p:txBody>
-          <a:bodyPr/>
-          <a:lstStyle/>
-          <a:p>
-            <a:r>
-              <a:rPr lang="en-US" dirty="0"/>
-              <a:t>Clean Architecture</a:t>
-            </a:r>
-          </a:p>
-        </p:txBody>
-      </p:sp>
-      <p:sp>
-        <p:nvSpPr>
-          <p:cNvPr id="3" name="Text Placeholder 2">
-            <a:extLst>
-              <a:ext uri="{FF2B5EF4-FFF2-40B4-BE49-F238E27FC236}">
-                <a16:creationId xmlns:a16="http://schemas.microsoft.com/office/drawing/2014/main" id="{55A205EB-D1E5-6245-B7BD-7B93B592900E}"/>
-              </a:ext>
-            </a:extLst>
-          </p:cNvPr>
-          <p:cNvSpPr>
-            <a:spLocks noGrp="1"/>
-          </p:cNvSpPr>
-          <p:nvPr>
-            <p:ph type="body" idx="1"/>
-          </p:nvPr>
-        </p:nvSpPr>
-        <p:spPr/>
-        <p:txBody>
-          <a:bodyPr/>
-          <a:lstStyle/>
-          <a:p>
-            <a:endParaRPr lang="en-US"/>
-          </a:p>
-        </p:txBody>
-      </p:sp>
-    </p:spTree>
-    <p:extLst>
-      <p:ext uri="{BB962C8B-B14F-4D97-AF65-F5344CB8AC3E}">
-        <p14:creationId xmlns:p14="http://schemas.microsoft.com/office/powerpoint/2010/main" val="2099430726"/>
-      </p:ext>
-    </p:extLst>
-  </p:cSld>
-  <p:clrMapOvr>
-    <a:masterClrMapping/>
-  </p:clrMapOvr>
-</p:sld>
-</file>
-
-<file path=ppt/slides/slide49.xml><?xml version="1.0" encoding="utf-8"?>
-<p:sld xmlns:a="http://schemas.openxmlformats.org/drawingml/2006/main" xmlns:r="http://schemas.openxmlformats.org/officeDocument/2006/relationships" xmlns:p="http://schemas.openxmlformats.org/presentationml/2006/main">
-  <p:cSld>
-    <p:spTree>
-      <p:nvGrpSpPr>
-        <p:cNvPr id="1" name=""/>
-        <p:cNvGrpSpPr/>
-        <p:nvPr/>
-      </p:nvGrpSpPr>
-      <p:grpSpPr>
-        <a:xfrm>
-          <a:off x="0" y="0"/>
-          <a:ext cx="0" cy="0"/>
-          <a:chOff x="0" y="0"/>
-          <a:chExt cx="0" cy="0"/>
-        </a:xfrm>
-      </p:grpSpPr>
-      <p:pic>
-        <p:nvPicPr>
-          <p:cNvPr id="7" name="Picture 6">
-            <a:extLst>
-              <a:ext uri="{FF2B5EF4-FFF2-40B4-BE49-F238E27FC236}">
-                <a16:creationId xmlns:a16="http://schemas.microsoft.com/office/drawing/2014/main" id="{48E5E9E7-81A0-AB46-AF2D-503404680358}"/>
-              </a:ext>
-            </a:extLst>
-          </p:cNvPr>
-          <p:cNvPicPr>
-            <a:picLocks noChangeAspect="1"/>
-          </p:cNvPicPr>
-          <p:nvPr/>
-        </p:nvPicPr>
-        <p:blipFill>
-          <a:blip r:embed="rId2"/>
-          <a:stretch>
-            <a:fillRect/>
-          </a:stretch>
-        </p:blipFill>
-        <p:spPr>
-          <a:xfrm>
-            <a:off x="2446649" y="1257300"/>
-            <a:ext cx="7596511" cy="4058920"/>
-          </a:xfrm>
-          <a:prstGeom prst="rect">
-            <a:avLst/>
-          </a:prstGeom>
-        </p:spPr>
-      </p:pic>
-    </p:spTree>
-    <p:extLst>
-      <p:ext uri="{BB962C8B-B14F-4D97-AF65-F5344CB8AC3E}">
-        <p14:creationId xmlns:p14="http://schemas.microsoft.com/office/powerpoint/2010/main" val="867484712"/>
-      </p:ext>
-    </p:extLst>
-  </p:cSld>
-  <p:clrMapOvr>
-    <a:masterClrMapping/>
-  </p:clrMapOvr>
-</p:sld>
-</file>
-
-<file path=ppt/slides/slide5.xml><?xml version="1.0" encoding="utf-8"?>
-<p:sld xmlns:a="http://schemas.openxmlformats.org/drawingml/2006/main" xmlns:r="http://schemas.openxmlformats.org/officeDocument/2006/relationships" xmlns:p="http://schemas.openxmlformats.org/presentationml/2006/main">
-  <p:cSld>
-    <p:spTree>
-      <p:nvGrpSpPr>
-        <p:cNvPr id="1" name=""/>
-        <p:cNvGrpSpPr/>
-        <p:nvPr/>
-      </p:nvGrpSpPr>
-      <p:grpSpPr>
-        <a:xfrm>
-          <a:off x="0" y="0"/>
-          <a:ext cx="0" cy="0"/>
-          <a:chOff x="0" y="0"/>
-          <a:chExt cx="0" cy="0"/>
-        </a:xfrm>
-      </p:grpSpPr>
-      <p:sp>
-        <p:nvSpPr>
-          <p:cNvPr id="2" name="Title 1">
-            <a:extLst>
-              <a:ext uri="{FF2B5EF4-FFF2-40B4-BE49-F238E27FC236}">
-                <a16:creationId xmlns:a16="http://schemas.microsoft.com/office/drawing/2014/main" id="{568A866C-B638-5946-963F-9D3C18C5CCC8}"/>
-              </a:ext>
-            </a:extLst>
-          </p:cNvPr>
-          <p:cNvSpPr>
-            <a:spLocks noGrp="1"/>
-          </p:cNvSpPr>
-          <p:nvPr>
-            <p:ph type="title"/>
-          </p:nvPr>
-        </p:nvSpPr>
-        <p:spPr/>
-        <p:txBody>
-          <a:bodyPr/>
-          <a:lstStyle/>
-          <a:p>
-            <a:r>
-              <a:rPr lang="en-US" dirty="0"/>
-              <a:t>The Fallacies of TDD</a:t>
-            </a:r>
-          </a:p>
-        </p:txBody>
-      </p:sp>
-      <p:sp>
-        <p:nvSpPr>
-          <p:cNvPr id="3" name="Text Placeholder 2">
-            <a:extLst>
-              <a:ext uri="{FF2B5EF4-FFF2-40B4-BE49-F238E27FC236}">
-                <a16:creationId xmlns:a16="http://schemas.microsoft.com/office/drawing/2014/main" id="{E6A158EA-71E5-604E-AFF1-2AD53E847A94}"/>
-              </a:ext>
-            </a:extLst>
-          </p:cNvPr>
-          <p:cNvSpPr>
-            <a:spLocks noGrp="1"/>
-          </p:cNvSpPr>
-          <p:nvPr>
-            <p:ph type="body" idx="1"/>
-          </p:nvPr>
-        </p:nvSpPr>
-        <p:spPr/>
-        <p:txBody>
-          <a:bodyPr/>
-          <a:lstStyle/>
-          <a:p>
-            <a:endParaRPr lang="en-US"/>
-          </a:p>
-        </p:txBody>
-      </p:sp>
-    </p:spTree>
-    <p:extLst>
-      <p:ext uri="{BB962C8B-B14F-4D97-AF65-F5344CB8AC3E}">
-        <p14:creationId xmlns:p14="http://schemas.microsoft.com/office/powerpoint/2010/main" val="3460043057"/>
-      </p:ext>
-    </p:extLst>
-  </p:cSld>
-  <p:clrMapOvr>
-    <a:masterClrMapping/>
-  </p:clrMapOvr>
-</p:sld>
-</file>
-
-<file path=ppt/slides/slide50.xml><?xml version="1.0" encoding="utf-8"?>
-<p:sld xmlns:a="http://schemas.openxmlformats.org/drawingml/2006/main" xmlns:r="http://schemas.openxmlformats.org/officeDocument/2006/relationships" xmlns:p="http://schemas.openxmlformats.org/presentationml/2006/main">
-  <p:cSld>
-    <p:spTree>
-      <p:nvGrpSpPr>
-        <p:cNvPr id="1" name=""/>
-        <p:cNvGrpSpPr/>
-        <p:nvPr/>
-      </p:nvGrpSpPr>
-      <p:grpSpPr>
-        <a:xfrm>
-          <a:off x="0" y="0"/>
-          <a:ext cx="0" cy="0"/>
-          <a:chOff x="0" y="0"/>
-          <a:chExt cx="0" cy="0"/>
-        </a:xfrm>
-      </p:grpSpPr>
-      <p:sp>
-        <p:nvSpPr>
-          <p:cNvPr id="3" name="Rectangle 2"/>
-          <p:cNvSpPr/>
-          <p:nvPr/>
-        </p:nvSpPr>
-        <p:spPr>
-          <a:xfrm>
-            <a:off x="527447" y="2952748"/>
-            <a:ext cx="1614488" cy="728663"/>
-          </a:xfrm>
-          <a:prstGeom prst="rect">
-            <a:avLst/>
-          </a:prstGeom>
-          <a:solidFill>
-            <a:schemeClr val="accent1">
-              <a:lumMod val="40000"/>
-              <a:lumOff val="60000"/>
-            </a:schemeClr>
-          </a:solidFill>
-        </p:spPr>
-        <p:style>
-          <a:lnRef idx="2">
-            <a:schemeClr val="accent1">
-              <a:shade val="50000"/>
-            </a:schemeClr>
-          </a:lnRef>
-          <a:fillRef idx="1">
-            <a:schemeClr val="accent1"/>
-          </a:fillRef>
-          <a:effectRef idx="0">
-            <a:schemeClr val="accent1"/>
-          </a:effectRef>
-          <a:fontRef idx="minor">
-            <a:schemeClr val="lt1"/>
-          </a:fontRef>
-        </p:style>
-        <p:txBody>
-          <a:bodyPr rtlCol="0" anchor="ctr"/>
-          <a:lstStyle/>
-          <a:p>
-            <a:pPr algn="ctr"/>
-            <a:r>
-              <a:rPr lang="en-US" dirty="0"/>
-              <a:t>Delivery Mechanism</a:t>
-            </a:r>
-          </a:p>
-        </p:txBody>
-      </p:sp>
-      <p:sp>
-        <p:nvSpPr>
-          <p:cNvPr id="4" name="Rectangle 3"/>
-          <p:cNvSpPr/>
-          <p:nvPr/>
-        </p:nvSpPr>
-        <p:spPr>
-          <a:xfrm>
-            <a:off x="4152899" y="1452560"/>
-            <a:ext cx="1614488" cy="728663"/>
-          </a:xfrm>
-          <a:prstGeom prst="rect">
-            <a:avLst/>
-          </a:prstGeom>
-          <a:solidFill>
-            <a:schemeClr val="bg1">
-              <a:lumMod val="85000"/>
-            </a:schemeClr>
-          </a:solidFill>
-        </p:spPr>
-        <p:style>
-          <a:lnRef idx="2">
-            <a:schemeClr val="accent1">
-              <a:shade val="50000"/>
-            </a:schemeClr>
-          </a:lnRef>
-          <a:fillRef idx="1">
-            <a:schemeClr val="accent1"/>
-          </a:fillRef>
-          <a:effectRef idx="0">
-            <a:schemeClr val="accent1"/>
-          </a:effectRef>
-          <a:fontRef idx="minor">
-            <a:schemeClr val="lt1"/>
-          </a:fontRef>
-        </p:style>
-        <p:txBody>
-          <a:bodyPr rtlCol="0" anchor="ctr"/>
-          <a:lstStyle/>
-          <a:p>
-            <a:pPr algn="ctr"/>
-            <a:r>
-              <a:rPr lang="en-US" dirty="0"/>
-              <a:t>Request Model</a:t>
-            </a:r>
-          </a:p>
-        </p:txBody>
-      </p:sp>
-      <p:sp>
-        <p:nvSpPr>
-          <p:cNvPr id="5" name="Rectangle 4"/>
-          <p:cNvSpPr/>
-          <p:nvPr/>
-        </p:nvSpPr>
-        <p:spPr>
-          <a:xfrm>
-            <a:off x="4152899" y="4343400"/>
-            <a:ext cx="1614488" cy="728663"/>
-          </a:xfrm>
-          <a:prstGeom prst="rect">
-            <a:avLst/>
-          </a:prstGeom>
-          <a:solidFill>
-            <a:schemeClr val="bg2">
-              <a:lumMod val="90000"/>
-            </a:schemeClr>
-          </a:solidFill>
-        </p:spPr>
-        <p:style>
-          <a:lnRef idx="2">
-            <a:schemeClr val="accent1">
-              <a:shade val="50000"/>
-            </a:schemeClr>
-          </a:lnRef>
-          <a:fillRef idx="1">
-            <a:schemeClr val="accent1"/>
-          </a:fillRef>
-          <a:effectRef idx="0">
-            <a:schemeClr val="accent1"/>
-          </a:effectRef>
-          <a:fontRef idx="minor">
-            <a:schemeClr val="lt1"/>
-          </a:fontRef>
-        </p:style>
-        <p:txBody>
-          <a:bodyPr rtlCol="0" anchor="ctr"/>
-          <a:lstStyle/>
-          <a:p>
-            <a:pPr algn="ctr"/>
-            <a:r>
-              <a:rPr lang="en-US" dirty="0"/>
-              <a:t>Response Model</a:t>
-            </a:r>
-          </a:p>
-        </p:txBody>
-      </p:sp>
-      <p:sp>
-        <p:nvSpPr>
-          <p:cNvPr id="6" name="Rectangle 5"/>
-          <p:cNvSpPr/>
-          <p:nvPr/>
-        </p:nvSpPr>
-        <p:spPr>
-          <a:xfrm>
-            <a:off x="5767387" y="2800349"/>
-            <a:ext cx="1562101" cy="728663"/>
-          </a:xfrm>
-          <a:prstGeom prst="rect">
-            <a:avLst/>
-          </a:prstGeom>
-          <a:solidFill>
-            <a:schemeClr val="accent2">
-              <a:lumMod val="40000"/>
-              <a:lumOff val="60000"/>
-            </a:schemeClr>
-          </a:solidFill>
-        </p:spPr>
-        <p:style>
-          <a:lnRef idx="2">
-            <a:schemeClr val="accent1">
-              <a:shade val="50000"/>
-            </a:schemeClr>
-          </a:lnRef>
-          <a:fillRef idx="1">
-            <a:schemeClr val="accent1"/>
-          </a:fillRef>
-          <a:effectRef idx="0">
-            <a:schemeClr val="accent1"/>
-          </a:effectRef>
-          <a:fontRef idx="minor">
-            <a:schemeClr val="lt1"/>
-          </a:fontRef>
-        </p:style>
-        <p:txBody>
-          <a:bodyPr rtlCol="0" anchor="ctr"/>
-          <a:lstStyle/>
-          <a:p>
-            <a:pPr algn="ctr"/>
-            <a:r>
-              <a:rPr lang="en-US" dirty="0"/>
-              <a:t>Interactor</a:t>
-            </a:r>
-          </a:p>
-          <a:p>
-            <a:pPr algn="ctr"/>
-            <a:r>
-              <a:rPr lang="en-US" dirty="0"/>
-              <a:t>&lt;&lt;interface&gt;&gt;</a:t>
-            </a:r>
-          </a:p>
-        </p:txBody>
-      </p:sp>
-      <p:sp>
-        <p:nvSpPr>
-          <p:cNvPr id="7" name="Rectangle 6"/>
-          <p:cNvSpPr/>
-          <p:nvPr/>
-        </p:nvSpPr>
-        <p:spPr>
-          <a:xfrm>
-            <a:off x="8753473" y="2495549"/>
-            <a:ext cx="1614488" cy="728663"/>
-          </a:xfrm>
-          <a:prstGeom prst="rect">
-            <a:avLst/>
-          </a:prstGeom>
-          <a:solidFill>
-            <a:schemeClr val="accent4">
-              <a:lumMod val="20000"/>
-              <a:lumOff val="80000"/>
-            </a:schemeClr>
-          </a:solidFill>
-        </p:spPr>
-        <p:style>
-          <a:lnRef idx="2">
-            <a:schemeClr val="accent1">
-              <a:shade val="50000"/>
-            </a:schemeClr>
-          </a:lnRef>
-          <a:fillRef idx="1">
-            <a:schemeClr val="accent1"/>
-          </a:fillRef>
-          <a:effectRef idx="0">
-            <a:schemeClr val="accent1"/>
-          </a:effectRef>
-          <a:fontRef idx="minor">
-            <a:schemeClr val="lt1"/>
-          </a:fontRef>
-        </p:style>
-        <p:txBody>
-          <a:bodyPr rtlCol="0" anchor="ctr"/>
-          <a:lstStyle/>
-          <a:p>
-            <a:pPr algn="ctr"/>
-            <a:r>
-              <a:rPr lang="en-US" dirty="0"/>
-              <a:t>Entity</a:t>
-            </a:r>
-          </a:p>
-        </p:txBody>
-      </p:sp>
-      <p:sp>
-        <p:nvSpPr>
-          <p:cNvPr id="9" name="Rectangle 8"/>
-          <p:cNvSpPr/>
-          <p:nvPr/>
-        </p:nvSpPr>
-        <p:spPr>
-          <a:xfrm>
-            <a:off x="8905873" y="2647949"/>
-            <a:ext cx="1614488" cy="728663"/>
-          </a:xfrm>
-          <a:prstGeom prst="rect">
-            <a:avLst/>
-          </a:prstGeom>
-          <a:solidFill>
-            <a:schemeClr val="accent4">
-              <a:lumMod val="20000"/>
-              <a:lumOff val="80000"/>
-            </a:schemeClr>
-          </a:solidFill>
-        </p:spPr>
-        <p:style>
-          <a:lnRef idx="2">
-            <a:schemeClr val="accent1">
-              <a:shade val="50000"/>
-            </a:schemeClr>
-          </a:lnRef>
-          <a:fillRef idx="1">
-            <a:schemeClr val="accent1"/>
-          </a:fillRef>
-          <a:effectRef idx="0">
-            <a:schemeClr val="accent1"/>
-          </a:effectRef>
-          <a:fontRef idx="minor">
-            <a:schemeClr val="lt1"/>
-          </a:fontRef>
-        </p:style>
-        <p:txBody>
-          <a:bodyPr rtlCol="0" anchor="ctr"/>
-          <a:lstStyle/>
-          <a:p>
-            <a:pPr algn="ctr"/>
-            <a:r>
-              <a:rPr lang="en-US" dirty="0"/>
-              <a:t>Entity</a:t>
-            </a:r>
-          </a:p>
-        </p:txBody>
-      </p:sp>
-      <p:sp>
-        <p:nvSpPr>
-          <p:cNvPr id="10" name="Rectangle 9"/>
-          <p:cNvSpPr/>
-          <p:nvPr/>
-        </p:nvSpPr>
-        <p:spPr>
-          <a:xfrm>
-            <a:off x="9058273" y="2800349"/>
-            <a:ext cx="1614488" cy="728663"/>
-          </a:xfrm>
-          <a:prstGeom prst="rect">
-            <a:avLst/>
-          </a:prstGeom>
-          <a:solidFill>
-            <a:schemeClr val="accent4">
-              <a:lumMod val="20000"/>
-              <a:lumOff val="80000"/>
-            </a:schemeClr>
-          </a:solidFill>
-        </p:spPr>
-        <p:style>
-          <a:lnRef idx="2">
-            <a:schemeClr val="accent1">
-              <a:shade val="50000"/>
-            </a:schemeClr>
-          </a:lnRef>
-          <a:fillRef idx="1">
-            <a:schemeClr val="accent1"/>
-          </a:fillRef>
-          <a:effectRef idx="0">
-            <a:schemeClr val="accent1"/>
-          </a:effectRef>
-          <a:fontRef idx="minor">
-            <a:schemeClr val="lt1"/>
-          </a:fontRef>
-        </p:style>
-        <p:txBody>
-          <a:bodyPr rtlCol="0" anchor="ctr"/>
-          <a:lstStyle/>
-          <a:p>
-            <a:pPr algn="ctr"/>
-            <a:r>
-              <a:rPr lang="en-US" dirty="0"/>
-              <a:t>Entity</a:t>
-            </a:r>
-          </a:p>
-        </p:txBody>
-      </p:sp>
-      <p:sp>
-        <p:nvSpPr>
-          <p:cNvPr id="11" name="Rectangle 10"/>
-          <p:cNvSpPr/>
-          <p:nvPr/>
-        </p:nvSpPr>
-        <p:spPr>
-          <a:xfrm>
-            <a:off x="9210673" y="2952749"/>
-            <a:ext cx="1614488" cy="728663"/>
-          </a:xfrm>
-          <a:prstGeom prst="rect">
-            <a:avLst/>
-          </a:prstGeom>
-          <a:solidFill>
-            <a:schemeClr val="accent4">
-              <a:lumMod val="20000"/>
-              <a:lumOff val="80000"/>
-            </a:schemeClr>
-          </a:solidFill>
-        </p:spPr>
-        <p:style>
-          <a:lnRef idx="2">
-            <a:schemeClr val="accent1">
-              <a:shade val="50000"/>
-            </a:schemeClr>
-          </a:lnRef>
-          <a:fillRef idx="1">
-            <a:schemeClr val="accent1"/>
-          </a:fillRef>
-          <a:effectRef idx="0">
-            <a:schemeClr val="accent1"/>
-          </a:effectRef>
-          <a:fontRef idx="minor">
-            <a:schemeClr val="lt1"/>
-          </a:fontRef>
-        </p:style>
-        <p:txBody>
-          <a:bodyPr rtlCol="0" anchor="ctr"/>
-          <a:lstStyle/>
-          <a:p>
-            <a:pPr algn="ctr"/>
-            <a:r>
-              <a:rPr lang="en-US" dirty="0">
-                <a:solidFill>
-                  <a:schemeClr val="tx1"/>
-                </a:solidFill>
-              </a:rPr>
-              <a:t>Entity</a:t>
-            </a:r>
-          </a:p>
-        </p:txBody>
-      </p:sp>
-      <p:sp>
-        <p:nvSpPr>
-          <p:cNvPr id="12" name="Rectangle 11"/>
-          <p:cNvSpPr/>
-          <p:nvPr/>
-        </p:nvSpPr>
-        <p:spPr>
-          <a:xfrm>
-            <a:off x="261937" y="4707731"/>
-            <a:ext cx="1362076" cy="364332"/>
-          </a:xfrm>
-          <a:prstGeom prst="rect">
-            <a:avLst/>
-          </a:prstGeom>
-          <a:solidFill>
-            <a:schemeClr val="bg2">
-              <a:lumMod val="90000"/>
-            </a:schemeClr>
-          </a:solidFill>
-        </p:spPr>
-        <p:style>
-          <a:lnRef idx="2">
-            <a:schemeClr val="accent1">
-              <a:shade val="50000"/>
-            </a:schemeClr>
-          </a:lnRef>
-          <a:fillRef idx="1">
-            <a:schemeClr val="accent1"/>
-          </a:fillRef>
-          <a:effectRef idx="0">
-            <a:schemeClr val="accent1"/>
-          </a:effectRef>
-          <a:fontRef idx="minor">
-            <a:schemeClr val="lt1"/>
-          </a:fontRef>
-        </p:style>
-        <p:txBody>
-          <a:bodyPr rtlCol="0" anchor="ctr"/>
-          <a:lstStyle/>
-          <a:p>
-            <a:pPr algn="ctr"/>
-            <a:r>
-              <a:rPr lang="en-US" sz="1200" dirty="0">
-                <a:solidFill>
-                  <a:schemeClr val="tx1"/>
-                </a:solidFill>
-              </a:rPr>
-              <a:t>Data Structure</a:t>
-            </a:r>
-          </a:p>
-        </p:txBody>
-      </p:sp>
-      <p:sp>
-        <p:nvSpPr>
-          <p:cNvPr id="13" name="Rectangle 12"/>
-          <p:cNvSpPr/>
-          <p:nvPr/>
-        </p:nvSpPr>
-        <p:spPr>
-          <a:xfrm>
-            <a:off x="261937" y="5295900"/>
-            <a:ext cx="1362076" cy="347664"/>
-          </a:xfrm>
-          <a:prstGeom prst="rect">
-            <a:avLst/>
-          </a:prstGeom>
-          <a:solidFill>
-            <a:schemeClr val="accent1">
-              <a:lumMod val="40000"/>
-              <a:lumOff val="60000"/>
-            </a:schemeClr>
-          </a:solidFill>
-        </p:spPr>
-        <p:style>
-          <a:lnRef idx="2">
-            <a:schemeClr val="accent1">
-              <a:shade val="50000"/>
-            </a:schemeClr>
-          </a:lnRef>
-          <a:fillRef idx="1">
-            <a:schemeClr val="accent1"/>
-          </a:fillRef>
-          <a:effectRef idx="0">
-            <a:schemeClr val="accent1"/>
-          </a:effectRef>
-          <a:fontRef idx="minor">
-            <a:schemeClr val="lt1"/>
-          </a:fontRef>
-        </p:style>
-        <p:txBody>
-          <a:bodyPr rtlCol="0" anchor="ctr"/>
-          <a:lstStyle/>
-          <a:p>
-            <a:pPr algn="ctr"/>
-            <a:r>
-              <a:rPr lang="en-US" sz="1200" dirty="0">
-                <a:solidFill>
-                  <a:schemeClr val="tx1"/>
-                </a:solidFill>
-              </a:rPr>
-              <a:t>Frameworks &amp; Drivers</a:t>
-            </a:r>
-          </a:p>
-        </p:txBody>
-      </p:sp>
-      <p:sp>
-        <p:nvSpPr>
-          <p:cNvPr id="14" name="Rectangle 13"/>
-          <p:cNvSpPr/>
-          <p:nvPr/>
-        </p:nvSpPr>
-        <p:spPr>
-          <a:xfrm>
-            <a:off x="2717002" y="2952748"/>
-            <a:ext cx="1614488" cy="728663"/>
-          </a:xfrm>
-          <a:prstGeom prst="rect">
-            <a:avLst/>
-          </a:prstGeom>
-          <a:solidFill>
-            <a:schemeClr val="accent6">
-              <a:lumMod val="40000"/>
-              <a:lumOff val="60000"/>
-            </a:schemeClr>
-          </a:solidFill>
-        </p:spPr>
-        <p:style>
-          <a:lnRef idx="2">
-            <a:schemeClr val="accent1">
-              <a:shade val="50000"/>
-            </a:schemeClr>
-          </a:lnRef>
-          <a:fillRef idx="1">
-            <a:schemeClr val="accent1"/>
-          </a:fillRef>
-          <a:effectRef idx="0">
-            <a:schemeClr val="accent1"/>
-          </a:effectRef>
-          <a:fontRef idx="minor">
-            <a:schemeClr val="lt1"/>
-          </a:fontRef>
-        </p:style>
-        <p:txBody>
-          <a:bodyPr rtlCol="0" anchor="ctr"/>
-          <a:lstStyle/>
-          <a:p>
-            <a:pPr algn="ctr"/>
-            <a:r>
-              <a:rPr lang="en-US" dirty="0"/>
-              <a:t>Boundary</a:t>
-            </a:r>
-          </a:p>
-        </p:txBody>
-      </p:sp>
-      <p:sp>
-        <p:nvSpPr>
-          <p:cNvPr id="15" name="Rectangle 14"/>
-          <p:cNvSpPr/>
-          <p:nvPr/>
-        </p:nvSpPr>
-        <p:spPr>
-          <a:xfrm>
-            <a:off x="261937" y="5867402"/>
-            <a:ext cx="1362076" cy="230982"/>
-          </a:xfrm>
-          <a:prstGeom prst="rect">
-            <a:avLst/>
-          </a:prstGeom>
-          <a:solidFill>
-            <a:schemeClr val="accent6">
-              <a:lumMod val="40000"/>
-              <a:lumOff val="60000"/>
-            </a:schemeClr>
-          </a:solidFill>
-        </p:spPr>
-        <p:style>
-          <a:lnRef idx="2">
-            <a:schemeClr val="accent1">
-              <a:shade val="50000"/>
-            </a:schemeClr>
-          </a:lnRef>
-          <a:fillRef idx="1">
-            <a:schemeClr val="accent1"/>
-          </a:fillRef>
-          <a:effectRef idx="0">
-            <a:schemeClr val="accent1"/>
-          </a:effectRef>
-          <a:fontRef idx="minor">
-            <a:schemeClr val="lt1"/>
-          </a:fontRef>
-        </p:style>
-        <p:txBody>
-          <a:bodyPr rtlCol="0" anchor="ctr"/>
-          <a:lstStyle/>
-          <a:p>
-            <a:pPr algn="ctr"/>
-            <a:r>
-              <a:rPr lang="en-US" sz="1200">
-                <a:solidFill>
-                  <a:schemeClr val="tx1"/>
-                </a:solidFill>
-              </a:rPr>
-              <a:t>Interface Adapters</a:t>
-            </a:r>
-            <a:endParaRPr lang="en-US" sz="1200" dirty="0">
-              <a:solidFill>
-                <a:schemeClr val="tx1"/>
-              </a:solidFill>
-            </a:endParaRPr>
-          </a:p>
-        </p:txBody>
-      </p:sp>
-      <p:sp>
-        <p:nvSpPr>
-          <p:cNvPr id="16" name="Rectangle 15"/>
-          <p:cNvSpPr/>
-          <p:nvPr/>
-        </p:nvSpPr>
-        <p:spPr>
-          <a:xfrm>
-            <a:off x="261937" y="4174327"/>
-            <a:ext cx="1362076" cy="280990"/>
-          </a:xfrm>
-          <a:prstGeom prst="rect">
-            <a:avLst/>
-          </a:prstGeom>
-          <a:solidFill>
-            <a:schemeClr val="accent2">
-              <a:lumMod val="40000"/>
-              <a:lumOff val="60000"/>
-            </a:schemeClr>
-          </a:solidFill>
-        </p:spPr>
-        <p:style>
-          <a:lnRef idx="2">
-            <a:schemeClr val="accent1">
-              <a:shade val="50000"/>
-            </a:schemeClr>
-          </a:lnRef>
-          <a:fillRef idx="1">
-            <a:schemeClr val="accent1"/>
-          </a:fillRef>
-          <a:effectRef idx="0">
-            <a:schemeClr val="accent1"/>
-          </a:effectRef>
-          <a:fontRef idx="minor">
-            <a:schemeClr val="lt1"/>
-          </a:fontRef>
-        </p:style>
-        <p:txBody>
-          <a:bodyPr rtlCol="0" anchor="ctr"/>
-          <a:lstStyle/>
-          <a:p>
-            <a:pPr algn="ctr"/>
-            <a:r>
-              <a:rPr lang="en-US" sz="1200" dirty="0">
-                <a:solidFill>
-                  <a:schemeClr val="tx1"/>
-                </a:solidFill>
-              </a:rPr>
-              <a:t>Use Cases</a:t>
-            </a:r>
-          </a:p>
-        </p:txBody>
-      </p:sp>
-      <p:sp>
-        <p:nvSpPr>
-          <p:cNvPr id="17" name="Rectangle 16"/>
-          <p:cNvSpPr/>
-          <p:nvPr/>
-        </p:nvSpPr>
-        <p:spPr>
-          <a:xfrm>
-            <a:off x="7138985" y="4525565"/>
-            <a:ext cx="1614488" cy="728663"/>
-          </a:xfrm>
-          <a:prstGeom prst="rect">
-            <a:avLst/>
-          </a:prstGeom>
-          <a:solidFill>
-            <a:schemeClr val="accent6">
-              <a:lumMod val="40000"/>
-              <a:lumOff val="60000"/>
-            </a:schemeClr>
-          </a:solidFill>
-        </p:spPr>
-        <p:style>
-          <a:lnRef idx="2">
-            <a:schemeClr val="accent1">
-              <a:shade val="50000"/>
-            </a:schemeClr>
-          </a:lnRef>
-          <a:fillRef idx="1">
-            <a:schemeClr val="accent1"/>
-          </a:fillRef>
-          <a:effectRef idx="0">
-            <a:schemeClr val="accent1"/>
-          </a:effectRef>
-          <a:fontRef idx="minor">
-            <a:schemeClr val="lt1"/>
-          </a:fontRef>
-        </p:style>
-        <p:txBody>
-          <a:bodyPr rtlCol="0" anchor="ctr"/>
-          <a:lstStyle/>
-          <a:p>
-            <a:pPr algn="ctr"/>
-            <a:r>
-              <a:rPr lang="en-US" dirty="0"/>
-              <a:t>Entity Gateway</a:t>
-            </a:r>
-          </a:p>
-          <a:p>
-            <a:pPr algn="ctr"/>
-            <a:r>
-              <a:rPr lang="en-US" dirty="0"/>
-              <a:t>&lt;&lt;interface&gt;&gt;</a:t>
-            </a:r>
-          </a:p>
-        </p:txBody>
-      </p:sp>
-      <p:cxnSp>
-        <p:nvCxnSpPr>
-          <p:cNvPr id="29" name="Straight Arrow Connector 28"/>
-          <p:cNvCxnSpPr>
-            <a:stCxn id="6" idx="3"/>
-            <a:endCxn id="7" idx="1"/>
-          </p:cNvCxnSpPr>
-          <p:nvPr/>
-        </p:nvCxnSpPr>
-        <p:spPr>
-          <a:xfrm flipV="1">
-            <a:off x="7329488" y="2859881"/>
-            <a:ext cx="1423985" cy="304800"/>
-          </a:xfrm>
-          <a:prstGeom prst="straightConnector1">
-            <a:avLst/>
-          </a:prstGeom>
-          <a:ln>
-            <a:tailEnd type="triangle"/>
-          </a:ln>
-        </p:spPr>
-        <p:style>
-          <a:lnRef idx="1">
-            <a:schemeClr val="accent1"/>
-          </a:lnRef>
-          <a:fillRef idx="0">
-            <a:schemeClr val="accent1"/>
-          </a:fillRef>
-          <a:effectRef idx="0">
-            <a:schemeClr val="accent1"/>
-          </a:effectRef>
-          <a:fontRef idx="minor">
-            <a:schemeClr val="tx1"/>
-          </a:fontRef>
-        </p:style>
-      </p:cxnSp>
-      <p:cxnSp>
-        <p:nvCxnSpPr>
-          <p:cNvPr id="33" name="Straight Arrow Connector 32"/>
-          <p:cNvCxnSpPr>
-            <a:endCxn id="17" idx="0"/>
-          </p:cNvCxnSpPr>
-          <p:nvPr/>
-        </p:nvCxnSpPr>
-        <p:spPr>
-          <a:xfrm>
-            <a:off x="6541295" y="3529012"/>
-            <a:ext cx="1404934" cy="996553"/>
-          </a:xfrm>
-          <a:prstGeom prst="straightConnector1">
-            <a:avLst/>
-          </a:prstGeom>
-          <a:ln>
-            <a:tailEnd type="triangle"/>
-          </a:ln>
-        </p:spPr>
-        <p:style>
-          <a:lnRef idx="1">
-            <a:schemeClr val="accent1"/>
-          </a:lnRef>
-          <a:fillRef idx="0">
-            <a:schemeClr val="accent1"/>
-          </a:fillRef>
-          <a:effectRef idx="0">
-            <a:schemeClr val="accent1"/>
-          </a:effectRef>
-          <a:fontRef idx="minor">
-            <a:schemeClr val="tx1"/>
-          </a:fontRef>
-        </p:style>
-      </p:cxnSp>
-      <p:cxnSp>
-        <p:nvCxnSpPr>
-          <p:cNvPr id="35" name="Straight Arrow Connector 34"/>
-          <p:cNvCxnSpPr>
-            <a:endCxn id="4" idx="1"/>
-          </p:cNvCxnSpPr>
-          <p:nvPr/>
-        </p:nvCxnSpPr>
-        <p:spPr>
-          <a:xfrm flipV="1">
-            <a:off x="1293017" y="1816892"/>
-            <a:ext cx="2859882" cy="1135856"/>
-          </a:xfrm>
-          <a:prstGeom prst="straightConnector1">
-            <a:avLst/>
-          </a:prstGeom>
-          <a:ln>
-            <a:tailEnd type="triangle"/>
-          </a:ln>
-        </p:spPr>
-        <p:style>
-          <a:lnRef idx="1">
-            <a:schemeClr val="accent1"/>
-          </a:lnRef>
-          <a:fillRef idx="0">
-            <a:schemeClr val="accent1"/>
-          </a:fillRef>
-          <a:effectRef idx="0">
-            <a:schemeClr val="accent1"/>
-          </a:effectRef>
-          <a:fontRef idx="minor">
-            <a:schemeClr val="tx1"/>
-          </a:fontRef>
-        </p:style>
-      </p:cxnSp>
-      <p:cxnSp>
-        <p:nvCxnSpPr>
-          <p:cNvPr id="37" name="Straight Arrow Connector 36"/>
-          <p:cNvCxnSpPr>
-            <a:endCxn id="14" idx="0"/>
-          </p:cNvCxnSpPr>
-          <p:nvPr/>
-        </p:nvCxnSpPr>
-        <p:spPr>
-          <a:xfrm flipH="1">
-            <a:off x="3524246" y="2174078"/>
-            <a:ext cx="1433515" cy="778670"/>
-          </a:xfrm>
-          <a:prstGeom prst="straightConnector1">
-            <a:avLst/>
-          </a:prstGeom>
-          <a:ln>
-            <a:tailEnd type="triangle"/>
-          </a:ln>
-        </p:spPr>
-        <p:style>
-          <a:lnRef idx="1">
-            <a:schemeClr val="accent1"/>
-          </a:lnRef>
-          <a:fillRef idx="0">
-            <a:schemeClr val="accent1"/>
-          </a:fillRef>
-          <a:effectRef idx="0">
-            <a:schemeClr val="accent1"/>
-          </a:effectRef>
-          <a:fontRef idx="minor">
-            <a:schemeClr val="tx1"/>
-          </a:fontRef>
-        </p:style>
-      </p:cxnSp>
-      <p:cxnSp>
-        <p:nvCxnSpPr>
-          <p:cNvPr id="39" name="Straight Arrow Connector 38"/>
-          <p:cNvCxnSpPr/>
-          <p:nvPr/>
-        </p:nvCxnSpPr>
-        <p:spPr>
-          <a:xfrm flipV="1">
-            <a:off x="4321969" y="2843211"/>
-            <a:ext cx="1423985" cy="304800"/>
-          </a:xfrm>
-          <a:prstGeom prst="straightConnector1">
-            <a:avLst/>
-          </a:prstGeom>
-          <a:ln>
-            <a:tailEnd type="triangle"/>
-          </a:ln>
-        </p:spPr>
-        <p:style>
-          <a:lnRef idx="1">
-            <a:schemeClr val="accent1"/>
-          </a:lnRef>
-          <a:fillRef idx="0">
-            <a:schemeClr val="accent1"/>
-          </a:fillRef>
-          <a:effectRef idx="0">
-            <a:schemeClr val="accent1"/>
-          </a:effectRef>
-          <a:fontRef idx="minor">
-            <a:schemeClr val="tx1"/>
-          </a:fontRef>
-        </p:style>
-      </p:cxnSp>
-      <p:cxnSp>
-        <p:nvCxnSpPr>
-          <p:cNvPr id="40" name="Straight Arrow Connector 39"/>
-          <p:cNvCxnSpPr>
-            <a:endCxn id="5" idx="0"/>
-          </p:cNvCxnSpPr>
-          <p:nvPr/>
-        </p:nvCxnSpPr>
-        <p:spPr>
-          <a:xfrm flipH="1">
-            <a:off x="4960143" y="3376612"/>
-            <a:ext cx="773909" cy="966788"/>
-          </a:xfrm>
-          <a:prstGeom prst="straightConnector1">
-            <a:avLst/>
-          </a:prstGeom>
-          <a:ln>
-            <a:tailEnd type="triangle"/>
-          </a:ln>
-        </p:spPr>
-        <p:style>
-          <a:lnRef idx="1">
-            <a:schemeClr val="accent1"/>
-          </a:lnRef>
-          <a:fillRef idx="0">
-            <a:schemeClr val="accent1"/>
-          </a:fillRef>
-          <a:effectRef idx="0">
-            <a:schemeClr val="accent1"/>
-          </a:effectRef>
-          <a:fontRef idx="minor">
-            <a:schemeClr val="tx1"/>
-          </a:fontRef>
-        </p:style>
-      </p:cxnSp>
-      <p:cxnSp>
-        <p:nvCxnSpPr>
-          <p:cNvPr id="43" name="Straight Arrow Connector 42"/>
-          <p:cNvCxnSpPr>
-            <a:stCxn id="5" idx="0"/>
-            <a:endCxn id="14" idx="2"/>
-          </p:cNvCxnSpPr>
-          <p:nvPr/>
-        </p:nvCxnSpPr>
-        <p:spPr>
-          <a:xfrm flipH="1" flipV="1">
-            <a:off x="3524246" y="3681411"/>
-            <a:ext cx="1435897" cy="661989"/>
-          </a:xfrm>
-          <a:prstGeom prst="straightConnector1">
-            <a:avLst/>
-          </a:prstGeom>
-          <a:ln>
-            <a:tailEnd type="triangle"/>
-          </a:ln>
-        </p:spPr>
-        <p:style>
-          <a:lnRef idx="1">
-            <a:schemeClr val="accent1"/>
-          </a:lnRef>
-          <a:fillRef idx="0">
-            <a:schemeClr val="accent1"/>
-          </a:fillRef>
-          <a:effectRef idx="0">
-            <a:schemeClr val="accent1"/>
-          </a:effectRef>
-          <a:fontRef idx="minor">
-            <a:schemeClr val="tx1"/>
-          </a:fontRef>
-        </p:style>
-      </p:cxnSp>
-      <p:cxnSp>
-        <p:nvCxnSpPr>
-          <p:cNvPr id="46" name="Straight Arrow Connector 45"/>
-          <p:cNvCxnSpPr>
-            <a:stCxn id="3" idx="3"/>
-            <a:endCxn id="14" idx="1"/>
-          </p:cNvCxnSpPr>
-          <p:nvPr/>
-        </p:nvCxnSpPr>
-        <p:spPr>
-          <a:xfrm>
-            <a:off x="2141935" y="3317080"/>
-            <a:ext cx="575067" cy="0"/>
-          </a:xfrm>
-          <a:prstGeom prst="straightConnector1">
-            <a:avLst/>
-          </a:prstGeom>
-          <a:ln>
-            <a:tailEnd type="triangle"/>
-          </a:ln>
-        </p:spPr>
-        <p:style>
-          <a:lnRef idx="1">
-            <a:schemeClr val="accent1"/>
-          </a:lnRef>
-          <a:fillRef idx="0">
-            <a:schemeClr val="accent1"/>
-          </a:fillRef>
-          <a:effectRef idx="0">
-            <a:schemeClr val="accent1"/>
-          </a:effectRef>
-          <a:fontRef idx="minor">
-            <a:schemeClr val="tx1"/>
-          </a:fontRef>
-        </p:style>
-      </p:cxnSp>
-      <p:sp>
-        <p:nvSpPr>
-          <p:cNvPr id="2" name="Slide Number Placeholder 1"/>
-          <p:cNvSpPr>
-            <a:spLocks noGrp="1"/>
-          </p:cNvSpPr>
-          <p:nvPr>
-            <p:ph type="sldNum" sz="quarter" idx="12"/>
-          </p:nvPr>
-        </p:nvSpPr>
-        <p:spPr/>
-        <p:txBody>
-          <a:bodyPr/>
-          <a:lstStyle/>
-          <a:p>
-            <a:fld id="{AA792DF1-A555-43FA-AD2F-E7EC51E120F1}" type="slidenum">
-              <a:rPr lang="en-GB" smtClean="0"/>
-              <a:t>50</a:t>
-            </a:fld>
-            <a:endParaRPr lang="en-GB"/>
-          </a:p>
-        </p:txBody>
-      </p:sp>
-    </p:spTree>
-    <p:extLst>
-      <p:ext uri="{BB962C8B-B14F-4D97-AF65-F5344CB8AC3E}">
-        <p14:creationId xmlns:p14="http://schemas.microsoft.com/office/powerpoint/2010/main" val="1422971650"/>
-      </p:ext>
-    </p:extLst>
-  </p:cSld>
-  <p:clrMapOvr>
-    <a:masterClrMapping/>
-  </p:clrMapOvr>
-</p:sld>
-</file>
-
-<file path=ppt/slides/slide51.xml><?xml version="1.0" encoding="utf-8"?>
-<p:sld xmlns:a="http://schemas.openxmlformats.org/drawingml/2006/main" xmlns:r="http://schemas.openxmlformats.org/officeDocument/2006/relationships" xmlns:p="http://schemas.openxmlformats.org/presentationml/2006/main">
-  <p:cSld>
-    <p:spTree>
-      <p:nvGrpSpPr>
-        <p:cNvPr id="1" name=""/>
-        <p:cNvGrpSpPr/>
-        <p:nvPr/>
-      </p:nvGrpSpPr>
-      <p:grpSpPr>
-        <a:xfrm>
-          <a:off x="0" y="0"/>
-          <a:ext cx="0" cy="0"/>
-          <a:chOff x="0" y="0"/>
-          <a:chExt cx="0" cy="0"/>
-        </a:xfrm>
-      </p:grpSpPr>
-      <p:pic>
-        <p:nvPicPr>
-          <p:cNvPr id="7" name="Picture 6">
-            <a:extLst>
-              <a:ext uri="{FF2B5EF4-FFF2-40B4-BE49-F238E27FC236}">
-                <a16:creationId xmlns:a16="http://schemas.microsoft.com/office/drawing/2014/main" id="{48E5E9E7-81A0-AB46-AF2D-503404680358}"/>
-              </a:ext>
-            </a:extLst>
-          </p:cNvPr>
-          <p:cNvPicPr>
-            <a:picLocks noChangeAspect="1"/>
-          </p:cNvPicPr>
-          <p:nvPr/>
-        </p:nvPicPr>
-        <p:blipFill>
-          <a:blip r:embed="rId3"/>
-          <a:stretch>
-            <a:fillRect/>
-          </a:stretch>
-        </p:blipFill>
-        <p:spPr>
-          <a:xfrm>
-            <a:off x="2446649" y="1257300"/>
-            <a:ext cx="7596511" cy="4058920"/>
-          </a:xfrm>
-          <a:prstGeom prst="rect">
-            <a:avLst/>
-          </a:prstGeom>
-        </p:spPr>
-      </p:pic>
-      <p:sp>
-        <p:nvSpPr>
-          <p:cNvPr id="2" name="Rectangular Callout 1">
-            <a:extLst>
-              <a:ext uri="{FF2B5EF4-FFF2-40B4-BE49-F238E27FC236}">
-                <a16:creationId xmlns:a16="http://schemas.microsoft.com/office/drawing/2014/main" id="{11A858DD-E554-5C4A-ADD0-E37CD66D6043}"/>
-              </a:ext>
-            </a:extLst>
-          </p:cNvPr>
-          <p:cNvSpPr/>
-          <p:nvPr/>
-        </p:nvSpPr>
-        <p:spPr>
-          <a:xfrm>
-            <a:off x="9908038" y="923808"/>
-            <a:ext cx="1716272" cy="1235944"/>
-          </a:xfrm>
-          <a:prstGeom prst="wedgeRectCallout">
-            <a:avLst>
-              <a:gd name="adj1" fmla="val -122521"/>
-              <a:gd name="adj2" fmla="val 93097"/>
-            </a:avLst>
-          </a:prstGeom>
-        </p:spPr>
-        <p:style>
-          <a:lnRef idx="2">
-            <a:schemeClr val="accent3">
-              <a:shade val="50000"/>
-            </a:schemeClr>
-          </a:lnRef>
-          <a:fillRef idx="1">
-            <a:schemeClr val="accent3"/>
-          </a:fillRef>
-          <a:effectRef idx="0">
-            <a:schemeClr val="accent3"/>
-          </a:effectRef>
-          <a:fontRef idx="minor">
-            <a:schemeClr val="lt1"/>
-          </a:fontRef>
-        </p:style>
-        <p:txBody>
-          <a:bodyPr rtlCol="0" anchor="ctr"/>
-          <a:lstStyle/>
-          <a:p>
-            <a:pPr algn="ctr"/>
-            <a:r>
-              <a:rPr lang="en-US" dirty="0"/>
-              <a:t>We should TDD against use cases</a:t>
-            </a:r>
-          </a:p>
-        </p:txBody>
-      </p:sp>
-      <p:sp>
-        <p:nvSpPr>
-          <p:cNvPr id="4" name="Rectangular Callout 3">
-            <a:extLst>
-              <a:ext uri="{FF2B5EF4-FFF2-40B4-BE49-F238E27FC236}">
-                <a16:creationId xmlns:a16="http://schemas.microsoft.com/office/drawing/2014/main" id="{2620CAE2-7936-E549-BA1A-595E793E0F96}"/>
-              </a:ext>
-            </a:extLst>
-          </p:cNvPr>
-          <p:cNvSpPr/>
-          <p:nvPr/>
-        </p:nvSpPr>
-        <p:spPr>
-          <a:xfrm>
-            <a:off x="5311140" y="758190"/>
-            <a:ext cx="1569720" cy="998220"/>
-          </a:xfrm>
-          <a:prstGeom prst="wedgeRectCallout">
-            <a:avLst>
-              <a:gd name="adj1" fmla="val 66040"/>
-              <a:gd name="adj2" fmla="val 115749"/>
-            </a:avLst>
-          </a:prstGeom>
-        </p:spPr>
-        <p:style>
-          <a:lnRef idx="2">
-            <a:schemeClr val="accent3">
-              <a:shade val="50000"/>
-            </a:schemeClr>
-          </a:lnRef>
-          <a:fillRef idx="1">
-            <a:schemeClr val="accent3"/>
-          </a:fillRef>
-          <a:effectRef idx="0">
-            <a:schemeClr val="accent3"/>
-          </a:effectRef>
-          <a:fontRef idx="minor">
-            <a:schemeClr val="lt1"/>
-          </a:fontRef>
-        </p:style>
-        <p:txBody>
-          <a:bodyPr rtlCol="0" anchor="ctr"/>
-          <a:lstStyle/>
-          <a:p>
-            <a:pPr algn="ctr"/>
-            <a:r>
-              <a:rPr lang="en-US" dirty="0" err="1"/>
-              <a:t>XUnit</a:t>
-            </a:r>
-            <a:r>
-              <a:rPr lang="en-US" dirty="0"/>
-              <a:t> is just another adapter</a:t>
-            </a:r>
-          </a:p>
-        </p:txBody>
-      </p:sp>
-      <p:sp>
-        <p:nvSpPr>
-          <p:cNvPr id="6" name="Rectangular Callout 5">
-            <a:extLst>
-              <a:ext uri="{FF2B5EF4-FFF2-40B4-BE49-F238E27FC236}">
-                <a16:creationId xmlns:a16="http://schemas.microsoft.com/office/drawing/2014/main" id="{B64A68B9-3A0E-C145-8975-40DCB877093A}"/>
-              </a:ext>
-            </a:extLst>
-          </p:cNvPr>
-          <p:cNvSpPr/>
-          <p:nvPr/>
-        </p:nvSpPr>
-        <p:spPr>
-          <a:xfrm>
-            <a:off x="9532089" y="4982727"/>
-            <a:ext cx="1716272" cy="1235945"/>
-          </a:xfrm>
-          <a:prstGeom prst="wedgeRectCallout">
-            <a:avLst>
-              <a:gd name="adj1" fmla="val -127503"/>
-              <a:gd name="adj2" fmla="val -166631"/>
-            </a:avLst>
-          </a:prstGeom>
-        </p:spPr>
-        <p:style>
-          <a:lnRef idx="2">
-            <a:schemeClr val="accent3">
-              <a:shade val="50000"/>
-            </a:schemeClr>
-          </a:lnRef>
-          <a:fillRef idx="1">
-            <a:schemeClr val="accent3"/>
-          </a:fillRef>
-          <a:effectRef idx="0">
-            <a:schemeClr val="accent3"/>
-          </a:effectRef>
-          <a:fontRef idx="minor">
-            <a:schemeClr val="lt1"/>
-          </a:fontRef>
-        </p:style>
-        <p:txBody>
-          <a:bodyPr rtlCol="0" anchor="ctr"/>
-          <a:lstStyle/>
-          <a:p>
-            <a:pPr algn="ctr"/>
-            <a:r>
-              <a:rPr lang="en-US" dirty="0"/>
-              <a:t>We may TDD against Entities – Gears!</a:t>
-            </a:r>
-          </a:p>
-        </p:txBody>
-      </p:sp>
-    </p:spTree>
-    <p:extLst>
-      <p:ext uri="{BB962C8B-B14F-4D97-AF65-F5344CB8AC3E}">
-        <p14:creationId xmlns:p14="http://schemas.microsoft.com/office/powerpoint/2010/main" val="947619889"/>
-      </p:ext>
-    </p:extLst>
-  </p:cSld>
-  <p:clrMapOvr>
-    <a:masterClrMapping/>
-  </p:clrMapOvr>
-  <p:timing>
-    <p:tnLst>
-      <p:par>
-        <p:cTn id="1" dur="indefinite" restart="never" nodeType="tmRoot">
-          <p:childTnLst>
-            <p:seq concurrent="1" nextAc="seek">
-              <p:cTn id="2" dur="indefinite" nodeType="mainSeq">
-                <p:childTnLst>
-                  <p:par>
-                    <p:cTn id="3" fill="hold">
-                      <p:stCondLst>
-                        <p:cond delay="indefinite"/>
-                      </p:stCondLst>
-                      <p:childTnLst>
-                        <p:par>
-                          <p:cTn id="4" fill="hold">
-                            <p:stCondLst>
-                              <p:cond delay="0"/>
-                            </p:stCondLst>
-                            <p:childTnLst>
-                              <p:par>
-                                <p:cTn id="5" presetID="1" presetClass="entr" presetSubtype="0" fill="hold" grpId="0" nodeType="clickEffect">
-                                  <p:stCondLst>
-                                    <p:cond delay="0"/>
-                                  </p:stCondLst>
-                                  <p:childTnLst>
-                                    <p:set>
-                                      <p:cBhvr>
-                                        <p:cTn id="6" dur="1" fill="hold">
-                                          <p:stCondLst>
-                                            <p:cond delay="0"/>
-                                          </p:stCondLst>
-                                        </p:cTn>
-                                        <p:tgtEl>
-                                          <p:spTgt spid="2"/>
-                                        </p:tgtEl>
-                                        <p:attrNameLst>
-                                          <p:attrName>style.visibility</p:attrName>
-                                        </p:attrNameLst>
-                                      </p:cBhvr>
-                                      <p:to>
-                                        <p:strVal val="visible"/>
-                                      </p:to>
-                                    </p:set>
-                                  </p:childTnLst>
-                                </p:cTn>
-                              </p:par>
-                            </p:childTnLst>
-                          </p:cTn>
-                        </p:par>
-                      </p:childTnLst>
-                    </p:cTn>
-                  </p:par>
-                  <p:par>
-                    <p:cTn id="7" fill="hold">
-                      <p:stCondLst>
-                        <p:cond delay="indefinite"/>
-                      </p:stCondLst>
-                      <p:childTnLst>
-                        <p:par>
-                          <p:cTn id="8" fill="hold">
-                            <p:stCondLst>
-                              <p:cond delay="0"/>
-                            </p:stCondLst>
-                            <p:childTnLst>
-                              <p:par>
-                                <p:cTn id="9" presetID="1" presetClass="entr" presetSubtype="0" fill="hold" grpId="0" nodeType="clickEffect">
-                                  <p:stCondLst>
-                                    <p:cond delay="0"/>
-                                  </p:stCondLst>
-                                  <p:childTnLst>
-                                    <p:set>
-                                      <p:cBhvr>
-                                        <p:cTn id="10" dur="1" fill="hold">
-                                          <p:stCondLst>
-                                            <p:cond delay="0"/>
-                                          </p:stCondLst>
-                                        </p:cTn>
-                                        <p:tgtEl>
-                                          <p:spTgt spid="4"/>
-                                        </p:tgtEl>
-                                        <p:attrNameLst>
-                                          <p:attrName>style.visibility</p:attrName>
-                                        </p:attrNameLst>
-                                      </p:cBhvr>
-                                      <p:to>
-                                        <p:strVal val="visible"/>
-                                      </p:to>
-                                    </p:set>
-                                  </p:childTnLst>
-                                </p:cTn>
-                              </p:par>
-                            </p:childTnLst>
-                          </p:cTn>
-                        </p:par>
-                      </p:childTnLst>
-                    </p:cTn>
-                  </p:par>
-                  <p:par>
-                    <p:cTn id="11" fill="hold">
-                      <p:stCondLst>
-                        <p:cond delay="indefinite"/>
-                      </p:stCondLst>
-                      <p:childTnLst>
-                        <p:par>
-                          <p:cTn id="12" fill="hold">
-                            <p:stCondLst>
-                              <p:cond delay="0"/>
-                            </p:stCondLst>
-                            <p:childTnLst>
-                              <p:par>
-                                <p:cTn id="13" presetID="1" presetClass="entr" presetSubtype="0" fill="hold" grpId="0" nodeType="clickEffect">
-                                  <p:stCondLst>
-                                    <p:cond delay="0"/>
-                                  </p:stCondLst>
-                                  <p:childTnLst>
-                                    <p:set>
-                                      <p:cBhvr>
-                                        <p:cTn id="14" dur="1" fill="hold">
-                                          <p:stCondLst>
-                                            <p:cond delay="0"/>
-                                          </p:stCondLst>
-                                        </p:cTn>
-                                        <p:tgtEl>
-                                          <p:spTgt spid="6"/>
-                                        </p:tgtEl>
-                                        <p:attrNameLst>
-                                          <p:attrName>style.visibility</p:attrName>
-                                        </p:attrNameLst>
-                                      </p:cBhvr>
-                                      <p:to>
-                                        <p:strVal val="visible"/>
-                                      </p:to>
-                                    </p:set>
-                                  </p:childTnLst>
-                                </p:cTn>
-                              </p:par>
-                            </p:childTnLst>
-                          </p:cTn>
-                        </p:par>
-                      </p:childTnLst>
-                    </p:cTn>
-                  </p:par>
-                </p:childTnLst>
-              </p:cTn>
-              <p:prevCondLst>
-                <p:cond evt="onPrev" delay="0">
-                  <p:tgtEl>
-                    <p:sldTgt/>
-                  </p:tgtEl>
-                </p:cond>
-              </p:prevCondLst>
-              <p:nextCondLst>
-                <p:cond evt="onNext" delay="0">
-                  <p:tgtEl>
-                    <p:sldTgt/>
-                  </p:tgtEl>
-                </p:cond>
-              </p:nextCondLst>
-            </p:seq>
-          </p:childTnLst>
-        </p:cTn>
-      </p:par>
-    </p:tnLst>
-    <p:bldLst>
-      <p:bldP spid="2" grpId="0" animBg="1"/>
-      <p:bldP spid="4" grpId="0" animBg="1"/>
-      <p:bldP spid="6" grpId="0" animBg="1"/>
-    </p:bldLst>
-  </p:timing>
-</p:sld>
-</file>
-
-<file path=ppt/slides/slide52.xml><?xml version="1.0" encoding="utf-8"?>
-<p:sld xmlns:a="http://schemas.openxmlformats.org/drawingml/2006/main" xmlns:r="http://schemas.openxmlformats.org/officeDocument/2006/relationships" xmlns:p="http://schemas.openxmlformats.org/presentationml/2006/main">
-  <p:cSld>
-    <p:spTree>
-      <p:nvGrpSpPr>
-        <p:cNvPr id="1" name=""/>
-        <p:cNvGrpSpPr/>
-        <p:nvPr/>
-      </p:nvGrpSpPr>
-      <p:grpSpPr>
-        <a:xfrm>
-          <a:off x="0" y="0"/>
-          <a:ext cx="0" cy="0"/>
-          <a:chOff x="0" y="0"/>
-          <a:chExt cx="0" cy="0"/>
-        </a:xfrm>
-      </p:grpSpPr>
-      <p:sp>
-        <p:nvSpPr>
-          <p:cNvPr id="3" name="Rectangle 2"/>
-          <p:cNvSpPr/>
-          <p:nvPr/>
-        </p:nvSpPr>
-        <p:spPr>
-          <a:xfrm>
-            <a:off x="527447" y="2952748"/>
-            <a:ext cx="1614488" cy="728663"/>
-          </a:xfrm>
-          <a:prstGeom prst="rect">
-            <a:avLst/>
-          </a:prstGeom>
-          <a:solidFill>
-            <a:schemeClr val="accent1">
-              <a:lumMod val="40000"/>
-              <a:lumOff val="60000"/>
-            </a:schemeClr>
-          </a:solidFill>
-        </p:spPr>
-        <p:style>
-          <a:lnRef idx="2">
-            <a:schemeClr val="accent1">
-              <a:shade val="50000"/>
-            </a:schemeClr>
-          </a:lnRef>
-          <a:fillRef idx="1">
-            <a:schemeClr val="accent1"/>
-          </a:fillRef>
-          <a:effectRef idx="0">
-            <a:schemeClr val="accent1"/>
-          </a:effectRef>
-          <a:fontRef idx="minor">
-            <a:schemeClr val="lt1"/>
-          </a:fontRef>
-        </p:style>
-        <p:txBody>
-          <a:bodyPr rtlCol="0" anchor="ctr"/>
-          <a:lstStyle/>
-          <a:p>
-            <a:pPr algn="ctr"/>
-            <a:r>
-              <a:rPr lang="en-US" dirty="0" err="1"/>
-              <a:t>XUnit</a:t>
-            </a:r>
-            <a:endParaRPr lang="en-US" dirty="0"/>
-          </a:p>
-          <a:p>
-            <a:pPr algn="ctr"/>
-            <a:r>
-              <a:rPr lang="en-US" dirty="0"/>
-              <a:t>Framework</a:t>
-            </a:r>
-          </a:p>
-        </p:txBody>
-      </p:sp>
-      <p:sp>
-        <p:nvSpPr>
-          <p:cNvPr id="4" name="Rectangle 3"/>
-          <p:cNvSpPr/>
-          <p:nvPr/>
-        </p:nvSpPr>
-        <p:spPr>
-          <a:xfrm>
-            <a:off x="4152899" y="1452560"/>
-            <a:ext cx="1614488" cy="728663"/>
-          </a:xfrm>
-          <a:prstGeom prst="rect">
-            <a:avLst/>
-          </a:prstGeom>
-          <a:solidFill>
-            <a:schemeClr val="bg1">
-              <a:lumMod val="85000"/>
-            </a:schemeClr>
-          </a:solidFill>
-        </p:spPr>
-        <p:style>
-          <a:lnRef idx="2">
-            <a:schemeClr val="accent1">
-              <a:shade val="50000"/>
-            </a:schemeClr>
-          </a:lnRef>
-          <a:fillRef idx="1">
-            <a:schemeClr val="accent1"/>
-          </a:fillRef>
-          <a:effectRef idx="0">
-            <a:schemeClr val="accent1"/>
-          </a:effectRef>
-          <a:fontRef idx="minor">
-            <a:schemeClr val="lt1"/>
-          </a:fontRef>
-        </p:style>
-        <p:txBody>
-          <a:bodyPr rtlCol="0" anchor="ctr"/>
-          <a:lstStyle/>
-          <a:p>
-            <a:pPr algn="ctr"/>
-            <a:r>
-              <a:rPr lang="en-US" dirty="0"/>
-              <a:t>Request Model</a:t>
-            </a:r>
-          </a:p>
-        </p:txBody>
-      </p:sp>
-      <p:sp>
-        <p:nvSpPr>
-          <p:cNvPr id="5" name="Rectangle 4"/>
-          <p:cNvSpPr/>
-          <p:nvPr/>
-        </p:nvSpPr>
-        <p:spPr>
-          <a:xfrm>
-            <a:off x="4152899" y="4343400"/>
-            <a:ext cx="1614488" cy="728663"/>
-          </a:xfrm>
-          <a:prstGeom prst="rect">
-            <a:avLst/>
-          </a:prstGeom>
-          <a:solidFill>
-            <a:schemeClr val="bg2">
-              <a:lumMod val="90000"/>
-            </a:schemeClr>
-          </a:solidFill>
-        </p:spPr>
-        <p:style>
-          <a:lnRef idx="2">
-            <a:schemeClr val="accent1">
-              <a:shade val="50000"/>
-            </a:schemeClr>
-          </a:lnRef>
-          <a:fillRef idx="1">
-            <a:schemeClr val="accent1"/>
-          </a:fillRef>
-          <a:effectRef idx="0">
-            <a:schemeClr val="accent1"/>
-          </a:effectRef>
-          <a:fontRef idx="minor">
-            <a:schemeClr val="lt1"/>
-          </a:fontRef>
-        </p:style>
-        <p:txBody>
-          <a:bodyPr rtlCol="0" anchor="ctr"/>
-          <a:lstStyle/>
-          <a:p>
-            <a:pPr algn="ctr"/>
-            <a:r>
-              <a:rPr lang="en-US" dirty="0"/>
-              <a:t>Response Model</a:t>
-            </a:r>
-          </a:p>
-        </p:txBody>
-      </p:sp>
-      <p:sp>
-        <p:nvSpPr>
-          <p:cNvPr id="6" name="Rectangle 5"/>
-          <p:cNvSpPr/>
-          <p:nvPr/>
-        </p:nvSpPr>
-        <p:spPr>
-          <a:xfrm>
-            <a:off x="5767387" y="2800349"/>
-            <a:ext cx="1562101" cy="728663"/>
-          </a:xfrm>
-          <a:prstGeom prst="rect">
-            <a:avLst/>
-          </a:prstGeom>
-          <a:solidFill>
-            <a:schemeClr val="accent2">
-              <a:lumMod val="40000"/>
-              <a:lumOff val="60000"/>
-            </a:schemeClr>
-          </a:solidFill>
-        </p:spPr>
-        <p:style>
-          <a:lnRef idx="2">
-            <a:schemeClr val="accent1">
-              <a:shade val="50000"/>
-            </a:schemeClr>
-          </a:lnRef>
-          <a:fillRef idx="1">
-            <a:schemeClr val="accent1"/>
-          </a:fillRef>
-          <a:effectRef idx="0">
-            <a:schemeClr val="accent1"/>
-          </a:effectRef>
-          <a:fontRef idx="minor">
-            <a:schemeClr val="lt1"/>
-          </a:fontRef>
-        </p:style>
-        <p:txBody>
-          <a:bodyPr rtlCol="0" anchor="ctr"/>
-          <a:lstStyle/>
-          <a:p>
-            <a:pPr algn="ctr"/>
-            <a:r>
-              <a:rPr lang="en-US" dirty="0"/>
-              <a:t>Interactor</a:t>
-            </a:r>
-          </a:p>
-          <a:p>
-            <a:pPr algn="ctr"/>
-            <a:r>
-              <a:rPr lang="en-US" dirty="0"/>
-              <a:t>&lt;&lt;interface&gt;&gt;</a:t>
-            </a:r>
-          </a:p>
-        </p:txBody>
-      </p:sp>
-      <p:sp>
-        <p:nvSpPr>
-          <p:cNvPr id="7" name="Rectangle 6"/>
-          <p:cNvSpPr/>
-          <p:nvPr/>
-        </p:nvSpPr>
-        <p:spPr>
-          <a:xfrm>
-            <a:off x="8753473" y="2495549"/>
-            <a:ext cx="1614488" cy="728663"/>
-          </a:xfrm>
-          <a:prstGeom prst="rect">
-            <a:avLst/>
-          </a:prstGeom>
-          <a:solidFill>
-            <a:schemeClr val="accent4">
-              <a:lumMod val="20000"/>
-              <a:lumOff val="80000"/>
-            </a:schemeClr>
-          </a:solidFill>
-        </p:spPr>
-        <p:style>
-          <a:lnRef idx="2">
-            <a:schemeClr val="accent1">
-              <a:shade val="50000"/>
-            </a:schemeClr>
-          </a:lnRef>
-          <a:fillRef idx="1">
-            <a:schemeClr val="accent1"/>
-          </a:fillRef>
-          <a:effectRef idx="0">
-            <a:schemeClr val="accent1"/>
-          </a:effectRef>
-          <a:fontRef idx="minor">
-            <a:schemeClr val="lt1"/>
-          </a:fontRef>
-        </p:style>
-        <p:txBody>
-          <a:bodyPr rtlCol="0" anchor="ctr"/>
-          <a:lstStyle/>
-          <a:p>
-            <a:pPr algn="ctr"/>
-            <a:r>
-              <a:rPr lang="en-US" dirty="0"/>
-              <a:t>Entity</a:t>
-            </a:r>
-          </a:p>
-        </p:txBody>
-      </p:sp>
-      <p:sp>
-        <p:nvSpPr>
-          <p:cNvPr id="9" name="Rectangle 8"/>
-          <p:cNvSpPr/>
-          <p:nvPr/>
-        </p:nvSpPr>
-        <p:spPr>
-          <a:xfrm>
-            <a:off x="8905873" y="2647949"/>
-            <a:ext cx="1614488" cy="728663"/>
-          </a:xfrm>
-          <a:prstGeom prst="rect">
-            <a:avLst/>
-          </a:prstGeom>
-          <a:solidFill>
-            <a:schemeClr val="accent4">
-              <a:lumMod val="20000"/>
-              <a:lumOff val="80000"/>
-            </a:schemeClr>
-          </a:solidFill>
-        </p:spPr>
-        <p:style>
-          <a:lnRef idx="2">
-            <a:schemeClr val="accent1">
-              <a:shade val="50000"/>
-            </a:schemeClr>
-          </a:lnRef>
-          <a:fillRef idx="1">
-            <a:schemeClr val="accent1"/>
-          </a:fillRef>
-          <a:effectRef idx="0">
-            <a:schemeClr val="accent1"/>
-          </a:effectRef>
-          <a:fontRef idx="minor">
-            <a:schemeClr val="lt1"/>
-          </a:fontRef>
-        </p:style>
-        <p:txBody>
-          <a:bodyPr rtlCol="0" anchor="ctr"/>
-          <a:lstStyle/>
-          <a:p>
-            <a:pPr algn="ctr"/>
-            <a:r>
-              <a:rPr lang="en-US" dirty="0"/>
-              <a:t>Entity</a:t>
-            </a:r>
-          </a:p>
-        </p:txBody>
-      </p:sp>
-      <p:sp>
-        <p:nvSpPr>
-          <p:cNvPr id="10" name="Rectangle 9"/>
-          <p:cNvSpPr/>
-          <p:nvPr/>
-        </p:nvSpPr>
-        <p:spPr>
-          <a:xfrm>
-            <a:off x="9058273" y="2800349"/>
-            <a:ext cx="1614488" cy="728663"/>
-          </a:xfrm>
-          <a:prstGeom prst="rect">
-            <a:avLst/>
-          </a:prstGeom>
-          <a:solidFill>
-            <a:schemeClr val="accent4">
-              <a:lumMod val="20000"/>
-              <a:lumOff val="80000"/>
-            </a:schemeClr>
-          </a:solidFill>
-        </p:spPr>
-        <p:style>
-          <a:lnRef idx="2">
-            <a:schemeClr val="accent1">
-              <a:shade val="50000"/>
-            </a:schemeClr>
-          </a:lnRef>
-          <a:fillRef idx="1">
-            <a:schemeClr val="accent1"/>
-          </a:fillRef>
-          <a:effectRef idx="0">
-            <a:schemeClr val="accent1"/>
-          </a:effectRef>
-          <a:fontRef idx="minor">
-            <a:schemeClr val="lt1"/>
-          </a:fontRef>
-        </p:style>
-        <p:txBody>
-          <a:bodyPr rtlCol="0" anchor="ctr"/>
-          <a:lstStyle/>
-          <a:p>
-            <a:pPr algn="ctr"/>
-            <a:r>
-              <a:rPr lang="en-US" dirty="0"/>
-              <a:t>Entity</a:t>
-            </a:r>
-          </a:p>
-        </p:txBody>
-      </p:sp>
-      <p:sp>
-        <p:nvSpPr>
-          <p:cNvPr id="11" name="Rectangle 10"/>
-          <p:cNvSpPr/>
-          <p:nvPr/>
-        </p:nvSpPr>
-        <p:spPr>
-          <a:xfrm>
-            <a:off x="9210673" y="2952749"/>
-            <a:ext cx="1614488" cy="728663"/>
-          </a:xfrm>
-          <a:prstGeom prst="rect">
-            <a:avLst/>
-          </a:prstGeom>
-          <a:solidFill>
-            <a:schemeClr val="accent4">
-              <a:lumMod val="20000"/>
-              <a:lumOff val="80000"/>
-            </a:schemeClr>
-          </a:solidFill>
-        </p:spPr>
-        <p:style>
-          <a:lnRef idx="2">
-            <a:schemeClr val="accent1">
-              <a:shade val="50000"/>
-            </a:schemeClr>
-          </a:lnRef>
-          <a:fillRef idx="1">
-            <a:schemeClr val="accent1"/>
-          </a:fillRef>
-          <a:effectRef idx="0">
-            <a:schemeClr val="accent1"/>
-          </a:effectRef>
-          <a:fontRef idx="minor">
-            <a:schemeClr val="lt1"/>
-          </a:fontRef>
-        </p:style>
-        <p:txBody>
-          <a:bodyPr rtlCol="0" anchor="ctr"/>
-          <a:lstStyle/>
-          <a:p>
-            <a:pPr algn="ctr"/>
-            <a:r>
-              <a:rPr lang="en-US" dirty="0">
-                <a:solidFill>
-                  <a:schemeClr val="tx1"/>
-                </a:solidFill>
-              </a:rPr>
-              <a:t>Entity</a:t>
-            </a:r>
-          </a:p>
-        </p:txBody>
-      </p:sp>
-      <p:sp>
-        <p:nvSpPr>
-          <p:cNvPr id="12" name="Rectangle 11"/>
-          <p:cNvSpPr/>
-          <p:nvPr/>
-        </p:nvSpPr>
-        <p:spPr>
-          <a:xfrm>
-            <a:off x="261937" y="4707731"/>
-            <a:ext cx="1362076" cy="364332"/>
-          </a:xfrm>
-          <a:prstGeom prst="rect">
-            <a:avLst/>
-          </a:prstGeom>
-          <a:solidFill>
-            <a:schemeClr val="bg2">
-              <a:lumMod val="90000"/>
-            </a:schemeClr>
-          </a:solidFill>
-        </p:spPr>
-        <p:style>
-          <a:lnRef idx="2">
-            <a:schemeClr val="accent1">
-              <a:shade val="50000"/>
-            </a:schemeClr>
-          </a:lnRef>
-          <a:fillRef idx="1">
-            <a:schemeClr val="accent1"/>
-          </a:fillRef>
-          <a:effectRef idx="0">
-            <a:schemeClr val="accent1"/>
-          </a:effectRef>
-          <a:fontRef idx="minor">
-            <a:schemeClr val="lt1"/>
-          </a:fontRef>
-        </p:style>
-        <p:txBody>
-          <a:bodyPr rtlCol="0" anchor="ctr"/>
-          <a:lstStyle/>
-          <a:p>
-            <a:pPr algn="ctr"/>
-            <a:r>
-              <a:rPr lang="en-US" sz="1200" dirty="0">
-                <a:solidFill>
-                  <a:schemeClr val="tx1"/>
-                </a:solidFill>
-              </a:rPr>
-              <a:t>Data Structure</a:t>
-            </a:r>
-          </a:p>
-        </p:txBody>
-      </p:sp>
-      <p:sp>
-        <p:nvSpPr>
-          <p:cNvPr id="13" name="Rectangle 12"/>
-          <p:cNvSpPr/>
-          <p:nvPr/>
-        </p:nvSpPr>
-        <p:spPr>
-          <a:xfrm>
-            <a:off x="261937" y="5295900"/>
-            <a:ext cx="1362076" cy="347664"/>
-          </a:xfrm>
-          <a:prstGeom prst="rect">
-            <a:avLst/>
-          </a:prstGeom>
-          <a:solidFill>
-            <a:schemeClr val="accent1">
-              <a:lumMod val="40000"/>
-              <a:lumOff val="60000"/>
-            </a:schemeClr>
-          </a:solidFill>
-        </p:spPr>
-        <p:style>
-          <a:lnRef idx="2">
-            <a:schemeClr val="accent1">
-              <a:shade val="50000"/>
-            </a:schemeClr>
-          </a:lnRef>
-          <a:fillRef idx="1">
-            <a:schemeClr val="accent1"/>
-          </a:fillRef>
-          <a:effectRef idx="0">
-            <a:schemeClr val="accent1"/>
-          </a:effectRef>
-          <a:fontRef idx="minor">
-            <a:schemeClr val="lt1"/>
-          </a:fontRef>
-        </p:style>
-        <p:txBody>
-          <a:bodyPr rtlCol="0" anchor="ctr"/>
-          <a:lstStyle/>
-          <a:p>
-            <a:pPr algn="ctr"/>
-            <a:r>
-              <a:rPr lang="en-US" sz="1200" dirty="0">
-                <a:solidFill>
-                  <a:schemeClr val="tx1"/>
-                </a:solidFill>
-              </a:rPr>
-              <a:t>Frameworks &amp; Drivers</a:t>
-            </a:r>
-          </a:p>
-        </p:txBody>
-      </p:sp>
-      <p:sp>
-        <p:nvSpPr>
-          <p:cNvPr id="14" name="Rectangle 13"/>
-          <p:cNvSpPr/>
-          <p:nvPr/>
-        </p:nvSpPr>
-        <p:spPr>
-          <a:xfrm>
-            <a:off x="2717002" y="2952748"/>
-            <a:ext cx="1614488" cy="728663"/>
-          </a:xfrm>
-          <a:prstGeom prst="rect">
-            <a:avLst/>
-          </a:prstGeom>
-          <a:solidFill>
-            <a:schemeClr val="accent6">
-              <a:lumMod val="40000"/>
-              <a:lumOff val="60000"/>
-            </a:schemeClr>
-          </a:solidFill>
-        </p:spPr>
-        <p:style>
-          <a:lnRef idx="2">
-            <a:schemeClr val="accent1">
-              <a:shade val="50000"/>
-            </a:schemeClr>
-          </a:lnRef>
-          <a:fillRef idx="1">
-            <a:schemeClr val="accent1"/>
-          </a:fillRef>
-          <a:effectRef idx="0">
-            <a:schemeClr val="accent1"/>
-          </a:effectRef>
-          <a:fontRef idx="minor">
-            <a:schemeClr val="lt1"/>
-          </a:fontRef>
-        </p:style>
-        <p:txBody>
-          <a:bodyPr rtlCol="0" anchor="ctr"/>
-          <a:lstStyle/>
-          <a:p>
-            <a:pPr algn="ctr"/>
-            <a:r>
-              <a:rPr lang="en-US" dirty="0"/>
-              <a:t>Test</a:t>
-            </a:r>
-          </a:p>
-        </p:txBody>
-      </p:sp>
-      <p:sp>
-        <p:nvSpPr>
-          <p:cNvPr id="15" name="Rectangle 14"/>
-          <p:cNvSpPr/>
-          <p:nvPr/>
-        </p:nvSpPr>
-        <p:spPr>
-          <a:xfrm>
-            <a:off x="261937" y="5867402"/>
-            <a:ext cx="1362076" cy="230982"/>
-          </a:xfrm>
-          <a:prstGeom prst="rect">
-            <a:avLst/>
-          </a:prstGeom>
-          <a:solidFill>
-            <a:schemeClr val="accent6">
-              <a:lumMod val="40000"/>
-              <a:lumOff val="60000"/>
-            </a:schemeClr>
-          </a:solidFill>
-        </p:spPr>
-        <p:style>
-          <a:lnRef idx="2">
-            <a:schemeClr val="accent1">
-              <a:shade val="50000"/>
-            </a:schemeClr>
-          </a:lnRef>
-          <a:fillRef idx="1">
-            <a:schemeClr val="accent1"/>
-          </a:fillRef>
-          <a:effectRef idx="0">
-            <a:schemeClr val="accent1"/>
-          </a:effectRef>
-          <a:fontRef idx="minor">
-            <a:schemeClr val="lt1"/>
-          </a:fontRef>
-        </p:style>
-        <p:txBody>
-          <a:bodyPr rtlCol="0" anchor="ctr"/>
-          <a:lstStyle/>
-          <a:p>
-            <a:pPr algn="ctr"/>
-            <a:r>
-              <a:rPr lang="en-US" sz="1200">
-                <a:solidFill>
-                  <a:schemeClr val="tx1"/>
-                </a:solidFill>
-              </a:rPr>
-              <a:t>Interface Adapters</a:t>
-            </a:r>
-            <a:endParaRPr lang="en-US" sz="1200" dirty="0">
-              <a:solidFill>
-                <a:schemeClr val="tx1"/>
-              </a:solidFill>
-            </a:endParaRPr>
-          </a:p>
-        </p:txBody>
-      </p:sp>
-      <p:sp>
-        <p:nvSpPr>
-          <p:cNvPr id="16" name="Rectangle 15"/>
-          <p:cNvSpPr/>
-          <p:nvPr/>
-        </p:nvSpPr>
-        <p:spPr>
-          <a:xfrm>
-            <a:off x="261937" y="4174327"/>
-            <a:ext cx="1362076" cy="280990"/>
-          </a:xfrm>
-          <a:prstGeom prst="rect">
-            <a:avLst/>
-          </a:prstGeom>
-          <a:solidFill>
-            <a:schemeClr val="accent2">
-              <a:lumMod val="40000"/>
-              <a:lumOff val="60000"/>
-            </a:schemeClr>
-          </a:solidFill>
-        </p:spPr>
-        <p:style>
-          <a:lnRef idx="2">
-            <a:schemeClr val="accent1">
-              <a:shade val="50000"/>
-            </a:schemeClr>
-          </a:lnRef>
-          <a:fillRef idx="1">
-            <a:schemeClr val="accent1"/>
-          </a:fillRef>
-          <a:effectRef idx="0">
-            <a:schemeClr val="accent1"/>
-          </a:effectRef>
-          <a:fontRef idx="minor">
-            <a:schemeClr val="lt1"/>
-          </a:fontRef>
-        </p:style>
-        <p:txBody>
-          <a:bodyPr rtlCol="0" anchor="ctr"/>
-          <a:lstStyle/>
-          <a:p>
-            <a:pPr algn="ctr"/>
-            <a:r>
-              <a:rPr lang="en-US" sz="1200" dirty="0">
-                <a:solidFill>
-                  <a:schemeClr val="tx1"/>
-                </a:solidFill>
-              </a:rPr>
-              <a:t>Use Cases</a:t>
-            </a:r>
-          </a:p>
-        </p:txBody>
-      </p:sp>
-      <p:sp>
-        <p:nvSpPr>
-          <p:cNvPr id="17" name="Rectangle 16"/>
-          <p:cNvSpPr/>
-          <p:nvPr/>
-        </p:nvSpPr>
-        <p:spPr>
-          <a:xfrm>
-            <a:off x="7138985" y="4525565"/>
-            <a:ext cx="1614488" cy="728663"/>
-          </a:xfrm>
-          <a:prstGeom prst="rect">
-            <a:avLst/>
-          </a:prstGeom>
-          <a:solidFill>
-            <a:schemeClr val="accent6">
-              <a:lumMod val="40000"/>
-              <a:lumOff val="60000"/>
-            </a:schemeClr>
-          </a:solidFill>
-        </p:spPr>
-        <p:style>
-          <a:lnRef idx="2">
-            <a:schemeClr val="accent1">
-              <a:shade val="50000"/>
-            </a:schemeClr>
-          </a:lnRef>
-          <a:fillRef idx="1">
-            <a:schemeClr val="accent1"/>
-          </a:fillRef>
-          <a:effectRef idx="0">
-            <a:schemeClr val="accent1"/>
-          </a:effectRef>
-          <a:fontRef idx="minor">
-            <a:schemeClr val="lt1"/>
-          </a:fontRef>
-        </p:style>
-        <p:txBody>
-          <a:bodyPr rtlCol="0" anchor="ctr"/>
-          <a:lstStyle/>
-          <a:p>
-            <a:pPr algn="ctr"/>
-            <a:r>
-              <a:rPr lang="en-US" dirty="0"/>
-              <a:t>Entity Gateway</a:t>
-            </a:r>
-          </a:p>
-          <a:p>
-            <a:pPr algn="ctr"/>
-            <a:r>
-              <a:rPr lang="en-US" dirty="0"/>
-              <a:t>&lt;&lt;interface&gt;&gt;</a:t>
-            </a:r>
-          </a:p>
-        </p:txBody>
-      </p:sp>
-      <p:cxnSp>
-        <p:nvCxnSpPr>
-          <p:cNvPr id="29" name="Straight Arrow Connector 28"/>
-          <p:cNvCxnSpPr>
-            <a:stCxn id="6" idx="3"/>
-            <a:endCxn id="7" idx="1"/>
-          </p:cNvCxnSpPr>
-          <p:nvPr/>
-        </p:nvCxnSpPr>
-        <p:spPr>
-          <a:xfrm flipV="1">
-            <a:off x="7329488" y="2859881"/>
-            <a:ext cx="1423985" cy="304800"/>
-          </a:xfrm>
-          <a:prstGeom prst="straightConnector1">
-            <a:avLst/>
-          </a:prstGeom>
-          <a:ln>
-            <a:tailEnd type="triangle"/>
-          </a:ln>
-        </p:spPr>
-        <p:style>
-          <a:lnRef idx="1">
-            <a:schemeClr val="accent1"/>
-          </a:lnRef>
-          <a:fillRef idx="0">
-            <a:schemeClr val="accent1"/>
-          </a:fillRef>
-          <a:effectRef idx="0">
-            <a:schemeClr val="accent1"/>
-          </a:effectRef>
-          <a:fontRef idx="minor">
-            <a:schemeClr val="tx1"/>
-          </a:fontRef>
-        </p:style>
-      </p:cxnSp>
-      <p:cxnSp>
-        <p:nvCxnSpPr>
-          <p:cNvPr id="33" name="Straight Arrow Connector 32"/>
-          <p:cNvCxnSpPr>
-            <a:endCxn id="17" idx="0"/>
-          </p:cNvCxnSpPr>
-          <p:nvPr/>
-        </p:nvCxnSpPr>
-        <p:spPr>
-          <a:xfrm>
-            <a:off x="6541295" y="3529012"/>
-            <a:ext cx="1404934" cy="996553"/>
-          </a:xfrm>
-          <a:prstGeom prst="straightConnector1">
-            <a:avLst/>
-          </a:prstGeom>
-          <a:ln>
-            <a:tailEnd type="triangle"/>
-          </a:ln>
-        </p:spPr>
-        <p:style>
-          <a:lnRef idx="1">
-            <a:schemeClr val="accent1"/>
-          </a:lnRef>
-          <a:fillRef idx="0">
-            <a:schemeClr val="accent1"/>
-          </a:fillRef>
-          <a:effectRef idx="0">
-            <a:schemeClr val="accent1"/>
-          </a:effectRef>
-          <a:fontRef idx="minor">
-            <a:schemeClr val="tx1"/>
-          </a:fontRef>
-        </p:style>
-      </p:cxnSp>
-      <p:cxnSp>
-        <p:nvCxnSpPr>
-          <p:cNvPr id="37" name="Straight Arrow Connector 36"/>
-          <p:cNvCxnSpPr>
-            <a:cxnSpLocks/>
-            <a:endCxn id="14" idx="0"/>
-          </p:cNvCxnSpPr>
-          <p:nvPr/>
-        </p:nvCxnSpPr>
-        <p:spPr>
-          <a:xfrm flipH="1">
-            <a:off x="3524246" y="2174078"/>
-            <a:ext cx="1433515" cy="778670"/>
-          </a:xfrm>
-          <a:prstGeom prst="straightConnector1">
-            <a:avLst/>
-          </a:prstGeom>
-          <a:ln>
-            <a:headEnd type="triangle"/>
-            <a:tailEnd type="none"/>
-          </a:ln>
-        </p:spPr>
-        <p:style>
-          <a:lnRef idx="1">
-            <a:schemeClr val="accent1"/>
-          </a:lnRef>
-          <a:fillRef idx="0">
-            <a:schemeClr val="accent1"/>
-          </a:fillRef>
-          <a:effectRef idx="0">
-            <a:schemeClr val="accent1"/>
-          </a:effectRef>
-          <a:fontRef idx="minor">
-            <a:schemeClr val="tx1"/>
-          </a:fontRef>
-        </p:style>
-      </p:cxnSp>
-      <p:cxnSp>
-        <p:nvCxnSpPr>
-          <p:cNvPr id="39" name="Straight Arrow Connector 38"/>
-          <p:cNvCxnSpPr>
-            <a:cxnSpLocks/>
-            <a:stCxn id="4" idx="2"/>
-          </p:cNvCxnSpPr>
-          <p:nvPr/>
-        </p:nvCxnSpPr>
-        <p:spPr>
-          <a:xfrm>
-            <a:off x="4960143" y="2181223"/>
-            <a:ext cx="785811" cy="661988"/>
-          </a:xfrm>
-          <a:prstGeom prst="straightConnector1">
-            <a:avLst/>
-          </a:prstGeom>
-          <a:ln>
-            <a:tailEnd type="triangle"/>
-          </a:ln>
-        </p:spPr>
-        <p:style>
-          <a:lnRef idx="1">
-            <a:schemeClr val="accent1"/>
-          </a:lnRef>
-          <a:fillRef idx="0">
-            <a:schemeClr val="accent1"/>
-          </a:fillRef>
-          <a:effectRef idx="0">
-            <a:schemeClr val="accent1"/>
-          </a:effectRef>
-          <a:fontRef idx="minor">
-            <a:schemeClr val="tx1"/>
-          </a:fontRef>
-        </p:style>
-      </p:cxnSp>
-      <p:cxnSp>
-        <p:nvCxnSpPr>
-          <p:cNvPr id="40" name="Straight Arrow Connector 39"/>
-          <p:cNvCxnSpPr>
-            <a:cxnSpLocks/>
-            <a:endCxn id="5" idx="0"/>
-          </p:cNvCxnSpPr>
-          <p:nvPr/>
-        </p:nvCxnSpPr>
-        <p:spPr>
-          <a:xfrm flipH="1">
-            <a:off x="4960143" y="3376612"/>
-            <a:ext cx="773909" cy="966788"/>
-          </a:xfrm>
-          <a:prstGeom prst="straightConnector1">
-            <a:avLst/>
-          </a:prstGeom>
-          <a:ln>
-            <a:tailEnd type="triangle"/>
-          </a:ln>
-        </p:spPr>
-        <p:style>
-          <a:lnRef idx="1">
-            <a:schemeClr val="accent1"/>
-          </a:lnRef>
-          <a:fillRef idx="0">
-            <a:schemeClr val="accent1"/>
-          </a:fillRef>
-          <a:effectRef idx="0">
-            <a:schemeClr val="accent1"/>
-          </a:effectRef>
-          <a:fontRef idx="minor">
-            <a:schemeClr val="tx1"/>
-          </a:fontRef>
-        </p:style>
-      </p:cxnSp>
-      <p:cxnSp>
-        <p:nvCxnSpPr>
-          <p:cNvPr id="43" name="Straight Arrow Connector 42"/>
-          <p:cNvCxnSpPr>
-            <a:cxnSpLocks/>
-            <a:stCxn id="5" idx="0"/>
-            <a:endCxn id="14" idx="2"/>
-          </p:cNvCxnSpPr>
-          <p:nvPr/>
-        </p:nvCxnSpPr>
-        <p:spPr>
-          <a:xfrm flipH="1" flipV="1">
-            <a:off x="3524246" y="3681411"/>
-            <a:ext cx="1435897" cy="661989"/>
-          </a:xfrm>
-          <a:prstGeom prst="straightConnector1">
-            <a:avLst/>
-          </a:prstGeom>
-          <a:ln>
-            <a:tailEnd type="triangle"/>
-          </a:ln>
-        </p:spPr>
-        <p:style>
-          <a:lnRef idx="1">
-            <a:schemeClr val="accent1"/>
-          </a:lnRef>
-          <a:fillRef idx="0">
-            <a:schemeClr val="accent1"/>
-          </a:fillRef>
-          <a:effectRef idx="0">
-            <a:schemeClr val="accent1"/>
-          </a:effectRef>
-          <a:fontRef idx="minor">
-            <a:schemeClr val="tx1"/>
-          </a:fontRef>
-        </p:style>
-      </p:cxnSp>
-      <p:cxnSp>
-        <p:nvCxnSpPr>
-          <p:cNvPr id="46" name="Straight Arrow Connector 45"/>
-          <p:cNvCxnSpPr>
-            <a:stCxn id="3" idx="3"/>
-            <a:endCxn id="14" idx="1"/>
-          </p:cNvCxnSpPr>
-          <p:nvPr/>
-        </p:nvCxnSpPr>
-        <p:spPr>
-          <a:xfrm>
-            <a:off x="2141935" y="3317080"/>
-            <a:ext cx="575067" cy="0"/>
-          </a:xfrm>
-          <a:prstGeom prst="straightConnector1">
-            <a:avLst/>
-          </a:prstGeom>
-          <a:ln>
-            <a:tailEnd type="triangle"/>
-          </a:ln>
-        </p:spPr>
-        <p:style>
-          <a:lnRef idx="1">
-            <a:schemeClr val="accent1"/>
-          </a:lnRef>
-          <a:fillRef idx="0">
-            <a:schemeClr val="accent1"/>
-          </a:fillRef>
-          <a:effectRef idx="0">
-            <a:schemeClr val="accent1"/>
-          </a:effectRef>
-          <a:fontRef idx="minor">
-            <a:schemeClr val="tx1"/>
-          </a:fontRef>
-        </p:style>
-      </p:cxnSp>
-      <p:cxnSp>
-        <p:nvCxnSpPr>
-          <p:cNvPr id="50" name="Straight Arrow Connector 49"/>
-          <p:cNvCxnSpPr>
-            <a:cxnSpLocks/>
-            <a:stCxn id="27" idx="1"/>
-            <a:endCxn id="51" idx="1"/>
-          </p:cNvCxnSpPr>
-          <p:nvPr/>
-        </p:nvCxnSpPr>
-        <p:spPr>
-          <a:xfrm flipH="1">
-            <a:off x="7469984" y="5941815"/>
-            <a:ext cx="1435889" cy="41078"/>
-          </a:xfrm>
-          <a:prstGeom prst="straightConnector1">
-            <a:avLst/>
-          </a:prstGeom>
-          <a:ln>
-            <a:tailEnd type="triangle"/>
-          </a:ln>
-        </p:spPr>
-        <p:style>
-          <a:lnRef idx="1">
-            <a:schemeClr val="accent1"/>
-          </a:lnRef>
-          <a:fillRef idx="0">
-            <a:schemeClr val="accent1"/>
-          </a:fillRef>
-          <a:effectRef idx="0">
-            <a:schemeClr val="accent1"/>
-          </a:effectRef>
-          <a:fontRef idx="minor">
-            <a:schemeClr val="tx1"/>
-          </a:fontRef>
-        </p:style>
-      </p:cxnSp>
-      <p:sp>
-        <p:nvSpPr>
-          <p:cNvPr id="51" name="Can 50"/>
-          <p:cNvSpPr/>
-          <p:nvPr/>
-        </p:nvSpPr>
-        <p:spPr>
-          <a:xfrm>
-            <a:off x="6767517" y="5982893"/>
-            <a:ext cx="1404933" cy="646507"/>
-          </a:xfrm>
-          <a:prstGeom prst="can">
-            <a:avLst/>
-          </a:prstGeom>
-        </p:spPr>
-        <p:style>
-          <a:lnRef idx="2">
-            <a:schemeClr val="accent1">
-              <a:shade val="50000"/>
-            </a:schemeClr>
-          </a:lnRef>
-          <a:fillRef idx="1">
-            <a:schemeClr val="accent1"/>
-          </a:fillRef>
-          <a:effectRef idx="0">
-            <a:schemeClr val="accent1"/>
-          </a:effectRef>
-          <a:fontRef idx="minor">
-            <a:schemeClr val="lt1"/>
-          </a:fontRef>
-        </p:style>
-        <p:txBody>
-          <a:bodyPr rtlCol="0" anchor="ctr"/>
-          <a:lstStyle/>
-          <a:p>
-            <a:pPr algn="ctr"/>
-            <a:r>
-              <a:rPr lang="en-US" dirty="0"/>
-              <a:t>In-Memory</a:t>
-            </a:r>
-          </a:p>
-          <a:p>
-            <a:pPr algn="ctr"/>
-            <a:r>
-              <a:rPr lang="en-US" dirty="0"/>
-              <a:t>DB</a:t>
-            </a:r>
-          </a:p>
-        </p:txBody>
-      </p:sp>
-      <p:sp>
-        <p:nvSpPr>
-          <p:cNvPr id="27" name="Rectangle 26"/>
-          <p:cNvSpPr/>
-          <p:nvPr/>
-        </p:nvSpPr>
-        <p:spPr>
-          <a:xfrm>
-            <a:off x="8905873" y="5577483"/>
-            <a:ext cx="1614488" cy="728663"/>
-          </a:xfrm>
-          <a:prstGeom prst="rect">
-            <a:avLst/>
-          </a:prstGeom>
-          <a:solidFill>
-            <a:schemeClr val="accent1">
-              <a:lumMod val="40000"/>
-              <a:lumOff val="60000"/>
-            </a:schemeClr>
-          </a:solidFill>
-        </p:spPr>
-        <p:style>
-          <a:lnRef idx="2">
-            <a:schemeClr val="accent1">
-              <a:shade val="50000"/>
-            </a:schemeClr>
-          </a:lnRef>
-          <a:fillRef idx="1">
-            <a:schemeClr val="accent1"/>
-          </a:fillRef>
-          <a:effectRef idx="0">
-            <a:schemeClr val="accent1"/>
-          </a:effectRef>
-          <a:fontRef idx="minor">
-            <a:schemeClr val="lt1"/>
-          </a:fontRef>
-        </p:style>
-        <p:txBody>
-          <a:bodyPr rtlCol="0" anchor="ctr"/>
-          <a:lstStyle/>
-          <a:p>
-            <a:pPr algn="ctr"/>
-            <a:r>
-              <a:rPr lang="en-US" dirty="0"/>
-              <a:t>Delivery Mechanism</a:t>
-            </a:r>
-          </a:p>
-        </p:txBody>
-      </p:sp>
-      <p:cxnSp>
-        <p:nvCxnSpPr>
-          <p:cNvPr id="30" name="Straight Arrow Connector 29"/>
-          <p:cNvCxnSpPr>
-            <a:endCxn id="17" idx="3"/>
-          </p:cNvCxnSpPr>
-          <p:nvPr/>
-        </p:nvCxnSpPr>
-        <p:spPr>
-          <a:xfrm flipH="1" flipV="1">
-            <a:off x="8753473" y="4889897"/>
-            <a:ext cx="845344" cy="624483"/>
-          </a:xfrm>
-          <a:prstGeom prst="straightConnector1">
-            <a:avLst/>
-          </a:prstGeom>
-          <a:ln>
-            <a:tailEnd type="triangle" w="lg" len="lg"/>
-          </a:ln>
-        </p:spPr>
-        <p:style>
-          <a:lnRef idx="1">
-            <a:schemeClr val="accent1"/>
-          </a:lnRef>
-          <a:fillRef idx="0">
-            <a:schemeClr val="accent1"/>
-          </a:fillRef>
-          <a:effectRef idx="0">
-            <a:schemeClr val="accent1"/>
-          </a:effectRef>
-          <a:fontRef idx="minor">
-            <a:schemeClr val="tx1"/>
-          </a:fontRef>
-        </p:style>
-      </p:cxnSp>
-      <p:sp>
-        <p:nvSpPr>
-          <p:cNvPr id="2" name="Slide Number Placeholder 1"/>
-          <p:cNvSpPr>
-            <a:spLocks noGrp="1"/>
-          </p:cNvSpPr>
-          <p:nvPr>
-            <p:ph type="sldNum" sz="quarter" idx="12"/>
-          </p:nvPr>
-        </p:nvSpPr>
-        <p:spPr/>
-        <p:txBody>
-          <a:bodyPr/>
-          <a:lstStyle/>
-          <a:p>
-            <a:fld id="{AA792DF1-A555-43FA-AD2F-E7EC51E120F1}" type="slidenum">
-              <a:rPr lang="en-GB" smtClean="0"/>
-              <a:t>52</a:t>
-            </a:fld>
-            <a:endParaRPr lang="en-GB"/>
-          </a:p>
-        </p:txBody>
-      </p:sp>
-    </p:spTree>
-    <p:extLst>
-      <p:ext uri="{BB962C8B-B14F-4D97-AF65-F5344CB8AC3E}">
-        <p14:creationId xmlns:p14="http://schemas.microsoft.com/office/powerpoint/2010/main" val="1789289967"/>
-      </p:ext>
-    </p:extLst>
-  </p:cSld>
-  <p:clrMapOvr>
-    <a:masterClrMapping/>
-  </p:clrMapOvr>
-</p:sld>
-</file>
-
-<file path=ppt/slides/slide53.xml><?xml version="1.0" encoding="utf-8"?>
-<p:sld xmlns:a="http://schemas.openxmlformats.org/drawingml/2006/main" xmlns:r="http://schemas.openxmlformats.org/officeDocument/2006/relationships" xmlns:p="http://schemas.openxmlformats.org/presentationml/2006/main">
-  <p:cSld>
-    <p:spTree>
-      <p:nvGrpSpPr>
-        <p:cNvPr id="1" name=""/>
-        <p:cNvGrpSpPr/>
-        <p:nvPr/>
-      </p:nvGrpSpPr>
-      <p:grpSpPr>
-        <a:xfrm>
-          <a:off x="0" y="0"/>
-          <a:ext cx="0" cy="0"/>
-          <a:chOff x="0" y="0"/>
-          <a:chExt cx="0" cy="0"/>
-        </a:xfrm>
-      </p:grpSpPr>
-      <p:pic>
-        <p:nvPicPr>
-          <p:cNvPr id="7" name="Picture 6">
-            <a:extLst>
-              <a:ext uri="{FF2B5EF4-FFF2-40B4-BE49-F238E27FC236}">
-                <a16:creationId xmlns:a16="http://schemas.microsoft.com/office/drawing/2014/main" id="{48E5E9E7-81A0-AB46-AF2D-503404680358}"/>
-              </a:ext>
-            </a:extLst>
-          </p:cNvPr>
-          <p:cNvPicPr>
-            <a:picLocks noChangeAspect="1"/>
-          </p:cNvPicPr>
-          <p:nvPr/>
-        </p:nvPicPr>
-        <p:blipFill>
-          <a:blip r:embed="rId3"/>
-          <a:stretch>
-            <a:fillRect/>
-          </a:stretch>
-        </p:blipFill>
-        <p:spPr>
-          <a:xfrm>
-            <a:off x="2446649" y="1257300"/>
-            <a:ext cx="7596511" cy="4058920"/>
-          </a:xfrm>
-          <a:prstGeom prst="rect">
-            <a:avLst/>
-          </a:prstGeom>
-        </p:spPr>
-      </p:pic>
-      <p:sp>
-        <p:nvSpPr>
-          <p:cNvPr id="3" name="Rectangular Callout 2">
-            <a:extLst>
-              <a:ext uri="{FF2B5EF4-FFF2-40B4-BE49-F238E27FC236}">
-                <a16:creationId xmlns:a16="http://schemas.microsoft.com/office/drawing/2014/main" id="{53D49F96-8FC1-A54F-BE81-9521AF06F709}"/>
-              </a:ext>
-            </a:extLst>
-          </p:cNvPr>
-          <p:cNvSpPr/>
-          <p:nvPr/>
-        </p:nvSpPr>
-        <p:spPr>
-          <a:xfrm>
-            <a:off x="10024189" y="619967"/>
-            <a:ext cx="1722749" cy="1032510"/>
-          </a:xfrm>
-          <a:prstGeom prst="wedgeRectCallout">
-            <a:avLst>
-              <a:gd name="adj1" fmla="val -143778"/>
-              <a:gd name="adj2" fmla="val 76569"/>
-            </a:avLst>
-          </a:prstGeom>
-        </p:spPr>
-        <p:style>
-          <a:lnRef idx="2">
-            <a:schemeClr val="accent3">
-              <a:shade val="50000"/>
-            </a:schemeClr>
-          </a:lnRef>
-          <a:fillRef idx="1">
-            <a:schemeClr val="accent3"/>
-          </a:fillRef>
-          <a:effectRef idx="0">
-            <a:schemeClr val="accent3"/>
-          </a:effectRef>
-          <a:fontRef idx="minor">
-            <a:schemeClr val="lt1"/>
-          </a:fontRef>
-        </p:style>
-        <p:txBody>
-          <a:bodyPr rtlCol="0" anchor="ctr"/>
-          <a:lstStyle/>
-          <a:p>
-            <a:pPr algn="ctr"/>
-            <a:r>
-              <a:rPr lang="en-US" dirty="0"/>
-              <a:t>We don’t TDD against other adapters</a:t>
-            </a:r>
-          </a:p>
-        </p:txBody>
-      </p:sp>
-      <p:sp>
-        <p:nvSpPr>
-          <p:cNvPr id="5" name="Rectangular Callout 4">
-            <a:extLst>
-              <a:ext uri="{FF2B5EF4-FFF2-40B4-BE49-F238E27FC236}">
-                <a16:creationId xmlns:a16="http://schemas.microsoft.com/office/drawing/2014/main" id="{1C977C2B-BD33-5242-B68A-1FF4F94C21E1}"/>
-              </a:ext>
-            </a:extLst>
-          </p:cNvPr>
-          <p:cNvSpPr/>
-          <p:nvPr/>
-        </p:nvSpPr>
-        <p:spPr>
-          <a:xfrm>
-            <a:off x="5065883" y="758190"/>
-            <a:ext cx="1569720" cy="998220"/>
-          </a:xfrm>
-          <a:prstGeom prst="wedgeRectCallout">
-            <a:avLst>
-              <a:gd name="adj1" fmla="val 71662"/>
-              <a:gd name="adj2" fmla="val 119850"/>
-            </a:avLst>
-          </a:prstGeom>
-        </p:spPr>
-        <p:style>
-          <a:lnRef idx="2">
-            <a:schemeClr val="accent3">
-              <a:shade val="50000"/>
-            </a:schemeClr>
-          </a:lnRef>
-          <a:fillRef idx="1">
-            <a:schemeClr val="accent3"/>
-          </a:fillRef>
-          <a:effectRef idx="0">
-            <a:schemeClr val="accent3"/>
-          </a:effectRef>
-          <a:fontRef idx="minor">
-            <a:schemeClr val="lt1"/>
-          </a:fontRef>
-        </p:style>
-        <p:txBody>
-          <a:bodyPr rtlCol="0" anchor="ctr"/>
-          <a:lstStyle/>
-          <a:p>
-            <a:pPr algn="ctr"/>
-            <a:r>
-              <a:rPr lang="en-US" dirty="0" err="1"/>
-              <a:t>XUnit</a:t>
-            </a:r>
-            <a:r>
-              <a:rPr lang="en-US" dirty="0"/>
-              <a:t> is just another adapter</a:t>
-            </a:r>
-          </a:p>
-        </p:txBody>
-      </p:sp>
-    </p:spTree>
-    <p:extLst>
-      <p:ext uri="{BB962C8B-B14F-4D97-AF65-F5344CB8AC3E}">
-        <p14:creationId xmlns:p14="http://schemas.microsoft.com/office/powerpoint/2010/main" val="3149612085"/>
-      </p:ext>
-    </p:extLst>
-  </p:cSld>
-  <p:clrMapOvr>
-    <a:masterClrMapping/>
-  </p:clrMapOvr>
-  <p:timing>
-    <p:tnLst>
-      <p:par>
-        <p:cTn id="1" dur="indefinite" restart="never" nodeType="tmRoot">
-          <p:childTnLst>
-            <p:seq concurrent="1" nextAc="seek">
-              <p:cTn id="2" dur="indefinite" nodeType="mainSeq">
-                <p:childTnLst>
-                  <p:par>
-                    <p:cTn id="3" fill="hold">
-                      <p:stCondLst>
-                        <p:cond delay="indefinite"/>
-                      </p:stCondLst>
-                      <p:childTnLst>
-                        <p:par>
-                          <p:cTn id="4" fill="hold">
-                            <p:stCondLst>
-                              <p:cond delay="0"/>
-                            </p:stCondLst>
-                            <p:childTnLst>
-                              <p:par>
-                                <p:cTn id="5" presetID="1" presetClass="entr" presetSubtype="0" fill="hold" grpId="0" nodeType="clickEffect">
-                                  <p:stCondLst>
-                                    <p:cond delay="0"/>
-                                  </p:stCondLst>
-                                  <p:childTnLst>
-                                    <p:set>
-                                      <p:cBhvr>
-                                        <p:cTn id="6" dur="1" fill="hold">
-                                          <p:stCondLst>
-                                            <p:cond delay="0"/>
-                                          </p:stCondLst>
-                                        </p:cTn>
-                                        <p:tgtEl>
-                                          <p:spTgt spid="3"/>
-                                        </p:tgtEl>
-                                        <p:attrNameLst>
-                                          <p:attrName>style.visibility</p:attrName>
-                                        </p:attrNameLst>
-                                      </p:cBhvr>
-                                      <p:to>
-                                        <p:strVal val="visible"/>
-                                      </p:to>
-                                    </p:set>
-                                  </p:childTnLst>
-                                </p:cTn>
-                              </p:par>
-                            </p:childTnLst>
-                          </p:cTn>
-                        </p:par>
-                      </p:childTnLst>
-                    </p:cTn>
-                  </p:par>
-                  <p:par>
-                    <p:cTn id="7" fill="hold">
-                      <p:stCondLst>
-                        <p:cond delay="indefinite"/>
-                      </p:stCondLst>
-                      <p:childTnLst>
-                        <p:par>
-                          <p:cTn id="8" fill="hold">
-                            <p:stCondLst>
-                              <p:cond delay="0"/>
-                            </p:stCondLst>
-                            <p:childTnLst>
-                              <p:par>
-                                <p:cTn id="9" presetID="1" presetClass="entr" presetSubtype="0" fill="hold" grpId="0" nodeType="clickEffect">
-                                  <p:stCondLst>
-                                    <p:cond delay="0"/>
-                                  </p:stCondLst>
-                                  <p:childTnLst>
-                                    <p:set>
-                                      <p:cBhvr>
-                                        <p:cTn id="10" dur="1" fill="hold">
-                                          <p:stCondLst>
-                                            <p:cond delay="0"/>
-                                          </p:stCondLst>
-                                        </p:cTn>
-                                        <p:tgtEl>
-                                          <p:spTgt spid="5"/>
-                                        </p:tgtEl>
-                                        <p:attrNameLst>
-                                          <p:attrName>style.visibility</p:attrName>
-                                        </p:attrNameLst>
-                                      </p:cBhvr>
-                                      <p:to>
-                                        <p:strVal val="visible"/>
-                                      </p:to>
-                                    </p:set>
-                                  </p:childTnLst>
-                                </p:cTn>
-                              </p:par>
-                            </p:childTnLst>
-                          </p:cTn>
-                        </p:par>
-                      </p:childTnLst>
-                    </p:cTn>
-                  </p:par>
-                </p:childTnLst>
-              </p:cTn>
-              <p:prevCondLst>
-                <p:cond evt="onPrev" delay="0">
-                  <p:tgtEl>
-                    <p:sldTgt/>
-                  </p:tgtEl>
-                </p:cond>
-              </p:prevCondLst>
-              <p:nextCondLst>
-                <p:cond evt="onNext" delay="0">
-                  <p:tgtEl>
-                    <p:sldTgt/>
-                  </p:tgtEl>
-                </p:cond>
-              </p:nextCondLst>
-            </p:seq>
-          </p:childTnLst>
-        </p:cTn>
-      </p:par>
-    </p:tnLst>
-    <p:bldLst>
-      <p:bldP spid="3" grpId="0" animBg="1"/>
-      <p:bldP spid="5" grpId="0" animBg="1"/>
-    </p:bldLst>
-  </p:timing>
-</p:sld>
-</file>
-
-<file path=ppt/slides/slide54.xml><?xml version="1.0" encoding="utf-8"?>
-<p:sld xmlns:a="http://schemas.openxmlformats.org/drawingml/2006/main" xmlns:r="http://schemas.openxmlformats.org/officeDocument/2006/relationships" xmlns:p="http://schemas.openxmlformats.org/presentationml/2006/main">
-  <p:cSld>
-    <p:spTree>
-      <p:nvGrpSpPr>
-        <p:cNvPr id="1" name=""/>
-        <p:cNvGrpSpPr/>
-        <p:nvPr/>
-      </p:nvGrpSpPr>
-      <p:grpSpPr>
-        <a:xfrm>
-          <a:off x="0" y="0"/>
-          <a:ext cx="0" cy="0"/>
-          <a:chOff x="0" y="0"/>
-          <a:chExt cx="0" cy="0"/>
-        </a:xfrm>
-      </p:grpSpPr>
-      <p:pic>
-        <p:nvPicPr>
-          <p:cNvPr id="7" name="Picture 6">
-            <a:extLst>
-              <a:ext uri="{FF2B5EF4-FFF2-40B4-BE49-F238E27FC236}">
-                <a16:creationId xmlns:a16="http://schemas.microsoft.com/office/drawing/2014/main" id="{48E5E9E7-81A0-AB46-AF2D-503404680358}"/>
-              </a:ext>
-            </a:extLst>
-          </p:cNvPr>
-          <p:cNvPicPr>
-            <a:picLocks noChangeAspect="1"/>
-          </p:cNvPicPr>
-          <p:nvPr/>
-        </p:nvPicPr>
-        <p:blipFill>
-          <a:blip r:embed="rId3"/>
-          <a:stretch>
-            <a:fillRect/>
-          </a:stretch>
-        </p:blipFill>
-        <p:spPr>
-          <a:xfrm>
-            <a:off x="2446649" y="1257300"/>
-            <a:ext cx="7596511" cy="4058920"/>
-          </a:xfrm>
-          <a:prstGeom prst="rect">
-            <a:avLst/>
-          </a:prstGeom>
-        </p:spPr>
-      </p:pic>
-      <p:sp>
-        <p:nvSpPr>
-          <p:cNvPr id="3" name="Rectangular Callout 2">
-            <a:extLst>
-              <a:ext uri="{FF2B5EF4-FFF2-40B4-BE49-F238E27FC236}">
-                <a16:creationId xmlns:a16="http://schemas.microsoft.com/office/drawing/2014/main" id="{05D8B718-6CE6-FD46-B96D-1463E2DDAFDF}"/>
-              </a:ext>
-            </a:extLst>
-          </p:cNvPr>
-          <p:cNvSpPr/>
-          <p:nvPr/>
-        </p:nvSpPr>
-        <p:spPr>
-          <a:xfrm>
-            <a:off x="9897493" y="543560"/>
-            <a:ext cx="1628199" cy="1285240"/>
-          </a:xfrm>
-          <a:prstGeom prst="wedgeRectCallout">
-            <a:avLst>
-              <a:gd name="adj1" fmla="val -95859"/>
-              <a:gd name="adj2" fmla="val 68189"/>
-            </a:avLst>
-          </a:prstGeom>
-        </p:spPr>
-        <p:style>
-          <a:lnRef idx="2">
-            <a:schemeClr val="accent3">
-              <a:shade val="50000"/>
-            </a:schemeClr>
-          </a:lnRef>
-          <a:fillRef idx="1">
-            <a:schemeClr val="accent3"/>
-          </a:fillRef>
-          <a:effectRef idx="0">
-            <a:schemeClr val="accent3"/>
-          </a:effectRef>
-          <a:fontRef idx="minor">
-            <a:schemeClr val="lt1"/>
-          </a:fontRef>
-        </p:style>
-        <p:txBody>
-          <a:bodyPr rtlCol="0" anchor="ctr"/>
-          <a:lstStyle/>
-          <a:p>
-            <a:pPr algn="ctr"/>
-            <a:r>
-              <a:rPr lang="en-US" dirty="0"/>
-              <a:t>We may write scripted tests to </a:t>
-            </a:r>
-            <a:r>
-              <a:rPr lang="en-US" i="1" dirty="0"/>
-              <a:t>trace</a:t>
-            </a:r>
-            <a:r>
-              <a:rPr lang="en-US" dirty="0"/>
-              <a:t> end-to-end</a:t>
-            </a:r>
-          </a:p>
-        </p:txBody>
-      </p:sp>
-    </p:spTree>
-    <p:extLst>
-      <p:ext uri="{BB962C8B-B14F-4D97-AF65-F5344CB8AC3E}">
-        <p14:creationId xmlns:p14="http://schemas.microsoft.com/office/powerpoint/2010/main" val="2256374174"/>
-      </p:ext>
-    </p:extLst>
-  </p:cSld>
-  <p:clrMapOvr>
-    <a:masterClrMapping/>
-  </p:clrMapOvr>
-</p:sld>
-</file>
-
-<file path=ppt/slides/slide55.xml><?xml version="1.0" encoding="utf-8"?>
-<p:sld xmlns:a="http://schemas.openxmlformats.org/drawingml/2006/main" xmlns:r="http://schemas.openxmlformats.org/officeDocument/2006/relationships" xmlns:p="http://schemas.openxmlformats.org/presentationml/2006/main">
-  <p:cSld>
-    <p:spTree>
-      <p:nvGrpSpPr>
-        <p:cNvPr id="1" name=""/>
-        <p:cNvGrpSpPr/>
-        <p:nvPr/>
-      </p:nvGrpSpPr>
-      <p:grpSpPr>
-        <a:xfrm>
-          <a:off x="0" y="0"/>
-          <a:ext cx="0" cy="0"/>
-          <a:chOff x="0" y="0"/>
-          <a:chExt cx="0" cy="0"/>
-        </a:xfrm>
-      </p:grpSpPr>
-      <p:sp>
-        <p:nvSpPr>
-          <p:cNvPr id="2" name="Title 1">
-            <a:extLst>
-              <a:ext uri="{FF2B5EF4-FFF2-40B4-BE49-F238E27FC236}">
                 <a16:creationId xmlns:a16="http://schemas.microsoft.com/office/drawing/2014/main" id="{FC38691A-B4DD-BA47-8DDF-E18300198E35}"/>
               </a:ext>
             </a:extLst>
@@ -34753,7 +31092,7 @@
 </p:sld>
 </file>
 
-<file path=ppt/slides/slide56.xml><?xml version="1.0" encoding="utf-8"?>
+<file path=ppt/slides/slide49.xml><?xml version="1.0" encoding="utf-8"?>
 <p:sld xmlns:a="http://schemas.openxmlformats.org/drawingml/2006/main" xmlns:r="http://schemas.openxmlformats.org/officeDocument/2006/relationships" xmlns:p="http://schemas.openxmlformats.org/presentationml/2006/main">
   <p:cSld>
     <p:spTree>
@@ -35240,7 +31579,90 @@
 </p:sld>
 </file>
 
-<file path=ppt/slides/slide57.xml><?xml version="1.0" encoding="utf-8"?>
+<file path=ppt/slides/slide5.xml><?xml version="1.0" encoding="utf-8"?>
+<p:sld xmlns:a="http://schemas.openxmlformats.org/drawingml/2006/main" xmlns:r="http://schemas.openxmlformats.org/officeDocument/2006/relationships" xmlns:p="http://schemas.openxmlformats.org/presentationml/2006/main">
+  <p:cSld>
+    <p:spTree>
+      <p:nvGrpSpPr>
+        <p:cNvPr id="1" name=""/>
+        <p:cNvGrpSpPr/>
+        <p:nvPr/>
+      </p:nvGrpSpPr>
+      <p:grpSpPr>
+        <a:xfrm>
+          <a:off x="0" y="0"/>
+          <a:ext cx="0" cy="0"/>
+          <a:chOff x="0" y="0"/>
+          <a:chExt cx="0" cy="0"/>
+        </a:xfrm>
+      </p:grpSpPr>
+      <p:sp>
+        <p:nvSpPr>
+          <p:cNvPr id="2" name="Title 1">
+            <a:extLst>
+              <a:ext uri="{FF2B5EF4-FFF2-40B4-BE49-F238E27FC236}">
+                <a16:creationId xmlns:a16="http://schemas.microsoft.com/office/drawing/2014/main" id="{568A866C-B638-5946-963F-9D3C18C5CCC8}"/>
+              </a:ext>
+            </a:extLst>
+          </p:cNvPr>
+          <p:cNvSpPr>
+            <a:spLocks noGrp="1"/>
+          </p:cNvSpPr>
+          <p:nvPr>
+            <p:ph type="title"/>
+          </p:nvPr>
+        </p:nvSpPr>
+        <p:spPr/>
+        <p:txBody>
+          <a:bodyPr/>
+          <a:lstStyle/>
+          <a:p>
+            <a:r>
+              <a:rPr lang="en-US" dirty="0"/>
+              <a:t>The Fallacies of TDD</a:t>
+            </a:r>
+          </a:p>
+        </p:txBody>
+      </p:sp>
+      <p:sp>
+        <p:nvSpPr>
+          <p:cNvPr id="3" name="Text Placeholder 2">
+            <a:extLst>
+              <a:ext uri="{FF2B5EF4-FFF2-40B4-BE49-F238E27FC236}">
+                <a16:creationId xmlns:a16="http://schemas.microsoft.com/office/drawing/2014/main" id="{E6A158EA-71E5-604E-AFF1-2AD53E847A94}"/>
+              </a:ext>
+            </a:extLst>
+          </p:cNvPr>
+          <p:cNvSpPr>
+            <a:spLocks noGrp="1"/>
+          </p:cNvSpPr>
+          <p:nvPr>
+            <p:ph type="body" idx="1"/>
+          </p:nvPr>
+        </p:nvSpPr>
+        <p:spPr/>
+        <p:txBody>
+          <a:bodyPr/>
+          <a:lstStyle/>
+          <a:p>
+            <a:endParaRPr lang="en-US"/>
+          </a:p>
+        </p:txBody>
+      </p:sp>
+    </p:spTree>
+    <p:extLst>
+      <p:ext uri="{BB962C8B-B14F-4D97-AF65-F5344CB8AC3E}">
+        <p14:creationId xmlns:p14="http://schemas.microsoft.com/office/powerpoint/2010/main" val="3460043057"/>
+      </p:ext>
+    </p:extLst>
+  </p:cSld>
+  <p:clrMapOvr>
+    <a:masterClrMapping/>
+  </p:clrMapOvr>
+</p:sld>
+</file>
+
+<file path=ppt/slides/slide50.xml><?xml version="1.0" encoding="utf-8"?>
 <p:sld xmlns:a="http://schemas.openxmlformats.org/drawingml/2006/main" xmlns:r="http://schemas.openxmlformats.org/officeDocument/2006/relationships" xmlns:p="http://schemas.openxmlformats.org/presentationml/2006/main">
   <p:cSld>
     <p:spTree>
@@ -35728,7 +32150,7 @@
 </p:sld>
 </file>
 
-<file path=ppt/slides/slide58.xml><?xml version="1.0" encoding="utf-8"?>
+<file path=ppt/slides/slide51.xml><?xml version="1.0" encoding="utf-8"?>
 <p:sld xmlns:a="http://schemas.openxmlformats.org/drawingml/2006/main" xmlns:r="http://schemas.openxmlformats.org/officeDocument/2006/relationships" xmlns:p="http://schemas.openxmlformats.org/presentationml/2006/main">
   <p:cSld>
     <p:spTree>
